--- a/lectures/16.mvxx/mvxx.pptx
+++ b/lectures/16.mvxx/mvxx.pptx
@@ -5,7 +5,7 @@
     <p:sldMasterId id="2147483672" r:id="rId10"/>
   </p:sldMasterIdLst>
   <p:notesMasterIdLst>
-    <p:notesMasterId r:id="rId67"/>
+    <p:notesMasterId r:id="rId68"/>
   </p:notesMasterIdLst>
   <p:sldIdLst>
     <p:sldId id="256" r:id="rId11"/>
@@ -51,24 +51,25 @@
     <p:sldId id="313" r:id="rId51"/>
     <p:sldId id="312" r:id="rId52"/>
     <p:sldId id="263" r:id="rId53"/>
-    <p:sldId id="257" r:id="rId54"/>
-    <p:sldId id="258" r:id="rId55"/>
-    <p:sldId id="259" r:id="rId56"/>
-    <p:sldId id="260" r:id="rId57"/>
-    <p:sldId id="261" r:id="rId58"/>
-    <p:sldId id="272" r:id="rId59"/>
-    <p:sldId id="271" r:id="rId60"/>
-    <p:sldId id="273" r:id="rId61"/>
-    <p:sldId id="274" r:id="rId62"/>
-    <p:sldId id="268" r:id="rId63"/>
-    <p:sldId id="269" r:id="rId64"/>
-    <p:sldId id="270" r:id="rId65"/>
-    <p:sldId id="266" r:id="rId66"/>
+    <p:sldId id="315" r:id="rId54"/>
+    <p:sldId id="257" r:id="rId55"/>
+    <p:sldId id="258" r:id="rId56"/>
+    <p:sldId id="259" r:id="rId57"/>
+    <p:sldId id="260" r:id="rId58"/>
+    <p:sldId id="261" r:id="rId59"/>
+    <p:sldId id="272" r:id="rId60"/>
+    <p:sldId id="271" r:id="rId61"/>
+    <p:sldId id="273" r:id="rId62"/>
+    <p:sldId id="274" r:id="rId63"/>
+    <p:sldId id="268" r:id="rId64"/>
+    <p:sldId id="269" r:id="rId65"/>
+    <p:sldId id="270" r:id="rId66"/>
+    <p:sldId id="266" r:id="rId67"/>
   </p:sldIdLst>
   <p:sldSz cx="9144000" cy="6858000" type="screen4x3"/>
   <p:notesSz cx="6858000" cy="9144000"/>
   <p:custDataLst>
-    <p:tags r:id="rId68"/>
+    <p:tags r:id="rId69"/>
   </p:custDataLst>
   <p:defaultTextStyle>
     <a:defPPr>
@@ -266,7 +267,7 @@
           <a:p>
             <a:fld id="{2F3DCB6D-0B48-4A3D-B663-06C3F903A9D3}" type="datetimeFigureOut">
               <a:rPr lang="ru-RU" smtClean="0"/>
-              <a:t>22.04.2019</a:t>
+              <a:t>19.11.2020</a:t>
             </a:fld>
             <a:endParaRPr lang="ru-RU"/>
           </a:p>
@@ -863,7 +864,7 @@
           <a:p>
             <a:fld id="{2590F9C9-AB92-4E86-B698-DEC9BF4350FF}" type="datetimeFigureOut">
               <a:rPr lang="ru-RU" smtClean="0"/>
-              <a:t>22.04.2019</a:t>
+              <a:t>19.11.2020</a:t>
             </a:fld>
             <a:endParaRPr lang="ru-RU"/>
           </a:p>
@@ -1080,7 +1081,7 @@
           <a:p>
             <a:fld id="{2590F9C9-AB92-4E86-B698-DEC9BF4350FF}" type="datetimeFigureOut">
               <a:rPr lang="ru-RU" smtClean="0"/>
-              <a:t>22.04.2019</a:t>
+              <a:t>19.11.2020</a:t>
             </a:fld>
             <a:endParaRPr lang="ru-RU"/>
           </a:p>
@@ -1352,7 +1353,7 @@
           <a:p>
             <a:fld id="{2590F9C9-AB92-4E86-B698-DEC9BF4350FF}" type="datetimeFigureOut">
               <a:rPr lang="ru-RU" smtClean="0"/>
-              <a:t>22.04.2019</a:t>
+              <a:t>19.11.2020</a:t>
             </a:fld>
             <a:endParaRPr lang="ru-RU"/>
           </a:p>
@@ -1527,7 +1528,7 @@
           <a:p>
             <a:fld id="{2590F9C9-AB92-4E86-B698-DEC9BF4350FF}" type="datetimeFigureOut">
               <a:rPr lang="ru-RU" smtClean="0"/>
-              <a:t>22.04.2019</a:t>
+              <a:t>19.11.2020</a:t>
             </a:fld>
             <a:endParaRPr lang="ru-RU"/>
           </a:p>
@@ -1881,7 +1882,7 @@
           <a:p>
             <a:fld id="{2590F9C9-AB92-4E86-B698-DEC9BF4350FF}" type="datetimeFigureOut">
               <a:rPr lang="ru-RU" smtClean="0"/>
-              <a:t>22.04.2019</a:t>
+              <a:t>19.11.2020</a:t>
             </a:fld>
             <a:endParaRPr lang="ru-RU"/>
           </a:p>
@@ -2166,7 +2167,7 @@
           <a:p>
             <a:fld id="{2590F9C9-AB92-4E86-B698-DEC9BF4350FF}" type="datetimeFigureOut">
               <a:rPr lang="ru-RU" smtClean="0"/>
-              <a:t>22.04.2019</a:t>
+              <a:t>19.11.2020</a:t>
             </a:fld>
             <a:endParaRPr lang="ru-RU"/>
           </a:p>
@@ -2588,7 +2589,7 @@
           <a:p>
             <a:fld id="{2590F9C9-AB92-4E86-B698-DEC9BF4350FF}" type="datetimeFigureOut">
               <a:rPr lang="ru-RU" smtClean="0"/>
-              <a:t>22.04.2019</a:t>
+              <a:t>19.11.2020</a:t>
             </a:fld>
             <a:endParaRPr lang="ru-RU"/>
           </a:p>
@@ -2701,7 +2702,7 @@
           <a:p>
             <a:fld id="{2590F9C9-AB92-4E86-B698-DEC9BF4350FF}" type="datetimeFigureOut">
               <a:rPr lang="ru-RU" smtClean="0"/>
-              <a:t>22.04.2019</a:t>
+              <a:t>19.11.2020</a:t>
             </a:fld>
             <a:endParaRPr lang="ru-RU"/>
           </a:p>
@@ -2791,7 +2792,7 @@
           <a:p>
             <a:fld id="{2590F9C9-AB92-4E86-B698-DEC9BF4350FF}" type="datetimeFigureOut">
               <a:rPr lang="ru-RU" smtClean="0"/>
-              <a:t>22.04.2019</a:t>
+              <a:t>19.11.2020</a:t>
             </a:fld>
             <a:endParaRPr lang="ru-RU"/>
           </a:p>
@@ -3069,7 +3070,7 @@
           <a:p>
             <a:fld id="{2590F9C9-AB92-4E86-B698-DEC9BF4350FF}" type="datetimeFigureOut">
               <a:rPr lang="ru-RU" smtClean="0"/>
-              <a:t>22.04.2019</a:t>
+              <a:t>19.11.2020</a:t>
             </a:fld>
             <a:endParaRPr lang="ru-RU"/>
           </a:p>
@@ -3431,7 +3432,7 @@
           <a:p>
             <a:fld id="{2590F9C9-AB92-4E86-B698-DEC9BF4350FF}" type="datetimeFigureOut">
               <a:rPr lang="ru-RU" smtClean="0"/>
-              <a:t>22.04.2019</a:t>
+              <a:t>19.11.2020</a:t>
             </a:fld>
             <a:endParaRPr lang="ru-RU"/>
           </a:p>
@@ -3856,7 +3857,7 @@
           <a:p>
             <a:fld id="{2590F9C9-AB92-4E86-B698-DEC9BF4350FF}" type="datetimeFigureOut">
               <a:rPr lang="ru-RU" smtClean="0"/>
-              <a:t>22.04.2019</a:t>
+              <a:t>19.11.2020</a:t>
             </a:fld>
             <a:endParaRPr lang="ru-RU"/>
           </a:p>
@@ -4278,10 +4279,17 @@
           <a:lstStyle/>
           <a:p>
             <a:r>
+              <a:rPr lang="ru-RU" dirty="0"/>
+              <a:t>Паттерны разработки </a:t>
+            </a:r>
+            <a:r>
               <a:rPr lang="en-US" dirty="0"/>
-              <a:t>MV*</a:t>
-            </a:r>
-            <a:endParaRPr lang="ru-RU" dirty="0"/>
+              <a:t>GUI</a:t>
+            </a:r>
+            <a:r>
+              <a:rPr lang="ru-RU" dirty="0"/>
+              <a:t> приложений</a:t>
+            </a:r>
           </a:p>
         </p:txBody>
       </p:sp>
@@ -4302,11 +4310,7 @@
           <a:p>
             <a:r>
               <a:rPr lang="ru-RU" dirty="0"/>
-              <a:t>Лекция </a:t>
-            </a:r>
-            <a:r>
-              <a:rPr lang="ru-RU" dirty="0" smtClean="0"/>
-              <a:t>1</a:t>
+              <a:t>Лекция 1</a:t>
             </a:r>
             <a:r>
               <a:rPr lang="en-US" dirty="0"/>
@@ -4326,13 +4330,6 @@
   <p:clrMapOvr>
     <a:masterClrMapping/>
   </p:clrMapOvr>
-  <p:timing>
-    <p:tnLst>
-      <p:par>
-        <p:cTn id="1" dur="indefinite" restart="never" nodeType="tmRoot"/>
-      </p:par>
-    </p:tnLst>
-  </p:timing>
 </p:sld>
 </file>
 
@@ -4369,7 +4366,7 @@
           <a:lstStyle/>
           <a:p>
             <a:r>
-              <a:rPr lang="en-US" dirty="0" smtClean="0"/>
+              <a:rPr lang="en-US" dirty="0"/>
               <a:t>Document</a:t>
             </a:r>
             <a:endParaRPr lang="ru-RU" dirty="0"/>
@@ -4556,7 +4553,7 @@
           </a:p>
           <a:p>
             <a:r>
-              <a:rPr lang="ru-RU" sz="1600" dirty="0" smtClean="0">
+              <a:rPr lang="ru-RU" sz="1600" dirty="0">
                 <a:latin typeface="Consolas" panose="020B0609020204030204" pitchFamily="49" charset="0"/>
               </a:rPr>
               <a:t>    </a:t>
@@ -4676,7 +4673,7 @@
           </a:p>
           <a:p>
             <a:r>
-              <a:rPr lang="ru-RU" sz="1600" dirty="0" smtClean="0">
+              <a:rPr lang="ru-RU" sz="1600" dirty="0">
                 <a:latin typeface="Consolas" panose="020B0609020204030204" pitchFamily="49" charset="0"/>
               </a:rPr>
               <a:t>    </a:t>
@@ -4776,7 +4773,7 @@
           </a:p>
           <a:p>
             <a:r>
-              <a:rPr lang="ru-RU" sz="1600" dirty="0" smtClean="0">
+              <a:rPr lang="ru-RU" sz="1600" dirty="0">
                 <a:latin typeface="Consolas" panose="020B0609020204030204" pitchFamily="49" charset="0"/>
               </a:rPr>
               <a:t>    </a:t>
@@ -4861,7 +4858,7 @@
           </a:p>
           <a:p>
             <a:r>
-              <a:rPr lang="ru-RU" sz="1600" dirty="0" smtClean="0">
+              <a:rPr lang="ru-RU" sz="1600" dirty="0">
                 <a:latin typeface="Consolas" panose="020B0609020204030204" pitchFamily="49" charset="0"/>
               </a:rPr>
               <a:t>    </a:t>
@@ -5049,7 +5046,7 @@
           </a:p>
           <a:p>
             <a:r>
-              <a:rPr lang="ru-RU" sz="1600" dirty="0" smtClean="0">
+              <a:rPr lang="ru-RU" sz="1600" dirty="0">
                 <a:latin typeface="Consolas" panose="020B0609020204030204" pitchFamily="49" charset="0"/>
               </a:rPr>
               <a:t>    </a:t>
@@ -5169,7 +5166,7 @@
           </a:p>
           <a:p>
             <a:r>
-              <a:rPr lang="ru-RU" sz="1600" dirty="0" smtClean="0">
+              <a:rPr lang="ru-RU" sz="1600" dirty="0">
                 <a:latin typeface="Consolas" panose="020B0609020204030204" pitchFamily="49" charset="0"/>
               </a:rPr>
               <a:t>    </a:t>
@@ -6156,7 +6153,7 @@
           <a:lstStyle/>
           <a:p>
             <a:r>
-              <a:rPr lang="en-US" dirty="0" smtClean="0"/>
+              <a:rPr lang="en-US" dirty="0"/>
               <a:t>View</a:t>
             </a:r>
             <a:endParaRPr lang="ru-RU" dirty="0"/>
@@ -8020,10 +8017,9 @@
           <a:lstStyle/>
           <a:p>
             <a:r>
-              <a:rPr lang="ru-RU" dirty="0" smtClean="0"/>
+              <a:rPr lang="ru-RU" dirty="0"/>
               <a:t>Приложение</a:t>
             </a:r>
-            <a:endParaRPr lang="ru-RU" dirty="0"/>
           </a:p>
         </p:txBody>
       </p:sp>
@@ -8256,13 +8252,6 @@
   <p:clrMapOvr>
     <a:masterClrMapping/>
   </p:clrMapOvr>
-  <p:timing>
-    <p:tnLst>
-      <p:par>
-        <p:cTn id="1" dur="indefinite" restart="never" nodeType="tmRoot"/>
-      </p:par>
-    </p:tnLst>
-  </p:timing>
 </p:sld>
 </file>
 
@@ -8301,10 +8290,9 @@
           <a:lstStyle/>
           <a:p>
             <a:r>
-              <a:rPr lang="ru-RU" dirty="0" smtClean="0"/>
+              <a:rPr lang="ru-RU" dirty="0"/>
               <a:t>Особенности реализации в языках со статической типизацией</a:t>
             </a:r>
-            <a:endParaRPr lang="ru-RU" dirty="0"/>
           </a:p>
         </p:txBody>
       </p:sp>
@@ -8324,33 +8312,32 @@
           <a:lstStyle/>
           <a:p>
             <a:r>
-              <a:rPr lang="ru-RU" dirty="0" smtClean="0"/>
+              <a:rPr lang="ru-RU" dirty="0"/>
               <a:t>Для оповещения об изменении модели обычно используется одна из вариаций паттерна «Наблюдатель»</a:t>
             </a:r>
           </a:p>
           <a:p>
             <a:pPr lvl="1"/>
             <a:r>
-              <a:rPr lang="ru-RU" dirty="0" smtClean="0"/>
+              <a:rPr lang="ru-RU" dirty="0"/>
               <a:t>Вводится интерфейс </a:t>
             </a:r>
             <a:r>
-              <a:rPr lang="en-US" dirty="0" err="1" smtClean="0"/>
+              <a:rPr lang="en-US" dirty="0" err="1"/>
               <a:t>IDocumentListener</a:t>
             </a:r>
             <a:r>
-              <a:rPr lang="ru-RU" dirty="0" smtClean="0"/>
+              <a:rPr lang="ru-RU" dirty="0"/>
               <a:t>, который должны реализовать классы представлений</a:t>
             </a:r>
-            <a:endParaRPr lang="en-US" dirty="0" smtClean="0"/>
+            <a:endParaRPr lang="en-US" dirty="0"/>
           </a:p>
           <a:p>
             <a:pPr lvl="1"/>
             <a:r>
-              <a:rPr lang="ru-RU" dirty="0" smtClean="0"/>
+              <a:rPr lang="ru-RU" dirty="0"/>
               <a:t>Используется механизм сигналов/слотов</a:t>
             </a:r>
-            <a:endParaRPr lang="ru-RU" dirty="0"/>
           </a:p>
         </p:txBody>
       </p:sp>
@@ -8364,13 +8351,6 @@
   <p:clrMapOvr>
     <a:masterClrMapping/>
   </p:clrMapOvr>
-  <p:timing>
-    <p:tnLst>
-      <p:par>
-        <p:cTn id="1" dur="indefinite" restart="never" nodeType="tmRoot"/>
-      </p:par>
-    </p:tnLst>
-  </p:timing>
 </p:sld>
 </file>
 
@@ -8407,11 +8387,11 @@
           <a:lstStyle/>
           <a:p>
             <a:r>
-              <a:rPr lang="ru-RU" dirty="0" smtClean="0"/>
+              <a:rPr lang="ru-RU" dirty="0"/>
               <a:t>Традиционный </a:t>
             </a:r>
             <a:r>
-              <a:rPr lang="en-US" dirty="0" smtClean="0"/>
+              <a:rPr lang="en-US" dirty="0"/>
               <a:t>MVC</a:t>
             </a:r>
             <a:endParaRPr lang="ru-RU" dirty="0"/>
@@ -8447,13 +8427,6 @@
   <p:clrMapOvr>
     <a:masterClrMapping/>
   </p:clrMapOvr>
-  <p:timing>
-    <p:tnLst>
-      <p:par>
-        <p:cTn id="1" dur="indefinite" restart="never" nodeType="tmRoot"/>
-      </p:par>
-    </p:tnLst>
-  </p:timing>
 </p:sld>
 </file>
 
@@ -8492,10 +8465,9 @@
           <a:lstStyle/>
           <a:p>
             <a:r>
-              <a:rPr lang="ru-RU" dirty="0" smtClean="0"/>
+              <a:rPr lang="ru-RU" dirty="0"/>
               <a:t>Дальнейшее разделение представления</a:t>
             </a:r>
-            <a:endParaRPr lang="ru-RU" dirty="0"/>
           </a:p>
         </p:txBody>
       </p:sp>
@@ -8515,103 +8487,102 @@
           <a:lstStyle/>
           <a:p>
             <a:r>
-              <a:rPr lang="ru-RU" dirty="0" smtClean="0"/>
+              <a:rPr lang="ru-RU" dirty="0"/>
               <a:t>В </a:t>
             </a:r>
             <a:r>
-              <a:rPr lang="en-US" dirty="0" smtClean="0"/>
+              <a:rPr lang="en-US" dirty="0"/>
               <a:t>MVC </a:t>
             </a:r>
             <a:r>
-              <a:rPr lang="ru-RU" b="1" dirty="0" smtClean="0"/>
+              <a:rPr lang="ru-RU" b="1" dirty="0"/>
               <a:t>модель</a:t>
             </a:r>
             <a:r>
-              <a:rPr lang="ru-RU" dirty="0" smtClean="0"/>
+              <a:rPr lang="ru-RU" dirty="0"/>
               <a:t> является аналогом документа из </a:t>
             </a:r>
             <a:r>
-              <a:rPr lang="en-US" dirty="0" smtClean="0"/>
+              <a:rPr lang="en-US" dirty="0"/>
               <a:t>Document-View</a:t>
             </a:r>
-            <a:endParaRPr lang="ru-RU" dirty="0" smtClean="0"/>
+            <a:endParaRPr lang="ru-RU" dirty="0"/>
           </a:p>
           <a:p>
             <a:pPr lvl="1"/>
             <a:r>
-              <a:rPr lang="ru-RU" dirty="0" smtClean="0"/>
+              <a:rPr lang="ru-RU" dirty="0"/>
               <a:t>Отвечает за хранение состояния и доставку оповещений о его изменении</a:t>
             </a:r>
-            <a:endParaRPr lang="en-US" dirty="0" smtClean="0"/>
-          </a:p>
-          <a:p>
-            <a:r>
-              <a:rPr lang="en-US" dirty="0" smtClean="0"/>
+            <a:endParaRPr lang="en-US" dirty="0"/>
+          </a:p>
+          <a:p>
+            <a:r>
+              <a:rPr lang="en-US" dirty="0"/>
               <a:t>View </a:t>
             </a:r>
             <a:r>
-              <a:rPr lang="ru-RU" dirty="0" smtClean="0"/>
+              <a:rPr lang="ru-RU" dirty="0"/>
               <a:t>из </a:t>
             </a:r>
             <a:r>
-              <a:rPr lang="en-US" dirty="0" smtClean="0"/>
+              <a:rPr lang="en-US" dirty="0"/>
               <a:t>Document</a:t>
             </a:r>
             <a:r>
-              <a:rPr lang="ru-RU" dirty="0" smtClean="0"/>
+              <a:rPr lang="ru-RU" dirty="0"/>
               <a:t>-</a:t>
             </a:r>
             <a:r>
-              <a:rPr lang="en-US" dirty="0" smtClean="0"/>
+              <a:rPr lang="en-US" dirty="0"/>
               <a:t>View </a:t>
             </a:r>
             <a:r>
-              <a:rPr lang="ru-RU" dirty="0" smtClean="0"/>
+              <a:rPr lang="ru-RU" dirty="0"/>
               <a:t>разделяется на </a:t>
             </a:r>
             <a:r>
-              <a:rPr lang="en-US" dirty="0" smtClean="0"/>
+              <a:rPr lang="en-US" dirty="0"/>
               <a:t>View </a:t>
             </a:r>
             <a:r>
-              <a:rPr lang="ru-RU" dirty="0" smtClean="0"/>
+              <a:rPr lang="ru-RU" dirty="0"/>
               <a:t>и </a:t>
             </a:r>
             <a:r>
-              <a:rPr lang="en-US" dirty="0" smtClean="0"/>
+              <a:rPr lang="en-US" dirty="0"/>
               <a:t>Controller</a:t>
             </a:r>
-            <a:endParaRPr lang="ru-RU" dirty="0" smtClean="0"/>
+            <a:endParaRPr lang="ru-RU" dirty="0"/>
           </a:p>
           <a:p>
             <a:pPr lvl="1"/>
             <a:r>
-              <a:rPr lang="en-US" dirty="0" smtClean="0"/>
+              <a:rPr lang="en-US" dirty="0"/>
               <a:t>View</a:t>
             </a:r>
             <a:r>
-              <a:rPr lang="ru-RU" dirty="0" smtClean="0"/>
+              <a:rPr lang="ru-RU" dirty="0"/>
               <a:t> отвечает за визуальное представление</a:t>
             </a:r>
           </a:p>
           <a:p>
             <a:pPr lvl="2"/>
             <a:r>
-              <a:rPr lang="ru-RU" dirty="0" smtClean="0"/>
+              <a:rPr lang="ru-RU" dirty="0"/>
               <a:t>Создаёт контроллер</a:t>
             </a:r>
           </a:p>
           <a:p>
             <a:pPr lvl="1"/>
             <a:r>
-              <a:rPr lang="en-US" dirty="0" smtClean="0"/>
+              <a:rPr lang="en-US" dirty="0"/>
               <a:t>Controller </a:t>
             </a:r>
             <a:r>
-              <a:rPr lang="ru-RU" dirty="0" smtClean="0"/>
+              <a:rPr lang="ru-RU" dirty="0"/>
               <a:t>выполняет модификацию модели</a:t>
             </a:r>
-            <a:endParaRPr lang="ru-RU" dirty="0"/>
           </a:p>
         </p:txBody>
       </p:sp>
@@ -8628,9 +8599,329 @@
   <p:timing>
     <p:tnLst>
       <p:par>
-        <p:cTn id="1" dur="indefinite" restart="never" nodeType="tmRoot"/>
+        <p:cTn id="1" dur="indefinite" restart="never" nodeType="tmRoot">
+          <p:childTnLst>
+            <p:seq concurrent="1" nextAc="seek">
+              <p:cTn id="2" dur="indefinite" nodeType="mainSeq">
+                <p:childTnLst>
+                  <p:par>
+                    <p:cTn id="3" fill="hold">
+                      <p:stCondLst>
+                        <p:cond delay="indefinite"/>
+                      </p:stCondLst>
+                      <p:childTnLst>
+                        <p:par>
+                          <p:cTn id="4" fill="hold">
+                            <p:stCondLst>
+                              <p:cond delay="0"/>
+                            </p:stCondLst>
+                            <p:childTnLst>
+                              <p:par>
+                                <p:cTn id="5" presetID="10" presetClass="entr" presetSubtype="0" fill="hold" grpId="0" nodeType="clickEffect">
+                                  <p:stCondLst>
+                                    <p:cond delay="0"/>
+                                  </p:stCondLst>
+                                  <p:childTnLst>
+                                    <p:set>
+                                      <p:cBhvr>
+                                        <p:cTn id="6" dur="1" fill="hold">
+                                          <p:stCondLst>
+                                            <p:cond delay="0"/>
+                                          </p:stCondLst>
+                                        </p:cTn>
+                                        <p:tgtEl>
+                                          <p:spTgt spid="5">
+                                            <p:txEl>
+                                              <p:pRg st="0" end="0"/>
+                                            </p:txEl>
+                                          </p:spTgt>
+                                        </p:tgtEl>
+                                        <p:attrNameLst>
+                                          <p:attrName>style.visibility</p:attrName>
+                                        </p:attrNameLst>
+                                      </p:cBhvr>
+                                      <p:to>
+                                        <p:strVal val="visible"/>
+                                      </p:to>
+                                    </p:set>
+                                    <p:animEffect transition="in" filter="fade">
+                                      <p:cBhvr>
+                                        <p:cTn id="7" dur="500"/>
+                                        <p:tgtEl>
+                                          <p:spTgt spid="5">
+                                            <p:txEl>
+                                              <p:pRg st="0" end="0"/>
+                                            </p:txEl>
+                                          </p:spTgt>
+                                        </p:tgtEl>
+                                      </p:cBhvr>
+                                    </p:animEffect>
+                                  </p:childTnLst>
+                                </p:cTn>
+                              </p:par>
+                              <p:par>
+                                <p:cTn id="8" presetID="10" presetClass="entr" presetSubtype="0" fill="hold" grpId="0" nodeType="withEffect">
+                                  <p:stCondLst>
+                                    <p:cond delay="0"/>
+                                  </p:stCondLst>
+                                  <p:childTnLst>
+                                    <p:set>
+                                      <p:cBhvr>
+                                        <p:cTn id="9" dur="1" fill="hold">
+                                          <p:stCondLst>
+                                            <p:cond delay="0"/>
+                                          </p:stCondLst>
+                                        </p:cTn>
+                                        <p:tgtEl>
+                                          <p:spTgt spid="5">
+                                            <p:txEl>
+                                              <p:pRg st="1" end="1"/>
+                                            </p:txEl>
+                                          </p:spTgt>
+                                        </p:tgtEl>
+                                        <p:attrNameLst>
+                                          <p:attrName>style.visibility</p:attrName>
+                                        </p:attrNameLst>
+                                      </p:cBhvr>
+                                      <p:to>
+                                        <p:strVal val="visible"/>
+                                      </p:to>
+                                    </p:set>
+                                    <p:animEffect transition="in" filter="fade">
+                                      <p:cBhvr>
+                                        <p:cTn id="10" dur="500"/>
+                                        <p:tgtEl>
+                                          <p:spTgt spid="5">
+                                            <p:txEl>
+                                              <p:pRg st="1" end="1"/>
+                                            </p:txEl>
+                                          </p:spTgt>
+                                        </p:tgtEl>
+                                      </p:cBhvr>
+                                    </p:animEffect>
+                                  </p:childTnLst>
+                                </p:cTn>
+                              </p:par>
+                            </p:childTnLst>
+                          </p:cTn>
+                        </p:par>
+                      </p:childTnLst>
+                    </p:cTn>
+                  </p:par>
+                  <p:par>
+                    <p:cTn id="11" fill="hold">
+                      <p:stCondLst>
+                        <p:cond delay="indefinite"/>
+                      </p:stCondLst>
+                      <p:childTnLst>
+                        <p:par>
+                          <p:cTn id="12" fill="hold">
+                            <p:stCondLst>
+                              <p:cond delay="0"/>
+                            </p:stCondLst>
+                            <p:childTnLst>
+                              <p:par>
+                                <p:cTn id="13" presetID="10" presetClass="entr" presetSubtype="0" fill="hold" grpId="0" nodeType="clickEffect">
+                                  <p:stCondLst>
+                                    <p:cond delay="0"/>
+                                  </p:stCondLst>
+                                  <p:childTnLst>
+                                    <p:set>
+                                      <p:cBhvr>
+                                        <p:cTn id="14" dur="1" fill="hold">
+                                          <p:stCondLst>
+                                            <p:cond delay="0"/>
+                                          </p:stCondLst>
+                                        </p:cTn>
+                                        <p:tgtEl>
+                                          <p:spTgt spid="5">
+                                            <p:txEl>
+                                              <p:pRg st="2" end="2"/>
+                                            </p:txEl>
+                                          </p:spTgt>
+                                        </p:tgtEl>
+                                        <p:attrNameLst>
+                                          <p:attrName>style.visibility</p:attrName>
+                                        </p:attrNameLst>
+                                      </p:cBhvr>
+                                      <p:to>
+                                        <p:strVal val="visible"/>
+                                      </p:to>
+                                    </p:set>
+                                    <p:animEffect transition="in" filter="fade">
+                                      <p:cBhvr>
+                                        <p:cTn id="15" dur="500"/>
+                                        <p:tgtEl>
+                                          <p:spTgt spid="5">
+                                            <p:txEl>
+                                              <p:pRg st="2" end="2"/>
+                                            </p:txEl>
+                                          </p:spTgt>
+                                        </p:tgtEl>
+                                      </p:cBhvr>
+                                    </p:animEffect>
+                                  </p:childTnLst>
+                                </p:cTn>
+                              </p:par>
+                              <p:par>
+                                <p:cTn id="16" presetID="10" presetClass="entr" presetSubtype="0" fill="hold" grpId="0" nodeType="withEffect">
+                                  <p:stCondLst>
+                                    <p:cond delay="0"/>
+                                  </p:stCondLst>
+                                  <p:childTnLst>
+                                    <p:set>
+                                      <p:cBhvr>
+                                        <p:cTn id="17" dur="1" fill="hold">
+                                          <p:stCondLst>
+                                            <p:cond delay="0"/>
+                                          </p:stCondLst>
+                                        </p:cTn>
+                                        <p:tgtEl>
+                                          <p:spTgt spid="5">
+                                            <p:txEl>
+                                              <p:pRg st="3" end="3"/>
+                                            </p:txEl>
+                                          </p:spTgt>
+                                        </p:tgtEl>
+                                        <p:attrNameLst>
+                                          <p:attrName>style.visibility</p:attrName>
+                                        </p:attrNameLst>
+                                      </p:cBhvr>
+                                      <p:to>
+                                        <p:strVal val="visible"/>
+                                      </p:to>
+                                    </p:set>
+                                    <p:animEffect transition="in" filter="fade">
+                                      <p:cBhvr>
+                                        <p:cTn id="18" dur="500"/>
+                                        <p:tgtEl>
+                                          <p:spTgt spid="5">
+                                            <p:txEl>
+                                              <p:pRg st="3" end="3"/>
+                                            </p:txEl>
+                                          </p:spTgt>
+                                        </p:tgtEl>
+                                      </p:cBhvr>
+                                    </p:animEffect>
+                                  </p:childTnLst>
+                                </p:cTn>
+                              </p:par>
+                              <p:par>
+                                <p:cTn id="19" presetID="10" presetClass="entr" presetSubtype="0" fill="hold" grpId="0" nodeType="withEffect">
+                                  <p:stCondLst>
+                                    <p:cond delay="0"/>
+                                  </p:stCondLst>
+                                  <p:childTnLst>
+                                    <p:set>
+                                      <p:cBhvr>
+                                        <p:cTn id="20" dur="1" fill="hold">
+                                          <p:stCondLst>
+                                            <p:cond delay="0"/>
+                                          </p:stCondLst>
+                                        </p:cTn>
+                                        <p:tgtEl>
+                                          <p:spTgt spid="5">
+                                            <p:txEl>
+                                              <p:pRg st="4" end="4"/>
+                                            </p:txEl>
+                                          </p:spTgt>
+                                        </p:tgtEl>
+                                        <p:attrNameLst>
+                                          <p:attrName>style.visibility</p:attrName>
+                                        </p:attrNameLst>
+                                      </p:cBhvr>
+                                      <p:to>
+                                        <p:strVal val="visible"/>
+                                      </p:to>
+                                    </p:set>
+                                    <p:animEffect transition="in" filter="fade">
+                                      <p:cBhvr>
+                                        <p:cTn id="21" dur="500"/>
+                                        <p:tgtEl>
+                                          <p:spTgt spid="5">
+                                            <p:txEl>
+                                              <p:pRg st="4" end="4"/>
+                                            </p:txEl>
+                                          </p:spTgt>
+                                        </p:tgtEl>
+                                      </p:cBhvr>
+                                    </p:animEffect>
+                                  </p:childTnLst>
+                                </p:cTn>
+                              </p:par>
+                              <p:par>
+                                <p:cTn id="22" presetID="10" presetClass="entr" presetSubtype="0" fill="hold" grpId="0" nodeType="withEffect">
+                                  <p:stCondLst>
+                                    <p:cond delay="0"/>
+                                  </p:stCondLst>
+                                  <p:childTnLst>
+                                    <p:set>
+                                      <p:cBhvr>
+                                        <p:cTn id="23" dur="1" fill="hold">
+                                          <p:stCondLst>
+                                            <p:cond delay="0"/>
+                                          </p:stCondLst>
+                                        </p:cTn>
+                                        <p:tgtEl>
+                                          <p:spTgt spid="5">
+                                            <p:txEl>
+                                              <p:pRg st="5" end="5"/>
+                                            </p:txEl>
+                                          </p:spTgt>
+                                        </p:tgtEl>
+                                        <p:attrNameLst>
+                                          <p:attrName>style.visibility</p:attrName>
+                                        </p:attrNameLst>
+                                      </p:cBhvr>
+                                      <p:to>
+                                        <p:strVal val="visible"/>
+                                      </p:to>
+                                    </p:set>
+                                    <p:animEffect transition="in" filter="fade">
+                                      <p:cBhvr>
+                                        <p:cTn id="24" dur="500"/>
+                                        <p:tgtEl>
+                                          <p:spTgt spid="5">
+                                            <p:txEl>
+                                              <p:pRg st="5" end="5"/>
+                                            </p:txEl>
+                                          </p:spTgt>
+                                        </p:tgtEl>
+                                      </p:cBhvr>
+                                    </p:animEffect>
+                                  </p:childTnLst>
+                                </p:cTn>
+                              </p:par>
+                            </p:childTnLst>
+                          </p:cTn>
+                        </p:par>
+                      </p:childTnLst>
+                    </p:cTn>
+                  </p:par>
+                </p:childTnLst>
+              </p:cTn>
+              <p:prevCondLst>
+                <p:cond evt="onPrev" delay="0">
+                  <p:tgtEl>
+                    <p:sldTgt/>
+                  </p:tgtEl>
+                </p:cond>
+              </p:prevCondLst>
+              <p:nextCondLst>
+                <p:cond evt="onNext" delay="0">
+                  <p:tgtEl>
+                    <p:sldTgt/>
+                  </p:tgtEl>
+                </p:cond>
+              </p:nextCondLst>
+            </p:seq>
+          </p:childTnLst>
+        </p:cTn>
       </p:par>
     </p:tnLst>
+    <p:bldLst>
+      <p:bldP spid="5" grpId="0" build="p"/>
+    </p:bldLst>
   </p:timing>
 </p:sld>
 </file>
@@ -8711,13 +9002,6 @@
   <p:clrMapOvr>
     <a:masterClrMapping/>
   </p:clrMapOvr>
-  <p:timing>
-    <p:tnLst>
-      <p:par>
-        <p:cTn id="1" dur="indefinite" restart="never" nodeType="tmRoot"/>
-      </p:par>
-    </p:tnLst>
-  </p:timing>
 </p:sld>
 </file>
 
@@ -8754,7 +9038,7 @@
           <a:lstStyle/>
           <a:p>
             <a:r>
-              <a:rPr lang="en-US" dirty="0" smtClean="0"/>
+              <a:rPr lang="en-US" dirty="0"/>
               <a:t>View</a:t>
             </a:r>
             <a:endParaRPr lang="ru-RU" dirty="0"/>
@@ -9924,7 +10208,7 @@
           <a:lstStyle/>
           <a:p>
             <a:r>
-              <a:rPr lang="en-US" dirty="0" smtClean="0"/>
+              <a:rPr lang="en-US" dirty="0"/>
               <a:t>Controller</a:t>
             </a:r>
             <a:endParaRPr lang="ru-RU" dirty="0"/>
@@ -10313,7 +10597,7 @@
               </a:tabLst>
             </a:pPr>
             <a:r>
-              <a:rPr kumimoji="0" lang="en-US" altLang="ru-RU" b="0" i="0" u="none" strike="noStrike" cap="none" normalizeH="0" baseline="0" dirty="0" smtClean="0">
+              <a:rPr kumimoji="0" lang="en-US" altLang="ru-RU" b="0" i="0" u="none" strike="noStrike" cap="none" normalizeH="0" baseline="0" dirty="0">
                 <a:ln>
                   <a:noFill/>
                 </a:ln>
@@ -10327,7 +10611,7 @@
               </a:rPr>
               <a:t>class Controller(object):</a:t>
             </a:r>
-            <a:endParaRPr kumimoji="0" lang="ru-RU" altLang="ru-RU" b="0" i="0" u="none" strike="noStrike" cap="none" normalizeH="0" baseline="0" dirty="0" smtClean="0">
+            <a:endParaRPr kumimoji="0" lang="ru-RU" altLang="ru-RU" b="0" i="0" u="none" strike="noStrike" cap="none" normalizeH="0" baseline="0" dirty="0">
               <a:ln>
                 <a:noFill/>
               </a:ln>
@@ -10373,7 +10657,7 @@
               </a:tabLst>
             </a:pPr>
             <a:r>
-              <a:rPr kumimoji="0" lang="en-US" altLang="ru-RU" b="0" i="0" u="none" strike="noStrike" cap="none" normalizeH="0" baseline="0" dirty="0" smtClean="0">
+              <a:rPr kumimoji="0" lang="en-US" altLang="ru-RU" b="0" i="0" u="none" strike="noStrike" cap="none" normalizeH="0" baseline="0" dirty="0">
                 <a:ln>
                   <a:noFill/>
                 </a:ln>
@@ -10388,7 +10672,7 @@
               <a:t>    </a:t>
             </a:r>
             <a:r>
-              <a:rPr kumimoji="0" lang="en-US" altLang="ru-RU" b="0" i="0" u="none" strike="noStrike" cap="none" normalizeH="0" baseline="0" dirty="0" err="1" smtClean="0">
+              <a:rPr kumimoji="0" lang="en-US" altLang="ru-RU" b="0" i="0" u="none" strike="noStrike" cap="none" normalizeH="0" baseline="0" dirty="0" err="1">
                 <a:ln>
                   <a:noFill/>
                 </a:ln>
@@ -10403,7 +10687,7 @@
               <a:t>def</a:t>
             </a:r>
             <a:r>
-              <a:rPr kumimoji="0" lang="en-US" altLang="ru-RU" b="0" i="0" u="none" strike="noStrike" cap="none" normalizeH="0" baseline="0" dirty="0" smtClean="0">
+              <a:rPr kumimoji="0" lang="en-US" altLang="ru-RU" b="0" i="0" u="none" strike="noStrike" cap="none" normalizeH="0" baseline="0" dirty="0">
                 <a:ln>
                   <a:noFill/>
                 </a:ln>
@@ -10418,7 +10702,7 @@
               <a:t> __</a:t>
             </a:r>
             <a:r>
-              <a:rPr kumimoji="0" lang="en-US" altLang="ru-RU" b="0" i="0" u="none" strike="noStrike" cap="none" normalizeH="0" baseline="0" dirty="0" err="1" smtClean="0">
+              <a:rPr kumimoji="0" lang="en-US" altLang="ru-RU" b="0" i="0" u="none" strike="noStrike" cap="none" normalizeH="0" baseline="0" dirty="0" err="1">
                 <a:ln>
                   <a:noFill/>
                 </a:ln>
@@ -10433,7 +10717,7 @@
               <a:t>init</a:t>
             </a:r>
             <a:r>
-              <a:rPr kumimoji="0" lang="en-US" altLang="ru-RU" b="0" i="0" u="none" strike="noStrike" cap="none" normalizeH="0" baseline="0" dirty="0" smtClean="0">
+              <a:rPr kumimoji="0" lang="en-US" altLang="ru-RU" b="0" i="0" u="none" strike="noStrike" cap="none" normalizeH="0" baseline="0" dirty="0">
                 <a:ln>
                   <a:noFill/>
                 </a:ln>
@@ -10447,7 +10731,7 @@
               </a:rPr>
               <a:t>__(self, model, view):</a:t>
             </a:r>
-            <a:endParaRPr kumimoji="0" lang="ru-RU" altLang="ru-RU" b="0" i="0" u="none" strike="noStrike" cap="none" normalizeH="0" baseline="0" dirty="0" smtClean="0">
+            <a:endParaRPr kumimoji="0" lang="ru-RU" altLang="ru-RU" b="0" i="0" u="none" strike="noStrike" cap="none" normalizeH="0" baseline="0" dirty="0">
               <a:ln>
                 <a:noFill/>
               </a:ln>
@@ -10493,7 +10777,7 @@
               </a:tabLst>
             </a:pPr>
             <a:r>
-              <a:rPr kumimoji="0" lang="en-US" altLang="ru-RU" b="0" i="0" u="none" strike="noStrike" cap="none" normalizeH="0" baseline="0" dirty="0" smtClean="0">
+              <a:rPr kumimoji="0" lang="en-US" altLang="ru-RU" b="0" i="0" u="none" strike="noStrike" cap="none" normalizeH="0" baseline="0" dirty="0">
                 <a:ln>
                   <a:noFill/>
                 </a:ln>
@@ -10508,7 +10792,7 @@
               <a:t>        </a:t>
             </a:r>
             <a:r>
-              <a:rPr kumimoji="0" lang="en-US" altLang="ru-RU" b="0" i="0" u="none" strike="noStrike" cap="none" normalizeH="0" baseline="0" dirty="0" err="1" smtClean="0">
+              <a:rPr kumimoji="0" lang="en-US" altLang="ru-RU" b="0" i="0" u="none" strike="noStrike" cap="none" normalizeH="0" baseline="0" dirty="0" err="1">
                 <a:ln>
                   <a:noFill/>
                 </a:ln>
@@ -10523,7 +10807,7 @@
               <a:t>self._model</a:t>
             </a:r>
             <a:r>
-              <a:rPr kumimoji="0" lang="en-US" altLang="ru-RU" b="0" i="0" u="none" strike="noStrike" cap="none" normalizeH="0" baseline="0" dirty="0" smtClean="0">
+              <a:rPr kumimoji="0" lang="en-US" altLang="ru-RU" b="0" i="0" u="none" strike="noStrike" cap="none" normalizeH="0" baseline="0" dirty="0">
                 <a:ln>
                   <a:noFill/>
                 </a:ln>
@@ -10537,7 +10821,7 @@
               </a:rPr>
               <a:t> = model</a:t>
             </a:r>
-            <a:endParaRPr kumimoji="0" lang="ru-RU" altLang="ru-RU" b="0" i="0" u="none" strike="noStrike" cap="none" normalizeH="0" baseline="0" dirty="0" smtClean="0">
+            <a:endParaRPr kumimoji="0" lang="ru-RU" altLang="ru-RU" b="0" i="0" u="none" strike="noStrike" cap="none" normalizeH="0" baseline="0" dirty="0">
               <a:ln>
                 <a:noFill/>
               </a:ln>
@@ -10583,7 +10867,7 @@
               </a:tabLst>
             </a:pPr>
             <a:r>
-              <a:rPr kumimoji="0" lang="en-US" altLang="ru-RU" b="0" i="0" u="none" strike="noStrike" cap="none" normalizeH="0" baseline="0" dirty="0" smtClean="0">
+              <a:rPr kumimoji="0" lang="en-US" altLang="ru-RU" b="0" i="0" u="none" strike="noStrike" cap="none" normalizeH="0" baseline="0" dirty="0">
                 <a:ln>
                   <a:noFill/>
                 </a:ln>
@@ -10598,7 +10882,7 @@
               <a:t>        </a:t>
             </a:r>
             <a:r>
-              <a:rPr kumimoji="0" lang="en-US" altLang="ru-RU" b="0" i="0" u="none" strike="noStrike" cap="none" normalizeH="0" baseline="0" dirty="0" err="1" smtClean="0">
+              <a:rPr kumimoji="0" lang="en-US" altLang="ru-RU" b="0" i="0" u="none" strike="noStrike" cap="none" normalizeH="0" baseline="0" dirty="0" err="1">
                 <a:ln>
                   <a:noFill/>
                 </a:ln>
@@ -10613,7 +10897,7 @@
               <a:t>self._view</a:t>
             </a:r>
             <a:r>
-              <a:rPr kumimoji="0" lang="en-US" altLang="ru-RU" b="0" i="0" u="none" strike="noStrike" cap="none" normalizeH="0" baseline="0" dirty="0" smtClean="0">
+              <a:rPr kumimoji="0" lang="en-US" altLang="ru-RU" b="0" i="0" u="none" strike="noStrike" cap="none" normalizeH="0" baseline="0" dirty="0">
                 <a:ln>
                   <a:noFill/>
                 </a:ln>
@@ -10662,7 +10946,7 @@
                 <a:tab pos="9305925" algn="l"/>
               </a:tabLst>
             </a:pPr>
-            <a:endParaRPr kumimoji="0" lang="en-US" altLang="ru-RU" b="0" i="0" u="none" strike="noStrike" cap="none" normalizeH="0" baseline="0" dirty="0" smtClean="0">
+            <a:endParaRPr kumimoji="0" lang="en-US" altLang="ru-RU" b="0" i="0" u="none" strike="noStrike" cap="none" normalizeH="0" baseline="0" dirty="0">
               <a:ln>
                 <a:noFill/>
               </a:ln>
@@ -10710,7 +10994,7 @@
               </a:tabLst>
             </a:pPr>
             <a:r>
-              <a:rPr kumimoji="0" lang="en-US" altLang="ru-RU" b="0" i="0" u="none" strike="noStrike" cap="none" normalizeH="0" baseline="0" dirty="0" smtClean="0">
+              <a:rPr kumimoji="0" lang="en-US" altLang="ru-RU" b="0" i="0" u="none" strike="noStrike" cap="none" normalizeH="0" baseline="0" dirty="0">
                 <a:ln>
                   <a:noFill/>
                 </a:ln>
@@ -10725,7 +11009,7 @@
               <a:t>    </a:t>
             </a:r>
             <a:r>
-              <a:rPr kumimoji="0" lang="en-US" altLang="ru-RU" b="0" i="0" u="none" strike="noStrike" cap="none" normalizeH="0" baseline="0" dirty="0" err="1" smtClean="0">
+              <a:rPr kumimoji="0" lang="en-US" altLang="ru-RU" b="0" i="0" u="none" strike="noStrike" cap="none" normalizeH="0" baseline="0" dirty="0" err="1">
                 <a:ln>
                   <a:noFill/>
                 </a:ln>
@@ -10740,7 +11024,7 @@
               <a:t>def</a:t>
             </a:r>
             <a:r>
-              <a:rPr kumimoji="0" lang="en-US" altLang="ru-RU" b="0" i="0" u="none" strike="noStrike" cap="none" normalizeH="0" baseline="0" dirty="0" smtClean="0">
+              <a:rPr kumimoji="0" lang="en-US" altLang="ru-RU" b="0" i="0" u="none" strike="noStrike" cap="none" normalizeH="0" baseline="0" dirty="0">
                 <a:ln>
                   <a:noFill/>
                 </a:ln>
@@ -10755,7 +11039,7 @@
               <a:t> </a:t>
             </a:r>
             <a:r>
-              <a:rPr kumimoji="0" lang="en-US" altLang="ru-RU" b="0" i="0" u="none" strike="noStrike" cap="none" normalizeH="0" baseline="0" dirty="0" err="1" smtClean="0">
+              <a:rPr kumimoji="0" lang="en-US" altLang="ru-RU" b="0" i="0" u="none" strike="noStrike" cap="none" normalizeH="0" baseline="0" dirty="0" err="1">
                 <a:ln>
                   <a:noFill/>
                 </a:ln>
@@ -10770,7 +11054,7 @@
               <a:t>addOne</a:t>
             </a:r>
             <a:r>
-              <a:rPr kumimoji="0" lang="en-US" altLang="ru-RU" b="0" i="0" u="none" strike="noStrike" cap="none" normalizeH="0" baseline="0" dirty="0" smtClean="0">
+              <a:rPr kumimoji="0" lang="en-US" altLang="ru-RU" b="0" i="0" u="none" strike="noStrike" cap="none" normalizeH="0" baseline="0" dirty="0">
                 <a:ln>
                   <a:noFill/>
                 </a:ln>
@@ -10820,7 +11104,7 @@
               </a:tabLst>
             </a:pPr>
             <a:r>
-              <a:rPr kumimoji="0" lang="en-US" altLang="ru-RU" b="0" i="0" u="none" strike="noStrike" cap="none" normalizeH="0" baseline="0" dirty="0" smtClean="0">
+              <a:rPr kumimoji="0" lang="en-US" altLang="ru-RU" b="0" i="0" u="none" strike="noStrike" cap="none" normalizeH="0" baseline="0" dirty="0">
                 <a:ln>
                   <a:noFill/>
                 </a:ln>
@@ -10835,7 +11119,7 @@
               <a:t>        self._</a:t>
             </a:r>
             <a:r>
-              <a:rPr kumimoji="0" lang="en-US" altLang="ru-RU" b="0" i="0" u="none" strike="noStrike" cap="none" normalizeH="0" baseline="0" dirty="0" err="1" smtClean="0">
+              <a:rPr kumimoji="0" lang="en-US" altLang="ru-RU" b="0" i="0" u="none" strike="noStrike" cap="none" normalizeH="0" baseline="0" dirty="0" err="1">
                 <a:ln>
                   <a:noFill/>
                 </a:ln>
@@ -10850,7 +11134,7 @@
               <a:t>model.setValue</a:t>
             </a:r>
             <a:r>
-              <a:rPr kumimoji="0" lang="en-US" altLang="ru-RU" b="0" i="0" u="none" strike="noStrike" cap="none" normalizeH="0" baseline="0" dirty="0" smtClean="0">
+              <a:rPr kumimoji="0" lang="en-US" altLang="ru-RU" b="0" i="0" u="none" strike="noStrike" cap="none" normalizeH="0" baseline="0" dirty="0">
                 <a:ln>
                   <a:noFill/>
                 </a:ln>
@@ -10865,7 +11149,7 @@
               <a:t>(self._</a:t>
             </a:r>
             <a:r>
-              <a:rPr kumimoji="0" lang="en-US" altLang="ru-RU" b="0" i="0" u="none" strike="noStrike" cap="none" normalizeH="0" baseline="0" dirty="0" err="1" smtClean="0">
+              <a:rPr kumimoji="0" lang="en-US" altLang="ru-RU" b="0" i="0" u="none" strike="noStrike" cap="none" normalizeH="0" baseline="0" dirty="0" err="1">
                 <a:ln>
                   <a:noFill/>
                 </a:ln>
@@ -10880,7 +11164,7 @@
               <a:t>model.value</a:t>
             </a:r>
             <a:r>
-              <a:rPr kumimoji="0" lang="en-US" altLang="ru-RU" b="0" i="0" u="none" strike="noStrike" cap="none" normalizeH="0" baseline="0" dirty="0" smtClean="0">
+              <a:rPr kumimoji="0" lang="en-US" altLang="ru-RU" b="0" i="0" u="none" strike="noStrike" cap="none" normalizeH="0" baseline="0" dirty="0">
                 <a:ln>
                   <a:noFill/>
                 </a:ln>
@@ -10895,7 +11179,7 @@
               <a:t>()+1)</a:t>
             </a:r>
             <a:r>
-              <a:rPr kumimoji="0" lang="ru-RU" altLang="ru-RU" b="0" i="0" u="none" strike="noStrike" cap="none" normalizeH="0" baseline="0" dirty="0" smtClean="0">
+              <a:rPr kumimoji="0" lang="ru-RU" altLang="ru-RU" b="0" i="0" u="none" strike="noStrike" cap="none" normalizeH="0" baseline="0" dirty="0">
                 <a:ln>
                   <a:noFill/>
                 </a:ln>
@@ -11239,10 +11523,9 @@
           <a:lstStyle/>
           <a:p>
             <a:r>
-              <a:rPr lang="ru-RU" dirty="0" smtClean="0"/>
+              <a:rPr lang="ru-RU" dirty="0"/>
               <a:t>Диаграмма последовательности</a:t>
             </a:r>
-            <a:endParaRPr lang="ru-RU" dirty="0"/>
           </a:p>
         </p:txBody>
       </p:sp>
@@ -11286,13 +11569,6 @@
   <p:clrMapOvr>
     <a:masterClrMapping/>
   </p:clrMapOvr>
-  <p:timing>
-    <p:tnLst>
-      <p:par>
-        <p:cTn id="1" dur="indefinite" restart="never" nodeType="tmRoot"/>
-      </p:par>
-    </p:tnLst>
-  </p:timing>
 </p:sld>
 </file>
 
@@ -11329,7 +11605,7 @@
           <a:lstStyle/>
           <a:p>
             <a:r>
-              <a:rPr lang="en-US" dirty="0" smtClean="0"/>
+              <a:rPr lang="en-US" dirty="0"/>
               <a:t>Smart UI</a:t>
             </a:r>
             <a:endParaRPr lang="ru-RU" dirty="0"/>
@@ -11365,13 +11641,6 @@
   <p:clrMapOvr>
     <a:masterClrMapping/>
   </p:clrMapOvr>
-  <p:timing>
-    <p:tnLst>
-      <p:par>
-        <p:cTn id="1" dur="indefinite" restart="never" nodeType="tmRoot"/>
-      </p:par>
-    </p:tnLst>
-  </p:timing>
 </p:sld>
 </file>
 
@@ -11408,7 +11677,7 @@
           <a:lstStyle/>
           <a:p>
             <a:r>
-              <a:rPr lang="en-US" dirty="0" smtClean="0"/>
+              <a:rPr lang="en-US" dirty="0"/>
               <a:t>Application</a:t>
             </a:r>
             <a:endParaRPr lang="ru-RU" dirty="0"/>
@@ -11587,13 +11856,6 @@
   <p:clrMapOvr>
     <a:masterClrMapping/>
   </p:clrMapOvr>
-  <p:timing>
-    <p:tnLst>
-      <p:par>
-        <p:cTn id="1" dur="indefinite" restart="never" nodeType="tmRoot"/>
-      </p:par>
-    </p:tnLst>
-  </p:timing>
 </p:sld>
 </file>
 
@@ -11630,10 +11892,9 @@
           <a:lstStyle/>
           <a:p>
             <a:r>
-              <a:rPr lang="ru-RU" dirty="0" smtClean="0"/>
+              <a:rPr lang="ru-RU" dirty="0"/>
               <a:t>Инициализация приложения</a:t>
             </a:r>
-            <a:endParaRPr lang="ru-RU" dirty="0"/>
           </a:p>
         </p:txBody>
       </p:sp>
@@ -11677,13 +11938,6 @@
   <p:clrMapOvr>
     <a:masterClrMapping/>
   </p:clrMapOvr>
-  <p:timing>
-    <p:tnLst>
-      <p:par>
-        <p:cTn id="1" dur="indefinite" restart="never" nodeType="tmRoot"/>
-      </p:par>
-    </p:tnLst>
-  </p:timing>
 </p:sld>
 </file>
 
@@ -11720,10 +11974,9 @@
           <a:lstStyle/>
           <a:p>
             <a:r>
-              <a:rPr lang="ru-RU" dirty="0" smtClean="0"/>
+              <a:rPr lang="ru-RU" dirty="0"/>
               <a:t>Анализ решения</a:t>
             </a:r>
-            <a:endParaRPr lang="ru-RU" dirty="0"/>
           </a:p>
         </p:txBody>
       </p:sp>
@@ -11743,42 +11996,41 @@
           <a:lstStyle/>
           <a:p>
             <a:r>
-              <a:rPr lang="ru-RU" b="1" dirty="0" smtClean="0"/>
+              <a:rPr lang="ru-RU" b="1" dirty="0"/>
               <a:t>Модель</a:t>
             </a:r>
             <a:r>
-              <a:rPr lang="ru-RU" dirty="0" smtClean="0"/>
+              <a:rPr lang="ru-RU" dirty="0"/>
               <a:t> отвечает за хранение состояния приложения и логику предметной области</a:t>
             </a:r>
           </a:p>
           <a:p>
             <a:r>
-              <a:rPr lang="ru-RU" b="1" dirty="0" smtClean="0"/>
+              <a:rPr lang="ru-RU" b="1" dirty="0"/>
               <a:t>Представление</a:t>
             </a:r>
             <a:r>
-              <a:rPr lang="ru-RU" dirty="0" smtClean="0"/>
+              <a:rPr lang="ru-RU" dirty="0"/>
               <a:t> отображает модель пользователю</a:t>
             </a:r>
           </a:p>
           <a:p>
             <a:r>
-              <a:rPr lang="ru-RU" b="1" dirty="0" smtClean="0"/>
+              <a:rPr lang="ru-RU" b="1" dirty="0"/>
               <a:t>Контроллер</a:t>
             </a:r>
             <a:r>
-              <a:rPr lang="ru-RU" dirty="0" smtClean="0"/>
+              <a:rPr lang="ru-RU" dirty="0"/>
               <a:t> связывает действия пользователя над </a:t>
             </a:r>
             <a:r>
-              <a:rPr lang="en-US" dirty="0" smtClean="0"/>
+              <a:rPr lang="en-US" dirty="0"/>
               <a:t>UI</a:t>
             </a:r>
             <a:r>
-              <a:rPr lang="ru-RU" dirty="0" smtClean="0"/>
+              <a:rPr lang="ru-RU" dirty="0"/>
               <a:t> с операциями над моделью (логика приложения)</a:t>
             </a:r>
-            <a:endParaRPr lang="ru-RU" dirty="0"/>
           </a:p>
         </p:txBody>
       </p:sp>
@@ -11792,13 +12044,6 @@
   <p:clrMapOvr>
     <a:masterClrMapping/>
   </p:clrMapOvr>
-  <p:timing>
-    <p:tnLst>
-      <p:par>
-        <p:cTn id="1" dur="indefinite" restart="never" nodeType="tmRoot"/>
-      </p:par>
-    </p:tnLst>
-  </p:timing>
 </p:sld>
 </file>
 
@@ -11835,11 +12080,11 @@
           <a:lstStyle/>
           <a:p>
             <a:r>
-              <a:rPr lang="ru-RU" dirty="0" smtClean="0"/>
+              <a:rPr lang="ru-RU" dirty="0"/>
               <a:t>Достоинства </a:t>
             </a:r>
             <a:r>
-              <a:rPr lang="en-US" dirty="0" smtClean="0"/>
+              <a:rPr lang="en-US" dirty="0"/>
               <a:t>MVC</a:t>
             </a:r>
             <a:endParaRPr lang="ru-RU" dirty="0"/>
@@ -11864,67 +12109,67 @@
           <a:lstStyle/>
           <a:p>
             <a:r>
-              <a:rPr lang="ru-RU" dirty="0" smtClean="0"/>
+              <a:rPr lang="ru-RU" dirty="0"/>
               <a:t>Разделение ответственности даёт возможность гибкого изменения реализации</a:t>
             </a:r>
           </a:p>
           <a:p>
             <a:r>
-              <a:rPr lang="ru-RU" dirty="0" smtClean="0"/>
+              <a:rPr lang="ru-RU" dirty="0"/>
               <a:t>Ограничение свободы взаимодействия между</a:t>
             </a:r>
             <a:r>
-              <a:rPr lang="en-US" dirty="0" smtClean="0"/>
+              <a:rPr lang="en-US" dirty="0"/>
               <a:t> Model,</a:t>
             </a:r>
             <a:r>
-              <a:rPr lang="ru-RU" dirty="0" smtClean="0"/>
+              <a:rPr lang="ru-RU" dirty="0"/>
               <a:t> </a:t>
             </a:r>
             <a:r>
-              <a:rPr lang="en-US" dirty="0" smtClean="0"/>
+              <a:rPr lang="en-US" dirty="0"/>
               <a:t>View, Controller</a:t>
             </a:r>
             <a:r>
-              <a:rPr lang="ru-RU" dirty="0" smtClean="0"/>
+              <a:rPr lang="ru-RU" dirty="0"/>
               <a:t> уменьшает сложности и побочные эффекты</a:t>
             </a:r>
           </a:p>
           <a:p>
             <a:r>
-              <a:rPr lang="ru-RU" dirty="0" smtClean="0"/>
+              <a:rPr lang="ru-RU" dirty="0"/>
               <a:t>Одни и те же данные могут отображаться и редактироваться разными способами</a:t>
             </a:r>
           </a:p>
           <a:p>
             <a:r>
-              <a:rPr lang="ru-RU" dirty="0" smtClean="0"/>
+              <a:rPr lang="ru-RU" dirty="0"/>
               <a:t>Облегчается независимое тестирование компонентов за счёт замены зависимостей </a:t>
             </a:r>
             <a:r>
-              <a:rPr lang="en-US" dirty="0" smtClean="0"/>
+              <a:rPr lang="en-US" dirty="0"/>
               <a:t>mock-</a:t>
             </a:r>
             <a:r>
-              <a:rPr lang="ru-RU" dirty="0" err="1" smtClean="0"/>
+              <a:rPr lang="ru-RU" dirty="0" err="1"/>
               <a:t>ами</a:t>
             </a:r>
-            <a:endParaRPr lang="ru-RU" dirty="0" smtClean="0"/>
-          </a:p>
-          <a:p>
-            <a:r>
-              <a:rPr lang="ru-RU" dirty="0" smtClean="0"/>
+            <a:endParaRPr lang="ru-RU" dirty="0"/>
+          </a:p>
+          <a:p>
+            <a:r>
+              <a:rPr lang="ru-RU" dirty="0"/>
               <a:t>Поддержка со стороны </a:t>
             </a:r>
             <a:r>
-              <a:rPr lang="en-US" dirty="0" smtClean="0"/>
+              <a:rPr lang="en-US" dirty="0"/>
               <a:t>UI Framework-</a:t>
             </a:r>
             <a:r>
-              <a:rPr lang="ru-RU" dirty="0" err="1" smtClean="0"/>
+              <a:rPr lang="ru-RU" dirty="0" err="1"/>
               <a:t>ов</a:t>
             </a:r>
-            <a:endParaRPr lang="ru-RU" dirty="0" smtClean="0"/>
+            <a:endParaRPr lang="ru-RU" dirty="0"/>
           </a:p>
         </p:txBody>
       </p:sp>
@@ -12312,11 +12557,11 @@
           <a:lstStyle/>
           <a:p>
             <a:r>
-              <a:rPr lang="ru-RU" dirty="0" smtClean="0"/>
+              <a:rPr lang="ru-RU" dirty="0"/>
               <a:t>Достоинства </a:t>
             </a:r>
             <a:r>
-              <a:rPr lang="en-US" dirty="0" smtClean="0"/>
+              <a:rPr lang="en-US" dirty="0"/>
               <a:t>MVC</a:t>
             </a:r>
             <a:endParaRPr lang="ru-RU" dirty="0"/>
@@ -12339,15 +12584,15 @@
           <a:lstStyle/>
           <a:p>
             <a:r>
-              <a:rPr lang="ru-RU" dirty="0" smtClean="0"/>
+              <a:rPr lang="ru-RU" dirty="0"/>
               <a:t>Сложные приложения могут быть составлены из нескольких </a:t>
             </a:r>
             <a:r>
-              <a:rPr lang="en-US" dirty="0" smtClean="0"/>
+              <a:rPr lang="en-US" dirty="0"/>
               <a:t>MVC-</a:t>
             </a:r>
             <a:r>
-              <a:rPr lang="ru-RU" dirty="0" smtClean="0"/>
+              <a:rPr lang="ru-RU" dirty="0"/>
               <a:t>триад, слабо связанных друг с другом</a:t>
             </a:r>
           </a:p>
@@ -12363,13 +12608,6 @@
   <p:clrMapOvr>
     <a:masterClrMapping/>
   </p:clrMapOvr>
-  <p:timing>
-    <p:tnLst>
-      <p:par>
-        <p:cTn id="1" dur="indefinite" restart="never" nodeType="tmRoot"/>
-      </p:par>
-    </p:tnLst>
-  </p:timing>
 </p:sld>
 </file>
 
@@ -12397,7 +12635,7 @@
             <a:spLocks noGrp="1"/>
           </p:cNvSpPr>
           <p:nvPr>
-            <p:ph type="title"/>
+            <p:ph type="ctrTitle"/>
           </p:nvPr>
         </p:nvSpPr>
         <p:spPr/>
@@ -12406,10 +12644,9 @@
           <a:lstStyle/>
           <a:p>
             <a:r>
-              <a:rPr lang="ru-RU" dirty="0" smtClean="0"/>
-              <a:t>Подробнее о ролях компонентов триады</a:t>
-            </a:r>
-            <a:endParaRPr lang="ru-RU" dirty="0"/>
+              <a:rPr lang="ru-RU" dirty="0"/>
+              <a:t>Модель</a:t>
+            </a:r>
           </a:p>
         </p:txBody>
       </p:sp>
@@ -12420,7 +12657,7 @@
             <a:spLocks noGrp="1"/>
           </p:cNvSpPr>
           <p:nvPr>
-            <p:ph type="body" idx="1"/>
+            <p:ph type="subTitle" idx="1"/>
           </p:nvPr>
         </p:nvSpPr>
         <p:spPr/>
@@ -12428,10 +12665,6 @@
           <a:bodyPr/>
           <a:lstStyle/>
           <a:p>
-            <a:r>
-              <a:rPr lang="ru-RU" dirty="0" smtClean="0"/>
-              <a:t>Модель</a:t>
-            </a:r>
             <a:endParaRPr lang="ru-RU" dirty="0"/>
           </a:p>
         </p:txBody>
@@ -12446,13 +12679,6 @@
   <p:clrMapOvr>
     <a:masterClrMapping/>
   </p:clrMapOvr>
-  <p:timing>
-    <p:tnLst>
-      <p:par>
-        <p:cTn id="1" dur="indefinite" restart="never" nodeType="tmRoot"/>
-      </p:par>
-    </p:tnLst>
-  </p:timing>
 </p:sld>
 </file>
 
@@ -12491,10 +12717,9 @@
           <a:lstStyle/>
           <a:p>
             <a:r>
-              <a:rPr lang="ru-RU" dirty="0" smtClean="0"/>
+              <a:rPr lang="ru-RU" dirty="0"/>
               <a:t>Сервисы, предоставляемые моделью</a:t>
             </a:r>
-            <a:endParaRPr lang="ru-RU" dirty="0"/>
           </a:p>
         </p:txBody>
       </p:sp>
@@ -12516,43 +12741,42 @@
           <a:lstStyle/>
           <a:p>
             <a:r>
-              <a:rPr lang="ru-RU" dirty="0" smtClean="0"/>
+              <a:rPr lang="ru-RU" dirty="0"/>
               <a:t>Получение текущего состояния</a:t>
             </a:r>
           </a:p>
           <a:p>
             <a:r>
-              <a:rPr lang="ru-RU" dirty="0" smtClean="0"/>
+              <a:rPr lang="ru-RU" dirty="0"/>
               <a:t>Изменение текущего состояния</a:t>
             </a:r>
           </a:p>
           <a:p>
             <a:pPr lvl="1"/>
             <a:r>
-              <a:rPr lang="ru-RU" dirty="0" smtClean="0"/>
+              <a:rPr lang="ru-RU" dirty="0"/>
               <a:t>Интерфейсы модели предоставляют методы для модификации состояния</a:t>
             </a:r>
           </a:p>
           <a:p>
             <a:pPr lvl="1"/>
             <a:r>
-              <a:rPr lang="ru-RU" dirty="0" smtClean="0"/>
+              <a:rPr lang="ru-RU" dirty="0"/>
               <a:t>Модель выполняет необходимые проверки и действия для обеспечения целостности своего состояния</a:t>
             </a:r>
           </a:p>
           <a:p>
             <a:r>
-              <a:rPr lang="ru-RU" dirty="0" smtClean="0"/>
+              <a:rPr lang="ru-RU" dirty="0"/>
               <a:t>Уведомление об изменении</a:t>
             </a:r>
           </a:p>
           <a:p>
             <a:pPr lvl="1"/>
             <a:r>
-              <a:rPr lang="ru-RU" dirty="0" smtClean="0"/>
+              <a:rPr lang="ru-RU" dirty="0"/>
               <a:t>При изменении состояния, заинтересованные объекты получают уведомление и синхронизируют своё состояние</a:t>
             </a:r>
-            <a:endParaRPr lang="ru-RU" dirty="0"/>
           </a:p>
         </p:txBody>
       </p:sp>
@@ -12569,9 +12793,347 @@
   <p:timing>
     <p:tnLst>
       <p:par>
-        <p:cTn id="1" dur="indefinite" restart="never" nodeType="tmRoot"/>
+        <p:cTn id="1" dur="indefinite" restart="never" nodeType="tmRoot">
+          <p:childTnLst>
+            <p:seq concurrent="1" nextAc="seek">
+              <p:cTn id="2" dur="indefinite" nodeType="mainSeq">
+                <p:childTnLst>
+                  <p:par>
+                    <p:cTn id="3" fill="hold">
+                      <p:stCondLst>
+                        <p:cond delay="indefinite"/>
+                      </p:stCondLst>
+                      <p:childTnLst>
+                        <p:par>
+                          <p:cTn id="4" fill="hold">
+                            <p:stCondLst>
+                              <p:cond delay="0"/>
+                            </p:stCondLst>
+                            <p:childTnLst>
+                              <p:par>
+                                <p:cTn id="5" presetID="10" presetClass="entr" presetSubtype="0" fill="hold" grpId="0" nodeType="clickEffect">
+                                  <p:stCondLst>
+                                    <p:cond delay="0"/>
+                                  </p:stCondLst>
+                                  <p:childTnLst>
+                                    <p:set>
+                                      <p:cBhvr>
+                                        <p:cTn id="6" dur="1" fill="hold">
+                                          <p:stCondLst>
+                                            <p:cond delay="0"/>
+                                          </p:stCondLst>
+                                        </p:cTn>
+                                        <p:tgtEl>
+                                          <p:spTgt spid="3">
+                                            <p:txEl>
+                                              <p:pRg st="0" end="0"/>
+                                            </p:txEl>
+                                          </p:spTgt>
+                                        </p:tgtEl>
+                                        <p:attrNameLst>
+                                          <p:attrName>style.visibility</p:attrName>
+                                        </p:attrNameLst>
+                                      </p:cBhvr>
+                                      <p:to>
+                                        <p:strVal val="visible"/>
+                                      </p:to>
+                                    </p:set>
+                                    <p:animEffect transition="in" filter="fade">
+                                      <p:cBhvr>
+                                        <p:cTn id="7" dur="500"/>
+                                        <p:tgtEl>
+                                          <p:spTgt spid="3">
+                                            <p:txEl>
+                                              <p:pRg st="0" end="0"/>
+                                            </p:txEl>
+                                          </p:spTgt>
+                                        </p:tgtEl>
+                                      </p:cBhvr>
+                                    </p:animEffect>
+                                  </p:childTnLst>
+                                </p:cTn>
+                              </p:par>
+                            </p:childTnLst>
+                          </p:cTn>
+                        </p:par>
+                      </p:childTnLst>
+                    </p:cTn>
+                  </p:par>
+                  <p:par>
+                    <p:cTn id="8" fill="hold">
+                      <p:stCondLst>
+                        <p:cond delay="indefinite"/>
+                      </p:stCondLst>
+                      <p:childTnLst>
+                        <p:par>
+                          <p:cTn id="9" fill="hold">
+                            <p:stCondLst>
+                              <p:cond delay="0"/>
+                            </p:stCondLst>
+                            <p:childTnLst>
+                              <p:par>
+                                <p:cTn id="10" presetID="10" presetClass="entr" presetSubtype="0" fill="hold" grpId="0" nodeType="clickEffect">
+                                  <p:stCondLst>
+                                    <p:cond delay="0"/>
+                                  </p:stCondLst>
+                                  <p:childTnLst>
+                                    <p:set>
+                                      <p:cBhvr>
+                                        <p:cTn id="11" dur="1" fill="hold">
+                                          <p:stCondLst>
+                                            <p:cond delay="0"/>
+                                          </p:stCondLst>
+                                        </p:cTn>
+                                        <p:tgtEl>
+                                          <p:spTgt spid="3">
+                                            <p:txEl>
+                                              <p:pRg st="1" end="1"/>
+                                            </p:txEl>
+                                          </p:spTgt>
+                                        </p:tgtEl>
+                                        <p:attrNameLst>
+                                          <p:attrName>style.visibility</p:attrName>
+                                        </p:attrNameLst>
+                                      </p:cBhvr>
+                                      <p:to>
+                                        <p:strVal val="visible"/>
+                                      </p:to>
+                                    </p:set>
+                                    <p:animEffect transition="in" filter="fade">
+                                      <p:cBhvr>
+                                        <p:cTn id="12" dur="500"/>
+                                        <p:tgtEl>
+                                          <p:spTgt spid="3">
+                                            <p:txEl>
+                                              <p:pRg st="1" end="1"/>
+                                            </p:txEl>
+                                          </p:spTgt>
+                                        </p:tgtEl>
+                                      </p:cBhvr>
+                                    </p:animEffect>
+                                  </p:childTnLst>
+                                </p:cTn>
+                              </p:par>
+                              <p:par>
+                                <p:cTn id="13" presetID="10" presetClass="entr" presetSubtype="0" fill="hold" grpId="0" nodeType="withEffect">
+                                  <p:stCondLst>
+                                    <p:cond delay="0"/>
+                                  </p:stCondLst>
+                                  <p:childTnLst>
+                                    <p:set>
+                                      <p:cBhvr>
+                                        <p:cTn id="14" dur="1" fill="hold">
+                                          <p:stCondLst>
+                                            <p:cond delay="0"/>
+                                          </p:stCondLst>
+                                        </p:cTn>
+                                        <p:tgtEl>
+                                          <p:spTgt spid="3">
+                                            <p:txEl>
+                                              <p:pRg st="2" end="2"/>
+                                            </p:txEl>
+                                          </p:spTgt>
+                                        </p:tgtEl>
+                                        <p:attrNameLst>
+                                          <p:attrName>style.visibility</p:attrName>
+                                        </p:attrNameLst>
+                                      </p:cBhvr>
+                                      <p:to>
+                                        <p:strVal val="visible"/>
+                                      </p:to>
+                                    </p:set>
+                                    <p:animEffect transition="in" filter="fade">
+                                      <p:cBhvr>
+                                        <p:cTn id="15" dur="500"/>
+                                        <p:tgtEl>
+                                          <p:spTgt spid="3">
+                                            <p:txEl>
+                                              <p:pRg st="2" end="2"/>
+                                            </p:txEl>
+                                          </p:spTgt>
+                                        </p:tgtEl>
+                                      </p:cBhvr>
+                                    </p:animEffect>
+                                  </p:childTnLst>
+                                </p:cTn>
+                              </p:par>
+                              <p:par>
+                                <p:cTn id="16" presetID="10" presetClass="entr" presetSubtype="0" fill="hold" grpId="0" nodeType="withEffect">
+                                  <p:stCondLst>
+                                    <p:cond delay="0"/>
+                                  </p:stCondLst>
+                                  <p:childTnLst>
+                                    <p:set>
+                                      <p:cBhvr>
+                                        <p:cTn id="17" dur="1" fill="hold">
+                                          <p:stCondLst>
+                                            <p:cond delay="0"/>
+                                          </p:stCondLst>
+                                        </p:cTn>
+                                        <p:tgtEl>
+                                          <p:spTgt spid="3">
+                                            <p:txEl>
+                                              <p:pRg st="3" end="3"/>
+                                            </p:txEl>
+                                          </p:spTgt>
+                                        </p:tgtEl>
+                                        <p:attrNameLst>
+                                          <p:attrName>style.visibility</p:attrName>
+                                        </p:attrNameLst>
+                                      </p:cBhvr>
+                                      <p:to>
+                                        <p:strVal val="visible"/>
+                                      </p:to>
+                                    </p:set>
+                                    <p:animEffect transition="in" filter="fade">
+                                      <p:cBhvr>
+                                        <p:cTn id="18" dur="500"/>
+                                        <p:tgtEl>
+                                          <p:spTgt spid="3">
+                                            <p:txEl>
+                                              <p:pRg st="3" end="3"/>
+                                            </p:txEl>
+                                          </p:spTgt>
+                                        </p:tgtEl>
+                                      </p:cBhvr>
+                                    </p:animEffect>
+                                  </p:childTnLst>
+                                </p:cTn>
+                              </p:par>
+                            </p:childTnLst>
+                          </p:cTn>
+                        </p:par>
+                      </p:childTnLst>
+                    </p:cTn>
+                  </p:par>
+                  <p:par>
+                    <p:cTn id="19" fill="hold">
+                      <p:stCondLst>
+                        <p:cond delay="indefinite"/>
+                      </p:stCondLst>
+                      <p:childTnLst>
+                        <p:par>
+                          <p:cTn id="20" fill="hold">
+                            <p:stCondLst>
+                              <p:cond delay="0"/>
+                            </p:stCondLst>
+                            <p:childTnLst>
+                              <p:par>
+                                <p:cTn id="21" presetID="10" presetClass="entr" presetSubtype="0" fill="hold" grpId="0" nodeType="clickEffect">
+                                  <p:stCondLst>
+                                    <p:cond delay="0"/>
+                                  </p:stCondLst>
+                                  <p:childTnLst>
+                                    <p:set>
+                                      <p:cBhvr>
+                                        <p:cTn id="22" dur="1" fill="hold">
+                                          <p:stCondLst>
+                                            <p:cond delay="0"/>
+                                          </p:stCondLst>
+                                        </p:cTn>
+                                        <p:tgtEl>
+                                          <p:spTgt spid="3">
+                                            <p:txEl>
+                                              <p:pRg st="4" end="4"/>
+                                            </p:txEl>
+                                          </p:spTgt>
+                                        </p:tgtEl>
+                                        <p:attrNameLst>
+                                          <p:attrName>style.visibility</p:attrName>
+                                        </p:attrNameLst>
+                                      </p:cBhvr>
+                                      <p:to>
+                                        <p:strVal val="visible"/>
+                                      </p:to>
+                                    </p:set>
+                                    <p:animEffect transition="in" filter="fade">
+                                      <p:cBhvr>
+                                        <p:cTn id="23" dur="500"/>
+                                        <p:tgtEl>
+                                          <p:spTgt spid="3">
+                                            <p:txEl>
+                                              <p:pRg st="4" end="4"/>
+                                            </p:txEl>
+                                          </p:spTgt>
+                                        </p:tgtEl>
+                                      </p:cBhvr>
+                                    </p:animEffect>
+                                  </p:childTnLst>
+                                </p:cTn>
+                              </p:par>
+                              <p:par>
+                                <p:cTn id="24" presetID="10" presetClass="entr" presetSubtype="0" fill="hold" grpId="0" nodeType="withEffect">
+                                  <p:stCondLst>
+                                    <p:cond delay="0"/>
+                                  </p:stCondLst>
+                                  <p:childTnLst>
+                                    <p:set>
+                                      <p:cBhvr>
+                                        <p:cTn id="25" dur="1" fill="hold">
+                                          <p:stCondLst>
+                                            <p:cond delay="0"/>
+                                          </p:stCondLst>
+                                        </p:cTn>
+                                        <p:tgtEl>
+                                          <p:spTgt spid="3">
+                                            <p:txEl>
+                                              <p:pRg st="5" end="5"/>
+                                            </p:txEl>
+                                          </p:spTgt>
+                                        </p:tgtEl>
+                                        <p:attrNameLst>
+                                          <p:attrName>style.visibility</p:attrName>
+                                        </p:attrNameLst>
+                                      </p:cBhvr>
+                                      <p:to>
+                                        <p:strVal val="visible"/>
+                                      </p:to>
+                                    </p:set>
+                                    <p:animEffect transition="in" filter="fade">
+                                      <p:cBhvr>
+                                        <p:cTn id="26" dur="500"/>
+                                        <p:tgtEl>
+                                          <p:spTgt spid="3">
+                                            <p:txEl>
+                                              <p:pRg st="5" end="5"/>
+                                            </p:txEl>
+                                          </p:spTgt>
+                                        </p:tgtEl>
+                                      </p:cBhvr>
+                                    </p:animEffect>
+                                  </p:childTnLst>
+                                </p:cTn>
+                              </p:par>
+                            </p:childTnLst>
+                          </p:cTn>
+                        </p:par>
+                      </p:childTnLst>
+                    </p:cTn>
+                  </p:par>
+                </p:childTnLst>
+              </p:cTn>
+              <p:prevCondLst>
+                <p:cond evt="onPrev" delay="0">
+                  <p:tgtEl>
+                    <p:sldTgt/>
+                  </p:tgtEl>
+                </p:cond>
+              </p:prevCondLst>
+              <p:nextCondLst>
+                <p:cond evt="onNext" delay="0">
+                  <p:tgtEl>
+                    <p:sldTgt/>
+                  </p:tgtEl>
+                </p:cond>
+              </p:nextCondLst>
+            </p:seq>
+          </p:childTnLst>
+        </p:cTn>
       </p:par>
     </p:tnLst>
+    <p:bldLst>
+      <p:bldP spid="3" grpId="0" build="p"/>
+    </p:bldLst>
   </p:timing>
 </p:sld>
 </file>
@@ -12609,10 +13171,9 @@
           <a:lstStyle/>
           <a:p>
             <a:r>
-              <a:rPr lang="ru-RU" dirty="0" smtClean="0"/>
+              <a:rPr lang="ru-RU" dirty="0"/>
               <a:t>Зависимости модели</a:t>
             </a:r>
-            <a:endParaRPr lang="ru-RU" dirty="0"/>
           </a:p>
         </p:txBody>
       </p:sp>
@@ -12632,43 +13193,42 @@
           <a:lstStyle/>
           <a:p>
             <a:r>
-              <a:rPr lang="ru-RU" dirty="0" smtClean="0"/>
+              <a:rPr lang="ru-RU" dirty="0"/>
               <a:t>Объекты модели обеспечивают функционирование </a:t>
             </a:r>
             <a:r>
-              <a:rPr lang="ru-RU" b="1" dirty="0" smtClean="0"/>
+              <a:rPr lang="ru-RU" b="1" dirty="0"/>
               <a:t>ядра</a:t>
             </a:r>
             <a:r>
-              <a:rPr lang="ru-RU" dirty="0" smtClean="0"/>
+              <a:rPr lang="ru-RU" dirty="0"/>
               <a:t> приложения</a:t>
             </a:r>
           </a:p>
           <a:p>
             <a:pPr lvl="1"/>
             <a:r>
-              <a:rPr lang="ru-RU" dirty="0" smtClean="0"/>
+              <a:rPr lang="ru-RU" dirty="0"/>
               <a:t>Они могут зависеть только от других объектов модели, либо компонентов, не связанных с представлением</a:t>
             </a:r>
-            <a:endParaRPr lang="en-US" dirty="0" smtClean="0"/>
-          </a:p>
-          <a:p>
-            <a:r>
-              <a:rPr lang="ru-RU" dirty="0" smtClean="0"/>
+            <a:endParaRPr lang="en-US" dirty="0"/>
+          </a:p>
+          <a:p>
+            <a:r>
+              <a:rPr lang="ru-RU" dirty="0"/>
               <a:t>Объекты модели должны быть полностью независимы от </a:t>
             </a:r>
             <a:r>
-              <a:rPr lang="en-US" dirty="0" smtClean="0"/>
+              <a:rPr lang="en-US" dirty="0"/>
               <a:t>UI</a:t>
             </a:r>
           </a:p>
           <a:p>
             <a:pPr lvl="1"/>
             <a:r>
-              <a:rPr lang="ru-RU" dirty="0" smtClean="0"/>
+              <a:rPr lang="ru-RU" dirty="0"/>
               <a:t>Допускается слабая связь через интерфейсы уведомлений</a:t>
             </a:r>
-            <a:endParaRPr lang="ru-RU" dirty="0"/>
           </a:p>
         </p:txBody>
       </p:sp>
@@ -12961,10 +13521,9 @@
           <a:lstStyle/>
           <a:p>
             <a:r>
-              <a:rPr lang="ru-RU" dirty="0" smtClean="0"/>
+              <a:rPr lang="ru-RU" dirty="0"/>
               <a:t>Модификация состояния модели</a:t>
             </a:r>
-            <a:endParaRPr lang="ru-RU" dirty="0"/>
           </a:p>
         </p:txBody>
       </p:sp>
@@ -12984,26 +13543,26 @@
           <a:lstStyle/>
           <a:p>
             <a:r>
-              <a:rPr lang="ru-RU" dirty="0" smtClean="0"/>
+              <a:rPr lang="ru-RU" dirty="0"/>
               <a:t>Модель предоставляет методы для изменения своего состояния</a:t>
             </a:r>
           </a:p>
           <a:p>
             <a:r>
-              <a:rPr lang="ru-RU" dirty="0" smtClean="0"/>
+              <a:rPr lang="ru-RU" dirty="0"/>
               <a:t>Обычно состояние модели модифицируют Контроллеры</a:t>
             </a:r>
           </a:p>
           <a:p>
             <a:pPr lvl="1"/>
             <a:r>
-              <a:rPr lang="ru-RU" dirty="0" smtClean="0"/>
+              <a:rPr lang="ru-RU" dirty="0"/>
               <a:t>Допустимо изменение со стороны иных подсистем: слой работы сетью, другие сущности модели</a:t>
             </a:r>
           </a:p>
           <a:p>
             <a:r>
-              <a:rPr lang="ru-RU" dirty="0" smtClean="0"/>
+              <a:rPr lang="ru-RU" dirty="0"/>
               <a:t>Представлению не разрешено модифицировать модель</a:t>
             </a:r>
           </a:p>
@@ -13022,9 +13581,261 @@
   <p:timing>
     <p:tnLst>
       <p:par>
-        <p:cTn id="1" dur="indefinite" restart="never" nodeType="tmRoot"/>
+        <p:cTn id="1" dur="indefinite" restart="never" nodeType="tmRoot">
+          <p:childTnLst>
+            <p:seq concurrent="1" nextAc="seek">
+              <p:cTn id="2" dur="indefinite" nodeType="mainSeq">
+                <p:childTnLst>
+                  <p:par>
+                    <p:cTn id="3" fill="hold">
+                      <p:stCondLst>
+                        <p:cond delay="indefinite"/>
+                      </p:stCondLst>
+                      <p:childTnLst>
+                        <p:par>
+                          <p:cTn id="4" fill="hold">
+                            <p:stCondLst>
+                              <p:cond delay="0"/>
+                            </p:stCondLst>
+                            <p:childTnLst>
+                              <p:par>
+                                <p:cTn id="5" presetID="10" presetClass="entr" presetSubtype="0" fill="hold" grpId="0" nodeType="clickEffect">
+                                  <p:stCondLst>
+                                    <p:cond delay="0"/>
+                                  </p:stCondLst>
+                                  <p:childTnLst>
+                                    <p:set>
+                                      <p:cBhvr>
+                                        <p:cTn id="6" dur="1" fill="hold">
+                                          <p:stCondLst>
+                                            <p:cond delay="0"/>
+                                          </p:stCondLst>
+                                        </p:cTn>
+                                        <p:tgtEl>
+                                          <p:spTgt spid="3">
+                                            <p:txEl>
+                                              <p:pRg st="0" end="0"/>
+                                            </p:txEl>
+                                          </p:spTgt>
+                                        </p:tgtEl>
+                                        <p:attrNameLst>
+                                          <p:attrName>style.visibility</p:attrName>
+                                        </p:attrNameLst>
+                                      </p:cBhvr>
+                                      <p:to>
+                                        <p:strVal val="visible"/>
+                                      </p:to>
+                                    </p:set>
+                                    <p:animEffect transition="in" filter="fade">
+                                      <p:cBhvr>
+                                        <p:cTn id="7" dur="500"/>
+                                        <p:tgtEl>
+                                          <p:spTgt spid="3">
+                                            <p:txEl>
+                                              <p:pRg st="0" end="0"/>
+                                            </p:txEl>
+                                          </p:spTgt>
+                                        </p:tgtEl>
+                                      </p:cBhvr>
+                                    </p:animEffect>
+                                  </p:childTnLst>
+                                </p:cTn>
+                              </p:par>
+                            </p:childTnLst>
+                          </p:cTn>
+                        </p:par>
+                      </p:childTnLst>
+                    </p:cTn>
+                  </p:par>
+                  <p:par>
+                    <p:cTn id="8" fill="hold">
+                      <p:stCondLst>
+                        <p:cond delay="indefinite"/>
+                      </p:stCondLst>
+                      <p:childTnLst>
+                        <p:par>
+                          <p:cTn id="9" fill="hold">
+                            <p:stCondLst>
+                              <p:cond delay="0"/>
+                            </p:stCondLst>
+                            <p:childTnLst>
+                              <p:par>
+                                <p:cTn id="10" presetID="10" presetClass="entr" presetSubtype="0" fill="hold" grpId="0" nodeType="clickEffect">
+                                  <p:stCondLst>
+                                    <p:cond delay="0"/>
+                                  </p:stCondLst>
+                                  <p:childTnLst>
+                                    <p:set>
+                                      <p:cBhvr>
+                                        <p:cTn id="11" dur="1" fill="hold">
+                                          <p:stCondLst>
+                                            <p:cond delay="0"/>
+                                          </p:stCondLst>
+                                        </p:cTn>
+                                        <p:tgtEl>
+                                          <p:spTgt spid="3">
+                                            <p:txEl>
+                                              <p:pRg st="1" end="1"/>
+                                            </p:txEl>
+                                          </p:spTgt>
+                                        </p:tgtEl>
+                                        <p:attrNameLst>
+                                          <p:attrName>style.visibility</p:attrName>
+                                        </p:attrNameLst>
+                                      </p:cBhvr>
+                                      <p:to>
+                                        <p:strVal val="visible"/>
+                                      </p:to>
+                                    </p:set>
+                                    <p:animEffect transition="in" filter="fade">
+                                      <p:cBhvr>
+                                        <p:cTn id="12" dur="500"/>
+                                        <p:tgtEl>
+                                          <p:spTgt spid="3">
+                                            <p:txEl>
+                                              <p:pRg st="1" end="1"/>
+                                            </p:txEl>
+                                          </p:spTgt>
+                                        </p:tgtEl>
+                                      </p:cBhvr>
+                                    </p:animEffect>
+                                  </p:childTnLst>
+                                </p:cTn>
+                              </p:par>
+                              <p:par>
+                                <p:cTn id="13" presetID="10" presetClass="entr" presetSubtype="0" fill="hold" grpId="0" nodeType="withEffect">
+                                  <p:stCondLst>
+                                    <p:cond delay="0"/>
+                                  </p:stCondLst>
+                                  <p:childTnLst>
+                                    <p:set>
+                                      <p:cBhvr>
+                                        <p:cTn id="14" dur="1" fill="hold">
+                                          <p:stCondLst>
+                                            <p:cond delay="0"/>
+                                          </p:stCondLst>
+                                        </p:cTn>
+                                        <p:tgtEl>
+                                          <p:spTgt spid="3">
+                                            <p:txEl>
+                                              <p:pRg st="2" end="2"/>
+                                            </p:txEl>
+                                          </p:spTgt>
+                                        </p:tgtEl>
+                                        <p:attrNameLst>
+                                          <p:attrName>style.visibility</p:attrName>
+                                        </p:attrNameLst>
+                                      </p:cBhvr>
+                                      <p:to>
+                                        <p:strVal val="visible"/>
+                                      </p:to>
+                                    </p:set>
+                                    <p:animEffect transition="in" filter="fade">
+                                      <p:cBhvr>
+                                        <p:cTn id="15" dur="500"/>
+                                        <p:tgtEl>
+                                          <p:spTgt spid="3">
+                                            <p:txEl>
+                                              <p:pRg st="2" end="2"/>
+                                            </p:txEl>
+                                          </p:spTgt>
+                                        </p:tgtEl>
+                                      </p:cBhvr>
+                                    </p:animEffect>
+                                  </p:childTnLst>
+                                </p:cTn>
+                              </p:par>
+                            </p:childTnLst>
+                          </p:cTn>
+                        </p:par>
+                      </p:childTnLst>
+                    </p:cTn>
+                  </p:par>
+                  <p:par>
+                    <p:cTn id="16" fill="hold">
+                      <p:stCondLst>
+                        <p:cond delay="indefinite"/>
+                      </p:stCondLst>
+                      <p:childTnLst>
+                        <p:par>
+                          <p:cTn id="17" fill="hold">
+                            <p:stCondLst>
+                              <p:cond delay="0"/>
+                            </p:stCondLst>
+                            <p:childTnLst>
+                              <p:par>
+                                <p:cTn id="18" presetID="10" presetClass="entr" presetSubtype="0" fill="hold" grpId="0" nodeType="clickEffect">
+                                  <p:stCondLst>
+                                    <p:cond delay="0"/>
+                                  </p:stCondLst>
+                                  <p:childTnLst>
+                                    <p:set>
+                                      <p:cBhvr>
+                                        <p:cTn id="19" dur="1" fill="hold">
+                                          <p:stCondLst>
+                                            <p:cond delay="0"/>
+                                          </p:stCondLst>
+                                        </p:cTn>
+                                        <p:tgtEl>
+                                          <p:spTgt spid="3">
+                                            <p:txEl>
+                                              <p:pRg st="3" end="3"/>
+                                            </p:txEl>
+                                          </p:spTgt>
+                                        </p:tgtEl>
+                                        <p:attrNameLst>
+                                          <p:attrName>style.visibility</p:attrName>
+                                        </p:attrNameLst>
+                                      </p:cBhvr>
+                                      <p:to>
+                                        <p:strVal val="visible"/>
+                                      </p:to>
+                                    </p:set>
+                                    <p:animEffect transition="in" filter="fade">
+                                      <p:cBhvr>
+                                        <p:cTn id="20" dur="500"/>
+                                        <p:tgtEl>
+                                          <p:spTgt spid="3">
+                                            <p:txEl>
+                                              <p:pRg st="3" end="3"/>
+                                            </p:txEl>
+                                          </p:spTgt>
+                                        </p:tgtEl>
+                                      </p:cBhvr>
+                                    </p:animEffect>
+                                  </p:childTnLst>
+                                </p:cTn>
+                              </p:par>
+                            </p:childTnLst>
+                          </p:cTn>
+                        </p:par>
+                      </p:childTnLst>
+                    </p:cTn>
+                  </p:par>
+                </p:childTnLst>
+              </p:cTn>
+              <p:prevCondLst>
+                <p:cond evt="onPrev" delay="0">
+                  <p:tgtEl>
+                    <p:sldTgt/>
+                  </p:tgtEl>
+                </p:cond>
+              </p:prevCondLst>
+              <p:nextCondLst>
+                <p:cond evt="onNext" delay="0">
+                  <p:tgtEl>
+                    <p:sldTgt/>
+                  </p:tgtEl>
+                </p:cond>
+              </p:nextCondLst>
+            </p:seq>
+          </p:childTnLst>
+        </p:cTn>
       </p:par>
     </p:tnLst>
+    <p:bldLst>
+      <p:bldP spid="3" grpId="0" build="p"/>
+    </p:bldLst>
   </p:timing>
 </p:sld>
 </file>
@@ -13064,10 +13875,9 @@
           <a:lstStyle/>
           <a:p>
             <a:r>
-              <a:rPr lang="ru-RU" dirty="0" smtClean="0"/>
+              <a:rPr lang="ru-RU" dirty="0"/>
               <a:t>Обеспечение целостности данных</a:t>
             </a:r>
-            <a:endParaRPr lang="ru-RU" dirty="0"/>
           </a:p>
         </p:txBody>
       </p:sp>
@@ -13087,56 +13897,56 @@
           <a:lstStyle/>
           <a:p>
             <a:r>
-              <a:rPr lang="ru-RU" dirty="0" smtClean="0"/>
+              <a:rPr lang="ru-RU" dirty="0"/>
               <a:t>Модель должна обеспечивать целостность данных</a:t>
             </a:r>
           </a:p>
           <a:p>
             <a:r>
-              <a:rPr lang="ru-RU" dirty="0" smtClean="0"/>
+              <a:rPr lang="ru-RU" dirty="0"/>
               <a:t>Целостность не всегда должна подразумевать </a:t>
             </a:r>
             <a:r>
-              <a:rPr lang="ru-RU" dirty="0" err="1" smtClean="0"/>
+              <a:rPr lang="ru-RU" dirty="0" err="1"/>
               <a:t>валидность</a:t>
             </a:r>
             <a:r>
-              <a:rPr lang="ru-RU" dirty="0" smtClean="0"/>
+              <a:rPr lang="ru-RU" dirty="0"/>
               <a:t> данных</a:t>
             </a:r>
-            <a:endParaRPr lang="en-US" dirty="0" smtClean="0"/>
+            <a:endParaRPr lang="en-US" dirty="0"/>
           </a:p>
           <a:p>
             <a:pPr lvl="1"/>
             <a:r>
-              <a:rPr lang="ru-RU" dirty="0" smtClean="0"/>
+              <a:rPr lang="ru-RU" dirty="0"/>
               <a:t>Модель может содержат код для определения </a:t>
             </a:r>
             <a:r>
-              <a:rPr lang="ru-RU" dirty="0" err="1" smtClean="0"/>
+              <a:rPr lang="ru-RU" dirty="0" err="1"/>
               <a:t>валидности</a:t>
             </a:r>
             <a:r>
-              <a:rPr lang="ru-RU" dirty="0" smtClean="0"/>
+              <a:rPr lang="ru-RU" dirty="0"/>
               <a:t> данных</a:t>
             </a:r>
           </a:p>
           <a:p>
             <a:pPr lvl="1"/>
             <a:r>
-              <a:rPr lang="ru-RU" dirty="0" smtClean="0"/>
+              <a:rPr lang="ru-RU" dirty="0"/>
               <a:t>Модель может проходить через серию </a:t>
             </a:r>
             <a:r>
-              <a:rPr lang="ru-RU" dirty="0" err="1" smtClean="0"/>
+              <a:rPr lang="ru-RU" dirty="0" err="1"/>
               <a:t>невалидных</a:t>
             </a:r>
             <a:r>
-              <a:rPr lang="ru-RU" dirty="0" smtClean="0"/>
+              <a:rPr lang="ru-RU" dirty="0"/>
               <a:t> состояний к валидному в процессе работы с </a:t>
             </a:r>
             <a:r>
-              <a:rPr lang="en-US" dirty="0" smtClean="0"/>
+              <a:rPr lang="en-US" dirty="0"/>
               <a:t>UI</a:t>
             </a:r>
             <a:endParaRPr lang="ru-RU" dirty="0"/>
@@ -13153,13 +13963,6 @@
   <p:clrMapOvr>
     <a:masterClrMapping/>
   </p:clrMapOvr>
-  <p:timing>
-    <p:tnLst>
-      <p:par>
-        <p:cTn id="1" dur="indefinite" restart="never" nodeType="tmRoot"/>
-      </p:par>
-    </p:tnLst>
-  </p:timing>
 </p:sld>
 </file>
 
@@ -13196,27 +13999,19 @@
           <a:lstStyle/>
           <a:p>
             <a:r>
-              <a:rPr lang="en-US" dirty="0" err="1" smtClean="0"/>
+              <a:rPr lang="en-US" dirty="0" err="1"/>
               <a:t>SmartUI</a:t>
             </a:r>
             <a:r>
-              <a:rPr lang="en-US" dirty="0" smtClean="0"/>
+              <a:rPr lang="en-US" dirty="0"/>
               <a:t> (</a:t>
             </a:r>
             <a:r>
-              <a:rPr lang="ru-RU" dirty="0" smtClean="0"/>
-              <a:t>автоно</a:t>
-            </a:r>
-            <a:r>
               <a:rPr lang="ru-RU" dirty="0"/>
-              <a:t>м</a:t>
-            </a:r>
-            <a:r>
-              <a:rPr lang="ru-RU" dirty="0" smtClean="0"/>
-              <a:t>ный </a:t>
-            </a:r>
-            <a:r>
-              <a:rPr lang="en-US" dirty="0" smtClean="0"/>
+              <a:t>автономный </a:t>
+            </a:r>
+            <a:r>
+              <a:rPr lang="en-US" dirty="0"/>
               <a:t>View)</a:t>
             </a:r>
             <a:endParaRPr lang="ru-RU" dirty="0"/>
@@ -13239,43 +14034,43 @@
           <a:lstStyle/>
           <a:p>
             <a:r>
-              <a:rPr lang="ru-RU" dirty="0" smtClean="0"/>
+              <a:rPr lang="ru-RU" dirty="0"/>
               <a:t>Единственный класс несёт ответственность за всё, что ожидается от </a:t>
             </a:r>
             <a:r>
-              <a:rPr lang="en-US" dirty="0" smtClean="0"/>
+              <a:rPr lang="en-US" dirty="0"/>
               <a:t>GUI-</a:t>
             </a:r>
             <a:r>
-              <a:rPr lang="ru-RU" dirty="0" smtClean="0"/>
+              <a:rPr lang="ru-RU" dirty="0"/>
               <a:t>приложения</a:t>
             </a:r>
           </a:p>
           <a:p>
             <a:pPr lvl="1"/>
             <a:r>
-              <a:rPr lang="ru-RU" dirty="0" smtClean="0"/>
+              <a:rPr lang="ru-RU" dirty="0"/>
               <a:t>Получает события о действиях пользователя</a:t>
             </a:r>
           </a:p>
           <a:p>
             <a:pPr lvl="1"/>
             <a:r>
-              <a:rPr lang="ru-RU" dirty="0" smtClean="0"/>
+              <a:rPr lang="ru-RU" dirty="0"/>
               <a:t>Изменяет состояние приложения в зависимости от действий пользователя</a:t>
             </a:r>
           </a:p>
           <a:p>
             <a:pPr lvl="1"/>
             <a:r>
-              <a:rPr lang="ru-RU" dirty="0" smtClean="0"/>
+              <a:rPr lang="ru-RU" dirty="0"/>
               <a:t>Хранит состояние приложения</a:t>
             </a:r>
           </a:p>
           <a:p>
             <a:pPr lvl="1"/>
             <a:r>
-              <a:rPr lang="ru-RU" dirty="0" smtClean="0"/>
+              <a:rPr lang="ru-RU" dirty="0"/>
               <a:t>Отвечает за визуальное представление состояния приложения</a:t>
             </a:r>
           </a:p>
@@ -13291,13 +14086,6 @@
   <p:clrMapOvr>
     <a:masterClrMapping/>
   </p:clrMapOvr>
-  <p:timing>
-    <p:tnLst>
-      <p:par>
-        <p:cTn id="1" dur="indefinite" restart="never" nodeType="tmRoot"/>
-      </p:par>
-    </p:tnLst>
-  </p:timing>
 </p:sld>
 </file>
 
@@ -13336,10 +14124,9 @@
           <a:lstStyle/>
           <a:p>
             <a:r>
-              <a:rPr lang="ru-RU" dirty="0" smtClean="0"/>
+              <a:rPr lang="ru-RU" dirty="0"/>
               <a:t>Вариации стратегии уведомления</a:t>
             </a:r>
-            <a:endParaRPr lang="ru-RU" dirty="0"/>
           </a:p>
         </p:txBody>
       </p:sp>
@@ -13361,71 +14148,70 @@
           <a:lstStyle/>
           <a:p>
             <a:r>
-              <a:rPr lang="ru-RU" dirty="0" smtClean="0"/>
+              <a:rPr lang="ru-RU" dirty="0"/>
               <a:t>Пассивная модель</a:t>
             </a:r>
           </a:p>
           <a:p>
             <a:pPr lvl="1"/>
             <a:r>
-              <a:rPr lang="ru-RU" dirty="0" smtClean="0"/>
+              <a:rPr lang="ru-RU" dirty="0"/>
               <a:t>Не имеет механизмов уведомления о своём изменении</a:t>
             </a:r>
           </a:p>
           <a:p>
             <a:pPr lvl="2"/>
             <a:r>
-              <a:rPr lang="ru-RU" dirty="0" smtClean="0"/>
+              <a:rPr lang="ru-RU" dirty="0"/>
               <a:t>Эту задачу выполняет Контроллер</a:t>
             </a:r>
           </a:p>
           <a:p>
             <a:pPr lvl="1"/>
             <a:r>
-              <a:rPr lang="ru-RU" dirty="0" smtClean="0"/>
+              <a:rPr lang="ru-RU" dirty="0"/>
               <a:t>Хранит лишь данные</a:t>
             </a:r>
           </a:p>
           <a:p>
             <a:r>
-              <a:rPr lang="ru-RU" dirty="0" smtClean="0"/>
+              <a:rPr lang="ru-RU" dirty="0"/>
               <a:t>Активная модель</a:t>
             </a:r>
           </a:p>
           <a:p>
             <a:pPr lvl="1"/>
             <a:r>
-              <a:rPr lang="ru-RU" dirty="0" smtClean="0"/>
+              <a:rPr lang="ru-RU" dirty="0"/>
               <a:t>Имеет возможности для уведомления слушателей об изменении</a:t>
             </a:r>
           </a:p>
           <a:p>
             <a:pPr lvl="1"/>
             <a:r>
-              <a:rPr lang="ru-RU" dirty="0" smtClean="0"/>
+              <a:rPr lang="ru-RU" dirty="0"/>
               <a:t>Традиционный подход к построению модели</a:t>
             </a:r>
           </a:p>
           <a:p>
             <a:r>
-              <a:rPr lang="ru-RU" dirty="0" smtClean="0"/>
+              <a:rPr lang="ru-RU" dirty="0"/>
               <a:t>Ленивая модель</a:t>
             </a:r>
           </a:p>
           <a:p>
             <a:pPr lvl="1"/>
             <a:r>
-              <a:rPr lang="ru-RU" dirty="0" smtClean="0"/>
+              <a:rPr lang="ru-RU" dirty="0"/>
               <a:t>Переходное решение между Пассивной и Активной моделью</a:t>
             </a:r>
           </a:p>
           <a:p>
             <a:pPr lvl="1"/>
             <a:r>
-              <a:rPr lang="ru-RU" dirty="0" smtClean="0"/>
+              <a:rPr lang="ru-RU" dirty="0"/>
               <a:t>Методы, меняющие состояние, не уведомляют об изменениях. Для уведомления модель предоставляет отдельный метод</a:t>
             </a:r>
-            <a:endParaRPr lang="ru-RU" dirty="0"/>
           </a:p>
         </p:txBody>
       </p:sp>
@@ -13442,9 +14228,519 @@
   <p:timing>
     <p:tnLst>
       <p:par>
-        <p:cTn id="1" dur="indefinite" restart="never" nodeType="tmRoot"/>
+        <p:cTn id="1" dur="indefinite" restart="never" nodeType="tmRoot">
+          <p:childTnLst>
+            <p:seq concurrent="1" nextAc="seek">
+              <p:cTn id="2" dur="indefinite" nodeType="mainSeq">
+                <p:childTnLst>
+                  <p:par>
+                    <p:cTn id="3" fill="hold">
+                      <p:stCondLst>
+                        <p:cond delay="indefinite"/>
+                      </p:stCondLst>
+                      <p:childTnLst>
+                        <p:par>
+                          <p:cTn id="4" fill="hold">
+                            <p:stCondLst>
+                              <p:cond delay="0"/>
+                            </p:stCondLst>
+                            <p:childTnLst>
+                              <p:par>
+                                <p:cTn id="5" presetID="10" presetClass="entr" presetSubtype="0" fill="hold" grpId="0" nodeType="clickEffect">
+                                  <p:stCondLst>
+                                    <p:cond delay="0"/>
+                                  </p:stCondLst>
+                                  <p:childTnLst>
+                                    <p:set>
+                                      <p:cBhvr>
+                                        <p:cTn id="6" dur="1" fill="hold">
+                                          <p:stCondLst>
+                                            <p:cond delay="0"/>
+                                          </p:stCondLst>
+                                        </p:cTn>
+                                        <p:tgtEl>
+                                          <p:spTgt spid="3">
+                                            <p:txEl>
+                                              <p:pRg st="0" end="0"/>
+                                            </p:txEl>
+                                          </p:spTgt>
+                                        </p:tgtEl>
+                                        <p:attrNameLst>
+                                          <p:attrName>style.visibility</p:attrName>
+                                        </p:attrNameLst>
+                                      </p:cBhvr>
+                                      <p:to>
+                                        <p:strVal val="visible"/>
+                                      </p:to>
+                                    </p:set>
+                                    <p:animEffect transition="in" filter="fade">
+                                      <p:cBhvr>
+                                        <p:cTn id="7" dur="500"/>
+                                        <p:tgtEl>
+                                          <p:spTgt spid="3">
+                                            <p:txEl>
+                                              <p:pRg st="0" end="0"/>
+                                            </p:txEl>
+                                          </p:spTgt>
+                                        </p:tgtEl>
+                                      </p:cBhvr>
+                                    </p:animEffect>
+                                  </p:childTnLst>
+                                </p:cTn>
+                              </p:par>
+                              <p:par>
+                                <p:cTn id="8" presetID="10" presetClass="entr" presetSubtype="0" fill="hold" grpId="0" nodeType="withEffect">
+                                  <p:stCondLst>
+                                    <p:cond delay="0"/>
+                                  </p:stCondLst>
+                                  <p:childTnLst>
+                                    <p:set>
+                                      <p:cBhvr>
+                                        <p:cTn id="9" dur="1" fill="hold">
+                                          <p:stCondLst>
+                                            <p:cond delay="0"/>
+                                          </p:stCondLst>
+                                        </p:cTn>
+                                        <p:tgtEl>
+                                          <p:spTgt spid="3">
+                                            <p:txEl>
+                                              <p:pRg st="1" end="1"/>
+                                            </p:txEl>
+                                          </p:spTgt>
+                                        </p:tgtEl>
+                                        <p:attrNameLst>
+                                          <p:attrName>style.visibility</p:attrName>
+                                        </p:attrNameLst>
+                                      </p:cBhvr>
+                                      <p:to>
+                                        <p:strVal val="visible"/>
+                                      </p:to>
+                                    </p:set>
+                                    <p:animEffect transition="in" filter="fade">
+                                      <p:cBhvr>
+                                        <p:cTn id="10" dur="500"/>
+                                        <p:tgtEl>
+                                          <p:spTgt spid="3">
+                                            <p:txEl>
+                                              <p:pRg st="1" end="1"/>
+                                            </p:txEl>
+                                          </p:spTgt>
+                                        </p:tgtEl>
+                                      </p:cBhvr>
+                                    </p:animEffect>
+                                  </p:childTnLst>
+                                </p:cTn>
+                              </p:par>
+                              <p:par>
+                                <p:cTn id="11" presetID="10" presetClass="entr" presetSubtype="0" fill="hold" grpId="0" nodeType="withEffect">
+                                  <p:stCondLst>
+                                    <p:cond delay="0"/>
+                                  </p:stCondLst>
+                                  <p:childTnLst>
+                                    <p:set>
+                                      <p:cBhvr>
+                                        <p:cTn id="12" dur="1" fill="hold">
+                                          <p:stCondLst>
+                                            <p:cond delay="0"/>
+                                          </p:stCondLst>
+                                        </p:cTn>
+                                        <p:tgtEl>
+                                          <p:spTgt spid="3">
+                                            <p:txEl>
+                                              <p:pRg st="2" end="2"/>
+                                            </p:txEl>
+                                          </p:spTgt>
+                                        </p:tgtEl>
+                                        <p:attrNameLst>
+                                          <p:attrName>style.visibility</p:attrName>
+                                        </p:attrNameLst>
+                                      </p:cBhvr>
+                                      <p:to>
+                                        <p:strVal val="visible"/>
+                                      </p:to>
+                                    </p:set>
+                                    <p:animEffect transition="in" filter="fade">
+                                      <p:cBhvr>
+                                        <p:cTn id="13" dur="500"/>
+                                        <p:tgtEl>
+                                          <p:spTgt spid="3">
+                                            <p:txEl>
+                                              <p:pRg st="2" end="2"/>
+                                            </p:txEl>
+                                          </p:spTgt>
+                                        </p:tgtEl>
+                                      </p:cBhvr>
+                                    </p:animEffect>
+                                  </p:childTnLst>
+                                </p:cTn>
+                              </p:par>
+                              <p:par>
+                                <p:cTn id="14" presetID="10" presetClass="entr" presetSubtype="0" fill="hold" grpId="0" nodeType="withEffect">
+                                  <p:stCondLst>
+                                    <p:cond delay="0"/>
+                                  </p:stCondLst>
+                                  <p:childTnLst>
+                                    <p:set>
+                                      <p:cBhvr>
+                                        <p:cTn id="15" dur="1" fill="hold">
+                                          <p:stCondLst>
+                                            <p:cond delay="0"/>
+                                          </p:stCondLst>
+                                        </p:cTn>
+                                        <p:tgtEl>
+                                          <p:spTgt spid="3">
+                                            <p:txEl>
+                                              <p:pRg st="3" end="3"/>
+                                            </p:txEl>
+                                          </p:spTgt>
+                                        </p:tgtEl>
+                                        <p:attrNameLst>
+                                          <p:attrName>style.visibility</p:attrName>
+                                        </p:attrNameLst>
+                                      </p:cBhvr>
+                                      <p:to>
+                                        <p:strVal val="visible"/>
+                                      </p:to>
+                                    </p:set>
+                                    <p:animEffect transition="in" filter="fade">
+                                      <p:cBhvr>
+                                        <p:cTn id="16" dur="500"/>
+                                        <p:tgtEl>
+                                          <p:spTgt spid="3">
+                                            <p:txEl>
+                                              <p:pRg st="3" end="3"/>
+                                            </p:txEl>
+                                          </p:spTgt>
+                                        </p:tgtEl>
+                                      </p:cBhvr>
+                                    </p:animEffect>
+                                  </p:childTnLst>
+                                </p:cTn>
+                              </p:par>
+                            </p:childTnLst>
+                          </p:cTn>
+                        </p:par>
+                      </p:childTnLst>
+                    </p:cTn>
+                  </p:par>
+                  <p:par>
+                    <p:cTn id="17" fill="hold">
+                      <p:stCondLst>
+                        <p:cond delay="indefinite"/>
+                      </p:stCondLst>
+                      <p:childTnLst>
+                        <p:par>
+                          <p:cTn id="18" fill="hold">
+                            <p:stCondLst>
+                              <p:cond delay="0"/>
+                            </p:stCondLst>
+                            <p:childTnLst>
+                              <p:par>
+                                <p:cTn id="19" presetID="10" presetClass="entr" presetSubtype="0" fill="hold" grpId="0" nodeType="clickEffect">
+                                  <p:stCondLst>
+                                    <p:cond delay="0"/>
+                                  </p:stCondLst>
+                                  <p:childTnLst>
+                                    <p:set>
+                                      <p:cBhvr>
+                                        <p:cTn id="20" dur="1" fill="hold">
+                                          <p:stCondLst>
+                                            <p:cond delay="0"/>
+                                          </p:stCondLst>
+                                        </p:cTn>
+                                        <p:tgtEl>
+                                          <p:spTgt spid="3">
+                                            <p:txEl>
+                                              <p:pRg st="4" end="4"/>
+                                            </p:txEl>
+                                          </p:spTgt>
+                                        </p:tgtEl>
+                                        <p:attrNameLst>
+                                          <p:attrName>style.visibility</p:attrName>
+                                        </p:attrNameLst>
+                                      </p:cBhvr>
+                                      <p:to>
+                                        <p:strVal val="visible"/>
+                                      </p:to>
+                                    </p:set>
+                                    <p:animEffect transition="in" filter="fade">
+                                      <p:cBhvr>
+                                        <p:cTn id="21" dur="500"/>
+                                        <p:tgtEl>
+                                          <p:spTgt spid="3">
+                                            <p:txEl>
+                                              <p:pRg st="4" end="4"/>
+                                            </p:txEl>
+                                          </p:spTgt>
+                                        </p:tgtEl>
+                                      </p:cBhvr>
+                                    </p:animEffect>
+                                  </p:childTnLst>
+                                </p:cTn>
+                              </p:par>
+                              <p:par>
+                                <p:cTn id="22" presetID="10" presetClass="entr" presetSubtype="0" fill="hold" grpId="0" nodeType="withEffect">
+                                  <p:stCondLst>
+                                    <p:cond delay="0"/>
+                                  </p:stCondLst>
+                                  <p:childTnLst>
+                                    <p:set>
+                                      <p:cBhvr>
+                                        <p:cTn id="23" dur="1" fill="hold">
+                                          <p:stCondLst>
+                                            <p:cond delay="0"/>
+                                          </p:stCondLst>
+                                        </p:cTn>
+                                        <p:tgtEl>
+                                          <p:spTgt spid="3">
+                                            <p:txEl>
+                                              <p:pRg st="5" end="5"/>
+                                            </p:txEl>
+                                          </p:spTgt>
+                                        </p:tgtEl>
+                                        <p:attrNameLst>
+                                          <p:attrName>style.visibility</p:attrName>
+                                        </p:attrNameLst>
+                                      </p:cBhvr>
+                                      <p:to>
+                                        <p:strVal val="visible"/>
+                                      </p:to>
+                                    </p:set>
+                                    <p:animEffect transition="in" filter="fade">
+                                      <p:cBhvr>
+                                        <p:cTn id="24" dur="500"/>
+                                        <p:tgtEl>
+                                          <p:spTgt spid="3">
+                                            <p:txEl>
+                                              <p:pRg st="5" end="5"/>
+                                            </p:txEl>
+                                          </p:spTgt>
+                                        </p:tgtEl>
+                                      </p:cBhvr>
+                                    </p:animEffect>
+                                  </p:childTnLst>
+                                </p:cTn>
+                              </p:par>
+                              <p:par>
+                                <p:cTn id="25" presetID="10" presetClass="entr" presetSubtype="0" fill="hold" grpId="0" nodeType="withEffect">
+                                  <p:stCondLst>
+                                    <p:cond delay="0"/>
+                                  </p:stCondLst>
+                                  <p:childTnLst>
+                                    <p:set>
+                                      <p:cBhvr>
+                                        <p:cTn id="26" dur="1" fill="hold">
+                                          <p:stCondLst>
+                                            <p:cond delay="0"/>
+                                          </p:stCondLst>
+                                        </p:cTn>
+                                        <p:tgtEl>
+                                          <p:spTgt spid="3">
+                                            <p:txEl>
+                                              <p:pRg st="6" end="6"/>
+                                            </p:txEl>
+                                          </p:spTgt>
+                                        </p:tgtEl>
+                                        <p:attrNameLst>
+                                          <p:attrName>style.visibility</p:attrName>
+                                        </p:attrNameLst>
+                                      </p:cBhvr>
+                                      <p:to>
+                                        <p:strVal val="visible"/>
+                                      </p:to>
+                                    </p:set>
+                                    <p:animEffect transition="in" filter="fade">
+                                      <p:cBhvr>
+                                        <p:cTn id="27" dur="500"/>
+                                        <p:tgtEl>
+                                          <p:spTgt spid="3">
+                                            <p:txEl>
+                                              <p:pRg st="6" end="6"/>
+                                            </p:txEl>
+                                          </p:spTgt>
+                                        </p:tgtEl>
+                                      </p:cBhvr>
+                                    </p:animEffect>
+                                  </p:childTnLst>
+                                </p:cTn>
+                              </p:par>
+                            </p:childTnLst>
+                          </p:cTn>
+                        </p:par>
+                      </p:childTnLst>
+                    </p:cTn>
+                  </p:par>
+                  <p:par>
+                    <p:cTn id="28" fill="hold">
+                      <p:stCondLst>
+                        <p:cond delay="indefinite"/>
+                      </p:stCondLst>
+                      <p:childTnLst>
+                        <p:par>
+                          <p:cTn id="29" fill="hold">
+                            <p:stCondLst>
+                              <p:cond delay="0"/>
+                            </p:stCondLst>
+                            <p:childTnLst>
+                              <p:par>
+                                <p:cTn id="30" presetID="10" presetClass="entr" presetSubtype="0" fill="hold" grpId="0" nodeType="clickEffect">
+                                  <p:stCondLst>
+                                    <p:cond delay="0"/>
+                                  </p:stCondLst>
+                                  <p:childTnLst>
+                                    <p:set>
+                                      <p:cBhvr>
+                                        <p:cTn id="31" dur="1" fill="hold">
+                                          <p:stCondLst>
+                                            <p:cond delay="0"/>
+                                          </p:stCondLst>
+                                        </p:cTn>
+                                        <p:tgtEl>
+                                          <p:spTgt spid="3">
+                                            <p:txEl>
+                                              <p:pRg st="7" end="7"/>
+                                            </p:txEl>
+                                          </p:spTgt>
+                                        </p:tgtEl>
+                                        <p:attrNameLst>
+                                          <p:attrName>style.visibility</p:attrName>
+                                        </p:attrNameLst>
+                                      </p:cBhvr>
+                                      <p:to>
+                                        <p:strVal val="visible"/>
+                                      </p:to>
+                                    </p:set>
+                                    <p:animEffect transition="in" filter="fade">
+                                      <p:cBhvr>
+                                        <p:cTn id="32" dur="500"/>
+                                        <p:tgtEl>
+                                          <p:spTgt spid="3">
+                                            <p:txEl>
+                                              <p:pRg st="7" end="7"/>
+                                            </p:txEl>
+                                          </p:spTgt>
+                                        </p:tgtEl>
+                                      </p:cBhvr>
+                                    </p:animEffect>
+                                  </p:childTnLst>
+                                </p:cTn>
+                              </p:par>
+                              <p:par>
+                                <p:cTn id="33" presetID="10" presetClass="entr" presetSubtype="0" fill="hold" grpId="0" nodeType="withEffect">
+                                  <p:stCondLst>
+                                    <p:cond delay="0"/>
+                                  </p:stCondLst>
+                                  <p:childTnLst>
+                                    <p:set>
+                                      <p:cBhvr>
+                                        <p:cTn id="34" dur="1" fill="hold">
+                                          <p:stCondLst>
+                                            <p:cond delay="0"/>
+                                          </p:stCondLst>
+                                        </p:cTn>
+                                        <p:tgtEl>
+                                          <p:spTgt spid="3">
+                                            <p:txEl>
+                                              <p:pRg st="8" end="8"/>
+                                            </p:txEl>
+                                          </p:spTgt>
+                                        </p:tgtEl>
+                                        <p:attrNameLst>
+                                          <p:attrName>style.visibility</p:attrName>
+                                        </p:attrNameLst>
+                                      </p:cBhvr>
+                                      <p:to>
+                                        <p:strVal val="visible"/>
+                                      </p:to>
+                                    </p:set>
+                                    <p:animEffect transition="in" filter="fade">
+                                      <p:cBhvr>
+                                        <p:cTn id="35" dur="500"/>
+                                        <p:tgtEl>
+                                          <p:spTgt spid="3">
+                                            <p:txEl>
+                                              <p:pRg st="8" end="8"/>
+                                            </p:txEl>
+                                          </p:spTgt>
+                                        </p:tgtEl>
+                                      </p:cBhvr>
+                                    </p:animEffect>
+                                  </p:childTnLst>
+                                </p:cTn>
+                              </p:par>
+                              <p:par>
+                                <p:cTn id="36" presetID="10" presetClass="entr" presetSubtype="0" fill="hold" grpId="0" nodeType="withEffect">
+                                  <p:stCondLst>
+                                    <p:cond delay="0"/>
+                                  </p:stCondLst>
+                                  <p:childTnLst>
+                                    <p:set>
+                                      <p:cBhvr>
+                                        <p:cTn id="37" dur="1" fill="hold">
+                                          <p:stCondLst>
+                                            <p:cond delay="0"/>
+                                          </p:stCondLst>
+                                        </p:cTn>
+                                        <p:tgtEl>
+                                          <p:spTgt spid="3">
+                                            <p:txEl>
+                                              <p:pRg st="9" end="9"/>
+                                            </p:txEl>
+                                          </p:spTgt>
+                                        </p:tgtEl>
+                                        <p:attrNameLst>
+                                          <p:attrName>style.visibility</p:attrName>
+                                        </p:attrNameLst>
+                                      </p:cBhvr>
+                                      <p:to>
+                                        <p:strVal val="visible"/>
+                                      </p:to>
+                                    </p:set>
+                                    <p:animEffect transition="in" filter="fade">
+                                      <p:cBhvr>
+                                        <p:cTn id="38" dur="500"/>
+                                        <p:tgtEl>
+                                          <p:spTgt spid="3">
+                                            <p:txEl>
+                                              <p:pRg st="9" end="9"/>
+                                            </p:txEl>
+                                          </p:spTgt>
+                                        </p:tgtEl>
+                                      </p:cBhvr>
+                                    </p:animEffect>
+                                  </p:childTnLst>
+                                </p:cTn>
+                              </p:par>
+                            </p:childTnLst>
+                          </p:cTn>
+                        </p:par>
+                      </p:childTnLst>
+                    </p:cTn>
+                  </p:par>
+                </p:childTnLst>
+              </p:cTn>
+              <p:prevCondLst>
+                <p:cond evt="onPrev" delay="0">
+                  <p:tgtEl>
+                    <p:sldTgt/>
+                  </p:tgtEl>
+                </p:cond>
+              </p:prevCondLst>
+              <p:nextCondLst>
+                <p:cond evt="onNext" delay="0">
+                  <p:tgtEl>
+                    <p:sldTgt/>
+                  </p:tgtEl>
+                </p:cond>
+              </p:nextCondLst>
+            </p:seq>
+          </p:childTnLst>
+        </p:cTn>
       </p:par>
     </p:tnLst>
+    <p:bldLst>
+      <p:bldP spid="3" grpId="0" build="p"/>
+    </p:bldLst>
   </p:timing>
 </p:sld>
 </file>
@@ -13482,7 +14778,7 @@
           <a:lstStyle/>
           <a:p>
             <a:r>
-              <a:rPr lang="en-US" dirty="0" smtClean="0"/>
+              <a:rPr lang="en-US" dirty="0"/>
               <a:t>Passive Model</a:t>
             </a:r>
             <a:endParaRPr lang="ru-RU" dirty="0"/>
@@ -13528,13 +14824,6 @@
   <p:clrMapOvr>
     <a:masterClrMapping/>
   </p:clrMapOvr>
-  <p:timing>
-    <p:tnLst>
-      <p:par>
-        <p:cTn id="1" dur="indefinite" restart="never" nodeType="tmRoot"/>
-      </p:par>
-    </p:tnLst>
-  </p:timing>
 </p:sld>
 </file>
 
@@ -13573,10 +14862,9 @@
           <a:lstStyle/>
           <a:p>
             <a:r>
-              <a:rPr lang="ru-RU" dirty="0" smtClean="0"/>
+              <a:rPr lang="ru-RU" dirty="0"/>
               <a:t>Достоинства и недостатки пассивной модели</a:t>
             </a:r>
-            <a:endParaRPr lang="ru-RU" dirty="0"/>
           </a:p>
         </p:txBody>
       </p:sp>
@@ -13596,57 +14884,49 @@
           <a:lstStyle/>
           <a:p>
             <a:r>
-              <a:rPr lang="ru-RU" dirty="0" smtClean="0"/>
+              <a:rPr lang="ru-RU" dirty="0"/>
               <a:t>Недостатки</a:t>
             </a:r>
           </a:p>
           <a:p>
             <a:pPr lvl="1"/>
             <a:r>
-              <a:rPr lang="ru-RU" dirty="0" smtClean="0"/>
+              <a:rPr lang="ru-RU" dirty="0"/>
               <a:t>Трудности с синхронизацией нескольких </a:t>
             </a:r>
             <a:r>
-              <a:rPr lang="en-US" dirty="0" smtClean="0"/>
+              <a:rPr lang="en-US" dirty="0"/>
               <a:t>View</a:t>
             </a:r>
             <a:r>
-              <a:rPr lang="ru-RU" dirty="0" smtClean="0"/>
-              <a:t>, </a:t>
-            </a:r>
-            <a:r>
-              <a:rPr lang="ru-RU" dirty="0" smtClean="0"/>
-              <a:t>при </a:t>
-            </a:r>
-            <a:r>
-              <a:rPr lang="ru-RU" dirty="0" smtClean="0"/>
-              <a:t>изменении модели со стороны разных контроллеров</a:t>
-            </a:r>
-          </a:p>
-          <a:p>
-            <a:r>
-              <a:rPr lang="ru-RU" dirty="0" smtClean="0"/>
+              <a:rPr lang="ru-RU" dirty="0"/>
+              <a:t>, при изменении модели со стороны разных контроллеров</a:t>
+            </a:r>
+          </a:p>
+          <a:p>
+            <a:r>
+              <a:rPr lang="ru-RU" dirty="0"/>
               <a:t>Достоинства</a:t>
             </a:r>
           </a:p>
           <a:p>
             <a:pPr lvl="1"/>
             <a:r>
-              <a:rPr lang="ru-RU" dirty="0" smtClean="0"/>
+              <a:rPr lang="ru-RU" dirty="0"/>
               <a:t>Любой объект может играть выступать в роли пассивной модели без внесения изменений</a:t>
             </a:r>
           </a:p>
           <a:p>
             <a:pPr lvl="1"/>
             <a:r>
-              <a:rPr lang="ru-RU" dirty="0" smtClean="0"/>
+              <a:rPr lang="ru-RU" dirty="0"/>
               <a:t>Лучший контроль над обновлением </a:t>
             </a:r>
             <a:r>
-              <a:rPr lang="en-US" dirty="0" smtClean="0"/>
+              <a:rPr lang="en-US" dirty="0"/>
               <a:t>View</a:t>
             </a:r>
-            <a:endParaRPr lang="ru-RU" dirty="0" smtClean="0"/>
+            <a:endParaRPr lang="ru-RU" dirty="0"/>
           </a:p>
         </p:txBody>
       </p:sp>
@@ -13660,13 +14940,6 @@
   <p:clrMapOvr>
     <a:masterClrMapping/>
   </p:clrMapOvr>
-  <p:timing>
-    <p:tnLst>
-      <p:par>
-        <p:cTn id="1" dur="indefinite" restart="never" nodeType="tmRoot"/>
-      </p:par>
-    </p:tnLst>
-  </p:timing>
 </p:sld>
 </file>
 
@@ -13703,10 +14976,9 @@
           <a:lstStyle/>
           <a:p>
             <a:r>
-              <a:rPr lang="ru-RU" dirty="0" smtClean="0"/>
+              <a:rPr lang="ru-RU" dirty="0"/>
               <a:t>Активная модель</a:t>
             </a:r>
-            <a:endParaRPr lang="ru-RU" dirty="0"/>
           </a:p>
         </p:txBody>
       </p:sp>
@@ -13752,13 +15024,6 @@
   <p:clrMapOvr>
     <a:masterClrMapping/>
   </p:clrMapOvr>
-  <p:timing>
-    <p:tnLst>
-      <p:par>
-        <p:cTn id="1" dur="indefinite" restart="never" nodeType="tmRoot"/>
-      </p:par>
-    </p:tnLst>
-  </p:timing>
 </p:sld>
 </file>
 
@@ -13795,10 +15060,9 @@
           <a:lstStyle/>
           <a:p>
             <a:r>
-              <a:rPr lang="ru-RU" dirty="0" smtClean="0"/>
+              <a:rPr lang="ru-RU" dirty="0"/>
               <a:t>Ленивая модель</a:t>
             </a:r>
-            <a:endParaRPr lang="ru-RU" dirty="0"/>
           </a:p>
         </p:txBody>
       </p:sp>
@@ -13841,13 +15105,6 @@
   <p:clrMapOvr>
     <a:masterClrMapping/>
   </p:clrMapOvr>
-  <p:timing>
-    <p:tnLst>
-      <p:par>
-        <p:cTn id="1" dur="indefinite" restart="never" nodeType="tmRoot"/>
-      </p:par>
-    </p:tnLst>
-  </p:timing>
 </p:sld>
 </file>
 
@@ -13875,7 +15132,7 @@
             <a:spLocks noGrp="1"/>
           </p:cNvSpPr>
           <p:nvPr>
-            <p:ph type="title"/>
+            <p:ph type="ctrTitle"/>
           </p:nvPr>
         </p:nvSpPr>
         <p:spPr/>
@@ -13884,21 +15141,26 @@
           <a:lstStyle/>
           <a:p>
             <a:r>
-              <a:rPr lang="ru-RU" dirty="0" smtClean="0"/>
-              <a:t>Подробнее о компонентах триады</a:t>
-            </a:r>
-            <a:endParaRPr lang="ru-RU" dirty="0"/>
+              <a:rPr lang="ru-RU" dirty="0"/>
+              <a:t>Представление</a:t>
+            </a:r>
           </a:p>
         </p:txBody>
       </p:sp>
       <p:sp>
         <p:nvSpPr>
-          <p:cNvPr id="5" name="Text Placeholder 4"/>
+          <p:cNvPr id="2" name="Subtitle 1">
+            <a:extLst>
+              <a:ext uri="{FF2B5EF4-FFF2-40B4-BE49-F238E27FC236}">
+                <a16:creationId xmlns:a16="http://schemas.microsoft.com/office/drawing/2014/main" id="{E7A97EF9-EE8B-4242-BEC7-383C3F7D98EC}"/>
+              </a:ext>
+            </a:extLst>
+          </p:cNvPr>
           <p:cNvSpPr>
             <a:spLocks noGrp="1"/>
           </p:cNvSpPr>
           <p:nvPr>
-            <p:ph type="body" idx="1"/>
+            <p:ph type="subTitle" idx="1"/>
           </p:nvPr>
         </p:nvSpPr>
         <p:spPr/>
@@ -13906,11 +15168,7 @@
           <a:bodyPr/>
           <a:lstStyle/>
           <a:p>
-            <a:r>
-              <a:rPr lang="ru-RU" dirty="0" smtClean="0"/>
-              <a:t>Представление</a:t>
-            </a:r>
-            <a:endParaRPr lang="ru-RU" dirty="0"/>
+            <a:endParaRPr lang="ru-RU"/>
           </a:p>
         </p:txBody>
       </p:sp>
@@ -13924,13 +15182,6 @@
   <p:clrMapOvr>
     <a:masterClrMapping/>
   </p:clrMapOvr>
-  <p:timing>
-    <p:tnLst>
-      <p:par>
-        <p:cTn id="1" dur="indefinite" restart="never" nodeType="tmRoot"/>
-      </p:par>
-    </p:tnLst>
-  </p:timing>
 </p:sld>
 </file>
 
@@ -13967,19 +15218,19 @@
           <a:lstStyle/>
           <a:p>
             <a:r>
-              <a:rPr lang="ru-RU" dirty="0" smtClean="0"/>
+              <a:rPr lang="ru-RU" dirty="0"/>
               <a:t>Роль </a:t>
             </a:r>
             <a:r>
-              <a:rPr lang="en-US" dirty="0" smtClean="0"/>
+              <a:rPr lang="en-US" dirty="0"/>
               <a:t>View</a:t>
             </a:r>
             <a:r>
-              <a:rPr lang="ru-RU" dirty="0" smtClean="0"/>
+              <a:rPr lang="ru-RU" dirty="0"/>
               <a:t> в </a:t>
             </a:r>
             <a:r>
-              <a:rPr lang="en-US" dirty="0" smtClean="0"/>
+              <a:rPr lang="en-US" dirty="0"/>
               <a:t>MVC</a:t>
             </a:r>
             <a:endParaRPr lang="ru-RU" dirty="0"/>
@@ -14002,26 +15253,26 @@
           <a:lstStyle/>
           <a:p>
             <a:r>
-              <a:rPr lang="ru-RU" dirty="0" smtClean="0"/>
+              <a:rPr lang="ru-RU" dirty="0"/>
               <a:t>Отображение состояния модели</a:t>
             </a:r>
           </a:p>
           <a:p>
             <a:r>
-              <a:rPr lang="ru-RU" dirty="0" smtClean="0"/>
+              <a:rPr lang="ru-RU" dirty="0"/>
               <a:t>Взаимодействие с пользователем</a:t>
             </a:r>
           </a:p>
           <a:p>
             <a:r>
-              <a:rPr lang="ru-RU" dirty="0" smtClean="0"/>
+              <a:rPr lang="ru-RU" dirty="0"/>
               <a:t>Реакция на изменение модели</a:t>
             </a:r>
           </a:p>
           <a:p>
             <a:pPr lvl="1"/>
             <a:r>
-              <a:rPr lang="ru-RU" dirty="0" smtClean="0"/>
+              <a:rPr lang="ru-RU" dirty="0"/>
               <a:t>Обновление визуального состояния</a:t>
             </a:r>
           </a:p>
@@ -14040,13 +15291,6 @@
   <p:clrMapOvr>
     <a:masterClrMapping/>
   </p:clrMapOvr>
-  <p:timing>
-    <p:tnLst>
-      <p:par>
-        <p:cTn id="1" dur="indefinite" restart="never" nodeType="tmRoot"/>
-      </p:par>
-    </p:tnLst>
-  </p:timing>
 </p:sld>
 </file>
 
@@ -14083,10 +15327,9 @@
           <a:lstStyle/>
           <a:p>
             <a:r>
-              <a:rPr lang="ru-RU" dirty="0" smtClean="0"/>
+              <a:rPr lang="ru-RU" dirty="0"/>
               <a:t>Зависимости представления</a:t>
             </a:r>
-            <a:endParaRPr lang="ru-RU" dirty="0"/>
           </a:p>
         </p:txBody>
       </p:sp>
@@ -14106,66 +15349,66 @@
           <a:lstStyle/>
           <a:p>
             <a:r>
-              <a:rPr lang="ru-RU" dirty="0" smtClean="0"/>
+              <a:rPr lang="ru-RU" dirty="0"/>
               <a:t>Представление в </a:t>
             </a:r>
             <a:r>
-              <a:rPr lang="en-US" dirty="0" smtClean="0"/>
+              <a:rPr lang="en-US" dirty="0"/>
               <a:t>MVC </a:t>
             </a:r>
             <a:r>
-              <a:rPr lang="ru-RU" dirty="0" smtClean="0"/>
+              <a:rPr lang="ru-RU" dirty="0"/>
               <a:t>имеет сильную зависимость от модели</a:t>
             </a:r>
             <a:r>
-              <a:rPr lang="en-US" dirty="0" smtClean="0"/>
+              <a:rPr lang="en-US" dirty="0"/>
               <a:t>:</a:t>
             </a:r>
           </a:p>
           <a:p>
             <a:pPr lvl="1"/>
             <a:r>
-              <a:rPr lang="ru-RU" dirty="0" smtClean="0"/>
+              <a:rPr lang="ru-RU" dirty="0"/>
               <a:t>Для доступа к данным </a:t>
             </a:r>
             <a:r>
-              <a:rPr lang="en-US" dirty="0" smtClean="0"/>
+              <a:rPr lang="en-US" dirty="0"/>
               <a:t>View</a:t>
             </a:r>
             <a:r>
-              <a:rPr lang="ru-RU" dirty="0" smtClean="0"/>
+              <a:rPr lang="ru-RU" dirty="0"/>
               <a:t> полагается на интерфейсы модели и её существование</a:t>
             </a:r>
           </a:p>
           <a:p>
             <a:r>
-              <a:rPr lang="en-US" dirty="0" smtClean="0"/>
+              <a:rPr lang="en-US" dirty="0"/>
               <a:t>View </a:t>
             </a:r>
             <a:r>
-              <a:rPr lang="ru-RU" dirty="0" smtClean="0"/>
+              <a:rPr lang="ru-RU" dirty="0"/>
               <a:t>также отвечает за чисто визуальные аспекты</a:t>
             </a:r>
           </a:p>
           <a:p>
             <a:pPr lvl="1"/>
             <a:r>
-              <a:rPr lang="ru-RU" dirty="0" smtClean="0"/>
+              <a:rPr lang="ru-RU" dirty="0"/>
               <a:t>Позиционирование элементов, </a:t>
             </a:r>
             <a:r>
-              <a:rPr lang="ru-RU" dirty="0" err="1" smtClean="0"/>
+              <a:rPr lang="ru-RU" dirty="0" err="1"/>
               <a:t>скролл</a:t>
             </a:r>
-            <a:endParaRPr lang="ru-RU" dirty="0" smtClean="0"/>
-          </a:p>
-          <a:p>
-            <a:r>
-              <a:rPr lang="ru-RU" smtClean="0"/>
+            <a:endParaRPr lang="ru-RU" dirty="0"/>
+          </a:p>
+          <a:p>
+            <a:r>
+              <a:rPr lang="ru-RU"/>
               <a:t>Операции, </a:t>
             </a:r>
             <a:r>
-              <a:rPr lang="ru-RU" dirty="0" smtClean="0"/>
+              <a:rPr lang="ru-RU" dirty="0"/>
               <a:t>изменяющие состояние модели, делегируются Контроллеру</a:t>
             </a:r>
           </a:p>
@@ -14519,15 +15762,15 @@
           <a:lstStyle/>
           <a:p>
             <a:r>
-              <a:rPr lang="en-US" dirty="0" smtClean="0"/>
+              <a:rPr lang="en-US" dirty="0"/>
               <a:t>View</a:t>
             </a:r>
             <a:r>
-              <a:rPr lang="ru-RU" dirty="0" smtClean="0"/>
+              <a:rPr lang="ru-RU" dirty="0"/>
               <a:t> и </a:t>
             </a:r>
             <a:r>
-              <a:rPr lang="en-US" dirty="0" smtClean="0"/>
+              <a:rPr lang="en-US" dirty="0"/>
               <a:t>Widgets</a:t>
             </a:r>
             <a:endParaRPr lang="ru-RU" dirty="0"/>
@@ -14552,99 +15795,99 @@
           <a:lstStyle/>
           <a:p>
             <a:r>
-              <a:rPr lang="ru-RU" dirty="0" smtClean="0"/>
+              <a:rPr lang="ru-RU" dirty="0"/>
               <a:t>Часто </a:t>
             </a:r>
             <a:r>
-              <a:rPr lang="en-US" dirty="0" smtClean="0"/>
+              <a:rPr lang="en-US" dirty="0"/>
               <a:t>View</a:t>
             </a:r>
             <a:r>
-              <a:rPr lang="ru-RU" dirty="0" smtClean="0"/>
+              <a:rPr lang="ru-RU" dirty="0"/>
               <a:t> состоит из </a:t>
             </a:r>
             <a:r>
-              <a:rPr lang="ru-RU" dirty="0" err="1" smtClean="0"/>
+              <a:rPr lang="ru-RU" dirty="0" err="1"/>
               <a:t>виджетов</a:t>
             </a:r>
             <a:r>
-              <a:rPr lang="ru-RU" dirty="0" smtClean="0"/>
+              <a:rPr lang="ru-RU" dirty="0"/>
               <a:t> (кнопки, меню, </a:t>
             </a:r>
             <a:r>
-              <a:rPr lang="ru-RU" dirty="0" err="1" smtClean="0"/>
+              <a:rPr lang="ru-RU" dirty="0" err="1"/>
               <a:t>чекбоксы</a:t>
             </a:r>
             <a:r>
-              <a:rPr lang="ru-RU" dirty="0" smtClean="0"/>
+              <a:rPr lang="ru-RU" dirty="0"/>
               <a:t> и т.п.),</a:t>
             </a:r>
           </a:p>
           <a:p>
             <a:pPr lvl="1"/>
             <a:r>
-              <a:rPr lang="ru-RU" dirty="0" err="1" smtClean="0"/>
+              <a:rPr lang="ru-RU" dirty="0" err="1"/>
               <a:t>Виджет</a:t>
             </a:r>
             <a:r>
-              <a:rPr lang="ru-RU" dirty="0" smtClean="0"/>
+              <a:rPr lang="ru-RU" dirty="0"/>
               <a:t> - строительный блоки, предоставляемый библиотекой </a:t>
             </a:r>
             <a:r>
-              <a:rPr lang="ru-RU" dirty="0" err="1" smtClean="0"/>
+              <a:rPr lang="ru-RU" dirty="0" err="1"/>
               <a:t>виджетов</a:t>
             </a:r>
-            <a:endParaRPr lang="ru-RU" dirty="0" smtClean="0"/>
+            <a:endParaRPr lang="ru-RU" dirty="0"/>
           </a:p>
           <a:p>
             <a:pPr lvl="1"/>
             <a:r>
-              <a:rPr lang="ru-RU" dirty="0" err="1" smtClean="0"/>
+              <a:rPr lang="ru-RU" dirty="0" err="1"/>
               <a:t>Виджеты</a:t>
             </a:r>
             <a:r>
-              <a:rPr lang="ru-RU" dirty="0" smtClean="0"/>
+              <a:rPr lang="ru-RU" dirty="0"/>
               <a:t> не имеют зависимостей от модели</a:t>
             </a:r>
           </a:p>
           <a:p>
             <a:r>
-              <a:rPr lang="en-US" dirty="0" smtClean="0"/>
+              <a:rPr lang="en-US" dirty="0"/>
               <a:t>View</a:t>
             </a:r>
           </a:p>
           <a:p>
             <a:pPr lvl="1"/>
             <a:r>
-              <a:rPr lang="ru-RU" dirty="0" smtClean="0"/>
+              <a:rPr lang="ru-RU" dirty="0"/>
               <a:t>отвечает</a:t>
             </a:r>
             <a:r>
-              <a:rPr lang="en-US" dirty="0" smtClean="0"/>
+              <a:rPr lang="en-US" dirty="0"/>
               <a:t> </a:t>
             </a:r>
             <a:r>
-              <a:rPr lang="ru-RU" dirty="0" smtClean="0"/>
+              <a:rPr lang="ru-RU" dirty="0"/>
               <a:t>за обновление состояния </a:t>
             </a:r>
             <a:r>
-              <a:rPr lang="ru-RU" dirty="0" err="1" smtClean="0"/>
+              <a:rPr lang="ru-RU" dirty="0" err="1"/>
               <a:t>виджетов</a:t>
             </a:r>
             <a:r>
-              <a:rPr lang="ru-RU" dirty="0" smtClean="0"/>
+              <a:rPr lang="ru-RU" dirty="0"/>
               <a:t> при изменении модели</a:t>
             </a:r>
-            <a:endParaRPr lang="en-US" dirty="0" smtClean="0"/>
+            <a:endParaRPr lang="en-US" dirty="0"/>
           </a:p>
           <a:p>
             <a:pPr lvl="1"/>
             <a:r>
-              <a:rPr lang="ru-RU" dirty="0" smtClean="0"/>
+              <a:rPr lang="ru-RU" dirty="0"/>
               <a:t>Интерпретирует уведомления, поступающие от </a:t>
             </a:r>
             <a:r>
-              <a:rPr lang="ru-RU" dirty="0" err="1" smtClean="0"/>
+              <a:rPr lang="ru-RU" dirty="0" err="1"/>
               <a:t>виджетов</a:t>
             </a:r>
             <a:endParaRPr lang="ru-RU" dirty="0"/>
@@ -14664,9 +15907,329 @@
   <p:timing>
     <p:tnLst>
       <p:par>
-        <p:cTn id="1" dur="indefinite" restart="never" nodeType="tmRoot"/>
+        <p:cTn id="1" dur="indefinite" restart="never" nodeType="tmRoot">
+          <p:childTnLst>
+            <p:seq concurrent="1" nextAc="seek">
+              <p:cTn id="2" dur="indefinite" nodeType="mainSeq">
+                <p:childTnLst>
+                  <p:par>
+                    <p:cTn id="3" fill="hold">
+                      <p:stCondLst>
+                        <p:cond delay="indefinite"/>
+                      </p:stCondLst>
+                      <p:childTnLst>
+                        <p:par>
+                          <p:cTn id="4" fill="hold">
+                            <p:stCondLst>
+                              <p:cond delay="0"/>
+                            </p:stCondLst>
+                            <p:childTnLst>
+                              <p:par>
+                                <p:cTn id="5" presetID="10" presetClass="entr" presetSubtype="0" fill="hold" grpId="0" nodeType="clickEffect">
+                                  <p:stCondLst>
+                                    <p:cond delay="0"/>
+                                  </p:stCondLst>
+                                  <p:childTnLst>
+                                    <p:set>
+                                      <p:cBhvr>
+                                        <p:cTn id="6" dur="1" fill="hold">
+                                          <p:stCondLst>
+                                            <p:cond delay="0"/>
+                                          </p:stCondLst>
+                                        </p:cTn>
+                                        <p:tgtEl>
+                                          <p:spTgt spid="3">
+                                            <p:txEl>
+                                              <p:pRg st="0" end="0"/>
+                                            </p:txEl>
+                                          </p:spTgt>
+                                        </p:tgtEl>
+                                        <p:attrNameLst>
+                                          <p:attrName>style.visibility</p:attrName>
+                                        </p:attrNameLst>
+                                      </p:cBhvr>
+                                      <p:to>
+                                        <p:strVal val="visible"/>
+                                      </p:to>
+                                    </p:set>
+                                    <p:animEffect transition="in" filter="fade">
+                                      <p:cBhvr>
+                                        <p:cTn id="7" dur="500"/>
+                                        <p:tgtEl>
+                                          <p:spTgt spid="3">
+                                            <p:txEl>
+                                              <p:pRg st="0" end="0"/>
+                                            </p:txEl>
+                                          </p:spTgt>
+                                        </p:tgtEl>
+                                      </p:cBhvr>
+                                    </p:animEffect>
+                                  </p:childTnLst>
+                                </p:cTn>
+                              </p:par>
+                              <p:par>
+                                <p:cTn id="8" presetID="10" presetClass="entr" presetSubtype="0" fill="hold" grpId="0" nodeType="withEffect">
+                                  <p:stCondLst>
+                                    <p:cond delay="0"/>
+                                  </p:stCondLst>
+                                  <p:childTnLst>
+                                    <p:set>
+                                      <p:cBhvr>
+                                        <p:cTn id="9" dur="1" fill="hold">
+                                          <p:stCondLst>
+                                            <p:cond delay="0"/>
+                                          </p:stCondLst>
+                                        </p:cTn>
+                                        <p:tgtEl>
+                                          <p:spTgt spid="3">
+                                            <p:txEl>
+                                              <p:pRg st="1" end="1"/>
+                                            </p:txEl>
+                                          </p:spTgt>
+                                        </p:tgtEl>
+                                        <p:attrNameLst>
+                                          <p:attrName>style.visibility</p:attrName>
+                                        </p:attrNameLst>
+                                      </p:cBhvr>
+                                      <p:to>
+                                        <p:strVal val="visible"/>
+                                      </p:to>
+                                    </p:set>
+                                    <p:animEffect transition="in" filter="fade">
+                                      <p:cBhvr>
+                                        <p:cTn id="10" dur="500"/>
+                                        <p:tgtEl>
+                                          <p:spTgt spid="3">
+                                            <p:txEl>
+                                              <p:pRg st="1" end="1"/>
+                                            </p:txEl>
+                                          </p:spTgt>
+                                        </p:tgtEl>
+                                      </p:cBhvr>
+                                    </p:animEffect>
+                                  </p:childTnLst>
+                                </p:cTn>
+                              </p:par>
+                              <p:par>
+                                <p:cTn id="11" presetID="10" presetClass="entr" presetSubtype="0" fill="hold" grpId="0" nodeType="withEffect">
+                                  <p:stCondLst>
+                                    <p:cond delay="0"/>
+                                  </p:stCondLst>
+                                  <p:childTnLst>
+                                    <p:set>
+                                      <p:cBhvr>
+                                        <p:cTn id="12" dur="1" fill="hold">
+                                          <p:stCondLst>
+                                            <p:cond delay="0"/>
+                                          </p:stCondLst>
+                                        </p:cTn>
+                                        <p:tgtEl>
+                                          <p:spTgt spid="3">
+                                            <p:txEl>
+                                              <p:pRg st="2" end="2"/>
+                                            </p:txEl>
+                                          </p:spTgt>
+                                        </p:tgtEl>
+                                        <p:attrNameLst>
+                                          <p:attrName>style.visibility</p:attrName>
+                                        </p:attrNameLst>
+                                      </p:cBhvr>
+                                      <p:to>
+                                        <p:strVal val="visible"/>
+                                      </p:to>
+                                    </p:set>
+                                    <p:animEffect transition="in" filter="fade">
+                                      <p:cBhvr>
+                                        <p:cTn id="13" dur="500"/>
+                                        <p:tgtEl>
+                                          <p:spTgt spid="3">
+                                            <p:txEl>
+                                              <p:pRg st="2" end="2"/>
+                                            </p:txEl>
+                                          </p:spTgt>
+                                        </p:tgtEl>
+                                      </p:cBhvr>
+                                    </p:animEffect>
+                                  </p:childTnLst>
+                                </p:cTn>
+                              </p:par>
+                            </p:childTnLst>
+                          </p:cTn>
+                        </p:par>
+                      </p:childTnLst>
+                    </p:cTn>
+                  </p:par>
+                  <p:par>
+                    <p:cTn id="14" fill="hold">
+                      <p:stCondLst>
+                        <p:cond delay="indefinite"/>
+                      </p:stCondLst>
+                      <p:childTnLst>
+                        <p:par>
+                          <p:cTn id="15" fill="hold">
+                            <p:stCondLst>
+                              <p:cond delay="0"/>
+                            </p:stCondLst>
+                            <p:childTnLst>
+                              <p:par>
+                                <p:cTn id="16" presetID="10" presetClass="entr" presetSubtype="0" fill="hold" grpId="0" nodeType="clickEffect">
+                                  <p:stCondLst>
+                                    <p:cond delay="0"/>
+                                  </p:stCondLst>
+                                  <p:childTnLst>
+                                    <p:set>
+                                      <p:cBhvr>
+                                        <p:cTn id="17" dur="1" fill="hold">
+                                          <p:stCondLst>
+                                            <p:cond delay="0"/>
+                                          </p:stCondLst>
+                                        </p:cTn>
+                                        <p:tgtEl>
+                                          <p:spTgt spid="3">
+                                            <p:txEl>
+                                              <p:pRg st="3" end="3"/>
+                                            </p:txEl>
+                                          </p:spTgt>
+                                        </p:tgtEl>
+                                        <p:attrNameLst>
+                                          <p:attrName>style.visibility</p:attrName>
+                                        </p:attrNameLst>
+                                      </p:cBhvr>
+                                      <p:to>
+                                        <p:strVal val="visible"/>
+                                      </p:to>
+                                    </p:set>
+                                    <p:animEffect transition="in" filter="fade">
+                                      <p:cBhvr>
+                                        <p:cTn id="18" dur="500"/>
+                                        <p:tgtEl>
+                                          <p:spTgt spid="3">
+                                            <p:txEl>
+                                              <p:pRg st="3" end="3"/>
+                                            </p:txEl>
+                                          </p:spTgt>
+                                        </p:tgtEl>
+                                      </p:cBhvr>
+                                    </p:animEffect>
+                                  </p:childTnLst>
+                                </p:cTn>
+                              </p:par>
+                              <p:par>
+                                <p:cTn id="19" presetID="10" presetClass="entr" presetSubtype="0" fill="hold" grpId="0" nodeType="withEffect">
+                                  <p:stCondLst>
+                                    <p:cond delay="0"/>
+                                  </p:stCondLst>
+                                  <p:childTnLst>
+                                    <p:set>
+                                      <p:cBhvr>
+                                        <p:cTn id="20" dur="1" fill="hold">
+                                          <p:stCondLst>
+                                            <p:cond delay="0"/>
+                                          </p:stCondLst>
+                                        </p:cTn>
+                                        <p:tgtEl>
+                                          <p:spTgt spid="3">
+                                            <p:txEl>
+                                              <p:pRg st="4" end="4"/>
+                                            </p:txEl>
+                                          </p:spTgt>
+                                        </p:tgtEl>
+                                        <p:attrNameLst>
+                                          <p:attrName>style.visibility</p:attrName>
+                                        </p:attrNameLst>
+                                      </p:cBhvr>
+                                      <p:to>
+                                        <p:strVal val="visible"/>
+                                      </p:to>
+                                    </p:set>
+                                    <p:animEffect transition="in" filter="fade">
+                                      <p:cBhvr>
+                                        <p:cTn id="21" dur="500"/>
+                                        <p:tgtEl>
+                                          <p:spTgt spid="3">
+                                            <p:txEl>
+                                              <p:pRg st="4" end="4"/>
+                                            </p:txEl>
+                                          </p:spTgt>
+                                        </p:tgtEl>
+                                      </p:cBhvr>
+                                    </p:animEffect>
+                                  </p:childTnLst>
+                                </p:cTn>
+                              </p:par>
+                              <p:par>
+                                <p:cTn id="22" presetID="10" presetClass="entr" presetSubtype="0" fill="hold" grpId="0" nodeType="withEffect">
+                                  <p:stCondLst>
+                                    <p:cond delay="0"/>
+                                  </p:stCondLst>
+                                  <p:childTnLst>
+                                    <p:set>
+                                      <p:cBhvr>
+                                        <p:cTn id="23" dur="1" fill="hold">
+                                          <p:stCondLst>
+                                            <p:cond delay="0"/>
+                                          </p:stCondLst>
+                                        </p:cTn>
+                                        <p:tgtEl>
+                                          <p:spTgt spid="3">
+                                            <p:txEl>
+                                              <p:pRg st="5" end="5"/>
+                                            </p:txEl>
+                                          </p:spTgt>
+                                        </p:tgtEl>
+                                        <p:attrNameLst>
+                                          <p:attrName>style.visibility</p:attrName>
+                                        </p:attrNameLst>
+                                      </p:cBhvr>
+                                      <p:to>
+                                        <p:strVal val="visible"/>
+                                      </p:to>
+                                    </p:set>
+                                    <p:animEffect transition="in" filter="fade">
+                                      <p:cBhvr>
+                                        <p:cTn id="24" dur="500"/>
+                                        <p:tgtEl>
+                                          <p:spTgt spid="3">
+                                            <p:txEl>
+                                              <p:pRg st="5" end="5"/>
+                                            </p:txEl>
+                                          </p:spTgt>
+                                        </p:tgtEl>
+                                      </p:cBhvr>
+                                    </p:animEffect>
+                                  </p:childTnLst>
+                                </p:cTn>
+                              </p:par>
+                            </p:childTnLst>
+                          </p:cTn>
+                        </p:par>
+                      </p:childTnLst>
+                    </p:cTn>
+                  </p:par>
+                </p:childTnLst>
+              </p:cTn>
+              <p:prevCondLst>
+                <p:cond evt="onPrev" delay="0">
+                  <p:tgtEl>
+                    <p:sldTgt/>
+                  </p:tgtEl>
+                </p:cond>
+              </p:prevCondLst>
+              <p:nextCondLst>
+                <p:cond evt="onNext" delay="0">
+                  <p:tgtEl>
+                    <p:sldTgt/>
+                  </p:tgtEl>
+                </p:cond>
+              </p:nextCondLst>
+            </p:seq>
+          </p:childTnLst>
+        </p:cTn>
       </p:par>
     </p:tnLst>
+    <p:bldLst>
+      <p:bldP spid="3" grpId="0" build="p"/>
+    </p:bldLst>
   </p:timing>
 </p:sld>
 </file>
@@ -14704,10 +16267,9 @@
           <a:lstStyle/>
           <a:p>
             <a:r>
-              <a:rPr lang="ru-RU" dirty="0" smtClean="0"/>
+              <a:rPr lang="ru-RU" dirty="0"/>
               <a:t>Обновление представления</a:t>
             </a:r>
-            <a:endParaRPr lang="ru-RU" dirty="0"/>
           </a:p>
         </p:txBody>
       </p:sp>
@@ -14727,28 +16289,27 @@
           <a:lstStyle/>
           <a:p>
             <a:r>
-              <a:rPr lang="ru-RU" dirty="0" smtClean="0"/>
-              <a:t>Перерисовка представления выполняется:</a:t>
+              <a:rPr lang="ru-RU" dirty="0"/>
+              <a:t>Обновление представления происходит в следующих случаях:</a:t>
             </a:r>
           </a:p>
           <a:p>
             <a:pPr lvl="1"/>
             <a:r>
-              <a:rPr lang="ru-RU" dirty="0" smtClean="0"/>
+              <a:rPr lang="ru-RU" dirty="0"/>
               <a:t>Поступает уведомление об изменении модели</a:t>
             </a:r>
           </a:p>
           <a:p>
             <a:pPr lvl="1"/>
             <a:r>
-              <a:rPr lang="en-US" dirty="0" smtClean="0"/>
+              <a:rPr lang="en-US" dirty="0"/>
               <a:t>View</a:t>
             </a:r>
             <a:r>
-              <a:rPr lang="ru-RU" dirty="0" smtClean="0"/>
+              <a:rPr lang="ru-RU" dirty="0"/>
               <a:t> получает уведомление от ОС</a:t>
             </a:r>
-            <a:endParaRPr lang="ru-RU" dirty="0"/>
           </a:p>
         </p:txBody>
       </p:sp>
@@ -14762,13 +16323,6 @@
   <p:clrMapOvr>
     <a:masterClrMapping/>
   </p:clrMapOvr>
-  <p:timing>
-    <p:tnLst>
-      <p:par>
-        <p:cTn id="1" dur="indefinite" restart="never" nodeType="tmRoot"/>
-      </p:par>
-    </p:tnLst>
-  </p:timing>
 </p:sld>
 </file>
 
@@ -14805,10 +16359,9 @@
           <a:lstStyle/>
           <a:p>
             <a:r>
-              <a:rPr lang="ru-RU" dirty="0" smtClean="0"/>
+              <a:rPr lang="ru-RU" dirty="0"/>
               <a:t>Пример</a:t>
             </a:r>
-            <a:endParaRPr lang="ru-RU" dirty="0"/>
           </a:p>
         </p:txBody>
       </p:sp>
@@ -16024,7 +17577,7 @@
               <a:t>app.exec</a:t>
             </a:r>
             <a:r>
-              <a:rPr lang="en-US" sz="1600" dirty="0" smtClean="0">
+              <a:rPr lang="en-US" sz="1600" dirty="0">
                 <a:latin typeface="Consolas" panose="020B0609020204030204" pitchFamily="49" charset="0"/>
                 <a:ea typeface="Times New Roman" panose="02020603050405020304" pitchFamily="18" charset="0"/>
                 <a:cs typeface="Times New Roman" panose="02020603050405020304" pitchFamily="18" charset="0"/>
@@ -16062,19 +17615,12 @@
               <a:rPr lang="ru-RU" sz="1100" dirty="0">
                 <a:hlinkClick r:id="rId3"/>
               </a:rPr>
-              <a:t>https://</a:t>
-            </a:r>
-            <a:r>
-              <a:rPr lang="ru-RU" sz="1100" dirty="0" smtClean="0">
-                <a:hlinkClick r:id="rId3"/>
-              </a:rPr>
-              <a:t>stefanoborini.gitbooks.io/modelviewcontroller/01_from_smartui_to_traditional_mvc/01_smart_ui.html</a:t>
-            </a:r>
-            <a:r>
-              <a:rPr lang="ru-RU" sz="1100" dirty="0" smtClean="0"/>
+              <a:t>https://stefanoborini.gitbooks.io/modelviewcontroller/01_from_smartui_to_traditional_mvc/01_smart_ui.html</a:t>
+            </a:r>
+            <a:r>
+              <a:rPr lang="ru-RU" sz="1100" dirty="0"/>
               <a:t> </a:t>
             </a:r>
-            <a:endParaRPr lang="ru-RU" sz="1100" dirty="0"/>
           </a:p>
         </p:txBody>
       </p:sp>
@@ -16091,7 +17637,704 @@
   <p:timing>
     <p:tnLst>
       <p:par>
-        <p:cTn id="1" dur="indefinite" restart="never" nodeType="tmRoot"/>
+        <p:cTn id="1" dur="indefinite" restart="never" nodeType="tmRoot">
+          <p:childTnLst>
+            <p:seq concurrent="1" nextAc="seek">
+              <p:cTn id="2" dur="indefinite" nodeType="mainSeq">
+                <p:childTnLst>
+                  <p:par>
+                    <p:cTn id="3" fill="hold">
+                      <p:stCondLst>
+                        <p:cond delay="indefinite"/>
+                      </p:stCondLst>
+                      <p:childTnLst>
+                        <p:par>
+                          <p:cTn id="4" fill="hold">
+                            <p:stCondLst>
+                              <p:cond delay="0"/>
+                            </p:stCondLst>
+                            <p:childTnLst>
+                              <p:par>
+                                <p:cTn id="5" presetID="10" presetClass="entr" presetSubtype="0" fill="hold" nodeType="clickEffect">
+                                  <p:stCondLst>
+                                    <p:cond delay="0"/>
+                                  </p:stCondLst>
+                                  <p:childTnLst>
+                                    <p:set>
+                                      <p:cBhvr>
+                                        <p:cTn id="6" dur="1" fill="hold">
+                                          <p:stCondLst>
+                                            <p:cond delay="0"/>
+                                          </p:stCondLst>
+                                        </p:cTn>
+                                        <p:tgtEl>
+                                          <p:spTgt spid="6">
+                                            <p:txEl>
+                                              <p:pRg st="4" end="4"/>
+                                            </p:txEl>
+                                          </p:spTgt>
+                                        </p:tgtEl>
+                                        <p:attrNameLst>
+                                          <p:attrName>style.visibility</p:attrName>
+                                        </p:attrNameLst>
+                                      </p:cBhvr>
+                                      <p:to>
+                                        <p:strVal val="visible"/>
+                                      </p:to>
+                                    </p:set>
+                                    <p:animEffect transition="in" filter="fade">
+                                      <p:cBhvr>
+                                        <p:cTn id="7" dur="500"/>
+                                        <p:tgtEl>
+                                          <p:spTgt spid="6">
+                                            <p:txEl>
+                                              <p:pRg st="4" end="4"/>
+                                            </p:txEl>
+                                          </p:spTgt>
+                                        </p:tgtEl>
+                                      </p:cBhvr>
+                                    </p:animEffect>
+                                  </p:childTnLst>
+                                </p:cTn>
+                              </p:par>
+                              <p:par>
+                                <p:cTn id="8" presetID="10" presetClass="entr" presetSubtype="0" fill="hold" nodeType="withEffect">
+                                  <p:stCondLst>
+                                    <p:cond delay="0"/>
+                                  </p:stCondLst>
+                                  <p:childTnLst>
+                                    <p:set>
+                                      <p:cBhvr>
+                                        <p:cTn id="9" dur="1" fill="hold">
+                                          <p:stCondLst>
+                                            <p:cond delay="0"/>
+                                          </p:stCondLst>
+                                        </p:cTn>
+                                        <p:tgtEl>
+                                          <p:spTgt spid="6">
+                                            <p:txEl>
+                                              <p:pRg st="5" end="5"/>
+                                            </p:txEl>
+                                          </p:spTgt>
+                                        </p:tgtEl>
+                                        <p:attrNameLst>
+                                          <p:attrName>style.visibility</p:attrName>
+                                        </p:attrNameLst>
+                                      </p:cBhvr>
+                                      <p:to>
+                                        <p:strVal val="visible"/>
+                                      </p:to>
+                                    </p:set>
+                                    <p:animEffect transition="in" filter="fade">
+                                      <p:cBhvr>
+                                        <p:cTn id="10" dur="500"/>
+                                        <p:tgtEl>
+                                          <p:spTgt spid="6">
+                                            <p:txEl>
+                                              <p:pRg st="5" end="5"/>
+                                            </p:txEl>
+                                          </p:spTgt>
+                                        </p:tgtEl>
+                                      </p:cBhvr>
+                                    </p:animEffect>
+                                  </p:childTnLst>
+                                </p:cTn>
+                              </p:par>
+                              <p:par>
+                                <p:cTn id="11" presetID="10" presetClass="entr" presetSubtype="0" fill="hold" nodeType="withEffect">
+                                  <p:stCondLst>
+                                    <p:cond delay="0"/>
+                                  </p:stCondLst>
+                                  <p:childTnLst>
+                                    <p:set>
+                                      <p:cBhvr>
+                                        <p:cTn id="12" dur="1" fill="hold">
+                                          <p:stCondLst>
+                                            <p:cond delay="0"/>
+                                          </p:stCondLst>
+                                        </p:cTn>
+                                        <p:tgtEl>
+                                          <p:spTgt spid="6">
+                                            <p:txEl>
+                                              <p:pRg st="6" end="6"/>
+                                            </p:txEl>
+                                          </p:spTgt>
+                                        </p:tgtEl>
+                                        <p:attrNameLst>
+                                          <p:attrName>style.visibility</p:attrName>
+                                        </p:attrNameLst>
+                                      </p:cBhvr>
+                                      <p:to>
+                                        <p:strVal val="visible"/>
+                                      </p:to>
+                                    </p:set>
+                                    <p:animEffect transition="in" filter="fade">
+                                      <p:cBhvr>
+                                        <p:cTn id="13" dur="500"/>
+                                        <p:tgtEl>
+                                          <p:spTgt spid="6">
+                                            <p:txEl>
+                                              <p:pRg st="6" end="6"/>
+                                            </p:txEl>
+                                          </p:spTgt>
+                                        </p:tgtEl>
+                                      </p:cBhvr>
+                                    </p:animEffect>
+                                  </p:childTnLst>
+                                </p:cTn>
+                              </p:par>
+                              <p:par>
+                                <p:cTn id="14" presetID="10" presetClass="entr" presetSubtype="0" fill="hold" nodeType="withEffect">
+                                  <p:stCondLst>
+                                    <p:cond delay="0"/>
+                                  </p:stCondLst>
+                                  <p:childTnLst>
+                                    <p:set>
+                                      <p:cBhvr>
+                                        <p:cTn id="15" dur="1" fill="hold">
+                                          <p:stCondLst>
+                                            <p:cond delay="0"/>
+                                          </p:stCondLst>
+                                        </p:cTn>
+                                        <p:tgtEl>
+                                          <p:spTgt spid="6">
+                                            <p:txEl>
+                                              <p:pRg st="7" end="7"/>
+                                            </p:txEl>
+                                          </p:spTgt>
+                                        </p:tgtEl>
+                                        <p:attrNameLst>
+                                          <p:attrName>style.visibility</p:attrName>
+                                        </p:attrNameLst>
+                                      </p:cBhvr>
+                                      <p:to>
+                                        <p:strVal val="visible"/>
+                                      </p:to>
+                                    </p:set>
+                                    <p:animEffect transition="in" filter="fade">
+                                      <p:cBhvr>
+                                        <p:cTn id="16" dur="500"/>
+                                        <p:tgtEl>
+                                          <p:spTgt spid="6">
+                                            <p:txEl>
+                                              <p:pRg st="7" end="7"/>
+                                            </p:txEl>
+                                          </p:spTgt>
+                                        </p:tgtEl>
+                                      </p:cBhvr>
+                                    </p:animEffect>
+                                  </p:childTnLst>
+                                </p:cTn>
+                              </p:par>
+                            </p:childTnLst>
+                          </p:cTn>
+                        </p:par>
+                      </p:childTnLst>
+                    </p:cTn>
+                  </p:par>
+                  <p:par>
+                    <p:cTn id="17" fill="hold">
+                      <p:stCondLst>
+                        <p:cond delay="indefinite"/>
+                      </p:stCondLst>
+                      <p:childTnLst>
+                        <p:par>
+                          <p:cTn id="18" fill="hold">
+                            <p:stCondLst>
+                              <p:cond delay="0"/>
+                            </p:stCondLst>
+                            <p:childTnLst>
+                              <p:par>
+                                <p:cTn id="19" presetID="10" presetClass="entr" presetSubtype="0" fill="hold" nodeType="clickEffect">
+                                  <p:stCondLst>
+                                    <p:cond delay="0"/>
+                                  </p:stCondLst>
+                                  <p:childTnLst>
+                                    <p:set>
+                                      <p:cBhvr>
+                                        <p:cTn id="20" dur="1" fill="hold">
+                                          <p:stCondLst>
+                                            <p:cond delay="0"/>
+                                          </p:stCondLst>
+                                        </p:cTn>
+                                        <p:tgtEl>
+                                          <p:spTgt spid="6">
+                                            <p:txEl>
+                                              <p:pRg st="9" end="9"/>
+                                            </p:txEl>
+                                          </p:spTgt>
+                                        </p:tgtEl>
+                                        <p:attrNameLst>
+                                          <p:attrName>style.visibility</p:attrName>
+                                        </p:attrNameLst>
+                                      </p:cBhvr>
+                                      <p:to>
+                                        <p:strVal val="visible"/>
+                                      </p:to>
+                                    </p:set>
+                                    <p:animEffect transition="in" filter="fade">
+                                      <p:cBhvr>
+                                        <p:cTn id="21" dur="500"/>
+                                        <p:tgtEl>
+                                          <p:spTgt spid="6">
+                                            <p:txEl>
+                                              <p:pRg st="9" end="9"/>
+                                            </p:txEl>
+                                          </p:spTgt>
+                                        </p:tgtEl>
+                                      </p:cBhvr>
+                                    </p:animEffect>
+                                  </p:childTnLst>
+                                </p:cTn>
+                              </p:par>
+                              <p:par>
+                                <p:cTn id="22" presetID="10" presetClass="entr" presetSubtype="0" fill="hold" nodeType="withEffect">
+                                  <p:stCondLst>
+                                    <p:cond delay="0"/>
+                                  </p:stCondLst>
+                                  <p:childTnLst>
+                                    <p:set>
+                                      <p:cBhvr>
+                                        <p:cTn id="23" dur="1" fill="hold">
+                                          <p:stCondLst>
+                                            <p:cond delay="0"/>
+                                          </p:stCondLst>
+                                        </p:cTn>
+                                        <p:tgtEl>
+                                          <p:spTgt spid="6">
+                                            <p:txEl>
+                                              <p:pRg st="10" end="10"/>
+                                            </p:txEl>
+                                          </p:spTgt>
+                                        </p:tgtEl>
+                                        <p:attrNameLst>
+                                          <p:attrName>style.visibility</p:attrName>
+                                        </p:attrNameLst>
+                                      </p:cBhvr>
+                                      <p:to>
+                                        <p:strVal val="visible"/>
+                                      </p:to>
+                                    </p:set>
+                                    <p:animEffect transition="in" filter="fade">
+                                      <p:cBhvr>
+                                        <p:cTn id="24" dur="500"/>
+                                        <p:tgtEl>
+                                          <p:spTgt spid="6">
+                                            <p:txEl>
+                                              <p:pRg st="10" end="10"/>
+                                            </p:txEl>
+                                          </p:spTgt>
+                                        </p:tgtEl>
+                                      </p:cBhvr>
+                                    </p:animEffect>
+                                  </p:childTnLst>
+                                </p:cTn>
+                              </p:par>
+                              <p:par>
+                                <p:cTn id="25" presetID="10" presetClass="entr" presetSubtype="0" fill="hold" nodeType="withEffect">
+                                  <p:stCondLst>
+                                    <p:cond delay="0"/>
+                                  </p:stCondLst>
+                                  <p:childTnLst>
+                                    <p:set>
+                                      <p:cBhvr>
+                                        <p:cTn id="26" dur="1" fill="hold">
+                                          <p:stCondLst>
+                                            <p:cond delay="0"/>
+                                          </p:stCondLst>
+                                        </p:cTn>
+                                        <p:tgtEl>
+                                          <p:spTgt spid="6">
+                                            <p:txEl>
+                                              <p:pRg st="11" end="11"/>
+                                            </p:txEl>
+                                          </p:spTgt>
+                                        </p:tgtEl>
+                                        <p:attrNameLst>
+                                          <p:attrName>style.visibility</p:attrName>
+                                        </p:attrNameLst>
+                                      </p:cBhvr>
+                                      <p:to>
+                                        <p:strVal val="visible"/>
+                                      </p:to>
+                                    </p:set>
+                                    <p:animEffect transition="in" filter="fade">
+                                      <p:cBhvr>
+                                        <p:cTn id="27" dur="500"/>
+                                        <p:tgtEl>
+                                          <p:spTgt spid="6">
+                                            <p:txEl>
+                                              <p:pRg st="11" end="11"/>
+                                            </p:txEl>
+                                          </p:spTgt>
+                                        </p:tgtEl>
+                                      </p:cBhvr>
+                                    </p:animEffect>
+                                  </p:childTnLst>
+                                </p:cTn>
+                              </p:par>
+                              <p:par>
+                                <p:cTn id="28" presetID="10" presetClass="entr" presetSubtype="0" fill="hold" nodeType="withEffect">
+                                  <p:stCondLst>
+                                    <p:cond delay="0"/>
+                                  </p:stCondLst>
+                                  <p:childTnLst>
+                                    <p:set>
+                                      <p:cBhvr>
+                                        <p:cTn id="29" dur="1" fill="hold">
+                                          <p:stCondLst>
+                                            <p:cond delay="0"/>
+                                          </p:stCondLst>
+                                        </p:cTn>
+                                        <p:tgtEl>
+                                          <p:spTgt spid="6">
+                                            <p:txEl>
+                                              <p:pRg st="12" end="12"/>
+                                            </p:txEl>
+                                          </p:spTgt>
+                                        </p:tgtEl>
+                                        <p:attrNameLst>
+                                          <p:attrName>style.visibility</p:attrName>
+                                        </p:attrNameLst>
+                                      </p:cBhvr>
+                                      <p:to>
+                                        <p:strVal val="visible"/>
+                                      </p:to>
+                                    </p:set>
+                                    <p:animEffect transition="in" filter="fade">
+                                      <p:cBhvr>
+                                        <p:cTn id="30" dur="500"/>
+                                        <p:tgtEl>
+                                          <p:spTgt spid="6">
+                                            <p:txEl>
+                                              <p:pRg st="12" end="12"/>
+                                            </p:txEl>
+                                          </p:spTgt>
+                                        </p:tgtEl>
+                                      </p:cBhvr>
+                                    </p:animEffect>
+                                  </p:childTnLst>
+                                </p:cTn>
+                              </p:par>
+                            </p:childTnLst>
+                          </p:cTn>
+                        </p:par>
+                      </p:childTnLst>
+                    </p:cTn>
+                  </p:par>
+                  <p:par>
+                    <p:cTn id="31" fill="hold">
+                      <p:stCondLst>
+                        <p:cond delay="indefinite"/>
+                      </p:stCondLst>
+                      <p:childTnLst>
+                        <p:par>
+                          <p:cTn id="32" fill="hold">
+                            <p:stCondLst>
+                              <p:cond delay="0"/>
+                            </p:stCondLst>
+                            <p:childTnLst>
+                              <p:par>
+                                <p:cTn id="33" presetID="10" presetClass="entr" presetSubtype="0" fill="hold" nodeType="clickEffect">
+                                  <p:stCondLst>
+                                    <p:cond delay="0"/>
+                                  </p:stCondLst>
+                                  <p:childTnLst>
+                                    <p:set>
+                                      <p:cBhvr>
+                                        <p:cTn id="34" dur="1" fill="hold">
+                                          <p:stCondLst>
+                                            <p:cond delay="0"/>
+                                          </p:stCondLst>
+                                        </p:cTn>
+                                        <p:tgtEl>
+                                          <p:spTgt spid="6">
+                                            <p:txEl>
+                                              <p:pRg st="14" end="14"/>
+                                            </p:txEl>
+                                          </p:spTgt>
+                                        </p:tgtEl>
+                                        <p:attrNameLst>
+                                          <p:attrName>style.visibility</p:attrName>
+                                        </p:attrNameLst>
+                                      </p:cBhvr>
+                                      <p:to>
+                                        <p:strVal val="visible"/>
+                                      </p:to>
+                                    </p:set>
+                                    <p:animEffect transition="in" filter="fade">
+                                      <p:cBhvr>
+                                        <p:cTn id="35" dur="500"/>
+                                        <p:tgtEl>
+                                          <p:spTgt spid="6">
+                                            <p:txEl>
+                                              <p:pRg st="14" end="14"/>
+                                            </p:txEl>
+                                          </p:spTgt>
+                                        </p:tgtEl>
+                                      </p:cBhvr>
+                                    </p:animEffect>
+                                  </p:childTnLst>
+                                </p:cTn>
+                              </p:par>
+                              <p:par>
+                                <p:cTn id="36" presetID="10" presetClass="entr" presetSubtype="0" fill="hold" nodeType="withEffect">
+                                  <p:stCondLst>
+                                    <p:cond delay="0"/>
+                                  </p:stCondLst>
+                                  <p:childTnLst>
+                                    <p:set>
+                                      <p:cBhvr>
+                                        <p:cTn id="37" dur="1" fill="hold">
+                                          <p:stCondLst>
+                                            <p:cond delay="0"/>
+                                          </p:stCondLst>
+                                        </p:cTn>
+                                        <p:tgtEl>
+                                          <p:spTgt spid="6">
+                                            <p:txEl>
+                                              <p:pRg st="15" end="15"/>
+                                            </p:txEl>
+                                          </p:spTgt>
+                                        </p:tgtEl>
+                                        <p:attrNameLst>
+                                          <p:attrName>style.visibility</p:attrName>
+                                        </p:attrNameLst>
+                                      </p:cBhvr>
+                                      <p:to>
+                                        <p:strVal val="visible"/>
+                                      </p:to>
+                                    </p:set>
+                                    <p:animEffect transition="in" filter="fade">
+                                      <p:cBhvr>
+                                        <p:cTn id="38" dur="500"/>
+                                        <p:tgtEl>
+                                          <p:spTgt spid="6">
+                                            <p:txEl>
+                                              <p:pRg st="15" end="15"/>
+                                            </p:txEl>
+                                          </p:spTgt>
+                                        </p:tgtEl>
+                                      </p:cBhvr>
+                                    </p:animEffect>
+                                  </p:childTnLst>
+                                </p:cTn>
+                              </p:par>
+                            </p:childTnLst>
+                          </p:cTn>
+                        </p:par>
+                      </p:childTnLst>
+                    </p:cTn>
+                  </p:par>
+                  <p:par>
+                    <p:cTn id="39" fill="hold">
+                      <p:stCondLst>
+                        <p:cond delay="indefinite"/>
+                      </p:stCondLst>
+                      <p:childTnLst>
+                        <p:par>
+                          <p:cTn id="40" fill="hold">
+                            <p:stCondLst>
+                              <p:cond delay="0"/>
+                            </p:stCondLst>
+                            <p:childTnLst>
+                              <p:par>
+                                <p:cTn id="41" presetID="10" presetClass="entr" presetSubtype="0" fill="hold" nodeType="clickEffect">
+                                  <p:stCondLst>
+                                    <p:cond delay="0"/>
+                                  </p:stCondLst>
+                                  <p:childTnLst>
+                                    <p:set>
+                                      <p:cBhvr>
+                                        <p:cTn id="42" dur="1" fill="hold">
+                                          <p:stCondLst>
+                                            <p:cond delay="0"/>
+                                          </p:stCondLst>
+                                        </p:cTn>
+                                        <p:tgtEl>
+                                          <p:spTgt spid="6">
+                                            <p:txEl>
+                                              <p:pRg st="17" end="17"/>
+                                            </p:txEl>
+                                          </p:spTgt>
+                                        </p:tgtEl>
+                                        <p:attrNameLst>
+                                          <p:attrName>style.visibility</p:attrName>
+                                        </p:attrNameLst>
+                                      </p:cBhvr>
+                                      <p:to>
+                                        <p:strVal val="visible"/>
+                                      </p:to>
+                                    </p:set>
+                                    <p:animEffect transition="in" filter="fade">
+                                      <p:cBhvr>
+                                        <p:cTn id="43" dur="500"/>
+                                        <p:tgtEl>
+                                          <p:spTgt spid="6">
+                                            <p:txEl>
+                                              <p:pRg st="17" end="17"/>
+                                            </p:txEl>
+                                          </p:spTgt>
+                                        </p:tgtEl>
+                                      </p:cBhvr>
+                                    </p:animEffect>
+                                  </p:childTnLst>
+                                </p:cTn>
+                              </p:par>
+                              <p:par>
+                                <p:cTn id="44" presetID="10" presetClass="entr" presetSubtype="0" fill="hold" nodeType="withEffect">
+                                  <p:stCondLst>
+                                    <p:cond delay="0"/>
+                                  </p:stCondLst>
+                                  <p:childTnLst>
+                                    <p:set>
+                                      <p:cBhvr>
+                                        <p:cTn id="45" dur="1" fill="hold">
+                                          <p:stCondLst>
+                                            <p:cond delay="0"/>
+                                          </p:stCondLst>
+                                        </p:cTn>
+                                        <p:tgtEl>
+                                          <p:spTgt spid="6">
+                                            <p:txEl>
+                                              <p:pRg st="18" end="18"/>
+                                            </p:txEl>
+                                          </p:spTgt>
+                                        </p:tgtEl>
+                                        <p:attrNameLst>
+                                          <p:attrName>style.visibility</p:attrName>
+                                        </p:attrNameLst>
+                                      </p:cBhvr>
+                                      <p:to>
+                                        <p:strVal val="visible"/>
+                                      </p:to>
+                                    </p:set>
+                                    <p:animEffect transition="in" filter="fade">
+                                      <p:cBhvr>
+                                        <p:cTn id="46" dur="500"/>
+                                        <p:tgtEl>
+                                          <p:spTgt spid="6">
+                                            <p:txEl>
+                                              <p:pRg st="18" end="18"/>
+                                            </p:txEl>
+                                          </p:spTgt>
+                                        </p:tgtEl>
+                                      </p:cBhvr>
+                                    </p:animEffect>
+                                  </p:childTnLst>
+                                </p:cTn>
+                              </p:par>
+                              <p:par>
+                                <p:cTn id="47" presetID="10" presetClass="entr" presetSubtype="0" fill="hold" nodeType="withEffect">
+                                  <p:stCondLst>
+                                    <p:cond delay="0"/>
+                                  </p:stCondLst>
+                                  <p:childTnLst>
+                                    <p:set>
+                                      <p:cBhvr>
+                                        <p:cTn id="48" dur="1" fill="hold">
+                                          <p:stCondLst>
+                                            <p:cond delay="0"/>
+                                          </p:stCondLst>
+                                        </p:cTn>
+                                        <p:tgtEl>
+                                          <p:spTgt spid="6">
+                                            <p:txEl>
+                                              <p:pRg st="19" end="19"/>
+                                            </p:txEl>
+                                          </p:spTgt>
+                                        </p:tgtEl>
+                                        <p:attrNameLst>
+                                          <p:attrName>style.visibility</p:attrName>
+                                        </p:attrNameLst>
+                                      </p:cBhvr>
+                                      <p:to>
+                                        <p:strVal val="visible"/>
+                                      </p:to>
+                                    </p:set>
+                                    <p:animEffect transition="in" filter="fade">
+                                      <p:cBhvr>
+                                        <p:cTn id="49" dur="500"/>
+                                        <p:tgtEl>
+                                          <p:spTgt spid="6">
+                                            <p:txEl>
+                                              <p:pRg st="19" end="19"/>
+                                            </p:txEl>
+                                          </p:spTgt>
+                                        </p:tgtEl>
+                                      </p:cBhvr>
+                                    </p:animEffect>
+                                  </p:childTnLst>
+                                </p:cTn>
+                              </p:par>
+                              <p:par>
+                                <p:cTn id="50" presetID="10" presetClass="entr" presetSubtype="0" fill="hold" nodeType="withEffect">
+                                  <p:stCondLst>
+                                    <p:cond delay="0"/>
+                                  </p:stCondLst>
+                                  <p:childTnLst>
+                                    <p:set>
+                                      <p:cBhvr>
+                                        <p:cTn id="51" dur="1" fill="hold">
+                                          <p:stCondLst>
+                                            <p:cond delay="0"/>
+                                          </p:stCondLst>
+                                        </p:cTn>
+                                        <p:tgtEl>
+                                          <p:spTgt spid="6">
+                                            <p:txEl>
+                                              <p:pRg st="20" end="20"/>
+                                            </p:txEl>
+                                          </p:spTgt>
+                                        </p:tgtEl>
+                                        <p:attrNameLst>
+                                          <p:attrName>style.visibility</p:attrName>
+                                        </p:attrNameLst>
+                                      </p:cBhvr>
+                                      <p:to>
+                                        <p:strVal val="visible"/>
+                                      </p:to>
+                                    </p:set>
+                                    <p:animEffect transition="in" filter="fade">
+                                      <p:cBhvr>
+                                        <p:cTn id="52" dur="500"/>
+                                        <p:tgtEl>
+                                          <p:spTgt spid="6">
+                                            <p:txEl>
+                                              <p:pRg st="20" end="20"/>
+                                            </p:txEl>
+                                          </p:spTgt>
+                                        </p:tgtEl>
+                                      </p:cBhvr>
+                                    </p:animEffect>
+                                  </p:childTnLst>
+                                </p:cTn>
+                              </p:par>
+                            </p:childTnLst>
+                          </p:cTn>
+                        </p:par>
+                      </p:childTnLst>
+                    </p:cTn>
+                  </p:par>
+                </p:childTnLst>
+              </p:cTn>
+              <p:prevCondLst>
+                <p:cond evt="onPrev" delay="0">
+                  <p:tgtEl>
+                    <p:sldTgt/>
+                  </p:tgtEl>
+                </p:cond>
+              </p:prevCondLst>
+              <p:nextCondLst>
+                <p:cond evt="onNext" delay="0">
+                  <p:tgtEl>
+                    <p:sldTgt/>
+                  </p:tgtEl>
+                </p:cond>
+              </p:nextCondLst>
+            </p:seq>
+          </p:childTnLst>
+        </p:cTn>
       </p:par>
     </p:tnLst>
   </p:timing>
@@ -16133,10 +18376,9 @@
           <a:lstStyle/>
           <a:p>
             <a:r>
-              <a:rPr lang="ru-RU" dirty="0" smtClean="0"/>
+              <a:rPr lang="ru-RU" dirty="0"/>
               <a:t>Представление – это не только графика</a:t>
             </a:r>
-            <a:endParaRPr lang="ru-RU" dirty="0"/>
           </a:p>
         </p:txBody>
       </p:sp>
@@ -16156,25 +18398,32 @@
           <a:lstStyle/>
           <a:p>
             <a:r>
-              <a:rPr lang="en-US" dirty="0" smtClean="0"/>
+              <a:rPr lang="en-US" dirty="0"/>
               <a:t>GUI – </a:t>
             </a:r>
             <a:r>
-              <a:rPr lang="ru-RU" dirty="0" smtClean="0"/>
+              <a:rPr lang="ru-RU" dirty="0"/>
               <a:t>это частный, хоть и самый распространённый вариант представления</a:t>
             </a:r>
           </a:p>
           <a:p>
             <a:r>
-              <a:rPr lang="ru-RU" dirty="0" smtClean="0"/>
+              <a:rPr lang="ru-RU" dirty="0"/>
               <a:t>В общем случае всё, что может доставлять информацию пользователю, может считаться представлением</a:t>
             </a:r>
           </a:p>
           <a:p>
             <a:pPr lvl="1"/>
             <a:r>
-              <a:rPr lang="ru-RU" dirty="0" smtClean="0"/>
+              <a:rPr lang="ru-RU" dirty="0"/>
               <a:t>Звуки</a:t>
+            </a:r>
+          </a:p>
+          <a:p>
+            <a:pPr lvl="1"/>
+            <a:r>
+              <a:rPr lang="ru-RU" dirty="0"/>
+              <a:t>Вибрация</a:t>
             </a:r>
           </a:p>
           <a:p>
@@ -16193,13 +18442,6 @@
   <p:clrMapOvr>
     <a:masterClrMapping/>
   </p:clrMapOvr>
-  <p:timing>
-    <p:tnLst>
-      <p:par>
-        <p:cTn id="1" dur="indefinite" restart="never" nodeType="tmRoot"/>
-      </p:par>
-    </p:tnLst>
-  </p:timing>
 </p:sld>
 </file>
 
@@ -16227,7 +18469,7 @@
             <a:spLocks noGrp="1"/>
           </p:cNvSpPr>
           <p:nvPr>
-            <p:ph type="title"/>
+            <p:ph type="ctrTitle"/>
           </p:nvPr>
         </p:nvSpPr>
         <p:spPr/>
@@ -16236,21 +18478,26 @@
           <a:lstStyle/>
           <a:p>
             <a:r>
-              <a:rPr lang="ru-RU" dirty="0" smtClean="0"/>
-              <a:t>Подробнее о компонентах триады</a:t>
-            </a:r>
-            <a:endParaRPr lang="ru-RU" dirty="0"/>
+              <a:rPr lang="ru-RU" dirty="0"/>
+              <a:t>Контроллер</a:t>
+            </a:r>
           </a:p>
         </p:txBody>
       </p:sp>
       <p:sp>
         <p:nvSpPr>
-          <p:cNvPr id="5" name="Text Placeholder 4"/>
+          <p:cNvPr id="2" name="Subtitle 1">
+            <a:extLst>
+              <a:ext uri="{FF2B5EF4-FFF2-40B4-BE49-F238E27FC236}">
+                <a16:creationId xmlns:a16="http://schemas.microsoft.com/office/drawing/2014/main" id="{473368EA-62D4-4933-8A64-3373659F97E1}"/>
+              </a:ext>
+            </a:extLst>
+          </p:cNvPr>
           <p:cNvSpPr>
             <a:spLocks noGrp="1"/>
           </p:cNvSpPr>
           <p:nvPr>
-            <p:ph type="body" idx="1"/>
+            <p:ph type="subTitle" idx="1"/>
           </p:nvPr>
         </p:nvSpPr>
         <p:spPr/>
@@ -16258,11 +18505,7 @@
           <a:bodyPr/>
           <a:lstStyle/>
           <a:p>
-            <a:r>
-              <a:rPr lang="ru-RU" dirty="0" smtClean="0"/>
-              <a:t>Контроллер</a:t>
-            </a:r>
-            <a:endParaRPr lang="ru-RU" dirty="0"/>
+            <a:endParaRPr lang="ru-RU"/>
           </a:p>
         </p:txBody>
       </p:sp>
@@ -16276,13 +18519,6 @@
   <p:clrMapOvr>
     <a:masterClrMapping/>
   </p:clrMapOvr>
-  <p:timing>
-    <p:tnLst>
-      <p:par>
-        <p:cTn id="1" dur="indefinite" restart="never" nodeType="tmRoot"/>
-      </p:par>
-    </p:tnLst>
-  </p:timing>
 </p:sld>
 </file>
 
@@ -16319,10 +18555,9 @@
           <a:lstStyle/>
           <a:p>
             <a:r>
-              <a:rPr lang="ru-RU" dirty="0" smtClean="0"/>
+              <a:rPr lang="ru-RU" dirty="0"/>
               <a:t>Контроллер</a:t>
             </a:r>
-            <a:endParaRPr lang="ru-RU" dirty="0"/>
           </a:p>
         </p:txBody>
       </p:sp>
@@ -16342,24 +18577,24 @@
           <a:lstStyle/>
           <a:p>
             <a:r>
-              <a:rPr lang="ru-RU" dirty="0" smtClean="0"/>
+              <a:rPr lang="ru-RU" dirty="0"/>
               <a:t>Контроллеры связаны с представлением в отношении 1 к 1</a:t>
             </a:r>
           </a:p>
           <a:p>
             <a:r>
-              <a:rPr lang="ru-RU" dirty="0" smtClean="0"/>
+              <a:rPr lang="ru-RU" dirty="0"/>
               <a:t>Обычно запросы на изменение направляются Модели</a:t>
             </a:r>
           </a:p>
           <a:p>
             <a:pPr lvl="1"/>
             <a:r>
-              <a:rPr lang="ru-RU" dirty="0" smtClean="0"/>
+              <a:rPr lang="ru-RU" dirty="0"/>
               <a:t>Контроллер может также модифицировать и </a:t>
             </a:r>
             <a:r>
-              <a:rPr lang="en-US" dirty="0" smtClean="0"/>
+              <a:rPr lang="en-US" dirty="0"/>
               <a:t>View</a:t>
             </a:r>
             <a:endParaRPr lang="ru-RU" dirty="0"/>
@@ -16376,13 +18611,6 @@
   <p:clrMapOvr>
     <a:masterClrMapping/>
   </p:clrMapOvr>
-  <p:timing>
-    <p:tnLst>
-      <p:par>
-        <p:cTn id="1" dur="indefinite" restart="never" nodeType="tmRoot"/>
-      </p:par>
-    </p:tnLst>
-  </p:timing>
 </p:sld>
 </file>
 
@@ -16419,10 +18647,9 @@
           <a:lstStyle/>
           <a:p>
             <a:r>
-              <a:rPr lang="ru-RU" dirty="0" smtClean="0"/>
+              <a:rPr lang="ru-RU" dirty="0"/>
               <a:t>Пример</a:t>
             </a:r>
-            <a:endParaRPr lang="ru-RU" dirty="0"/>
           </a:p>
         </p:txBody>
       </p:sp>
@@ -16442,14 +18669,13 @@
           <a:lstStyle/>
           <a:p>
             <a:r>
-              <a:rPr lang="ru-RU" dirty="0" smtClean="0"/>
+              <a:rPr lang="ru-RU" dirty="0"/>
               <a:t>Приложение для вычисления корней </a:t>
             </a:r>
             <a:r>
-              <a:rPr lang="ru-RU" smtClean="0"/>
+              <a:rPr lang="ru-RU"/>
               <a:t>квадратного уравнения</a:t>
             </a:r>
-            <a:endParaRPr lang="ru-RU"/>
           </a:p>
         </p:txBody>
       </p:sp>
@@ -16489,13 +18715,6 @@
   <p:clrMapOvr>
     <a:masterClrMapping/>
   </p:clrMapOvr>
-  <p:timing>
-    <p:tnLst>
-      <p:par>
-        <p:cTn id="1" dur="indefinite" restart="never" nodeType="tmRoot"/>
-      </p:par>
-    </p:tnLst>
-  </p:timing>
 </p:sld>
 </file>
 
@@ -16516,65 +18735,52 @@
           <a:chExt cx="0" cy="0"/>
         </a:xfrm>
       </p:grpSpPr>
-      <p:sp>
-        <p:nvSpPr>
-          <p:cNvPr id="4" name="Заголовок 3"/>
-          <p:cNvSpPr>
-            <a:spLocks noGrp="1"/>
-          </p:cNvSpPr>
-          <p:nvPr>
-            <p:ph type="title"/>
-          </p:nvPr>
-        </p:nvSpPr>
-        <p:spPr/>
-        <p:txBody>
-          <a:bodyPr/>
-          <a:lstStyle/>
-          <a:p>
-            <a:r>
-              <a:rPr lang="en-US" dirty="0"/>
-              <a:t>Passive View</a:t>
-            </a:r>
-            <a:endParaRPr lang="ru-RU" dirty="0"/>
-          </a:p>
-        </p:txBody>
-      </p:sp>
-      <p:sp>
-        <p:nvSpPr>
-          <p:cNvPr id="5" name="Текст 4"/>
-          <p:cNvSpPr>
-            <a:spLocks noGrp="1"/>
-          </p:cNvSpPr>
-          <p:nvPr>
-            <p:ph type="body" idx="1"/>
-          </p:nvPr>
-        </p:nvSpPr>
-        <p:spPr/>
-        <p:txBody>
-          <a:bodyPr/>
-          <a:lstStyle/>
-          <a:p>
-            <a:endParaRPr lang="ru-RU"/>
-          </a:p>
-        </p:txBody>
-      </p:sp>
+      <p:pic>
+        <p:nvPicPr>
+          <p:cNvPr id="9" name="Content Placeholder 7">
+            <a:extLst>
+              <a:ext uri="{FF2B5EF4-FFF2-40B4-BE49-F238E27FC236}">
+                <a16:creationId xmlns:a16="http://schemas.microsoft.com/office/drawing/2014/main" id="{D021614F-5619-4686-ABB8-F17F992C2428}"/>
+              </a:ext>
+            </a:extLst>
+          </p:cNvPr>
+          <p:cNvPicPr>
+            <a:picLocks noChangeAspect="1"/>
+          </p:cNvPicPr>
+          <p:nvPr/>
+        </p:nvPicPr>
+        <p:blipFill>
+          <a:blip r:embed="rId2">
+            <a:extLst>
+              <a:ext uri="{28A0092B-C50C-407E-A947-70E740481C1C}">
+                <a14:useLocalDpi xmlns:a14="http://schemas.microsoft.com/office/drawing/2010/main" val="0"/>
+              </a:ext>
+            </a:extLst>
+          </a:blip>
+          <a:stretch>
+            <a:fillRect/>
+          </a:stretch>
+        </p:blipFill>
+        <p:spPr>
+          <a:xfrm>
+            <a:off x="2195736" y="309498"/>
+            <a:ext cx="6120680" cy="6401888"/>
+          </a:xfrm>
+          <a:prstGeom prst="rect">
+            <a:avLst/>
+          </a:prstGeom>
+        </p:spPr>
+      </p:pic>
     </p:spTree>
     <p:extLst>
       <p:ext uri="{BB962C8B-B14F-4D97-AF65-F5344CB8AC3E}">
-        <p14:creationId xmlns:p14="http://schemas.microsoft.com/office/powerpoint/2010/main" val="2611667364"/>
+        <p14:creationId xmlns:p14="http://schemas.microsoft.com/office/powerpoint/2010/main" val="1669931937"/>
       </p:ext>
     </p:extLst>
   </p:cSld>
   <p:clrMapOvr>
     <a:masterClrMapping/>
   </p:clrMapOvr>
-  <p:timing>
-    <p:tnLst>
-      <p:par>
-        <p:cTn id="1" dur="indefinite" restart="never" nodeType="tmRoot"/>
-      </p:par>
-    </p:tnLst>
-  </p:timing>
 </p:sld>
 </file>
 
@@ -16611,6 +18817,78 @@
           <a:lstStyle/>
           <a:p>
             <a:r>
+              <a:rPr lang="en-US" dirty="0"/>
+              <a:t>Passive View</a:t>
+            </a:r>
+            <a:endParaRPr lang="ru-RU" dirty="0"/>
+          </a:p>
+        </p:txBody>
+      </p:sp>
+      <p:sp>
+        <p:nvSpPr>
+          <p:cNvPr id="5" name="Текст 4"/>
+          <p:cNvSpPr>
+            <a:spLocks noGrp="1"/>
+          </p:cNvSpPr>
+          <p:nvPr>
+            <p:ph type="body" idx="1"/>
+          </p:nvPr>
+        </p:nvSpPr>
+        <p:spPr/>
+        <p:txBody>
+          <a:bodyPr/>
+          <a:lstStyle/>
+          <a:p>
+            <a:endParaRPr lang="ru-RU"/>
+          </a:p>
+        </p:txBody>
+      </p:sp>
+    </p:spTree>
+    <p:extLst>
+      <p:ext uri="{BB962C8B-B14F-4D97-AF65-F5344CB8AC3E}">
+        <p14:creationId xmlns:p14="http://schemas.microsoft.com/office/powerpoint/2010/main" val="2611667364"/>
+      </p:ext>
+    </p:extLst>
+  </p:cSld>
+  <p:clrMapOvr>
+    <a:masterClrMapping/>
+  </p:clrMapOvr>
+</p:sld>
+</file>
+
+<file path=ppt/slides/slide46.xml><?xml version="1.0" encoding="utf-8"?>
+<p:sld xmlns:a="http://schemas.openxmlformats.org/drawingml/2006/main" xmlns:r="http://schemas.openxmlformats.org/officeDocument/2006/relationships" xmlns:p="http://schemas.openxmlformats.org/presentationml/2006/main">
+  <p:cSld>
+    <p:spTree>
+      <p:nvGrpSpPr>
+        <p:cNvPr id="1" name=""/>
+        <p:cNvGrpSpPr/>
+        <p:nvPr/>
+      </p:nvGrpSpPr>
+      <p:grpSpPr>
+        <a:xfrm>
+          <a:off x="0" y="0"/>
+          <a:ext cx="0" cy="0"/>
+          <a:chOff x="0" y="0"/>
+          <a:chExt cx="0" cy="0"/>
+        </a:xfrm>
+      </p:grpSpPr>
+      <p:sp>
+        <p:nvSpPr>
+          <p:cNvPr id="4" name="Заголовок 3"/>
+          <p:cNvSpPr>
+            <a:spLocks noGrp="1"/>
+          </p:cNvSpPr>
+          <p:nvPr>
+            <p:ph type="title"/>
+          </p:nvPr>
+        </p:nvSpPr>
+        <p:spPr/>
+        <p:txBody>
+          <a:bodyPr/>
+          <a:lstStyle/>
+          <a:p>
+            <a:r>
               <a:rPr lang="en-US" dirty="0">
                 <a:hlinkClick r:id="rId2"/>
               </a:rPr>
@@ -16672,17 +18950,10 @@
   <p:clrMapOvr>
     <a:masterClrMapping/>
   </p:clrMapOvr>
-  <p:timing>
-    <p:tnLst>
-      <p:par>
-        <p:cTn id="1" dur="indefinite" restart="never" nodeType="tmRoot"/>
-      </p:par>
-    </p:tnLst>
-  </p:timing>
 </p:sld>
 </file>
 
-<file path=ppt/slides/slide46.xml><?xml version="1.0" encoding="utf-8"?>
+<file path=ppt/slides/slide47.xml><?xml version="1.0" encoding="utf-8"?>
 <p:sld xmlns:a="http://schemas.openxmlformats.org/drawingml/2006/main" xmlns:r="http://schemas.openxmlformats.org/officeDocument/2006/relationships" xmlns:p="http://schemas.openxmlformats.org/presentationml/2006/main">
   <p:cSld>
     <p:spTree>
@@ -16772,123 +19043,6 @@
   <p:clrMapOvr>
     <a:masterClrMapping/>
   </p:clrMapOvr>
-  <p:timing>
-    <p:tnLst>
-      <p:par>
-        <p:cTn id="1" dur="indefinite" restart="never" nodeType="tmRoot"/>
-      </p:par>
-    </p:tnLst>
-  </p:timing>
-</p:sld>
-</file>
-
-<file path=ppt/slides/slide47.xml><?xml version="1.0" encoding="utf-8"?>
-<p:sld xmlns:a="http://schemas.openxmlformats.org/drawingml/2006/main" xmlns:r="http://schemas.openxmlformats.org/officeDocument/2006/relationships" xmlns:p="http://schemas.openxmlformats.org/presentationml/2006/main">
-  <p:cSld>
-    <p:spTree>
-      <p:nvGrpSpPr>
-        <p:cNvPr id="1" name=""/>
-        <p:cNvGrpSpPr/>
-        <p:nvPr/>
-      </p:nvGrpSpPr>
-      <p:grpSpPr>
-        <a:xfrm>
-          <a:off x="0" y="0"/>
-          <a:ext cx="0" cy="0"/>
-          <a:chOff x="0" y="0"/>
-          <a:chExt cx="0" cy="0"/>
-        </a:xfrm>
-      </p:grpSpPr>
-      <p:sp>
-        <p:nvSpPr>
-          <p:cNvPr id="2" name="Заголовок 1"/>
-          <p:cNvSpPr>
-            <a:spLocks noGrp="1"/>
-          </p:cNvSpPr>
-          <p:nvPr>
-            <p:ph type="title"/>
-          </p:nvPr>
-        </p:nvSpPr>
-        <p:spPr/>
-        <p:txBody>
-          <a:bodyPr/>
-          <a:lstStyle/>
-          <a:p>
-            <a:r>
-              <a:rPr lang="ru-RU" dirty="0"/>
-              <a:t>Применение</a:t>
-            </a:r>
-          </a:p>
-        </p:txBody>
-      </p:sp>
-      <p:sp>
-        <p:nvSpPr>
-          <p:cNvPr id="3" name="Объект 2"/>
-          <p:cNvSpPr>
-            <a:spLocks noGrp="1"/>
-          </p:cNvSpPr>
-          <p:nvPr>
-            <p:ph idx="1"/>
-          </p:nvPr>
-        </p:nvSpPr>
-        <p:spPr/>
-        <p:txBody>
-          <a:bodyPr/>
-          <a:lstStyle/>
-          <a:p>
-            <a:r>
-              <a:rPr lang="ru-RU" dirty="0"/>
-              <a:t>Важно обеспечить хорошее покрытие кода тестами</a:t>
-            </a:r>
-          </a:p>
-          <a:p>
-            <a:r>
-              <a:rPr lang="ru-RU" dirty="0"/>
-              <a:t>Контроллер может функционировать и быть протестирован вне </a:t>
-            </a:r>
-            <a:r>
-              <a:rPr lang="en-US" dirty="0"/>
-              <a:t>UI</a:t>
-            </a:r>
-            <a:r>
-              <a:rPr lang="ru-RU" dirty="0"/>
-              <a:t>-окружения</a:t>
-            </a:r>
-          </a:p>
-          <a:p>
-            <a:pPr lvl="1"/>
-            <a:r>
-              <a:rPr lang="ru-RU" dirty="0"/>
-              <a:t>В качестве </a:t>
-            </a:r>
-            <a:r>
-              <a:rPr lang="en-US" dirty="0"/>
-              <a:t>View </a:t>
-            </a:r>
-            <a:r>
-              <a:rPr lang="ru-RU" dirty="0"/>
-              <a:t>может быть использован тестовый дублер</a:t>
-            </a:r>
-          </a:p>
-        </p:txBody>
-      </p:sp>
-    </p:spTree>
-    <p:extLst>
-      <p:ext uri="{BB962C8B-B14F-4D97-AF65-F5344CB8AC3E}">
-        <p14:creationId xmlns:p14="http://schemas.microsoft.com/office/powerpoint/2010/main" val="1423434087"/>
-      </p:ext>
-    </p:extLst>
-  </p:cSld>
-  <p:clrMapOvr>
-    <a:masterClrMapping/>
-  </p:clrMapOvr>
-  <p:timing>
-    <p:tnLst>
-      <p:par>
-        <p:cTn id="1" dur="indefinite" restart="never" nodeType="tmRoot"/>
-      </p:par>
-    </p:tnLst>
-  </p:timing>
 </p:sld>
 </file>
 
@@ -16926,13 +19080,8 @@
           <a:p>
             <a:r>
               <a:rPr lang="ru-RU" dirty="0"/>
-              <a:t>Тестовые дублеры (</a:t>
-            </a:r>
-            <a:r>
-              <a:rPr lang="en-US" dirty="0"/>
-              <a:t>Test Double)</a:t>
-            </a:r>
-            <a:endParaRPr lang="ru-RU" dirty="0"/>
+              <a:t>Применение</a:t>
+            </a:r>
           </a:p>
         </p:txBody>
       </p:sp>
@@ -16948,96 +19097,41 @@
         </p:nvSpPr>
         <p:spPr/>
         <p:txBody>
-          <a:bodyPr>
-            <a:normAutofit fontScale="77500" lnSpcReduction="20000"/>
-          </a:bodyPr>
+          <a:bodyPr/>
           <a:lstStyle/>
           <a:p>
             <a:r>
+              <a:rPr lang="ru-RU" dirty="0"/>
+              <a:t>Важно обеспечить хорошее покрытие кода тестами</a:t>
+            </a:r>
+          </a:p>
+          <a:p>
+            <a:r>
+              <a:rPr lang="ru-RU" dirty="0"/>
+              <a:t>Контроллер может функционировать и быть протестирован вне </a:t>
+            </a:r>
+            <a:r>
               <a:rPr lang="en-US" dirty="0"/>
-              <a:t>Test stub (</a:t>
+              <a:t>UI</a:t>
             </a:r>
             <a:r>
               <a:rPr lang="ru-RU" dirty="0"/>
-              <a:t>заглушка)</a:t>
-            </a:r>
-            <a:endParaRPr lang="en-US" dirty="0"/>
+              <a:t>-окружения</a:t>
+            </a:r>
           </a:p>
           <a:p>
             <a:pPr lvl="1"/>
             <a:r>
               <a:rPr lang="ru-RU" dirty="0"/>
-              <a:t>Предоставляет фиксированный набор результатов вызова</a:t>
-            </a:r>
-          </a:p>
-          <a:p>
-            <a:pPr lvl="1"/>
+              <a:t>В качестве </a:t>
+            </a:r>
+            <a:r>
+              <a:rPr lang="en-US" dirty="0"/>
+              <a:t>View </a:t>
+            </a:r>
             <a:r>
               <a:rPr lang="ru-RU" dirty="0"/>
-              <a:t>Может протоколировать информацию о вызовах методов</a:t>
-            </a:r>
-          </a:p>
-          <a:p>
-            <a:r>
-              <a:rPr lang="en-US" dirty="0"/>
-              <a:t>Mock object </a:t>
-            </a:r>
-            <a:r>
-              <a:rPr lang="ru-RU" dirty="0"/>
-              <a:t>(фиктивный объект)</a:t>
-            </a:r>
-          </a:p>
-          <a:p>
-            <a:r>
-              <a:rPr lang="en-US" dirty="0"/>
-              <a:t>Test spy</a:t>
-            </a:r>
-            <a:endParaRPr lang="ru-RU" dirty="0"/>
-          </a:p>
-          <a:p>
-            <a:r>
-              <a:rPr lang="en-US" dirty="0"/>
-              <a:t>Fake Object</a:t>
-            </a:r>
-          </a:p>
-          <a:p>
-            <a:pPr lvl="1"/>
-            <a:r>
-              <a:rPr lang="ru-RU" dirty="0"/>
-              <a:t>Имеет рабочую реализацию, но</a:t>
-            </a:r>
-            <a:r>
-              <a:rPr lang="en-US" dirty="0"/>
-              <a:t> </a:t>
-            </a:r>
-            <a:r>
-              <a:rPr lang="ru-RU" dirty="0"/>
-              <a:t>«срезает углы», что делает малопригодным в</a:t>
-            </a:r>
-            <a:r>
-              <a:rPr lang="en-US" dirty="0"/>
-              <a:t> production</a:t>
-            </a:r>
-          </a:p>
-          <a:p>
-            <a:pPr lvl="2"/>
-            <a:r>
-              <a:rPr lang="ru-RU" dirty="0"/>
-              <a:t>БД, находящаяся в памяти</a:t>
-            </a:r>
-            <a:endParaRPr lang="en-US" dirty="0"/>
-          </a:p>
-          <a:p>
-            <a:r>
-              <a:rPr lang="en-US" dirty="0"/>
-              <a:t>Dummy object</a:t>
-            </a:r>
-          </a:p>
-          <a:p>
-            <a:pPr lvl="1"/>
-            <a:r>
-              <a:rPr lang="ru-RU" dirty="0"/>
-              <a:t>Передается в метод/функцию, но никогда не используется. Как правило, используется как заполнитель параметров</a:t>
+              <a:t>может быть использован тестовый дублер</a:t>
             </a:r>
           </a:p>
         </p:txBody>
@@ -17045,20 +19139,13 @@
     </p:spTree>
     <p:extLst>
       <p:ext uri="{BB962C8B-B14F-4D97-AF65-F5344CB8AC3E}">
-        <p14:creationId xmlns:p14="http://schemas.microsoft.com/office/powerpoint/2010/main" val="2258732444"/>
+        <p14:creationId xmlns:p14="http://schemas.microsoft.com/office/powerpoint/2010/main" val="1423434087"/>
       </p:ext>
     </p:extLst>
   </p:cSld>
   <p:clrMapOvr>
     <a:masterClrMapping/>
   </p:clrMapOvr>
-  <p:timing>
-    <p:tnLst>
-      <p:par>
-        <p:cTn id="1" dur="indefinite" restart="never" nodeType="tmRoot"/>
-      </p:par>
-    </p:tnLst>
-  </p:timing>
 </p:sld>
 </file>
 
@@ -17081,7 +19168,7 @@
       </p:grpSpPr>
       <p:sp>
         <p:nvSpPr>
-          <p:cNvPr id="4" name="Title 3"/>
+          <p:cNvPr id="2" name="Заголовок 1"/>
           <p:cNvSpPr>
             <a:spLocks noGrp="1"/>
           </p:cNvSpPr>
@@ -17095,8 +19182,12 @@
           <a:lstStyle/>
           <a:p>
             <a:r>
-              <a:rPr lang="en-US" dirty="0" smtClean="0"/>
-              <a:t>Model-View-Presenter</a:t>
+              <a:rPr lang="ru-RU" dirty="0"/>
+              <a:t>Тестовые дублеры (</a:t>
+            </a:r>
+            <a:r>
+              <a:rPr lang="en-US" dirty="0"/>
+              <a:t>Test Double)</a:t>
             </a:r>
             <a:endParaRPr lang="ru-RU" dirty="0"/>
           </a:p>
@@ -17104,56 +19195,120 @@
       </p:sp>
       <p:sp>
         <p:nvSpPr>
-          <p:cNvPr id="5" name="Text Placeholder 4"/>
+          <p:cNvPr id="3" name="Объект 2"/>
           <p:cNvSpPr>
             <a:spLocks noGrp="1"/>
           </p:cNvSpPr>
           <p:nvPr>
-            <p:ph type="body" idx="1"/>
+            <p:ph idx="1"/>
           </p:nvPr>
         </p:nvSpPr>
         <p:spPr/>
         <p:txBody>
-          <a:bodyPr/>
+          <a:bodyPr>
+            <a:normAutofit fontScale="77500" lnSpcReduction="20000"/>
+          </a:bodyPr>
           <a:lstStyle/>
           <a:p>
             <a:r>
-              <a:rPr lang="en-US" dirty="0" smtClean="0"/>
-              <a:t>MVP = </a:t>
-            </a:r>
-            <a:r>
-              <a:rPr lang="en-US" dirty="0" err="1" smtClean="0"/>
-              <a:t>SupervisingController</a:t>
-            </a:r>
-            <a:r>
-              <a:rPr lang="en-US" dirty="0" smtClean="0"/>
-              <a:t> + </a:t>
-            </a:r>
-            <a:r>
-              <a:rPr lang="en-US" dirty="0" err="1" smtClean="0"/>
-              <a:t>PassiveView</a:t>
+              <a:rPr lang="en-US" dirty="0"/>
+              <a:t>Test stub (</a:t>
+            </a:r>
+            <a:r>
+              <a:rPr lang="ru-RU" dirty="0"/>
+              <a:t>заглушка)</a:t>
+            </a:r>
+            <a:endParaRPr lang="en-US" dirty="0"/>
+          </a:p>
+          <a:p>
+            <a:pPr lvl="1"/>
+            <a:r>
+              <a:rPr lang="ru-RU" dirty="0"/>
+              <a:t>Предоставляет фиксированный набор результатов вызова</a:t>
+            </a:r>
+          </a:p>
+          <a:p>
+            <a:pPr lvl="1"/>
+            <a:r>
+              <a:rPr lang="ru-RU" dirty="0"/>
+              <a:t>Может протоколировать информацию о вызовах методов</a:t>
+            </a:r>
+          </a:p>
+          <a:p>
+            <a:r>
+              <a:rPr lang="en-US" dirty="0"/>
+              <a:t>Mock object </a:t>
+            </a:r>
+            <a:r>
+              <a:rPr lang="ru-RU" dirty="0"/>
+              <a:t>(фиктивный объект)</a:t>
+            </a:r>
+          </a:p>
+          <a:p>
+            <a:r>
+              <a:rPr lang="en-US" dirty="0"/>
+              <a:t>Test spy</a:t>
             </a:r>
             <a:endParaRPr lang="ru-RU" dirty="0"/>
+          </a:p>
+          <a:p>
+            <a:r>
+              <a:rPr lang="en-US" dirty="0"/>
+              <a:t>Fake Object</a:t>
+            </a:r>
+          </a:p>
+          <a:p>
+            <a:pPr lvl="1"/>
+            <a:r>
+              <a:rPr lang="ru-RU" dirty="0"/>
+              <a:t>Имеет рабочую реализацию, но</a:t>
+            </a:r>
+            <a:r>
+              <a:rPr lang="en-US" dirty="0"/>
+              <a:t> </a:t>
+            </a:r>
+            <a:r>
+              <a:rPr lang="ru-RU" dirty="0"/>
+              <a:t>«срезает углы», что делает малопригодным в</a:t>
+            </a:r>
+            <a:r>
+              <a:rPr lang="en-US" dirty="0"/>
+              <a:t> production</a:t>
+            </a:r>
+          </a:p>
+          <a:p>
+            <a:pPr lvl="2"/>
+            <a:r>
+              <a:rPr lang="ru-RU" dirty="0"/>
+              <a:t>БД, находящаяся в памяти</a:t>
+            </a:r>
+            <a:endParaRPr lang="en-US" dirty="0"/>
+          </a:p>
+          <a:p>
+            <a:r>
+              <a:rPr lang="en-US" dirty="0"/>
+              <a:t>Dummy object</a:t>
+            </a:r>
+          </a:p>
+          <a:p>
+            <a:pPr lvl="1"/>
+            <a:r>
+              <a:rPr lang="ru-RU" dirty="0"/>
+              <a:t>Передается в метод/функцию, но никогда не используется. Как правило, используется как заполнитель параметров</a:t>
+            </a:r>
           </a:p>
         </p:txBody>
       </p:sp>
     </p:spTree>
     <p:extLst>
       <p:ext uri="{BB962C8B-B14F-4D97-AF65-F5344CB8AC3E}">
-        <p14:creationId xmlns:p14="http://schemas.microsoft.com/office/powerpoint/2010/main" val="222091884"/>
+        <p14:creationId xmlns:p14="http://schemas.microsoft.com/office/powerpoint/2010/main" val="2258732444"/>
       </p:ext>
     </p:extLst>
   </p:cSld>
   <p:clrMapOvr>
     <a:masterClrMapping/>
   </p:clrMapOvr>
-  <p:timing>
-    <p:tnLst>
-      <p:par>
-        <p:cTn id="1" dur="indefinite" restart="never" nodeType="tmRoot"/>
-      </p:par>
-    </p:tnLst>
-  </p:timing>
 </p:sld>
 </file>
 
@@ -17190,10 +19345,9 @@
           <a:lstStyle/>
           <a:p>
             <a:r>
-              <a:rPr lang="ru-RU" dirty="0" smtClean="0"/>
+              <a:rPr lang="ru-RU" dirty="0"/>
               <a:t>Достоинства</a:t>
             </a:r>
-            <a:endParaRPr lang="ru-RU" dirty="0"/>
           </a:p>
         </p:txBody>
       </p:sp>
@@ -17215,7 +19369,7 @@
           <a:lstStyle/>
           <a:p>
             <a:r>
-              <a:rPr lang="ru-RU" dirty="0" smtClean="0"/>
+              <a:rPr lang="ru-RU" dirty="0"/>
               <a:t>Простота, часто используется новичками</a:t>
             </a:r>
           </a:p>
@@ -17347,6 +19501,94 @@
       </p:grpSpPr>
       <p:sp>
         <p:nvSpPr>
+          <p:cNvPr id="4" name="Title 3"/>
+          <p:cNvSpPr>
+            <a:spLocks noGrp="1"/>
+          </p:cNvSpPr>
+          <p:nvPr>
+            <p:ph type="title"/>
+          </p:nvPr>
+        </p:nvSpPr>
+        <p:spPr/>
+        <p:txBody>
+          <a:bodyPr/>
+          <a:lstStyle/>
+          <a:p>
+            <a:r>
+              <a:rPr lang="en-US" dirty="0"/>
+              <a:t>Model-View-Presenter</a:t>
+            </a:r>
+            <a:endParaRPr lang="ru-RU" dirty="0"/>
+          </a:p>
+        </p:txBody>
+      </p:sp>
+      <p:sp>
+        <p:nvSpPr>
+          <p:cNvPr id="5" name="Text Placeholder 4"/>
+          <p:cNvSpPr>
+            <a:spLocks noGrp="1"/>
+          </p:cNvSpPr>
+          <p:nvPr>
+            <p:ph type="body" idx="1"/>
+          </p:nvPr>
+        </p:nvSpPr>
+        <p:spPr/>
+        <p:txBody>
+          <a:bodyPr/>
+          <a:lstStyle/>
+          <a:p>
+            <a:r>
+              <a:rPr lang="en-US" dirty="0"/>
+              <a:t>MVP = </a:t>
+            </a:r>
+            <a:r>
+              <a:rPr lang="en-US" dirty="0" err="1"/>
+              <a:t>SupervisingController</a:t>
+            </a:r>
+            <a:r>
+              <a:rPr lang="en-US" dirty="0"/>
+              <a:t> + </a:t>
+            </a:r>
+            <a:r>
+              <a:rPr lang="en-US" dirty="0" err="1"/>
+              <a:t>PassiveView</a:t>
+            </a:r>
+            <a:endParaRPr lang="ru-RU" dirty="0"/>
+          </a:p>
+        </p:txBody>
+      </p:sp>
+    </p:spTree>
+    <p:extLst>
+      <p:ext uri="{BB962C8B-B14F-4D97-AF65-F5344CB8AC3E}">
+        <p14:creationId xmlns:p14="http://schemas.microsoft.com/office/powerpoint/2010/main" val="222091884"/>
+      </p:ext>
+    </p:extLst>
+  </p:cSld>
+  <p:clrMapOvr>
+    <a:masterClrMapping/>
+  </p:clrMapOvr>
+</p:sld>
+</file>
+
+<file path=ppt/slides/slide51.xml><?xml version="1.0" encoding="utf-8"?>
+<p:sld xmlns:a="http://schemas.openxmlformats.org/drawingml/2006/main" xmlns:r="http://schemas.openxmlformats.org/officeDocument/2006/relationships" xmlns:p="http://schemas.openxmlformats.org/presentationml/2006/main">
+  <p:cSld>
+    <p:spTree>
+      <p:nvGrpSpPr>
+        <p:cNvPr id="1" name=""/>
+        <p:cNvGrpSpPr/>
+        <p:nvPr/>
+      </p:nvGrpSpPr>
+      <p:grpSpPr>
+        <a:xfrm>
+          <a:off x="0" y="0"/>
+          <a:ext cx="0" cy="0"/>
+          <a:chOff x="0" y="0"/>
+          <a:chExt cx="0" cy="0"/>
+        </a:xfrm>
+      </p:grpSpPr>
+      <p:sp>
+        <p:nvSpPr>
           <p:cNvPr id="2" name="Title 1"/>
           <p:cNvSpPr>
             <a:spLocks noGrp="1"/>
@@ -17361,13 +19603,13 @@
           <a:lstStyle/>
           <a:p>
             <a:r>
-              <a:rPr lang="en-US" dirty="0" smtClean="0">
+              <a:rPr lang="en-US" dirty="0">
                 <a:hlinkClick r:id="rId2"/>
               </a:rPr>
               <a:t>Model-View-Presenter</a:t>
             </a:r>
             <a:r>
-              <a:rPr lang="en-US" dirty="0" smtClean="0"/>
+              <a:rPr lang="en-US" dirty="0"/>
               <a:t> vs MVC</a:t>
             </a:r>
             <a:endParaRPr lang="ru-RU" dirty="0"/>
@@ -17412,135 +19654,6 @@
   <p:clrMapOvr>
     <a:masterClrMapping/>
   </p:clrMapOvr>
-  <p:timing>
-    <p:tnLst>
-      <p:par>
-        <p:cTn id="1" dur="indefinite" restart="never" nodeType="tmRoot"/>
-      </p:par>
-    </p:tnLst>
-  </p:timing>
-</p:sld>
-</file>
-
-<file path=ppt/slides/slide51.xml><?xml version="1.0" encoding="utf-8"?>
-<p:sld xmlns:a="http://schemas.openxmlformats.org/drawingml/2006/main" xmlns:r="http://schemas.openxmlformats.org/officeDocument/2006/relationships" xmlns:p="http://schemas.openxmlformats.org/presentationml/2006/main">
-  <p:cSld>
-    <p:spTree>
-      <p:nvGrpSpPr>
-        <p:cNvPr id="1" name=""/>
-        <p:cNvGrpSpPr/>
-        <p:nvPr/>
-      </p:nvGrpSpPr>
-      <p:grpSpPr>
-        <a:xfrm>
-          <a:off x="0" y="0"/>
-          <a:ext cx="0" cy="0"/>
-          <a:chOff x="0" y="0"/>
-          <a:chExt cx="0" cy="0"/>
-        </a:xfrm>
-      </p:grpSpPr>
-      <p:sp>
-        <p:nvSpPr>
-          <p:cNvPr id="2" name="Title 1"/>
-          <p:cNvSpPr>
-            <a:spLocks noGrp="1"/>
-          </p:cNvSpPr>
-          <p:nvPr>
-            <p:ph type="title"/>
-          </p:nvPr>
-        </p:nvSpPr>
-        <p:spPr/>
-        <p:txBody>
-          <a:bodyPr/>
-          <a:lstStyle/>
-          <a:p>
-            <a:r>
-              <a:rPr lang="en-US" dirty="0" smtClean="0"/>
-              <a:t>Presenter</a:t>
-            </a:r>
-            <a:endParaRPr lang="ru-RU" dirty="0"/>
-          </a:p>
-        </p:txBody>
-      </p:sp>
-      <p:sp>
-        <p:nvSpPr>
-          <p:cNvPr id="3" name="Content Placeholder 2"/>
-          <p:cNvSpPr>
-            <a:spLocks noGrp="1"/>
-          </p:cNvSpPr>
-          <p:nvPr>
-            <p:ph idx="1"/>
-          </p:nvPr>
-        </p:nvSpPr>
-        <p:spPr/>
-        <p:txBody>
-          <a:bodyPr/>
-          <a:lstStyle/>
-          <a:p>
-            <a:r>
-              <a:rPr lang="ru-RU" dirty="0" smtClean="0"/>
-              <a:t>Хранит визуальное состояние и обновляет его при изменении </a:t>
-            </a:r>
-            <a:r>
-              <a:rPr lang="en-US" dirty="0" smtClean="0"/>
-              <a:t>Domain Model</a:t>
-            </a:r>
-            <a:endParaRPr lang="ru-RU" dirty="0" smtClean="0"/>
-          </a:p>
-          <a:p>
-            <a:r>
-              <a:rPr lang="ru-RU" dirty="0" smtClean="0"/>
-              <a:t>Конвертирует бизнес-правила в визуальное представление</a:t>
-            </a:r>
-          </a:p>
-          <a:p>
-            <a:r>
-              <a:rPr lang="ru-RU" dirty="0" smtClean="0"/>
-              <a:t>Обрабатывает состояние </a:t>
-            </a:r>
-            <a:r>
-              <a:rPr lang="en-US" dirty="0" smtClean="0"/>
-              <a:t>Selection </a:t>
-            </a:r>
-            <a:r>
-              <a:rPr lang="ru-RU" dirty="0" smtClean="0"/>
-              <a:t>и применяет действия к выделенной части модели</a:t>
-            </a:r>
-          </a:p>
-          <a:p>
-            <a:r>
-              <a:rPr lang="ru-RU" dirty="0" smtClean="0"/>
-              <a:t>Обрабатывает события от </a:t>
-            </a:r>
-            <a:r>
-              <a:rPr lang="en-US" dirty="0" smtClean="0"/>
-              <a:t>View </a:t>
-            </a:r>
-            <a:r>
-              <a:rPr lang="ru-RU" dirty="0" smtClean="0"/>
-              <a:t>и модифицирует модель</a:t>
-            </a:r>
-            <a:endParaRPr lang="ru-RU" dirty="0"/>
-          </a:p>
-        </p:txBody>
-      </p:sp>
-    </p:spTree>
-    <p:extLst>
-      <p:ext uri="{BB962C8B-B14F-4D97-AF65-F5344CB8AC3E}">
-        <p14:creationId xmlns:p14="http://schemas.microsoft.com/office/powerpoint/2010/main" val="1639033082"/>
-      </p:ext>
-    </p:extLst>
-  </p:cSld>
-  <p:clrMapOvr>
-    <a:masterClrMapping/>
-  </p:clrMapOvr>
-  <p:timing>
-    <p:tnLst>
-      <p:par>
-        <p:cTn id="1" dur="indefinite" restart="never" nodeType="tmRoot"/>
-      </p:par>
-    </p:tnLst>
-  </p:timing>
 </p:sld>
 </file>
 
@@ -17577,11 +19690,125 @@
           <a:lstStyle/>
           <a:p>
             <a:r>
-              <a:rPr lang="ru-RU" dirty="0" smtClean="0"/>
+              <a:rPr lang="en-US" dirty="0"/>
+              <a:t>Presenter</a:t>
+            </a:r>
+            <a:endParaRPr lang="ru-RU" dirty="0"/>
+          </a:p>
+        </p:txBody>
+      </p:sp>
+      <p:sp>
+        <p:nvSpPr>
+          <p:cNvPr id="3" name="Content Placeholder 2"/>
+          <p:cNvSpPr>
+            <a:spLocks noGrp="1"/>
+          </p:cNvSpPr>
+          <p:nvPr>
+            <p:ph idx="1"/>
+          </p:nvPr>
+        </p:nvSpPr>
+        <p:spPr/>
+        <p:txBody>
+          <a:bodyPr/>
+          <a:lstStyle/>
+          <a:p>
+            <a:r>
+              <a:rPr lang="ru-RU" dirty="0"/>
+              <a:t>Хранит визуальное состояние и обновляет его при изменении </a:t>
+            </a:r>
+            <a:r>
+              <a:rPr lang="en-US" dirty="0"/>
+              <a:t>Domain Model</a:t>
+            </a:r>
+            <a:endParaRPr lang="ru-RU" dirty="0"/>
+          </a:p>
+          <a:p>
+            <a:r>
+              <a:rPr lang="ru-RU" dirty="0"/>
+              <a:t>Конвертирует бизнес-правила в визуальное представление</a:t>
+            </a:r>
+          </a:p>
+          <a:p>
+            <a:r>
+              <a:rPr lang="ru-RU" dirty="0"/>
+              <a:t>Обрабатывает состояние </a:t>
+            </a:r>
+            <a:r>
+              <a:rPr lang="en-US" dirty="0"/>
+              <a:t>Selection </a:t>
+            </a:r>
+            <a:r>
+              <a:rPr lang="ru-RU" dirty="0"/>
+              <a:t>и применяет действия к выделенной части модели</a:t>
+            </a:r>
+          </a:p>
+          <a:p>
+            <a:r>
+              <a:rPr lang="ru-RU" dirty="0"/>
+              <a:t>Обрабатывает события от </a:t>
+            </a:r>
+            <a:r>
+              <a:rPr lang="en-US" dirty="0"/>
+              <a:t>View </a:t>
+            </a:r>
+            <a:r>
+              <a:rPr lang="ru-RU" dirty="0"/>
+              <a:t>и модифицирует модель</a:t>
+            </a:r>
+          </a:p>
+        </p:txBody>
+      </p:sp>
+    </p:spTree>
+    <p:extLst>
+      <p:ext uri="{BB962C8B-B14F-4D97-AF65-F5344CB8AC3E}">
+        <p14:creationId xmlns:p14="http://schemas.microsoft.com/office/powerpoint/2010/main" val="1639033082"/>
+      </p:ext>
+    </p:extLst>
+  </p:cSld>
+  <p:clrMapOvr>
+    <a:masterClrMapping/>
+  </p:clrMapOvr>
+</p:sld>
+</file>
+
+<file path=ppt/slides/slide53.xml><?xml version="1.0" encoding="utf-8"?>
+<p:sld xmlns:a="http://schemas.openxmlformats.org/drawingml/2006/main" xmlns:r="http://schemas.openxmlformats.org/officeDocument/2006/relationships" xmlns:p="http://schemas.openxmlformats.org/presentationml/2006/main">
+  <p:cSld>
+    <p:spTree>
+      <p:nvGrpSpPr>
+        <p:cNvPr id="1" name=""/>
+        <p:cNvGrpSpPr/>
+        <p:nvPr/>
+      </p:nvGrpSpPr>
+      <p:grpSpPr>
+        <a:xfrm>
+          <a:off x="0" y="0"/>
+          <a:ext cx="0" cy="0"/>
+          <a:chOff x="0" y="0"/>
+          <a:chExt cx="0" cy="0"/>
+        </a:xfrm>
+      </p:grpSpPr>
+      <p:sp>
+        <p:nvSpPr>
+          <p:cNvPr id="2" name="Title 1"/>
+          <p:cNvSpPr>
+            <a:spLocks noGrp="1"/>
+          </p:cNvSpPr>
+          <p:nvPr>
+            <p:ph type="title"/>
+          </p:nvPr>
+        </p:nvSpPr>
+        <p:spPr/>
+        <p:txBody>
+          <a:bodyPr/>
+          <a:lstStyle/>
+          <a:p>
+            <a:r>
+              <a:rPr lang="ru-RU" dirty="0"/>
               <a:t>Подход </a:t>
             </a:r>
             <a:r>
-              <a:rPr lang="en-US" dirty="0" err="1" smtClean="0"/>
+              <a:rPr lang="en-US" dirty="0" err="1"/>
               <a:t>PresenterFirst</a:t>
             </a:r>
             <a:endParaRPr lang="ru-RU" dirty="0"/>
@@ -17606,115 +19833,114 @@
           <a:lstStyle/>
           <a:p>
             <a:r>
-              <a:rPr lang="ru-RU" dirty="0" smtClean="0"/>
+              <a:rPr lang="ru-RU" dirty="0"/>
               <a:t>Подход к реализации </a:t>
             </a:r>
             <a:r>
-              <a:rPr lang="en-US" dirty="0" smtClean="0"/>
+              <a:rPr lang="en-US" dirty="0"/>
               <a:t>MVP</a:t>
             </a:r>
             <a:r>
-              <a:rPr lang="ru-RU" dirty="0" smtClean="0"/>
+              <a:rPr lang="ru-RU" dirty="0"/>
               <a:t>, при котором программист изначально фокусируется на разработке </a:t>
             </a:r>
             <a:r>
-              <a:rPr lang="en-US" dirty="0" smtClean="0"/>
+              <a:rPr lang="en-US" dirty="0"/>
               <a:t>Presenter</a:t>
             </a:r>
           </a:p>
           <a:p>
             <a:pPr lvl="1"/>
             <a:r>
-              <a:rPr lang="en-US" dirty="0" smtClean="0"/>
+              <a:rPr lang="en-US" dirty="0"/>
               <a:t>Presenter</a:t>
             </a:r>
             <a:r>
-              <a:rPr lang="ru-RU" dirty="0" smtClean="0"/>
+              <a:rPr lang="ru-RU" dirty="0"/>
               <a:t> не имеет состояния (использует</a:t>
             </a:r>
             <a:r>
-              <a:rPr lang="en-US" dirty="0" smtClean="0"/>
+              <a:rPr lang="en-US" dirty="0"/>
               <a:t> View </a:t>
             </a:r>
             <a:r>
-              <a:rPr lang="ru-RU" dirty="0" smtClean="0"/>
+              <a:rPr lang="ru-RU" dirty="0"/>
               <a:t>и </a:t>
             </a:r>
             <a:r>
-              <a:rPr lang="en-US" dirty="0" smtClean="0"/>
+              <a:rPr lang="en-US" dirty="0"/>
               <a:t>Model)</a:t>
             </a:r>
           </a:p>
           <a:p>
             <a:pPr lvl="2"/>
             <a:r>
-              <a:rPr lang="ru-RU" dirty="0" smtClean="0"/>
+              <a:rPr lang="ru-RU" dirty="0"/>
               <a:t>В этом случае </a:t>
             </a:r>
             <a:r>
-              <a:rPr lang="en-US" dirty="0" smtClean="0"/>
+              <a:rPr lang="en-US" dirty="0"/>
               <a:t>Presenter </a:t>
             </a:r>
             <a:r>
-              <a:rPr lang="ru-RU" dirty="0" smtClean="0"/>
+              <a:rPr lang="ru-RU" dirty="0"/>
               <a:t>может вообще не иметь публичных методов</a:t>
             </a:r>
           </a:p>
           <a:p>
             <a:r>
-              <a:rPr lang="ru-RU" dirty="0" smtClean="0"/>
+              <a:rPr lang="ru-RU" dirty="0"/>
               <a:t>Учитываются пожелания пользователей</a:t>
             </a:r>
-            <a:endParaRPr lang="en-US" dirty="0" smtClean="0"/>
+            <a:endParaRPr lang="en-US" dirty="0"/>
           </a:p>
           <a:p>
             <a:pPr lvl="1"/>
             <a:r>
-              <a:rPr lang="ru-RU" dirty="0" smtClean="0"/>
+              <a:rPr lang="ru-RU" dirty="0"/>
               <a:t>В процессе разработки формируются интерфейсы модели и </a:t>
             </a:r>
             <a:r>
-              <a:rPr lang="en-US" dirty="0" smtClean="0"/>
+              <a:rPr lang="en-US" dirty="0"/>
               <a:t>View</a:t>
             </a:r>
           </a:p>
           <a:p>
             <a:r>
-              <a:rPr lang="ru-RU" dirty="0" smtClean="0"/>
+              <a:rPr lang="ru-RU" dirty="0"/>
               <a:t>Требуется тщательное тестирование</a:t>
             </a:r>
           </a:p>
           <a:p>
             <a:pPr lvl="2"/>
             <a:r>
-              <a:rPr lang="ru-RU" dirty="0" smtClean="0"/>
+              <a:rPr lang="ru-RU" dirty="0"/>
               <a:t>При тестировании вместо </a:t>
             </a:r>
             <a:r>
-              <a:rPr lang="en-US" dirty="0" smtClean="0"/>
+              <a:rPr lang="en-US" dirty="0"/>
               <a:t>model </a:t>
             </a:r>
             <a:r>
-              <a:rPr lang="ru-RU" dirty="0" smtClean="0"/>
+              <a:rPr lang="ru-RU" dirty="0"/>
               <a:t>и </a:t>
             </a:r>
             <a:r>
-              <a:rPr lang="en-US" dirty="0" smtClean="0"/>
+              <a:rPr lang="en-US" dirty="0"/>
               <a:t>view </a:t>
             </a:r>
             <a:r>
-              <a:rPr lang="ru-RU" dirty="0" smtClean="0"/>
+              <a:rPr lang="ru-RU" dirty="0"/>
               <a:t>передаются </a:t>
             </a:r>
             <a:r>
-              <a:rPr lang="en-US" dirty="0" smtClean="0"/>
+              <a:rPr lang="en-US" dirty="0"/>
               <a:t>mock-</a:t>
             </a:r>
             <a:r>
-              <a:rPr lang="ru-RU" dirty="0" smtClean="0"/>
+              <a:rPr lang="ru-RU" dirty="0"/>
               <a:t>и</a:t>
             </a:r>
-            <a:endParaRPr lang="ru-RU" dirty="0"/>
           </a:p>
         </p:txBody>
       </p:sp>
@@ -18119,85 +20345,6 @@
 </p:sld>
 </file>
 
-<file path=ppt/slides/slide53.xml><?xml version="1.0" encoding="utf-8"?>
-<p:sld xmlns:a="http://schemas.openxmlformats.org/drawingml/2006/main" xmlns:r="http://schemas.openxmlformats.org/officeDocument/2006/relationships" xmlns:p="http://schemas.openxmlformats.org/presentationml/2006/main">
-  <p:cSld>
-    <p:spTree>
-      <p:nvGrpSpPr>
-        <p:cNvPr id="1" name=""/>
-        <p:cNvGrpSpPr/>
-        <p:nvPr/>
-      </p:nvGrpSpPr>
-      <p:grpSpPr>
-        <a:xfrm>
-          <a:off x="0" y="0"/>
-          <a:ext cx="0" cy="0"/>
-          <a:chOff x="0" y="0"/>
-          <a:chExt cx="0" cy="0"/>
-        </a:xfrm>
-      </p:grpSpPr>
-      <p:sp>
-        <p:nvSpPr>
-          <p:cNvPr id="4" name="Title 3"/>
-          <p:cNvSpPr>
-            <a:spLocks noGrp="1"/>
-          </p:cNvSpPr>
-          <p:nvPr>
-            <p:ph type="title"/>
-          </p:nvPr>
-        </p:nvSpPr>
-        <p:spPr/>
-        <p:txBody>
-          <a:bodyPr/>
-          <a:lstStyle/>
-          <a:p>
-            <a:r>
-              <a:rPr lang="en-US" dirty="0" smtClean="0"/>
-              <a:t>MVVM</a:t>
-            </a:r>
-            <a:endParaRPr lang="ru-RU" dirty="0"/>
-          </a:p>
-        </p:txBody>
-      </p:sp>
-      <p:sp>
-        <p:nvSpPr>
-          <p:cNvPr id="5" name="Text Placeholder 4"/>
-          <p:cNvSpPr>
-            <a:spLocks noGrp="1"/>
-          </p:cNvSpPr>
-          <p:nvPr>
-            <p:ph type="body" idx="1"/>
-          </p:nvPr>
-        </p:nvSpPr>
-        <p:spPr/>
-        <p:txBody>
-          <a:bodyPr/>
-          <a:lstStyle/>
-          <a:p>
-            <a:endParaRPr lang="ru-RU"/>
-          </a:p>
-        </p:txBody>
-      </p:sp>
-    </p:spTree>
-    <p:extLst>
-      <p:ext uri="{BB962C8B-B14F-4D97-AF65-F5344CB8AC3E}">
-        <p14:creationId xmlns:p14="http://schemas.microsoft.com/office/powerpoint/2010/main" val="3904773133"/>
-      </p:ext>
-    </p:extLst>
-  </p:cSld>
-  <p:clrMapOvr>
-    <a:masterClrMapping/>
-  </p:clrMapOvr>
-  <p:timing>
-    <p:tnLst>
-      <p:par>
-        <p:cTn id="1" dur="indefinite" restart="never" nodeType="tmRoot"/>
-      </p:par>
-    </p:tnLst>
-  </p:timing>
-</p:sld>
-</file>
-
 <file path=ppt/slides/slide54.xml><?xml version="1.0" encoding="utf-8"?>
 <p:sld xmlns:a="http://schemas.openxmlformats.org/drawingml/2006/main" xmlns:r="http://schemas.openxmlformats.org/officeDocument/2006/relationships" xmlns:p="http://schemas.openxmlformats.org/presentationml/2006/main">
   <p:cSld>
@@ -18231,13 +20378,85 @@
           <a:lstStyle/>
           <a:p>
             <a:r>
-              <a:rPr lang="en-US" dirty="0" smtClean="0">
+              <a:rPr lang="en-US" dirty="0"/>
+              <a:t>MVVM</a:t>
+            </a:r>
+            <a:endParaRPr lang="ru-RU" dirty="0"/>
+          </a:p>
+        </p:txBody>
+      </p:sp>
+      <p:sp>
+        <p:nvSpPr>
+          <p:cNvPr id="5" name="Text Placeholder 4"/>
+          <p:cNvSpPr>
+            <a:spLocks noGrp="1"/>
+          </p:cNvSpPr>
+          <p:nvPr>
+            <p:ph type="body" idx="1"/>
+          </p:nvPr>
+        </p:nvSpPr>
+        <p:spPr/>
+        <p:txBody>
+          <a:bodyPr/>
+          <a:lstStyle/>
+          <a:p>
+            <a:endParaRPr lang="ru-RU"/>
+          </a:p>
+        </p:txBody>
+      </p:sp>
+    </p:spTree>
+    <p:extLst>
+      <p:ext uri="{BB962C8B-B14F-4D97-AF65-F5344CB8AC3E}">
+        <p14:creationId xmlns:p14="http://schemas.microsoft.com/office/powerpoint/2010/main" val="3904773133"/>
+      </p:ext>
+    </p:extLst>
+  </p:cSld>
+  <p:clrMapOvr>
+    <a:masterClrMapping/>
+  </p:clrMapOvr>
+</p:sld>
+</file>
+
+<file path=ppt/slides/slide55.xml><?xml version="1.0" encoding="utf-8"?>
+<p:sld xmlns:a="http://schemas.openxmlformats.org/drawingml/2006/main" xmlns:r="http://schemas.openxmlformats.org/officeDocument/2006/relationships" xmlns:p="http://schemas.openxmlformats.org/presentationml/2006/main">
+  <p:cSld>
+    <p:spTree>
+      <p:nvGrpSpPr>
+        <p:cNvPr id="1" name=""/>
+        <p:cNvGrpSpPr/>
+        <p:nvPr/>
+      </p:nvGrpSpPr>
+      <p:grpSpPr>
+        <a:xfrm>
+          <a:off x="0" y="0"/>
+          <a:ext cx="0" cy="0"/>
+          <a:chOff x="0" y="0"/>
+          <a:chExt cx="0" cy="0"/>
+        </a:xfrm>
+      </p:grpSpPr>
+      <p:sp>
+        <p:nvSpPr>
+          <p:cNvPr id="4" name="Title 3"/>
+          <p:cNvSpPr>
+            <a:spLocks noGrp="1"/>
+          </p:cNvSpPr>
+          <p:nvPr>
+            <p:ph type="title"/>
+          </p:nvPr>
+        </p:nvSpPr>
+        <p:spPr/>
+        <p:txBody>
+          <a:bodyPr/>
+          <a:lstStyle/>
+          <a:p>
+            <a:r>
+              <a:rPr lang="en-US" dirty="0">
                 <a:hlinkClick r:id="rId2"/>
               </a:rPr>
               <a:t>Model-View-</a:t>
             </a:r>
             <a:r>
-              <a:rPr lang="en-US" dirty="0" err="1" smtClean="0">
+              <a:rPr lang="en-US" dirty="0" err="1">
                 <a:hlinkClick r:id="rId2"/>
               </a:rPr>
               <a:t>ViewModel</a:t>
@@ -18264,7 +20483,7 @@
           <a:lstStyle/>
           <a:p>
             <a:r>
-              <a:rPr lang="ru-RU" b="1" dirty="0" smtClean="0"/>
+              <a:rPr lang="ru-RU" b="1" dirty="0"/>
               <a:t>Модель</a:t>
             </a:r>
             <a:endParaRPr lang="ru-RU" dirty="0"/>
@@ -18272,76 +20491,72 @@
           <a:p>
             <a:pPr lvl="1"/>
             <a:r>
-              <a:rPr lang="ru-RU" dirty="0" smtClean="0"/>
+              <a:rPr lang="ru-RU" dirty="0"/>
               <a:t>Отвечает за бизнес-сущности, не зависящие от визуального представления, шлет события о своем изменении</a:t>
             </a:r>
           </a:p>
           <a:p>
             <a:r>
-              <a:rPr lang="ru-RU" dirty="0" smtClean="0"/>
+              <a:rPr lang="ru-RU" dirty="0"/>
               <a:t>Представление</a:t>
             </a:r>
           </a:p>
           <a:p>
             <a:pPr lvl="1"/>
             <a:r>
-              <a:rPr lang="ru-RU" dirty="0" smtClean="0"/>
+              <a:rPr lang="ru-RU" dirty="0"/>
               <a:t>Формирует </a:t>
             </a:r>
             <a:r>
-              <a:rPr lang="en-US" dirty="0" smtClean="0"/>
+              <a:rPr lang="en-US" dirty="0"/>
               <a:t>UI</a:t>
             </a:r>
             <a:r>
-              <a:rPr lang="ru-RU" dirty="0" smtClean="0"/>
+              <a:rPr lang="ru-RU" dirty="0"/>
               <a:t>, шлет события в ответ на действия пользователя</a:t>
             </a:r>
           </a:p>
           <a:p>
             <a:r>
-              <a:rPr lang="ru-RU" dirty="0" smtClean="0"/>
+              <a:rPr lang="ru-RU" dirty="0"/>
               <a:t>Модель представления</a:t>
             </a:r>
           </a:p>
           <a:p>
             <a:pPr lvl="1"/>
             <a:r>
-              <a:rPr lang="ru-RU" dirty="0" smtClean="0"/>
+              <a:rPr lang="ru-RU" dirty="0"/>
               <a:t>Извлекает данные из модели и превращает в формат, требуемый </a:t>
             </a:r>
             <a:r>
-              <a:rPr lang="en-US" dirty="0" smtClean="0"/>
+              <a:rPr lang="en-US" dirty="0"/>
               <a:t>View</a:t>
             </a:r>
-            <a:endParaRPr lang="ru-RU" dirty="0" smtClean="0"/>
+            <a:endParaRPr lang="ru-RU" dirty="0"/>
           </a:p>
           <a:p>
             <a:pPr lvl="1"/>
             <a:r>
               <a:rPr lang="ru-RU" dirty="0"/>
-              <a:t>У</a:t>
-            </a:r>
-            <a:r>
-              <a:rPr lang="ru-RU" dirty="0" smtClean="0"/>
-              <a:t>ведомляет </a:t>
-            </a:r>
-            <a:r>
-              <a:rPr lang="en-US" dirty="0" smtClean="0"/>
+              <a:t>Уведомляет </a:t>
+            </a:r>
+            <a:r>
+              <a:rPr lang="en-US" dirty="0"/>
               <a:t>View </a:t>
             </a:r>
             <a:r>
-              <a:rPr lang="ru-RU" dirty="0" smtClean="0"/>
+              <a:rPr lang="ru-RU" dirty="0"/>
               <a:t>об изменения в модели</a:t>
             </a:r>
           </a:p>
           <a:p>
             <a:pPr lvl="1"/>
             <a:r>
-              <a:rPr lang="ru-RU" dirty="0" smtClean="0"/>
+              <a:rPr lang="ru-RU" dirty="0"/>
               <a:t>Обновляет модель в ответ на события от </a:t>
             </a:r>
             <a:r>
-              <a:rPr lang="en-US" dirty="0" smtClean="0"/>
+              <a:rPr lang="en-US" dirty="0"/>
               <a:t>View</a:t>
             </a:r>
             <a:endParaRPr lang="ru-RU" dirty="0"/>
@@ -18792,7 +21007,7 @@
 </p:sld>
 </file>
 
-<file path=ppt/slides/slide55.xml><?xml version="1.0" encoding="utf-8"?>
+<file path=ppt/slides/slide56.xml><?xml version="1.0" encoding="utf-8"?>
 <p:sld xmlns:a="http://schemas.openxmlformats.org/drawingml/2006/main" xmlns:r="http://schemas.openxmlformats.org/officeDocument/2006/relationships" xmlns:p="http://schemas.openxmlformats.org/presentationml/2006/main">
   <p:cSld>
     <p:spTree>
@@ -18825,10 +21040,9 @@
           <a:lstStyle/>
           <a:p>
             <a:r>
-              <a:rPr lang="ru-RU" dirty="0" smtClean="0"/>
+              <a:rPr lang="ru-RU" dirty="0"/>
               <a:t>Структура паттерна</a:t>
             </a:r>
-            <a:endParaRPr lang="ru-RU" dirty="0"/>
           </a:p>
         </p:txBody>
       </p:sp>
@@ -18871,17 +21085,10 @@
   <p:clrMapOvr>
     <a:masterClrMapping/>
   </p:clrMapOvr>
-  <p:timing>
-    <p:tnLst>
-      <p:par>
-        <p:cTn id="1" dur="indefinite" restart="never" nodeType="tmRoot"/>
-      </p:par>
-    </p:tnLst>
-  </p:timing>
 </p:sld>
 </file>
 
-<file path=ppt/slides/slide56.xml><?xml version="1.0" encoding="utf-8"?>
+<file path=ppt/slides/slide57.xml><?xml version="1.0" encoding="utf-8"?>
 <p:sld xmlns:a="http://schemas.openxmlformats.org/drawingml/2006/main" xmlns:r="http://schemas.openxmlformats.org/officeDocument/2006/relationships" xmlns:p="http://schemas.openxmlformats.org/presentationml/2006/main">
   <p:cSld>
     <p:spTree>
@@ -18914,7 +21121,7 @@
           <a:lstStyle/>
           <a:p>
             <a:r>
-              <a:rPr lang="ru-RU" smtClean="0"/>
+              <a:rPr lang="ru-RU"/>
               <a:t>Ссылки</a:t>
             </a:r>
             <a:endParaRPr lang="ru-RU" dirty="0"/>
@@ -18937,45 +21144,45 @@
           <a:lstStyle/>
           <a:p>
             <a:r>
-              <a:rPr lang="en-US" dirty="0" smtClean="0">
+              <a:rPr lang="en-US" dirty="0">
                 <a:hlinkClick r:id="rId2"/>
               </a:rPr>
               <a:t>Model-View-Controller</a:t>
             </a:r>
-            <a:endParaRPr lang="en-US" dirty="0" smtClean="0">
+            <a:endParaRPr lang="en-US" dirty="0">
               <a:hlinkClick r:id="rId3"/>
             </a:endParaRPr>
           </a:p>
           <a:p>
             <a:r>
-              <a:rPr lang="en-US" dirty="0" smtClean="0">
+              <a:rPr lang="en-US" dirty="0">
                 <a:hlinkClick r:id="rId3"/>
               </a:rPr>
               <a:t>Everything you wanted to know about MVC and MVP but were afraid to ask</a:t>
             </a:r>
-            <a:endParaRPr lang="en-US" dirty="0" smtClean="0"/>
-          </a:p>
-          <a:p>
-            <a:r>
-              <a:rPr lang="en-US" dirty="0" smtClean="0">
+            <a:endParaRPr lang="en-US" dirty="0"/>
+          </a:p>
+          <a:p>
+            <a:r>
+              <a:rPr lang="en-US" dirty="0">
                 <a:hlinkClick r:id="rId4"/>
               </a:rPr>
               <a:t>Supervising Controller</a:t>
             </a:r>
-            <a:endParaRPr lang="en-US" dirty="0" smtClean="0"/>
-          </a:p>
-          <a:p>
-            <a:r>
-              <a:rPr lang="en-US" dirty="0" smtClean="0">
+            <a:endParaRPr lang="en-US" dirty="0"/>
+          </a:p>
+          <a:p>
+            <a:r>
+              <a:rPr lang="en-US" dirty="0">
                 <a:hlinkClick r:id="rId5"/>
               </a:rPr>
               <a:t>Passive View</a:t>
             </a:r>
-            <a:endParaRPr lang="en-US" dirty="0" smtClean="0"/>
-          </a:p>
-          <a:p>
-            <a:r>
-              <a:rPr lang="en-US" dirty="0" smtClean="0">
+            <a:endParaRPr lang="en-US" dirty="0"/>
+          </a:p>
+          <a:p>
+            <a:r>
+              <a:rPr lang="en-US" dirty="0">
                 <a:hlinkClick r:id="rId6"/>
               </a:rPr>
               <a:t>Retirement note for MVP pattern</a:t>
@@ -18994,13 +21201,6 @@
   <p:clrMapOvr>
     <a:masterClrMapping/>
   </p:clrMapOvr>
-  <p:timing>
-    <p:tnLst>
-      <p:par>
-        <p:cTn id="1" dur="indefinite" restart="never" nodeType="tmRoot"/>
-      </p:par>
-    </p:tnLst>
-  </p:timing>
 </p:sld>
 </file>
 
@@ -19037,10 +21237,9 @@
           <a:lstStyle/>
           <a:p>
             <a:r>
-              <a:rPr lang="ru-RU" dirty="0" smtClean="0"/>
+              <a:rPr lang="ru-RU" dirty="0"/>
               <a:t>Недостатки</a:t>
             </a:r>
-            <a:endParaRPr lang="ru-RU" dirty="0"/>
           </a:p>
         </p:txBody>
       </p:sp>
@@ -19062,19 +21261,14 @@
           <a:lstStyle/>
           <a:p>
             <a:r>
-              <a:rPr lang="ru-RU" dirty="0" smtClean="0"/>
+              <a:rPr lang="ru-RU" dirty="0"/>
               <a:t>Подходит лишь для простых приложений</a:t>
             </a:r>
-            <a:endParaRPr lang="ru-RU" dirty="0"/>
-          </a:p>
-          <a:p>
-            <a:r>
-              <a:rPr lang="ru-RU" dirty="0" smtClean="0"/>
-              <a:t>Доступ </a:t>
-            </a:r>
+          </a:p>
+          <a:p>
             <a:r>
               <a:rPr lang="ru-RU" dirty="0"/>
-              <a:t>и изменение состояния снаружи затруднён</a:t>
+              <a:t>Доступ и изменение состояния снаружи затруднён</a:t>
             </a:r>
           </a:p>
           <a:p>
@@ -19093,19 +21287,14 @@
           <a:p>
             <a:r>
               <a:rPr lang="ru-RU" dirty="0"/>
-              <a:t>Трудность </a:t>
-            </a:r>
-            <a:r>
-              <a:rPr lang="ru-RU" dirty="0" smtClean="0"/>
-              <a:t>автоматического тестирования</a:t>
-            </a:r>
-          </a:p>
-          <a:p>
-            <a:r>
-              <a:rPr lang="ru-RU" dirty="0" smtClean="0"/>
+              <a:t>Трудность автоматического тестирования</a:t>
+            </a:r>
+          </a:p>
+          <a:p>
+            <a:r>
+              <a:rPr lang="ru-RU" dirty="0"/>
               <a:t>Нарушение принципа единственной ответственности</a:t>
             </a:r>
-            <a:endParaRPr lang="ru-RU" dirty="0"/>
           </a:p>
           <a:p>
             <a:endParaRPr lang="ru-RU" dirty="0"/>
@@ -19539,7 +21728,7 @@
           <a:lstStyle/>
           <a:p>
             <a:r>
-              <a:rPr lang="en-US" dirty="0" smtClean="0"/>
+              <a:rPr lang="en-US" dirty="0"/>
               <a:t>Document-View (Model Delegate)</a:t>
             </a:r>
             <a:endParaRPr lang="ru-RU" dirty="0"/>
@@ -19575,13 +21764,6 @@
   <p:clrMapOvr>
     <a:masterClrMapping/>
   </p:clrMapOvr>
-  <p:timing>
-    <p:tnLst>
-      <p:par>
-        <p:cTn id="1" dur="indefinite" restart="never" nodeType="tmRoot"/>
-      </p:par>
-    </p:tnLst>
-  </p:timing>
 </p:sld>
 </file>
 
@@ -19618,7 +21800,7 @@
           <a:lstStyle/>
           <a:p>
             <a:r>
-              <a:rPr lang="en-US" dirty="0" smtClean="0"/>
+              <a:rPr lang="en-US" dirty="0"/>
               <a:t>Document-View</a:t>
             </a:r>
             <a:endParaRPr lang="ru-RU" dirty="0"/>
@@ -19643,63 +21825,63 @@
           <a:lstStyle/>
           <a:p>
             <a:r>
-              <a:rPr lang="en-US" dirty="0" smtClean="0"/>
+              <a:rPr lang="en-US" dirty="0"/>
               <a:t>Document</a:t>
             </a:r>
-            <a:endParaRPr lang="ru-RU" dirty="0" smtClean="0"/>
+            <a:endParaRPr lang="ru-RU" dirty="0"/>
           </a:p>
           <a:p>
             <a:pPr lvl="1"/>
             <a:r>
-              <a:rPr lang="ru-RU" dirty="0" smtClean="0"/>
+              <a:rPr lang="ru-RU" dirty="0"/>
               <a:t>Отвечает за бизнес-логику</a:t>
             </a:r>
           </a:p>
           <a:p>
             <a:pPr lvl="1"/>
             <a:r>
-              <a:rPr lang="ru-RU" dirty="0" smtClean="0"/>
+              <a:rPr lang="ru-RU" dirty="0"/>
               <a:t>Хранит состояние приложения и предоставляет интерфейс для его получения и модификации</a:t>
             </a:r>
           </a:p>
           <a:p>
             <a:pPr lvl="1"/>
             <a:r>
-              <a:rPr lang="ru-RU" dirty="0" smtClean="0"/>
+              <a:rPr lang="ru-RU" dirty="0"/>
               <a:t>Предоставляет механизм для информирования заинтересованных объектов об изменении состояния</a:t>
             </a:r>
           </a:p>
           <a:p>
             <a:r>
-              <a:rPr lang="en-US" dirty="0" smtClean="0"/>
+              <a:rPr lang="en-US" dirty="0"/>
               <a:t>View</a:t>
             </a:r>
           </a:p>
           <a:p>
             <a:pPr lvl="1"/>
             <a:r>
-              <a:rPr lang="ru-RU" dirty="0" smtClean="0"/>
+              <a:rPr lang="ru-RU" dirty="0"/>
               <a:t>Обрабатывает события пользователя</a:t>
             </a:r>
           </a:p>
           <a:p>
             <a:pPr lvl="1"/>
             <a:r>
-              <a:rPr lang="ru-RU" dirty="0" smtClean="0"/>
+              <a:rPr lang="ru-RU" dirty="0"/>
               <a:t>Выполняет визуальное представление состояния документа</a:t>
             </a:r>
           </a:p>
           <a:p>
             <a:pPr lvl="1"/>
             <a:r>
-              <a:rPr lang="ru-RU" dirty="0" smtClean="0"/>
+              <a:rPr lang="ru-RU" dirty="0"/>
               <a:t>Выполняет операции над документом</a:t>
             </a:r>
           </a:p>
           <a:p>
             <a:pPr lvl="1"/>
             <a:r>
-              <a:rPr lang="ru-RU" dirty="0" smtClean="0"/>
+              <a:rPr lang="ru-RU" dirty="0"/>
               <a:t>Обновляет визуальное состояние при изменении документа</a:t>
             </a:r>
           </a:p>
@@ -19718,9 +21900,458 @@
   <p:timing>
     <p:tnLst>
       <p:par>
-        <p:cTn id="1" dur="indefinite" restart="never" nodeType="tmRoot"/>
+        <p:cTn id="1" dur="indefinite" restart="never" nodeType="tmRoot">
+          <p:childTnLst>
+            <p:seq concurrent="1" nextAc="seek">
+              <p:cTn id="2" dur="indefinite" nodeType="mainSeq">
+                <p:childTnLst>
+                  <p:par>
+                    <p:cTn id="3" fill="hold">
+                      <p:stCondLst>
+                        <p:cond delay="indefinite"/>
+                      </p:stCondLst>
+                      <p:childTnLst>
+                        <p:par>
+                          <p:cTn id="4" fill="hold">
+                            <p:stCondLst>
+                              <p:cond delay="0"/>
+                            </p:stCondLst>
+                            <p:childTnLst>
+                              <p:par>
+                                <p:cTn id="5" presetID="10" presetClass="entr" presetSubtype="0" fill="hold" grpId="0" nodeType="clickEffect">
+                                  <p:stCondLst>
+                                    <p:cond delay="0"/>
+                                  </p:stCondLst>
+                                  <p:childTnLst>
+                                    <p:set>
+                                      <p:cBhvr>
+                                        <p:cTn id="6" dur="1" fill="hold">
+                                          <p:stCondLst>
+                                            <p:cond delay="0"/>
+                                          </p:stCondLst>
+                                        </p:cTn>
+                                        <p:tgtEl>
+                                          <p:spTgt spid="4">
+                                            <p:txEl>
+                                              <p:pRg st="0" end="0"/>
+                                            </p:txEl>
+                                          </p:spTgt>
+                                        </p:tgtEl>
+                                        <p:attrNameLst>
+                                          <p:attrName>style.visibility</p:attrName>
+                                        </p:attrNameLst>
+                                      </p:cBhvr>
+                                      <p:to>
+                                        <p:strVal val="visible"/>
+                                      </p:to>
+                                    </p:set>
+                                    <p:animEffect transition="in" filter="fade">
+                                      <p:cBhvr>
+                                        <p:cTn id="7" dur="500"/>
+                                        <p:tgtEl>
+                                          <p:spTgt spid="4">
+                                            <p:txEl>
+                                              <p:pRg st="0" end="0"/>
+                                            </p:txEl>
+                                          </p:spTgt>
+                                        </p:tgtEl>
+                                      </p:cBhvr>
+                                    </p:animEffect>
+                                  </p:childTnLst>
+                                </p:cTn>
+                              </p:par>
+                              <p:par>
+                                <p:cTn id="8" presetID="10" presetClass="entr" presetSubtype="0" fill="hold" grpId="0" nodeType="withEffect">
+                                  <p:stCondLst>
+                                    <p:cond delay="0"/>
+                                  </p:stCondLst>
+                                  <p:childTnLst>
+                                    <p:set>
+                                      <p:cBhvr>
+                                        <p:cTn id="9" dur="1" fill="hold">
+                                          <p:stCondLst>
+                                            <p:cond delay="0"/>
+                                          </p:stCondLst>
+                                        </p:cTn>
+                                        <p:tgtEl>
+                                          <p:spTgt spid="4">
+                                            <p:txEl>
+                                              <p:pRg st="1" end="1"/>
+                                            </p:txEl>
+                                          </p:spTgt>
+                                        </p:tgtEl>
+                                        <p:attrNameLst>
+                                          <p:attrName>style.visibility</p:attrName>
+                                        </p:attrNameLst>
+                                      </p:cBhvr>
+                                      <p:to>
+                                        <p:strVal val="visible"/>
+                                      </p:to>
+                                    </p:set>
+                                    <p:animEffect transition="in" filter="fade">
+                                      <p:cBhvr>
+                                        <p:cTn id="10" dur="500"/>
+                                        <p:tgtEl>
+                                          <p:spTgt spid="4">
+                                            <p:txEl>
+                                              <p:pRg st="1" end="1"/>
+                                            </p:txEl>
+                                          </p:spTgt>
+                                        </p:tgtEl>
+                                      </p:cBhvr>
+                                    </p:animEffect>
+                                  </p:childTnLst>
+                                </p:cTn>
+                              </p:par>
+                              <p:par>
+                                <p:cTn id="11" presetID="10" presetClass="entr" presetSubtype="0" fill="hold" grpId="0" nodeType="withEffect">
+                                  <p:stCondLst>
+                                    <p:cond delay="0"/>
+                                  </p:stCondLst>
+                                  <p:childTnLst>
+                                    <p:set>
+                                      <p:cBhvr>
+                                        <p:cTn id="12" dur="1" fill="hold">
+                                          <p:stCondLst>
+                                            <p:cond delay="0"/>
+                                          </p:stCondLst>
+                                        </p:cTn>
+                                        <p:tgtEl>
+                                          <p:spTgt spid="4">
+                                            <p:txEl>
+                                              <p:pRg st="2" end="2"/>
+                                            </p:txEl>
+                                          </p:spTgt>
+                                        </p:tgtEl>
+                                        <p:attrNameLst>
+                                          <p:attrName>style.visibility</p:attrName>
+                                        </p:attrNameLst>
+                                      </p:cBhvr>
+                                      <p:to>
+                                        <p:strVal val="visible"/>
+                                      </p:to>
+                                    </p:set>
+                                    <p:animEffect transition="in" filter="fade">
+                                      <p:cBhvr>
+                                        <p:cTn id="13" dur="500"/>
+                                        <p:tgtEl>
+                                          <p:spTgt spid="4">
+                                            <p:txEl>
+                                              <p:pRg st="2" end="2"/>
+                                            </p:txEl>
+                                          </p:spTgt>
+                                        </p:tgtEl>
+                                      </p:cBhvr>
+                                    </p:animEffect>
+                                  </p:childTnLst>
+                                </p:cTn>
+                              </p:par>
+                              <p:par>
+                                <p:cTn id="14" presetID="10" presetClass="entr" presetSubtype="0" fill="hold" grpId="0" nodeType="withEffect">
+                                  <p:stCondLst>
+                                    <p:cond delay="0"/>
+                                  </p:stCondLst>
+                                  <p:childTnLst>
+                                    <p:set>
+                                      <p:cBhvr>
+                                        <p:cTn id="15" dur="1" fill="hold">
+                                          <p:stCondLst>
+                                            <p:cond delay="0"/>
+                                          </p:stCondLst>
+                                        </p:cTn>
+                                        <p:tgtEl>
+                                          <p:spTgt spid="4">
+                                            <p:txEl>
+                                              <p:pRg st="3" end="3"/>
+                                            </p:txEl>
+                                          </p:spTgt>
+                                        </p:tgtEl>
+                                        <p:attrNameLst>
+                                          <p:attrName>style.visibility</p:attrName>
+                                        </p:attrNameLst>
+                                      </p:cBhvr>
+                                      <p:to>
+                                        <p:strVal val="visible"/>
+                                      </p:to>
+                                    </p:set>
+                                    <p:animEffect transition="in" filter="fade">
+                                      <p:cBhvr>
+                                        <p:cTn id="16" dur="500"/>
+                                        <p:tgtEl>
+                                          <p:spTgt spid="4">
+                                            <p:txEl>
+                                              <p:pRg st="3" end="3"/>
+                                            </p:txEl>
+                                          </p:spTgt>
+                                        </p:tgtEl>
+                                      </p:cBhvr>
+                                    </p:animEffect>
+                                  </p:childTnLst>
+                                </p:cTn>
+                              </p:par>
+                            </p:childTnLst>
+                          </p:cTn>
+                        </p:par>
+                      </p:childTnLst>
+                    </p:cTn>
+                  </p:par>
+                  <p:par>
+                    <p:cTn id="17" fill="hold">
+                      <p:stCondLst>
+                        <p:cond delay="indefinite"/>
+                      </p:stCondLst>
+                      <p:childTnLst>
+                        <p:par>
+                          <p:cTn id="18" fill="hold">
+                            <p:stCondLst>
+                              <p:cond delay="0"/>
+                            </p:stCondLst>
+                            <p:childTnLst>
+                              <p:par>
+                                <p:cTn id="19" presetID="10" presetClass="entr" presetSubtype="0" fill="hold" grpId="0" nodeType="clickEffect">
+                                  <p:stCondLst>
+                                    <p:cond delay="0"/>
+                                  </p:stCondLst>
+                                  <p:childTnLst>
+                                    <p:set>
+                                      <p:cBhvr>
+                                        <p:cTn id="20" dur="1" fill="hold">
+                                          <p:stCondLst>
+                                            <p:cond delay="0"/>
+                                          </p:stCondLst>
+                                        </p:cTn>
+                                        <p:tgtEl>
+                                          <p:spTgt spid="4">
+                                            <p:txEl>
+                                              <p:pRg st="4" end="4"/>
+                                            </p:txEl>
+                                          </p:spTgt>
+                                        </p:tgtEl>
+                                        <p:attrNameLst>
+                                          <p:attrName>style.visibility</p:attrName>
+                                        </p:attrNameLst>
+                                      </p:cBhvr>
+                                      <p:to>
+                                        <p:strVal val="visible"/>
+                                      </p:to>
+                                    </p:set>
+                                    <p:animEffect transition="in" filter="fade">
+                                      <p:cBhvr>
+                                        <p:cTn id="21" dur="500"/>
+                                        <p:tgtEl>
+                                          <p:spTgt spid="4">
+                                            <p:txEl>
+                                              <p:pRg st="4" end="4"/>
+                                            </p:txEl>
+                                          </p:spTgt>
+                                        </p:tgtEl>
+                                      </p:cBhvr>
+                                    </p:animEffect>
+                                  </p:childTnLst>
+                                </p:cTn>
+                              </p:par>
+                              <p:par>
+                                <p:cTn id="22" presetID="10" presetClass="entr" presetSubtype="0" fill="hold" grpId="0" nodeType="withEffect">
+                                  <p:stCondLst>
+                                    <p:cond delay="0"/>
+                                  </p:stCondLst>
+                                  <p:childTnLst>
+                                    <p:set>
+                                      <p:cBhvr>
+                                        <p:cTn id="23" dur="1" fill="hold">
+                                          <p:stCondLst>
+                                            <p:cond delay="0"/>
+                                          </p:stCondLst>
+                                        </p:cTn>
+                                        <p:tgtEl>
+                                          <p:spTgt spid="4">
+                                            <p:txEl>
+                                              <p:pRg st="5" end="5"/>
+                                            </p:txEl>
+                                          </p:spTgt>
+                                        </p:tgtEl>
+                                        <p:attrNameLst>
+                                          <p:attrName>style.visibility</p:attrName>
+                                        </p:attrNameLst>
+                                      </p:cBhvr>
+                                      <p:to>
+                                        <p:strVal val="visible"/>
+                                      </p:to>
+                                    </p:set>
+                                    <p:animEffect transition="in" filter="fade">
+                                      <p:cBhvr>
+                                        <p:cTn id="24" dur="500"/>
+                                        <p:tgtEl>
+                                          <p:spTgt spid="4">
+                                            <p:txEl>
+                                              <p:pRg st="5" end="5"/>
+                                            </p:txEl>
+                                          </p:spTgt>
+                                        </p:tgtEl>
+                                      </p:cBhvr>
+                                    </p:animEffect>
+                                  </p:childTnLst>
+                                </p:cTn>
+                              </p:par>
+                              <p:par>
+                                <p:cTn id="25" presetID="10" presetClass="entr" presetSubtype="0" fill="hold" grpId="0" nodeType="withEffect">
+                                  <p:stCondLst>
+                                    <p:cond delay="0"/>
+                                  </p:stCondLst>
+                                  <p:childTnLst>
+                                    <p:set>
+                                      <p:cBhvr>
+                                        <p:cTn id="26" dur="1" fill="hold">
+                                          <p:stCondLst>
+                                            <p:cond delay="0"/>
+                                          </p:stCondLst>
+                                        </p:cTn>
+                                        <p:tgtEl>
+                                          <p:spTgt spid="4">
+                                            <p:txEl>
+                                              <p:pRg st="6" end="6"/>
+                                            </p:txEl>
+                                          </p:spTgt>
+                                        </p:tgtEl>
+                                        <p:attrNameLst>
+                                          <p:attrName>style.visibility</p:attrName>
+                                        </p:attrNameLst>
+                                      </p:cBhvr>
+                                      <p:to>
+                                        <p:strVal val="visible"/>
+                                      </p:to>
+                                    </p:set>
+                                    <p:animEffect transition="in" filter="fade">
+                                      <p:cBhvr>
+                                        <p:cTn id="27" dur="500"/>
+                                        <p:tgtEl>
+                                          <p:spTgt spid="4">
+                                            <p:txEl>
+                                              <p:pRg st="6" end="6"/>
+                                            </p:txEl>
+                                          </p:spTgt>
+                                        </p:tgtEl>
+                                      </p:cBhvr>
+                                    </p:animEffect>
+                                  </p:childTnLst>
+                                </p:cTn>
+                              </p:par>
+                              <p:par>
+                                <p:cTn id="28" presetID="10" presetClass="entr" presetSubtype="0" fill="hold" grpId="0" nodeType="withEffect">
+                                  <p:stCondLst>
+                                    <p:cond delay="0"/>
+                                  </p:stCondLst>
+                                  <p:childTnLst>
+                                    <p:set>
+                                      <p:cBhvr>
+                                        <p:cTn id="29" dur="1" fill="hold">
+                                          <p:stCondLst>
+                                            <p:cond delay="0"/>
+                                          </p:stCondLst>
+                                        </p:cTn>
+                                        <p:tgtEl>
+                                          <p:spTgt spid="4">
+                                            <p:txEl>
+                                              <p:pRg st="7" end="7"/>
+                                            </p:txEl>
+                                          </p:spTgt>
+                                        </p:tgtEl>
+                                        <p:attrNameLst>
+                                          <p:attrName>style.visibility</p:attrName>
+                                        </p:attrNameLst>
+                                      </p:cBhvr>
+                                      <p:to>
+                                        <p:strVal val="visible"/>
+                                      </p:to>
+                                    </p:set>
+                                    <p:animEffect transition="in" filter="fade">
+                                      <p:cBhvr>
+                                        <p:cTn id="30" dur="500"/>
+                                        <p:tgtEl>
+                                          <p:spTgt spid="4">
+                                            <p:txEl>
+                                              <p:pRg st="7" end="7"/>
+                                            </p:txEl>
+                                          </p:spTgt>
+                                        </p:tgtEl>
+                                      </p:cBhvr>
+                                    </p:animEffect>
+                                  </p:childTnLst>
+                                </p:cTn>
+                              </p:par>
+                              <p:par>
+                                <p:cTn id="31" presetID="10" presetClass="entr" presetSubtype="0" fill="hold" grpId="0" nodeType="withEffect">
+                                  <p:stCondLst>
+                                    <p:cond delay="0"/>
+                                  </p:stCondLst>
+                                  <p:childTnLst>
+                                    <p:set>
+                                      <p:cBhvr>
+                                        <p:cTn id="32" dur="1" fill="hold">
+                                          <p:stCondLst>
+                                            <p:cond delay="0"/>
+                                          </p:stCondLst>
+                                        </p:cTn>
+                                        <p:tgtEl>
+                                          <p:spTgt spid="4">
+                                            <p:txEl>
+                                              <p:pRg st="8" end="8"/>
+                                            </p:txEl>
+                                          </p:spTgt>
+                                        </p:tgtEl>
+                                        <p:attrNameLst>
+                                          <p:attrName>style.visibility</p:attrName>
+                                        </p:attrNameLst>
+                                      </p:cBhvr>
+                                      <p:to>
+                                        <p:strVal val="visible"/>
+                                      </p:to>
+                                    </p:set>
+                                    <p:animEffect transition="in" filter="fade">
+                                      <p:cBhvr>
+                                        <p:cTn id="33" dur="500"/>
+                                        <p:tgtEl>
+                                          <p:spTgt spid="4">
+                                            <p:txEl>
+                                              <p:pRg st="8" end="8"/>
+                                            </p:txEl>
+                                          </p:spTgt>
+                                        </p:tgtEl>
+                                      </p:cBhvr>
+                                    </p:animEffect>
+                                  </p:childTnLst>
+                                </p:cTn>
+                              </p:par>
+                            </p:childTnLst>
+                          </p:cTn>
+                        </p:par>
+                      </p:childTnLst>
+                    </p:cTn>
+                  </p:par>
+                </p:childTnLst>
+              </p:cTn>
+              <p:prevCondLst>
+                <p:cond evt="onPrev" delay="0">
+                  <p:tgtEl>
+                    <p:sldTgt/>
+                  </p:tgtEl>
+                </p:cond>
+              </p:prevCondLst>
+              <p:nextCondLst>
+                <p:cond evt="onNext" delay="0">
+                  <p:tgtEl>
+                    <p:sldTgt/>
+                  </p:tgtEl>
+                </p:cond>
+              </p:nextCondLst>
+            </p:seq>
+          </p:childTnLst>
+        </p:cTn>
       </p:par>
     </p:tnLst>
+    <p:bldLst>
+      <p:bldP spid="4" grpId="0" build="p"/>
+    </p:bldLst>
   </p:timing>
 </p:sld>
 </file>
@@ -19758,11 +22389,11 @@
           <a:lstStyle/>
           <a:p>
             <a:r>
-              <a:rPr lang="ru-RU" dirty="0" smtClean="0"/>
+              <a:rPr lang="ru-RU" dirty="0"/>
               <a:t>Достоинства </a:t>
             </a:r>
             <a:r>
-              <a:rPr lang="en-US" dirty="0" smtClean="0"/>
+              <a:rPr lang="en-US" dirty="0"/>
               <a:t>Document-View</a:t>
             </a:r>
             <a:endParaRPr lang="ru-RU" dirty="0"/>
@@ -19785,40 +22416,39 @@
           <a:lstStyle/>
           <a:p>
             <a:r>
-              <a:rPr lang="ru-RU" dirty="0" smtClean="0"/>
+              <a:rPr lang="ru-RU" dirty="0"/>
               <a:t>Состояние отделяется от визуального представления</a:t>
             </a:r>
           </a:p>
           <a:p>
             <a:pPr lvl="1"/>
             <a:r>
-              <a:rPr lang="ru-RU" dirty="0" smtClean="0"/>
+              <a:rPr lang="ru-RU" dirty="0"/>
               <a:t>Можно модифицировать их независимо друг от друга</a:t>
             </a:r>
           </a:p>
           <a:p>
             <a:r>
-              <a:rPr lang="ru-RU" dirty="0" smtClean="0"/>
+              <a:rPr lang="ru-RU" dirty="0"/>
               <a:t>Появляется возможность тестирования </a:t>
             </a:r>
             <a:r>
-              <a:rPr lang="en-US" dirty="0" smtClean="0"/>
+              <a:rPr lang="en-US" dirty="0"/>
               <a:t>Document</a:t>
             </a:r>
-            <a:endParaRPr lang="ru-RU" dirty="0" smtClean="0"/>
-          </a:p>
-          <a:p>
-            <a:r>
-              <a:rPr lang="ru-RU" dirty="0" smtClean="0"/>
+            <a:endParaRPr lang="ru-RU" dirty="0"/>
+          </a:p>
+          <a:p>
+            <a:r>
+              <a:rPr lang="ru-RU" dirty="0"/>
               <a:t>Можно иметь несколько представлений одного документа</a:t>
             </a:r>
           </a:p>
           <a:p>
             <a:r>
-              <a:rPr lang="ru-RU" dirty="0" smtClean="0"/>
+              <a:rPr lang="ru-RU" dirty="0"/>
               <a:t>Стоимость – более сложное решение</a:t>
             </a:r>
-            <a:endParaRPr lang="ru-RU" dirty="0"/>
           </a:p>
         </p:txBody>
       </p:sp>
@@ -20756,13 +23386,13 @@
 
 <file path=customXml/item4.xml><?xml version="1.0" encoding="utf-8"?>
 <Control xmlns="http://schemas.microsoft.com/VisualStudio/2011/storyboarding/control">
-  <Id Name="System.Storyboarding.Common.TextInput" Revision="1" Stencil="System.Storyboarding.Common" StencilVersion="0.1"/>
+  <Id Name="System.Storyboarding.Common.Text" Revision="1" Stencil="System.Storyboarding.Common" StencilVersion="0.1"/>
 </Control>
 </file>
 
 <file path=customXml/item5.xml><?xml version="1.0" encoding="utf-8"?>
 <Control xmlns="http://schemas.microsoft.com/VisualStudio/2011/storyboarding/control">
-  <Id Name="System.Storyboarding.Common.Text" Revision="1" Stencil="System.Storyboarding.Common" StencilVersion="0.1"/>
+  <Id Name="System.Storyboarding.Common.TextInput" Revision="1" Stencil="System.Storyboarding.Common" StencilVersion="0.1"/>
 </Control>
 </file>
 
@@ -20774,24 +23404,24 @@
 
 <file path=customXml/item7.xml><?xml version="1.0" encoding="utf-8"?>
 <Control xmlns="http://schemas.microsoft.com/VisualStudio/2011/storyboarding/control">
-  <Id Name="System.Storyboarding.Common.TextInput" Revision="1" Stencil="System.Storyboarding.Common" StencilVersion="0.1"/>
+  <Id Name="System.Storyboarding.Backgrounds.Window" Revision="1" Stencil="System.Storyboarding.Backgrounds" StencilVersion="0.1"/>
 </Control>
 </file>
 
 <file path=customXml/item8.xml><?xml version="1.0" encoding="utf-8"?>
 <Control xmlns="http://schemas.microsoft.com/VisualStudio/2011/storyboarding/control">
-  <Id Name="System.Storyboarding.Common.Text" Revision="1" Stencil="System.Storyboarding.Common" StencilVersion="0.1"/>
+  <Id Name="System.Storyboarding.Common.TextInput" Revision="1" Stencil="System.Storyboarding.Common" StencilVersion="0.1"/>
 </Control>
 </file>
 
 <file path=customXml/item9.xml><?xml version="1.0" encoding="utf-8"?>
 <Control xmlns="http://schemas.microsoft.com/VisualStudio/2011/storyboarding/control">
-  <Id Name="System.Storyboarding.Backgrounds.Window" Revision="1" Stencil="System.Storyboarding.Backgrounds" StencilVersion="0.1"/>
+  <Id Name="System.Storyboarding.Common.Text" Revision="1" Stencil="System.Storyboarding.Common" StencilVersion="0.1"/>
 </Control>
 </file>
 
 <file path=customXml/itemProps1.xml><?xml version="1.0" encoding="utf-8"?>
-<ds:datastoreItem xmlns:ds="http://schemas.openxmlformats.org/officeDocument/2006/customXml" ds:itemID="{8F525B19-BA52-4B0B-AC85-084E0FF3E37E}">
+<ds:datastoreItem xmlns:ds="http://schemas.openxmlformats.org/officeDocument/2006/customXml" ds:itemID="{F0C7AE7B-513B-452E-8E39-1FB70E99A509}">
   <ds:schemaRefs>
     <ds:schemaRef ds:uri="http://schemas.microsoft.com/VisualStudio/2011/storyboarding/control"/>
   </ds:schemaRefs>
@@ -20799,7 +23429,7 @@
 </file>
 
 <file path=customXml/itemProps2.xml><?xml version="1.0" encoding="utf-8"?>
-<ds:datastoreItem xmlns:ds="http://schemas.openxmlformats.org/officeDocument/2006/customXml" ds:itemID="{FAE8ECFE-A746-4CED-8EC6-FB25DA17D2C8}">
+<ds:datastoreItem xmlns:ds="http://schemas.openxmlformats.org/officeDocument/2006/customXml" ds:itemID="{E1DD6387-A549-483B-9966-FFE705E0180B}">
   <ds:schemaRefs>
     <ds:schemaRef ds:uri="http://schemas.microsoft.com/VisualStudio/2011/storyboarding/control"/>
   </ds:schemaRefs>
@@ -20815,6 +23445,22 @@
 </file>
 
 <file path=customXml/itemProps4.xml><?xml version="1.0" encoding="utf-8"?>
+<ds:datastoreItem xmlns:ds="http://schemas.openxmlformats.org/officeDocument/2006/customXml" ds:itemID="{8F525B19-BA52-4B0B-AC85-084E0FF3E37E}">
+  <ds:schemaRefs>
+    <ds:schemaRef ds:uri="http://schemas.microsoft.com/VisualStudio/2011/storyboarding/control"/>
+  </ds:schemaRefs>
+</ds:datastoreItem>
+</file>
+
+<file path=customXml/itemProps5.xml><?xml version="1.0" encoding="utf-8"?>
+<ds:datastoreItem xmlns:ds="http://schemas.openxmlformats.org/officeDocument/2006/customXml" ds:itemID="{1B9DC17B-761D-47FA-A3C0-E53584C6A4A6}">
+  <ds:schemaRefs>
+    <ds:schemaRef ds:uri="http://schemas.microsoft.com/VisualStudio/2011/storyboarding/control"/>
+  </ds:schemaRefs>
+</ds:datastoreItem>
+</file>
+
+<file path=customXml/itemProps6.xml><?xml version="1.0" encoding="utf-8"?>
 <ds:datastoreItem xmlns:ds="http://schemas.openxmlformats.org/officeDocument/2006/customXml" ds:itemID="{425F175B-3530-4A4B-926B-CB7170700CBF}">
   <ds:schemaRefs>
     <ds:schemaRef ds:uri="http://schemas.microsoft.com/VisualStudio/2011/storyboarding/control"/>
@@ -20822,23 +23468,15 @@
 </ds:datastoreItem>
 </file>
 
-<file path=customXml/itemProps5.xml><?xml version="1.0" encoding="utf-8"?>
-<ds:datastoreItem xmlns:ds="http://schemas.openxmlformats.org/officeDocument/2006/customXml" ds:itemID="{F0C7AE7B-513B-452E-8E39-1FB70E99A509}">
+<file path=customXml/itemProps7.xml><?xml version="1.0" encoding="utf-8"?>
+<ds:datastoreItem xmlns:ds="http://schemas.openxmlformats.org/officeDocument/2006/customXml" ds:itemID="{54EBA524-2760-42B5-B6ED-80AA7A8E66FF}">
   <ds:schemaRefs>
     <ds:schemaRef ds:uri="http://schemas.microsoft.com/VisualStudio/2011/storyboarding/control"/>
   </ds:schemaRefs>
 </ds:datastoreItem>
 </file>
 
-<file path=customXml/itemProps6.xml><?xml version="1.0" encoding="utf-8"?>
-<ds:datastoreItem xmlns:ds="http://schemas.openxmlformats.org/officeDocument/2006/customXml" ds:itemID="{1B9DC17B-761D-47FA-A3C0-E53584C6A4A6}">
-  <ds:schemaRefs>
-    <ds:schemaRef ds:uri="http://schemas.microsoft.com/VisualStudio/2011/storyboarding/control"/>
-  </ds:schemaRefs>
-</ds:datastoreItem>
-</file>
-
-<file path=customXml/itemProps7.xml><?xml version="1.0" encoding="utf-8"?>
+<file path=customXml/itemProps8.xml><?xml version="1.0" encoding="utf-8"?>
 <ds:datastoreItem xmlns:ds="http://schemas.openxmlformats.org/officeDocument/2006/customXml" ds:itemID="{A8016BC2-1C33-498E-A9F9-5B817A65B8AA}">
   <ds:schemaRefs>
     <ds:schemaRef ds:uri="http://schemas.microsoft.com/VisualStudio/2011/storyboarding/control"/>
@@ -20846,16 +23484,8 @@
 </ds:datastoreItem>
 </file>
 
-<file path=customXml/itemProps8.xml><?xml version="1.0" encoding="utf-8"?>
-<ds:datastoreItem xmlns:ds="http://schemas.openxmlformats.org/officeDocument/2006/customXml" ds:itemID="{E1DD6387-A549-483B-9966-FFE705E0180B}">
-  <ds:schemaRefs>
-    <ds:schemaRef ds:uri="http://schemas.microsoft.com/VisualStudio/2011/storyboarding/control"/>
-  </ds:schemaRefs>
-</ds:datastoreItem>
-</file>
-
 <file path=customXml/itemProps9.xml><?xml version="1.0" encoding="utf-8"?>
-<ds:datastoreItem xmlns:ds="http://schemas.openxmlformats.org/officeDocument/2006/customXml" ds:itemID="{54EBA524-2760-42B5-B6ED-80AA7A8E66FF}">
+<ds:datastoreItem xmlns:ds="http://schemas.openxmlformats.org/officeDocument/2006/customXml" ds:itemID="{FAE8ECFE-A746-4CED-8EC6-FB25DA17D2C8}">
   <ds:schemaRefs>
     <ds:schemaRef ds:uri="http://schemas.microsoft.com/VisualStudio/2011/storyboarding/control"/>
   </ds:schemaRefs>

--- a/lectures/16.mvxx/mvxx.pptx
+++ b/lectures/16.mvxx/mvxx.pptx
@@ -4279,8 +4279,8 @@
           <a:lstStyle/>
           <a:p>
             <a:r>
-              <a:rPr lang="ru-RU" dirty="0"/>
-              <a:t>Паттерны разработки </a:t>
+              <a:rPr lang="ru-RU"/>
+              <a:t>Архитектура </a:t>
             </a:r>
             <a:r>
               <a:rPr lang="en-US" dirty="0"/>
@@ -23374,13 +23374,13 @@
 
 <file path=customXml/item2.xml><?xml version="1.0" encoding="utf-8"?>
 <Control xmlns="http://schemas.microsoft.com/VisualStudio/2011/storyboarding/control">
-  <Id Name="System.Storyboarding.Common.Text" Revision="1" Stencil="System.Storyboarding.Common" StencilVersion="0.1"/>
+  <Id Name="System.Storyboarding.Common.TextInput" Revision="1" Stencil="System.Storyboarding.Common" StencilVersion="0.1"/>
 </Control>
 </file>
 
 <file path=customXml/item3.xml><?xml version="1.0" encoding="utf-8"?>
 <Control xmlns="http://schemas.microsoft.com/VisualStudio/2011/storyboarding/control">
-  <Id Name="System.Storyboarding.Common.Text" Revision="1" Stencil="System.Storyboarding.Common" StencilVersion="0.1"/>
+  <Id Name="System.Storyboarding.Common.TextInput" Revision="1" Stencil="System.Storyboarding.Common" StencilVersion="0.1"/>
 </Control>
 </file>
 
@@ -23392,7 +23392,7 @@
 
 <file path=customXml/item5.xml><?xml version="1.0" encoding="utf-8"?>
 <Control xmlns="http://schemas.microsoft.com/VisualStudio/2011/storyboarding/control">
-  <Id Name="System.Storyboarding.Common.TextInput" Revision="1" Stencil="System.Storyboarding.Common" StencilVersion="0.1"/>
+  <Id Name="System.Storyboarding.Common.Text" Revision="1" Stencil="System.Storyboarding.Common" StencilVersion="0.1"/>
 </Control>
 </file>
 
@@ -23404,24 +23404,24 @@
 
 <file path=customXml/item7.xml><?xml version="1.0" encoding="utf-8"?>
 <Control xmlns="http://schemas.microsoft.com/VisualStudio/2011/storyboarding/control">
-  <Id Name="System.Storyboarding.Backgrounds.Window" Revision="1" Stencil="System.Storyboarding.Backgrounds" StencilVersion="0.1"/>
+  <Id Name="System.Storyboarding.Common.Text" Revision="1" Stencil="System.Storyboarding.Common" StencilVersion="0.1"/>
 </Control>
 </file>
 
 <file path=customXml/item8.xml><?xml version="1.0" encoding="utf-8"?>
 <Control xmlns="http://schemas.microsoft.com/VisualStudio/2011/storyboarding/control">
-  <Id Name="System.Storyboarding.Common.TextInput" Revision="1" Stencil="System.Storyboarding.Common" StencilVersion="0.1"/>
+  <Id Name="System.Storyboarding.Common.Text" Revision="1" Stencil="System.Storyboarding.Common" StencilVersion="0.1"/>
 </Control>
 </file>
 
 <file path=customXml/item9.xml><?xml version="1.0" encoding="utf-8"?>
 <Control xmlns="http://schemas.microsoft.com/VisualStudio/2011/storyboarding/control">
-  <Id Name="System.Storyboarding.Common.Text" Revision="1" Stencil="System.Storyboarding.Common" StencilVersion="0.1"/>
+  <Id Name="System.Storyboarding.Backgrounds.Window" Revision="1" Stencil="System.Storyboarding.Backgrounds" StencilVersion="0.1"/>
 </Control>
 </file>
 
 <file path=customXml/itemProps1.xml><?xml version="1.0" encoding="utf-8"?>
-<ds:datastoreItem xmlns:ds="http://schemas.openxmlformats.org/officeDocument/2006/customXml" ds:itemID="{F0C7AE7B-513B-452E-8E39-1FB70E99A509}">
+<ds:datastoreItem xmlns:ds="http://schemas.openxmlformats.org/officeDocument/2006/customXml" ds:itemID="{E1DD6387-A549-483B-9966-FFE705E0180B}">
   <ds:schemaRefs>
     <ds:schemaRef ds:uri="http://schemas.microsoft.com/VisualStudio/2011/storyboarding/control"/>
   </ds:schemaRefs>
@@ -23429,7 +23429,7 @@
 </file>
 
 <file path=customXml/itemProps2.xml><?xml version="1.0" encoding="utf-8"?>
-<ds:datastoreItem xmlns:ds="http://schemas.openxmlformats.org/officeDocument/2006/customXml" ds:itemID="{E1DD6387-A549-483B-9966-FFE705E0180B}">
+<ds:datastoreItem xmlns:ds="http://schemas.openxmlformats.org/officeDocument/2006/customXml" ds:itemID="{1B9DC17B-761D-47FA-A3C0-E53584C6A4A6}">
   <ds:schemaRefs>
     <ds:schemaRef ds:uri="http://schemas.microsoft.com/VisualStudio/2011/storyboarding/control"/>
   </ds:schemaRefs>
@@ -23437,6 +23437,14 @@
 </file>
 
 <file path=customXml/itemProps3.xml><?xml version="1.0" encoding="utf-8"?>
+<ds:datastoreItem xmlns:ds="http://schemas.openxmlformats.org/officeDocument/2006/customXml" ds:itemID="{A8016BC2-1C33-498E-A9F9-5B817A65B8AA}">
+  <ds:schemaRefs>
+    <ds:schemaRef ds:uri="http://schemas.microsoft.com/VisualStudio/2011/storyboarding/control"/>
+  </ds:schemaRefs>
+</ds:datastoreItem>
+</file>
+
+<file path=customXml/itemProps4.xml><?xml version="1.0" encoding="utf-8"?>
 <ds:datastoreItem xmlns:ds="http://schemas.openxmlformats.org/officeDocument/2006/customXml" ds:itemID="{09A7D8BD-D412-472A-9605-CA2D10183910}">
   <ds:schemaRefs>
     <ds:schemaRef ds:uri="http://schemas.microsoft.com/VisualStudio/2011/storyboarding/control"/>
@@ -23444,16 +23452,8 @@
 </ds:datastoreItem>
 </file>
 
-<file path=customXml/itemProps4.xml><?xml version="1.0" encoding="utf-8"?>
-<ds:datastoreItem xmlns:ds="http://schemas.openxmlformats.org/officeDocument/2006/customXml" ds:itemID="{8F525B19-BA52-4B0B-AC85-084E0FF3E37E}">
-  <ds:schemaRefs>
-    <ds:schemaRef ds:uri="http://schemas.microsoft.com/VisualStudio/2011/storyboarding/control"/>
-  </ds:schemaRefs>
-</ds:datastoreItem>
-</file>
-
 <file path=customXml/itemProps5.xml><?xml version="1.0" encoding="utf-8"?>
-<ds:datastoreItem xmlns:ds="http://schemas.openxmlformats.org/officeDocument/2006/customXml" ds:itemID="{1B9DC17B-761D-47FA-A3C0-E53584C6A4A6}">
+<ds:datastoreItem xmlns:ds="http://schemas.openxmlformats.org/officeDocument/2006/customXml" ds:itemID="{F0C7AE7B-513B-452E-8E39-1FB70E99A509}">
   <ds:schemaRefs>
     <ds:schemaRef ds:uri="http://schemas.microsoft.com/VisualStudio/2011/storyboarding/control"/>
   </ds:schemaRefs>
@@ -23469,7 +23469,7 @@
 </file>
 
 <file path=customXml/itemProps7.xml><?xml version="1.0" encoding="utf-8"?>
-<ds:datastoreItem xmlns:ds="http://schemas.openxmlformats.org/officeDocument/2006/customXml" ds:itemID="{54EBA524-2760-42B5-B6ED-80AA7A8E66FF}">
+<ds:datastoreItem xmlns:ds="http://schemas.openxmlformats.org/officeDocument/2006/customXml" ds:itemID="{8F525B19-BA52-4B0B-AC85-084E0FF3E37E}">
   <ds:schemaRefs>
     <ds:schemaRef ds:uri="http://schemas.microsoft.com/VisualStudio/2011/storyboarding/control"/>
   </ds:schemaRefs>
@@ -23477,7 +23477,7 @@
 </file>
 
 <file path=customXml/itemProps8.xml><?xml version="1.0" encoding="utf-8"?>
-<ds:datastoreItem xmlns:ds="http://schemas.openxmlformats.org/officeDocument/2006/customXml" ds:itemID="{A8016BC2-1C33-498E-A9F9-5B817A65B8AA}">
+<ds:datastoreItem xmlns:ds="http://schemas.openxmlformats.org/officeDocument/2006/customXml" ds:itemID="{FAE8ECFE-A746-4CED-8EC6-FB25DA17D2C8}">
   <ds:schemaRefs>
     <ds:schemaRef ds:uri="http://schemas.microsoft.com/VisualStudio/2011/storyboarding/control"/>
   </ds:schemaRefs>
@@ -23485,7 +23485,7 @@
 </file>
 
 <file path=customXml/itemProps9.xml><?xml version="1.0" encoding="utf-8"?>
-<ds:datastoreItem xmlns:ds="http://schemas.openxmlformats.org/officeDocument/2006/customXml" ds:itemID="{FAE8ECFE-A746-4CED-8EC6-FB25DA17D2C8}">
+<ds:datastoreItem xmlns:ds="http://schemas.openxmlformats.org/officeDocument/2006/customXml" ds:itemID="{54EBA524-2760-42B5-B6ED-80AA7A8E66FF}">
   <ds:schemaRefs>
     <ds:schemaRef ds:uri="http://schemas.microsoft.com/VisualStudio/2011/storyboarding/control"/>
   </ds:schemaRefs>

--- a/lectures/16.mvxx/mvxx.pptx
+++ b/lectures/16.mvxx/mvxx.pptx
@@ -269,7 +269,7 @@
           <a:p>
             <a:fld id="{2F3DCB6D-0B48-4A3D-B663-06C3F903A9D3}" type="datetimeFigureOut">
               <a:rPr lang="ru-RU" smtClean="0"/>
-              <a:t>30.11.2023</a:t>
+              <a:t>12.12.2023</a:t>
             </a:fld>
             <a:endParaRPr lang="ru-RU"/>
           </a:p>
@@ -866,7 +866,7 @@
           <a:p>
             <a:fld id="{2590F9C9-AB92-4E86-B698-DEC9BF4350FF}" type="datetimeFigureOut">
               <a:rPr lang="ru-RU" smtClean="0"/>
-              <a:t>30.11.2023</a:t>
+              <a:t>12.12.2023</a:t>
             </a:fld>
             <a:endParaRPr lang="ru-RU"/>
           </a:p>
@@ -1083,7 +1083,7 @@
           <a:p>
             <a:fld id="{2590F9C9-AB92-4E86-B698-DEC9BF4350FF}" type="datetimeFigureOut">
               <a:rPr lang="ru-RU" smtClean="0"/>
-              <a:t>30.11.2023</a:t>
+              <a:t>12.12.2023</a:t>
             </a:fld>
             <a:endParaRPr lang="ru-RU"/>
           </a:p>
@@ -1355,7 +1355,7 @@
           <a:p>
             <a:fld id="{2590F9C9-AB92-4E86-B698-DEC9BF4350FF}" type="datetimeFigureOut">
               <a:rPr lang="ru-RU" smtClean="0"/>
-              <a:t>30.11.2023</a:t>
+              <a:t>12.12.2023</a:t>
             </a:fld>
             <a:endParaRPr lang="ru-RU"/>
           </a:p>
@@ -1530,7 +1530,7 @@
           <a:p>
             <a:fld id="{2590F9C9-AB92-4E86-B698-DEC9BF4350FF}" type="datetimeFigureOut">
               <a:rPr lang="ru-RU" smtClean="0"/>
-              <a:t>30.11.2023</a:t>
+              <a:t>12.12.2023</a:t>
             </a:fld>
             <a:endParaRPr lang="ru-RU"/>
           </a:p>
@@ -1884,7 +1884,7 @@
           <a:p>
             <a:fld id="{2590F9C9-AB92-4E86-B698-DEC9BF4350FF}" type="datetimeFigureOut">
               <a:rPr lang="ru-RU" smtClean="0"/>
-              <a:t>30.11.2023</a:t>
+              <a:t>12.12.2023</a:t>
             </a:fld>
             <a:endParaRPr lang="ru-RU"/>
           </a:p>
@@ -2169,7 +2169,7 @@
           <a:p>
             <a:fld id="{2590F9C9-AB92-4E86-B698-DEC9BF4350FF}" type="datetimeFigureOut">
               <a:rPr lang="ru-RU" smtClean="0"/>
-              <a:t>30.11.2023</a:t>
+              <a:t>12.12.2023</a:t>
             </a:fld>
             <a:endParaRPr lang="ru-RU"/>
           </a:p>
@@ -2591,7 +2591,7 @@
           <a:p>
             <a:fld id="{2590F9C9-AB92-4E86-B698-DEC9BF4350FF}" type="datetimeFigureOut">
               <a:rPr lang="ru-RU" smtClean="0"/>
-              <a:t>30.11.2023</a:t>
+              <a:t>12.12.2023</a:t>
             </a:fld>
             <a:endParaRPr lang="ru-RU"/>
           </a:p>
@@ -2704,7 +2704,7 @@
           <a:p>
             <a:fld id="{2590F9C9-AB92-4E86-B698-DEC9BF4350FF}" type="datetimeFigureOut">
               <a:rPr lang="ru-RU" smtClean="0"/>
-              <a:t>30.11.2023</a:t>
+              <a:t>12.12.2023</a:t>
             </a:fld>
             <a:endParaRPr lang="ru-RU"/>
           </a:p>
@@ -2794,7 +2794,7 @@
           <a:p>
             <a:fld id="{2590F9C9-AB92-4E86-B698-DEC9BF4350FF}" type="datetimeFigureOut">
               <a:rPr lang="ru-RU" smtClean="0"/>
-              <a:t>30.11.2023</a:t>
+              <a:t>12.12.2023</a:t>
             </a:fld>
             <a:endParaRPr lang="ru-RU"/>
           </a:p>
@@ -3072,7 +3072,7 @@
           <a:p>
             <a:fld id="{2590F9C9-AB92-4E86-B698-DEC9BF4350FF}" type="datetimeFigureOut">
               <a:rPr lang="ru-RU" smtClean="0"/>
-              <a:t>30.11.2023</a:t>
+              <a:t>12.12.2023</a:t>
             </a:fld>
             <a:endParaRPr lang="ru-RU"/>
           </a:p>
@@ -3434,7 +3434,7 @@
           <a:p>
             <a:fld id="{2590F9C9-AB92-4E86-B698-DEC9BF4350FF}" type="datetimeFigureOut">
               <a:rPr lang="ru-RU" smtClean="0"/>
-              <a:t>30.11.2023</a:t>
+              <a:t>12.12.2023</a:t>
             </a:fld>
             <a:endParaRPr lang="ru-RU"/>
           </a:p>
@@ -3859,7 +3859,7 @@
           <a:p>
             <a:fld id="{2590F9C9-AB92-4E86-B698-DEC9BF4350FF}" type="datetimeFigureOut">
               <a:rPr lang="ru-RU" smtClean="0"/>
-              <a:t>30.11.2023</a:t>
+              <a:t>12.12.2023</a:t>
             </a:fld>
             <a:endParaRPr lang="ru-RU"/>
           </a:p>
@@ -4265,6 +4265,42 @@
           <a:chExt cx="0" cy="0"/>
         </a:xfrm>
       </p:grpSpPr>
+      <p:pic>
+        <p:nvPicPr>
+          <p:cNvPr id="7" name="Рисунок 6">
+            <a:extLst>
+              <a:ext uri="{FF2B5EF4-FFF2-40B4-BE49-F238E27FC236}">
+                <a16:creationId xmlns:a16="http://schemas.microsoft.com/office/drawing/2014/main" id="{522A3BB0-FBB8-4766-8504-5B4D32A3FA41}"/>
+              </a:ext>
+            </a:extLst>
+          </p:cNvPr>
+          <p:cNvPicPr>
+            <a:picLocks noChangeAspect="1"/>
+          </p:cNvPicPr>
+          <p:nvPr/>
+        </p:nvPicPr>
+        <p:blipFill>
+          <a:blip r:embed="rId3">
+            <a:extLst>
+              <a:ext uri="{28A0092B-C50C-407E-A947-70E740481C1C}">
+                <a14:useLocalDpi xmlns:a14="http://schemas.microsoft.com/office/drawing/2010/main" val="0"/>
+              </a:ext>
+            </a:extLst>
+          </a:blip>
+          <a:stretch>
+            <a:fillRect/>
+          </a:stretch>
+        </p:blipFill>
+        <p:spPr>
+          <a:xfrm>
+            <a:off x="0" y="-171400"/>
+            <a:ext cx="9144000" cy="5225143"/>
+          </a:xfrm>
+          <a:prstGeom prst="rect">
+            <a:avLst/>
+          </a:prstGeom>
+        </p:spPr>
+      </p:pic>
       <p:sp>
         <p:nvSpPr>
           <p:cNvPr id="2" name="Заголовок 1"/>
@@ -4275,13 +4311,25 @@
             <p:ph type="ctrTitle"/>
           </p:nvPr>
         </p:nvSpPr>
-        <p:spPr/>
+        <p:spPr>
+          <a:xfrm>
+            <a:off x="685800" y="4221088"/>
+            <a:ext cx="8077200" cy="808112"/>
+          </a:xfrm>
+          <a:effectLst>
+            <a:outerShdw blurRad="63500" sx="102000" sy="102000" algn="ctr" rotWithShape="0">
+              <a:prstClr val="black">
+                <a:alpha val="40000"/>
+              </a:prstClr>
+            </a:outerShdw>
+          </a:effectLst>
+        </p:spPr>
         <p:txBody>
           <a:bodyPr/>
           <a:lstStyle/>
           <a:p>
             <a:r>
-              <a:rPr lang="ru-RU"/>
+              <a:rPr lang="ru-RU" dirty="0"/>
               <a:t>Архитектура </a:t>
             </a:r>
             <a:r>
@@ -4297,7 +4345,13 @@
       </p:sp>
       <p:sp>
         <p:nvSpPr>
-          <p:cNvPr id="3" name="Подзаголовок 2"/>
+          <p:cNvPr id="11" name="Подзаголовок 10">
+            <a:extLst>
+              <a:ext uri="{FF2B5EF4-FFF2-40B4-BE49-F238E27FC236}">
+                <a16:creationId xmlns:a16="http://schemas.microsoft.com/office/drawing/2014/main" id="{FCA1BC4F-219B-4C21-B846-76C068D1C8E2}"/>
+              </a:ext>
+            </a:extLst>
+          </p:cNvPr>
           <p:cNvSpPr>
             <a:spLocks noGrp="1"/>
           </p:cNvSpPr>
@@ -4310,15 +4364,7 @@
           <a:bodyPr/>
           <a:lstStyle/>
           <a:p>
-            <a:r>
-              <a:rPr lang="ru-RU" dirty="0"/>
-              <a:t>Лекция 1</a:t>
-            </a:r>
-            <a:r>
-              <a:rPr lang="en-US" dirty="0"/>
-              <a:t>6</a:t>
-            </a:r>
-            <a:endParaRPr lang="ru-RU" dirty="0"/>
+            <a:endParaRPr lang="ru-RU"/>
           </a:p>
         </p:txBody>
       </p:sp>
@@ -25239,7 +25285,7 @@
 
 <file path=customXml/item1.xml><?xml version="1.0" encoding="utf-8"?>
 <Control xmlns="http://schemas.microsoft.com/VisualStudio/2011/storyboarding/control">
-  <Id Name="System.Storyboarding.Common.TextInput" Revision="1" Stencil="System.Storyboarding.Common" StencilVersion="0.1"/>
+  <Id Name="System.Storyboarding.Common.Text" Revision="1" Stencil="System.Storyboarding.Common" StencilVersion="0.1"/>
 </Control>
 </file>
 
@@ -25251,19 +25297,19 @@
 
 <file path=customXml/item3.xml><?xml version="1.0" encoding="utf-8"?>
 <Control xmlns="http://schemas.microsoft.com/VisualStudio/2011/storyboarding/control">
-  <Id Name="System.Storyboarding.Common.Text" Revision="1" Stencil="System.Storyboarding.Common" StencilVersion="0.1"/>
+  <Id Name="System.Storyboarding.Backgrounds.Window" Revision="1" Stencil="System.Storyboarding.Backgrounds" StencilVersion="0.1"/>
 </Control>
 </file>
 
 <file path=customXml/item4.xml><?xml version="1.0" encoding="utf-8"?>
 <Control xmlns="http://schemas.microsoft.com/VisualStudio/2011/storyboarding/control">
-  <Id Name="System.Storyboarding.Common.TextInput" Revision="1" Stencil="System.Storyboarding.Common" StencilVersion="0.1"/>
+  <Id Name="System.Storyboarding.Common.Text" Revision="1" Stencil="System.Storyboarding.Common" StencilVersion="0.1"/>
 </Control>
 </file>
 
 <file path=customXml/item5.xml><?xml version="1.0" encoding="utf-8"?>
 <Control xmlns="http://schemas.microsoft.com/VisualStudio/2011/storyboarding/control">
-  <Id Name="System.Storyboarding.Common.Text" Revision="1" Stencil="System.Storyboarding.Common" StencilVersion="0.1"/>
+  <Id Name="System.Storyboarding.Common.TextInput" Revision="1" Stencil="System.Storyboarding.Common" StencilVersion="0.1"/>
 </Control>
 </file>
 
@@ -25275,13 +25321,13 @@
 
 <file path=customXml/item7.xml><?xml version="1.0" encoding="utf-8"?>
 <Control xmlns="http://schemas.microsoft.com/VisualStudio/2011/storyboarding/control">
-  <Id Name="System.Storyboarding.Common.Text" Revision="1" Stencil="System.Storyboarding.Common" StencilVersion="0.1"/>
+  <Id Name="System.Storyboarding.Common.TextInput" Revision="1" Stencil="System.Storyboarding.Common" StencilVersion="0.1"/>
 </Control>
 </file>
 
 <file path=customXml/item8.xml><?xml version="1.0" encoding="utf-8"?>
 <Control xmlns="http://schemas.microsoft.com/VisualStudio/2011/storyboarding/control">
-  <Id Name="System.Storyboarding.Backgrounds.Window" Revision="1" Stencil="System.Storyboarding.Backgrounds" StencilVersion="0.1"/>
+  <Id Name="System.Storyboarding.Common.Text" Revision="1" Stencil="System.Storyboarding.Common" StencilVersion="0.1"/>
 </Control>
 </file>
 
@@ -25292,7 +25338,7 @@
 </file>
 
 <file path=customXml/itemProps1.xml><?xml version="1.0" encoding="utf-8"?>
-<ds:datastoreItem xmlns:ds="http://schemas.openxmlformats.org/officeDocument/2006/customXml" ds:itemID="{1B9DC17B-761D-47FA-A3C0-E53584C6A4A6}">
+<ds:datastoreItem xmlns:ds="http://schemas.openxmlformats.org/officeDocument/2006/customXml" ds:itemID="{F0C7AE7B-513B-452E-8E39-1FB70E99A509}">
   <ds:schemaRefs>
     <ds:schemaRef ds:uri="http://schemas.microsoft.com/VisualStudio/2011/storyboarding/control"/>
   </ds:schemaRefs>
@@ -25300,7 +25346,7 @@
 </file>
 
 <file path=customXml/itemProps2.xml><?xml version="1.0" encoding="utf-8"?>
-<ds:datastoreItem xmlns:ds="http://schemas.openxmlformats.org/officeDocument/2006/customXml" ds:itemID="{F0C7AE7B-513B-452E-8E39-1FB70E99A509}">
+<ds:datastoreItem xmlns:ds="http://schemas.openxmlformats.org/officeDocument/2006/customXml" ds:itemID="{E1DD6387-A549-483B-9966-FFE705E0180B}">
   <ds:schemaRefs>
     <ds:schemaRef ds:uri="http://schemas.microsoft.com/VisualStudio/2011/storyboarding/control"/>
   </ds:schemaRefs>
@@ -25308,6 +25354,14 @@
 </file>
 
 <file path=customXml/itemProps3.xml><?xml version="1.0" encoding="utf-8"?>
+<ds:datastoreItem xmlns:ds="http://schemas.openxmlformats.org/officeDocument/2006/customXml" ds:itemID="{54EBA524-2760-42B5-B6ED-80AA7A8E66FF}">
+  <ds:schemaRefs>
+    <ds:schemaRef ds:uri="http://schemas.microsoft.com/VisualStudio/2011/storyboarding/control"/>
+  </ds:schemaRefs>
+</ds:datastoreItem>
+</file>
+
+<file path=customXml/itemProps4.xml><?xml version="1.0" encoding="utf-8"?>
 <ds:datastoreItem xmlns:ds="http://schemas.openxmlformats.org/officeDocument/2006/customXml" ds:itemID="{FAE8ECFE-A746-4CED-8EC6-FB25DA17D2C8}">
   <ds:schemaRefs>
     <ds:schemaRef ds:uri="http://schemas.microsoft.com/VisualStudio/2011/storyboarding/control"/>
@@ -25315,16 +25369,8 @@
 </ds:datastoreItem>
 </file>
 
-<file path=customXml/itemProps4.xml><?xml version="1.0" encoding="utf-8"?>
-<ds:datastoreItem xmlns:ds="http://schemas.openxmlformats.org/officeDocument/2006/customXml" ds:itemID="{A8016BC2-1C33-498E-A9F9-5B817A65B8AA}">
-  <ds:schemaRefs>
-    <ds:schemaRef ds:uri="http://schemas.microsoft.com/VisualStudio/2011/storyboarding/control"/>
-  </ds:schemaRefs>
-</ds:datastoreItem>
-</file>
-
 <file path=customXml/itemProps5.xml><?xml version="1.0" encoding="utf-8"?>
-<ds:datastoreItem xmlns:ds="http://schemas.openxmlformats.org/officeDocument/2006/customXml" ds:itemID="{E1DD6387-A549-483B-9966-FFE705E0180B}">
+<ds:datastoreItem xmlns:ds="http://schemas.openxmlformats.org/officeDocument/2006/customXml" ds:itemID="{1B9DC17B-761D-47FA-A3C0-E53584C6A4A6}">
   <ds:schemaRefs>
     <ds:schemaRef ds:uri="http://schemas.microsoft.com/VisualStudio/2011/storyboarding/control"/>
   </ds:schemaRefs>
@@ -25340,7 +25386,7 @@
 </file>
 
 <file path=customXml/itemProps7.xml><?xml version="1.0" encoding="utf-8"?>
-<ds:datastoreItem xmlns:ds="http://schemas.openxmlformats.org/officeDocument/2006/customXml" ds:itemID="{09A7D8BD-D412-472A-9605-CA2D10183910}">
+<ds:datastoreItem xmlns:ds="http://schemas.openxmlformats.org/officeDocument/2006/customXml" ds:itemID="{A8016BC2-1C33-498E-A9F9-5B817A65B8AA}">
   <ds:schemaRefs>
     <ds:schemaRef ds:uri="http://schemas.microsoft.com/VisualStudio/2011/storyboarding/control"/>
   </ds:schemaRefs>
@@ -25348,7 +25394,7 @@
 </file>
 
 <file path=customXml/itemProps8.xml><?xml version="1.0" encoding="utf-8"?>
-<ds:datastoreItem xmlns:ds="http://schemas.openxmlformats.org/officeDocument/2006/customXml" ds:itemID="{54EBA524-2760-42B5-B6ED-80AA7A8E66FF}">
+<ds:datastoreItem xmlns:ds="http://schemas.openxmlformats.org/officeDocument/2006/customXml" ds:itemID="{8F525B19-BA52-4B0B-AC85-084E0FF3E37E}">
   <ds:schemaRefs>
     <ds:schemaRef ds:uri="http://schemas.microsoft.com/VisualStudio/2011/storyboarding/control"/>
   </ds:schemaRefs>
@@ -25356,7 +25402,7 @@
 </file>
 
 <file path=customXml/itemProps9.xml><?xml version="1.0" encoding="utf-8"?>
-<ds:datastoreItem xmlns:ds="http://schemas.openxmlformats.org/officeDocument/2006/customXml" ds:itemID="{8F525B19-BA52-4B0B-AC85-084E0FF3E37E}">
+<ds:datastoreItem xmlns:ds="http://schemas.openxmlformats.org/officeDocument/2006/customXml" ds:itemID="{09A7D8BD-D412-472A-9605-CA2D10183910}">
   <ds:schemaRefs>
     <ds:schemaRef ds:uri="http://schemas.microsoft.com/VisualStudio/2011/storyboarding/control"/>
   </ds:schemaRefs>

--- a/lectures/16.mvxx/mvxx.pptx
+++ b/lectures/16.mvxx/mvxx.pptx
@@ -2,13 +2,13 @@
 <file path=ppt/presentation.xml><?xml version="1.0" encoding="utf-8"?>
 <p:presentation xmlns:a="http://schemas.openxmlformats.org/drawingml/2006/main" xmlns:r="http://schemas.openxmlformats.org/officeDocument/2006/relationships" xmlns:p="http://schemas.openxmlformats.org/presentationml/2006/main" saveSubsetFonts="1">
   <p:sldMasterIdLst>
-    <p:sldMasterId id="2147483672" r:id="rId10"/>
+    <p:sldMasterId id="2147483684" r:id="rId10"/>
   </p:sldMasterIdLst>
   <p:notesMasterIdLst>
     <p:notesMasterId r:id="rId70"/>
   </p:notesMasterIdLst>
   <p:sldIdLst>
-    <p:sldId id="256" r:id="rId11"/>
+    <p:sldId id="320" r:id="rId11"/>
     <p:sldId id="279" r:id="rId12"/>
     <p:sldId id="278" r:id="rId13"/>
     <p:sldId id="280" r:id="rId14"/>
@@ -68,14 +68,14 @@
     <p:sldId id="270" r:id="rId68"/>
     <p:sldId id="266" r:id="rId69"/>
   </p:sldIdLst>
-  <p:sldSz cx="9144000" cy="6858000" type="screen4x3"/>
+  <p:sldSz cx="12192000" cy="6858000"/>
   <p:notesSz cx="6858000" cy="9144000"/>
   <p:custDataLst>
     <p:tags r:id="rId71"/>
   </p:custDataLst>
   <p:defaultTextStyle>
     <a:defPPr>
-      <a:defRPr lang="ru-RU"/>
+      <a:defRPr lang="en-US"/>
     </a:defPPr>
     <a:lvl1pPr marL="0" algn="l" defTabSz="914400" rtl="0" eaLnBrk="1" latinLnBrk="0" hangingPunct="1">
       <a:defRPr sz="1800" kern="1200">
@@ -171,12 +171,12 @@
   <p:extLst>
     <p:ext uri="{EFAFB233-063F-42B5-8137-9DF3F51BA10A}">
       <p15:sldGuideLst xmlns:p15="http://schemas.microsoft.com/office/powerpoint/2012/main">
-        <p15:guide id="1" orient="horz" pos="2160">
+        <p15:guide id="1" orient="horz" pos="2160" userDrawn="1">
           <p15:clr>
             <a:srgbClr val="A4A3A4"/>
           </p15:clr>
         </p15:guide>
-        <p15:guide id="2" pos="2880">
+        <p15:guide id="2" pos="3840" userDrawn="1">
           <p15:clr>
             <a:srgbClr val="A4A3A4"/>
           </p15:clr>
@@ -269,7 +269,7 @@
           <a:p>
             <a:fld id="{2F3DCB6D-0B48-4A3D-B663-06C3F903A9D3}" type="datetimeFigureOut">
               <a:rPr lang="ru-RU" smtClean="0"/>
-              <a:t>12.12.2023</a:t>
+              <a:t>06.12.2024</a:t>
             </a:fld>
             <a:endParaRPr lang="ru-RU"/>
           </a:p>
@@ -287,8 +287,8 @@
         </p:nvSpPr>
         <p:spPr>
           <a:xfrm>
-            <a:off x="1143000" y="685800"/>
-            <a:ext cx="4572000" cy="3429000"/>
+            <a:off x="381000" y="685800"/>
+            <a:ext cx="6096000" cy="3429000"/>
           </a:xfrm>
           <a:prstGeom prst="rect">
             <a:avLst/>
@@ -536,9 +536,9 @@
 </p:notesMaster>
 </file>
 
-<file path=ppt/notesSlides/notesSlide1.xml><?xml version="1.0" encoding="utf-8"?>
-<p:notes xmlns:a="http://schemas.openxmlformats.org/drawingml/2006/main" xmlns:r="http://schemas.openxmlformats.org/officeDocument/2006/relationships" xmlns:p="http://schemas.openxmlformats.org/presentationml/2006/main">
-  <p:cSld>
+<file path=ppt/slideLayouts/slideLayout1.xml><?xml version="1.0" encoding="utf-8"?>
+<p:sldLayout xmlns:a="http://schemas.openxmlformats.org/drawingml/2006/main" xmlns:r="http://schemas.openxmlformats.org/officeDocument/2006/relationships" xmlns:p="http://schemas.openxmlformats.org/presentationml/2006/main" type="title" preserve="1">
+  <p:cSld name="Title Slide">
     <p:spTree>
       <p:nvGrpSpPr>
         <p:cNvPr id="1" name=""/>
@@ -555,24 +555,125 @@
       </p:grpSpPr>
       <p:sp>
         <p:nvSpPr>
-          <p:cNvPr id="2" name="Образ слайда 1"/>
-          <p:cNvSpPr>
-            <a:spLocks noGrp="1" noRot="1" noChangeAspect="1"/>
-          </p:cNvSpPr>
-          <p:nvPr>
-            <p:ph type="sldImg"/>
-          </p:nvPr>
-        </p:nvSpPr>
-        <p:spPr/>
-      </p:sp>
-      <p:sp>
-        <p:nvSpPr>
-          <p:cNvPr id="3" name="Заметки 2"/>
+          <p:cNvPr id="2" name="Title 1">
+            <a:extLst>
+              <a:ext uri="{FF2B5EF4-FFF2-40B4-BE49-F238E27FC236}">
+                <a16:creationId xmlns:a16="http://schemas.microsoft.com/office/drawing/2014/main" id="{B86B3349-999A-34D4-171A-E5116A082A3D}"/>
+              </a:ext>
+            </a:extLst>
+          </p:cNvPr>
           <p:cNvSpPr>
             <a:spLocks noGrp="1"/>
           </p:cNvSpPr>
           <p:nvPr>
-            <p:ph type="body" idx="1"/>
+            <p:ph type="ctrTitle"/>
+          </p:nvPr>
+        </p:nvSpPr>
+        <p:spPr>
+          <a:xfrm>
+            <a:off x="1524000" y="1122363"/>
+            <a:ext cx="9144000" cy="2387600"/>
+          </a:xfrm>
+        </p:spPr>
+        <p:txBody>
+          <a:bodyPr anchor="b"/>
+          <a:lstStyle>
+            <a:lvl1pPr algn="ctr">
+              <a:defRPr sz="6000"/>
+            </a:lvl1pPr>
+          </a:lstStyle>
+          <a:p>
+            <a:r>
+              <a:rPr lang="en-US"/>
+              <a:t>Click to edit Master title style</a:t>
+            </a:r>
+          </a:p>
+        </p:txBody>
+      </p:sp>
+      <p:sp>
+        <p:nvSpPr>
+          <p:cNvPr id="3" name="Subtitle 2">
+            <a:extLst>
+              <a:ext uri="{FF2B5EF4-FFF2-40B4-BE49-F238E27FC236}">
+                <a16:creationId xmlns:a16="http://schemas.microsoft.com/office/drawing/2014/main" id="{1FA87C8D-4153-0FEE-B9D6-DF984A519C52}"/>
+              </a:ext>
+            </a:extLst>
+          </p:cNvPr>
+          <p:cNvSpPr>
+            <a:spLocks noGrp="1"/>
+          </p:cNvSpPr>
+          <p:nvPr>
+            <p:ph type="subTitle" idx="1"/>
+          </p:nvPr>
+        </p:nvSpPr>
+        <p:spPr>
+          <a:xfrm>
+            <a:off x="1524000" y="3602038"/>
+            <a:ext cx="9144000" cy="1655762"/>
+          </a:xfrm>
+        </p:spPr>
+        <p:txBody>
+          <a:bodyPr/>
+          <a:lstStyle>
+            <a:lvl1pPr marL="0" indent="0" algn="ctr">
+              <a:buNone/>
+              <a:defRPr sz="2400"/>
+            </a:lvl1pPr>
+            <a:lvl2pPr marL="457200" indent="0" algn="ctr">
+              <a:buNone/>
+              <a:defRPr sz="2000"/>
+            </a:lvl2pPr>
+            <a:lvl3pPr marL="914400" indent="0" algn="ctr">
+              <a:buNone/>
+              <a:defRPr sz="1800"/>
+            </a:lvl3pPr>
+            <a:lvl4pPr marL="1371600" indent="0" algn="ctr">
+              <a:buNone/>
+              <a:defRPr sz="1600"/>
+            </a:lvl4pPr>
+            <a:lvl5pPr marL="1828800" indent="0" algn="ctr">
+              <a:buNone/>
+              <a:defRPr sz="1600"/>
+            </a:lvl5pPr>
+            <a:lvl6pPr marL="2286000" indent="0" algn="ctr">
+              <a:buNone/>
+              <a:defRPr sz="1600"/>
+            </a:lvl6pPr>
+            <a:lvl7pPr marL="2743200" indent="0" algn="ctr">
+              <a:buNone/>
+              <a:defRPr sz="1600"/>
+            </a:lvl7pPr>
+            <a:lvl8pPr marL="3200400" indent="0" algn="ctr">
+              <a:buNone/>
+              <a:defRPr sz="1600"/>
+            </a:lvl8pPr>
+            <a:lvl9pPr marL="3657600" indent="0" algn="ctr">
+              <a:buNone/>
+              <a:defRPr sz="1600"/>
+            </a:lvl9pPr>
+          </a:lstStyle>
+          <a:p>
+            <a:r>
+              <a:rPr lang="en-US"/>
+              <a:t>Click to edit Master subtitle style</a:t>
+            </a:r>
+          </a:p>
+        </p:txBody>
+      </p:sp>
+      <p:sp>
+        <p:nvSpPr>
+          <p:cNvPr id="4" name="Date Placeholder 3">
+            <a:extLst>
+              <a:ext uri="{FF2B5EF4-FFF2-40B4-BE49-F238E27FC236}">
+                <a16:creationId xmlns:a16="http://schemas.microsoft.com/office/drawing/2014/main" id="{412B1F5E-0DBD-DDEC-6172-A3C0881BC30B}"/>
+              </a:ext>
+            </a:extLst>
+          </p:cNvPr>
+          <p:cNvSpPr>
+            <a:spLocks noGrp="1"/>
+          </p:cNvSpPr>
+          <p:nvPr>
+            <p:ph type="dt" sz="half" idx="10"/>
           </p:nvPr>
         </p:nvSpPr>
         <p:spPr/>
@@ -580,18 +681,28 @@
           <a:bodyPr/>
           <a:lstStyle/>
           <a:p>
+            <a:fld id="{2590F9C9-AB92-4E86-B698-DEC9BF4350FF}" type="datetimeFigureOut">
+              <a:rPr lang="ru-RU" smtClean="0"/>
+              <a:t>06.12.2024</a:t>
+            </a:fld>
             <a:endParaRPr lang="ru-RU"/>
           </a:p>
         </p:txBody>
       </p:sp>
       <p:sp>
         <p:nvSpPr>
-          <p:cNvPr id="4" name="Номер слайда 3"/>
+          <p:cNvPr id="5" name="Footer Placeholder 4">
+            <a:extLst>
+              <a:ext uri="{FF2B5EF4-FFF2-40B4-BE49-F238E27FC236}">
+                <a16:creationId xmlns:a16="http://schemas.microsoft.com/office/drawing/2014/main" id="{F51CB395-10EA-6930-CC60-181915510810}"/>
+              </a:ext>
+            </a:extLst>
+          </p:cNvPr>
           <p:cNvSpPr>
             <a:spLocks noGrp="1"/>
           </p:cNvSpPr>
           <p:nvPr>
-            <p:ph type="sldNum" sz="quarter" idx="10"/>
+            <p:ph type="ftr" sz="quarter" idx="11"/>
           </p:nvPr>
         </p:nvSpPr>
         <p:spPr/>
@@ -599,9 +710,34 @@
           <a:bodyPr/>
           <a:lstStyle/>
           <a:p>
-            <a:fld id="{C72A1285-F988-4153-B7C5-B887A867730D}" type="slidenum">
+            <a:endParaRPr lang="ru-RU"/>
+          </a:p>
+        </p:txBody>
+      </p:sp>
+      <p:sp>
+        <p:nvSpPr>
+          <p:cNvPr id="6" name="Slide Number Placeholder 5">
+            <a:extLst>
+              <a:ext uri="{FF2B5EF4-FFF2-40B4-BE49-F238E27FC236}">
+                <a16:creationId xmlns:a16="http://schemas.microsoft.com/office/drawing/2014/main" id="{ACEAF84D-DC10-409E-0037-57E5FBF6A101}"/>
+              </a:ext>
+            </a:extLst>
+          </p:cNvPr>
+          <p:cNvSpPr>
+            <a:spLocks noGrp="1"/>
+          </p:cNvSpPr>
+          <p:nvPr>
+            <p:ph type="sldNum" sz="quarter" idx="12"/>
+          </p:nvPr>
+        </p:nvSpPr>
+        <p:spPr/>
+        <p:txBody>
+          <a:bodyPr/>
+          <a:lstStyle/>
+          <a:p>
+            <a:fld id="{DFFDEFA0-FF01-4CA2-B8AA-E5F5B71BEE8D}" type="slidenum">
               <a:rPr lang="ru-RU" smtClean="0"/>
-              <a:t>1</a:t>
+              <a:t>‹#›</a:t>
             </a:fld>
             <a:endParaRPr lang="ru-RU"/>
           </a:p>
@@ -610,24 +746,19 @@
     </p:spTree>
     <p:extLst>
       <p:ext uri="{BB962C8B-B14F-4D97-AF65-F5344CB8AC3E}">
-        <p14:creationId xmlns:p14="http://schemas.microsoft.com/office/powerpoint/2010/main" val="1670138656"/>
+        <p14:creationId xmlns:p14="http://schemas.microsoft.com/office/powerpoint/2010/main" val="80982151"/>
       </p:ext>
     </p:extLst>
   </p:cSld>
   <p:clrMapOvr>
     <a:masterClrMapping/>
   </p:clrMapOvr>
-</p:notes>
+</p:sldLayout>
 </file>
 
-<file path=ppt/slideLayouts/slideLayout1.xml><?xml version="1.0" encoding="utf-8"?>
-<p:sldLayout xmlns:a="http://schemas.openxmlformats.org/drawingml/2006/main" xmlns:r="http://schemas.openxmlformats.org/officeDocument/2006/relationships" xmlns:p="http://schemas.openxmlformats.org/presentationml/2006/main" showMasterSp="0" type="title" preserve="1">
-  <p:cSld name="Титульный слайд">
-    <p:bg>
-      <p:bgRef idx="1002">
-        <a:schemeClr val="bg2"/>
-      </p:bgRef>
-    </p:bg>
+<file path=ppt/slideLayouts/slideLayout10.xml><?xml version="1.0" encoding="utf-8"?>
+<p:sldLayout xmlns:a="http://schemas.openxmlformats.org/drawingml/2006/main" xmlns:r="http://schemas.openxmlformats.org/officeDocument/2006/relationships" xmlns:p="http://schemas.openxmlformats.org/presentationml/2006/main" type="vertTx" preserve="1">
+  <p:cSld name="Title and Vertical Text">
     <p:spTree>
       <p:nvGrpSpPr>
         <p:cNvPr id="1" name=""/>
@@ -644,214 +775,98 @@
       </p:grpSpPr>
       <p:sp>
         <p:nvSpPr>
-          <p:cNvPr id="9" name="Прямоугольник 8"/>
-          <p:cNvSpPr/>
-          <p:nvPr/>
+          <p:cNvPr id="2" name="Title 1">
+            <a:extLst>
+              <a:ext uri="{FF2B5EF4-FFF2-40B4-BE49-F238E27FC236}">
+                <a16:creationId xmlns:a16="http://schemas.microsoft.com/office/drawing/2014/main" id="{EABDF165-3577-246A-5EA3-86FB9B4AD83B}"/>
+              </a:ext>
+            </a:extLst>
+          </p:cNvPr>
+          <p:cNvSpPr>
+            <a:spLocks noGrp="1"/>
+          </p:cNvSpPr>
+          <p:nvPr>
+            <p:ph type="title"/>
+          </p:nvPr>
         </p:nvSpPr>
-        <p:spPr bwMode="ltGray">
-          <a:xfrm>
-            <a:off x="0" y="0"/>
-            <a:ext cx="9143999" cy="5135430"/>
-          </a:xfrm>
-          <a:prstGeom prst="rect">
-            <a:avLst/>
-          </a:prstGeom>
-          <a:solidFill>
-            <a:srgbClr val="000000"/>
-          </a:solidFill>
-          <a:ln w="48000" cap="flat" cmpd="thickThin" algn="ctr">
-            <a:noFill/>
-            <a:prstDash val="solid"/>
-          </a:ln>
-        </p:spPr>
-        <p:style>
-          <a:lnRef idx="2">
-            <a:schemeClr val="accent1"/>
-          </a:lnRef>
-          <a:fillRef idx="1">
-            <a:schemeClr val="accent1"/>
-          </a:fillRef>
-          <a:effectRef idx="0">
-            <a:schemeClr val="accent1"/>
-          </a:effectRef>
-          <a:fontRef idx="minor">
-            <a:schemeClr val="lt1"/>
-          </a:fontRef>
-        </p:style>
+        <p:spPr/>
         <p:txBody>
-          <a:bodyPr rtlCol="0" anchor="ctr"/>
+          <a:bodyPr/>
           <a:lstStyle/>
           <a:p>
-            <a:pPr algn="ctr" eaLnBrk="1" latinLnBrk="0" hangingPunct="1"/>
-            <a:endParaRPr kumimoji="0" lang="en-US"/>
+            <a:r>
+              <a:rPr lang="en-US"/>
+              <a:t>Click to edit Master title style</a:t>
+            </a:r>
           </a:p>
         </p:txBody>
       </p:sp>
       <p:sp>
         <p:nvSpPr>
-          <p:cNvPr id="2" name="Заголовок 1"/>
+          <p:cNvPr id="3" name="Vertical Text Placeholder 2">
+            <a:extLst>
+              <a:ext uri="{FF2B5EF4-FFF2-40B4-BE49-F238E27FC236}">
+                <a16:creationId xmlns:a16="http://schemas.microsoft.com/office/drawing/2014/main" id="{C73F3B81-76C5-C296-357F-DBEA7000CF10}"/>
+              </a:ext>
+            </a:extLst>
+          </p:cNvPr>
           <p:cNvSpPr>
             <a:spLocks noGrp="1"/>
           </p:cNvSpPr>
           <p:nvPr>
-            <p:ph type="ctrTitle"/>
+            <p:ph type="body" orient="vert" idx="1"/>
           </p:nvPr>
         </p:nvSpPr>
-        <p:spPr>
-          <a:xfrm>
-            <a:off x="685800" y="3355848"/>
-            <a:ext cx="8077200" cy="1673352"/>
-          </a:xfrm>
-        </p:spPr>
+        <p:spPr/>
         <p:txBody>
-          <a:bodyPr vert="horz" lIns="91440" tIns="0" rIns="45720" bIns="0" rtlCol="0" anchor="t">
-            <a:normAutofit/>
-            <a:scene3d>
-              <a:camera prst="orthographicFront"/>
-              <a:lightRig rig="threePt" dir="t">
-                <a:rot lat="0" lon="0" rev="4800000"/>
-              </a:lightRig>
-            </a:scene3d>
-            <a:sp3d prstMaterial="matte">
-              <a:bevelT w="50800" h="10160"/>
-            </a:sp3d>
-          </a:bodyPr>
-          <a:lstStyle>
-            <a:lvl1pPr algn="l">
-              <a:defRPr sz="4700" b="1"/>
-            </a:lvl1pPr>
-            <a:extLst/>
-          </a:lstStyle>
-          <a:p>
-            <a:r>
-              <a:rPr kumimoji="0" lang="ru-RU"/>
-              <a:t>Образец заголовка</a:t>
-            </a:r>
-            <a:endParaRPr kumimoji="0" lang="en-US"/>
+          <a:bodyPr vert="eaVert"/>
+          <a:lstStyle/>
+          <a:p>
+            <a:pPr lvl="0"/>
+            <a:r>
+              <a:rPr lang="en-US"/>
+              <a:t>Click to edit Master text styles</a:t>
+            </a:r>
+          </a:p>
+          <a:p>
+            <a:pPr lvl="1"/>
+            <a:r>
+              <a:rPr lang="en-US"/>
+              <a:t>Second level</a:t>
+            </a:r>
+          </a:p>
+          <a:p>
+            <a:pPr lvl="2"/>
+            <a:r>
+              <a:rPr lang="en-US"/>
+              <a:t>Third level</a:t>
+            </a:r>
+          </a:p>
+          <a:p>
+            <a:pPr lvl="3"/>
+            <a:r>
+              <a:rPr lang="en-US"/>
+              <a:t>Fourth level</a:t>
+            </a:r>
+          </a:p>
+          <a:p>
+            <a:pPr lvl="4"/>
+            <a:r>
+              <a:rPr lang="en-US"/>
+              <a:t>Fifth level</a:t>
+            </a:r>
           </a:p>
         </p:txBody>
       </p:sp>
       <p:sp>
         <p:nvSpPr>
-          <p:cNvPr id="3" name="Подзаголовок 2"/>
-          <p:cNvSpPr>
-            <a:spLocks noGrp="1"/>
-          </p:cNvSpPr>
-          <p:nvPr>
-            <p:ph type="subTitle" idx="1"/>
-          </p:nvPr>
-        </p:nvSpPr>
-        <p:spPr>
-          <a:xfrm>
-            <a:off x="685800" y="1828800"/>
-            <a:ext cx="8077200" cy="1499616"/>
-          </a:xfrm>
-        </p:spPr>
-        <p:txBody>
-          <a:bodyPr lIns="118872" tIns="0" rIns="45720" bIns="0" anchor="b"/>
-          <a:lstStyle>
-            <a:lvl1pPr marL="0" indent="0" algn="l">
-              <a:buNone/>
-              <a:defRPr sz="2000">
-                <a:solidFill>
-                  <a:srgbClr val="FFFFFF"/>
-                </a:solidFill>
-              </a:defRPr>
-            </a:lvl1pPr>
-            <a:lvl2pPr marL="457200" indent="0" algn="ctr">
-              <a:buNone/>
-              <a:defRPr>
-                <a:solidFill>
-                  <a:schemeClr val="tx1">
-                    <a:tint val="75000"/>
-                  </a:schemeClr>
-                </a:solidFill>
-              </a:defRPr>
-            </a:lvl2pPr>
-            <a:lvl3pPr marL="914400" indent="0" algn="ctr">
-              <a:buNone/>
-              <a:defRPr>
-                <a:solidFill>
-                  <a:schemeClr val="tx1">
-                    <a:tint val="75000"/>
-                  </a:schemeClr>
-                </a:solidFill>
-              </a:defRPr>
-            </a:lvl3pPr>
-            <a:lvl4pPr marL="1371600" indent="0" algn="ctr">
-              <a:buNone/>
-              <a:defRPr>
-                <a:solidFill>
-                  <a:schemeClr val="tx1">
-                    <a:tint val="75000"/>
-                  </a:schemeClr>
-                </a:solidFill>
-              </a:defRPr>
-            </a:lvl4pPr>
-            <a:lvl5pPr marL="1828800" indent="0" algn="ctr">
-              <a:buNone/>
-              <a:defRPr>
-                <a:solidFill>
-                  <a:schemeClr val="tx1">
-                    <a:tint val="75000"/>
-                  </a:schemeClr>
-                </a:solidFill>
-              </a:defRPr>
-            </a:lvl5pPr>
-            <a:lvl6pPr marL="2286000" indent="0" algn="ctr">
-              <a:buNone/>
-              <a:defRPr>
-                <a:solidFill>
-                  <a:schemeClr val="tx1">
-                    <a:tint val="75000"/>
-                  </a:schemeClr>
-                </a:solidFill>
-              </a:defRPr>
-            </a:lvl6pPr>
-            <a:lvl7pPr marL="2743200" indent="0" algn="ctr">
-              <a:buNone/>
-              <a:defRPr>
-                <a:solidFill>
-                  <a:schemeClr val="tx1">
-                    <a:tint val="75000"/>
-                  </a:schemeClr>
-                </a:solidFill>
-              </a:defRPr>
-            </a:lvl7pPr>
-            <a:lvl8pPr marL="3200400" indent="0" algn="ctr">
-              <a:buNone/>
-              <a:defRPr>
-                <a:solidFill>
-                  <a:schemeClr val="tx1">
-                    <a:tint val="75000"/>
-                  </a:schemeClr>
-                </a:solidFill>
-              </a:defRPr>
-            </a:lvl8pPr>
-            <a:lvl9pPr marL="3657600" indent="0" algn="ctr">
-              <a:buNone/>
-              <a:defRPr>
-                <a:solidFill>
-                  <a:schemeClr val="tx1">
-                    <a:tint val="75000"/>
-                  </a:schemeClr>
-                </a:solidFill>
-              </a:defRPr>
-            </a:lvl9pPr>
-            <a:extLst/>
-          </a:lstStyle>
-          <a:p>
-            <a:r>
-              <a:rPr kumimoji="0" lang="ru-RU"/>
-              <a:t>Образец подзаголовка</a:t>
-            </a:r>
-            <a:endParaRPr kumimoji="0" lang="en-US"/>
-          </a:p>
-        </p:txBody>
-      </p:sp>
-      <p:sp>
-        <p:nvSpPr>
-          <p:cNvPr id="4" name="Дата 3"/>
+          <p:cNvPr id="4" name="Date Placeholder 3">
+            <a:extLst>
+              <a:ext uri="{FF2B5EF4-FFF2-40B4-BE49-F238E27FC236}">
+                <a16:creationId xmlns:a16="http://schemas.microsoft.com/office/drawing/2014/main" id="{8FDDFABD-810C-D93A-B1FB-F4A9CE099951}"/>
+              </a:ext>
+            </a:extLst>
+          </p:cNvPr>
           <p:cNvSpPr>
             <a:spLocks noGrp="1"/>
           </p:cNvSpPr>
@@ -866,7 +881,7 @@
           <a:p>
             <a:fld id="{2590F9C9-AB92-4E86-B698-DEC9BF4350FF}" type="datetimeFigureOut">
               <a:rPr lang="ru-RU" smtClean="0"/>
-              <a:t>12.12.2023</a:t>
+              <a:t>06.12.2024</a:t>
             </a:fld>
             <a:endParaRPr lang="ru-RU"/>
           </a:p>
@@ -874,7 +889,13 @@
       </p:sp>
       <p:sp>
         <p:nvSpPr>
-          <p:cNvPr id="5" name="Нижний колонтитул 4"/>
+          <p:cNvPr id="5" name="Footer Placeholder 4">
+            <a:extLst>
+              <a:ext uri="{FF2B5EF4-FFF2-40B4-BE49-F238E27FC236}">
+                <a16:creationId xmlns:a16="http://schemas.microsoft.com/office/drawing/2014/main" id="{8EFFAF5F-DD75-6785-D606-E2AD07155038}"/>
+              </a:ext>
+            </a:extLst>
+          </p:cNvPr>
           <p:cNvSpPr>
             <a:spLocks noGrp="1"/>
           </p:cNvSpPr>
@@ -893,7 +914,13 @@
       </p:sp>
       <p:sp>
         <p:nvSpPr>
-          <p:cNvPr id="6" name="Номер слайда 5"/>
+          <p:cNvPr id="6" name="Slide Number Placeholder 5">
+            <a:extLst>
+              <a:ext uri="{FF2B5EF4-FFF2-40B4-BE49-F238E27FC236}">
+                <a16:creationId xmlns:a16="http://schemas.microsoft.com/office/drawing/2014/main" id="{137EE31D-B0F9-BEFC-07C2-A2C1111BBE34}"/>
+              </a:ext>
+            </a:extLst>
+          </p:cNvPr>
           <p:cNvSpPr>
             <a:spLocks noGrp="1"/>
           </p:cNvSpPr>
@@ -914,69 +941,22 @@
           </a:p>
         </p:txBody>
       </p:sp>
-      <p:sp>
-        <p:nvSpPr>
-          <p:cNvPr id="10" name="Прямоугольник 9"/>
-          <p:cNvSpPr/>
-          <p:nvPr/>
-        </p:nvSpPr>
-        <p:spPr bwMode="invGray">
-          <a:xfrm>
-            <a:off x="0" y="5128334"/>
-            <a:ext cx="9144000" cy="45720"/>
-          </a:xfrm>
-          <a:prstGeom prst="rect">
-            <a:avLst/>
-          </a:prstGeom>
-          <a:solidFill>
-            <a:srgbClr val="FFFFFF"/>
-          </a:solidFill>
-          <a:ln w="48000" cap="flat" cmpd="thickThin" algn="ctr">
-            <a:noFill/>
-            <a:prstDash val="solid"/>
-          </a:ln>
-          <a:effectLst>
-            <a:outerShdw blurRad="31750" dist="10160" dir="5400000" algn="tl" rotWithShape="0">
-              <a:srgbClr val="000000">
-                <a:alpha val="60000"/>
-              </a:srgbClr>
-            </a:outerShdw>
-          </a:effectLst>
-        </p:spPr>
-        <p:style>
-          <a:lnRef idx="2">
-            <a:schemeClr val="accent1"/>
-          </a:lnRef>
-          <a:fillRef idx="1">
-            <a:schemeClr val="accent1"/>
-          </a:fillRef>
-          <a:effectRef idx="0">
-            <a:schemeClr val="accent1"/>
-          </a:effectRef>
-          <a:fontRef idx="minor">
-            <a:schemeClr val="lt1"/>
-          </a:fontRef>
-        </p:style>
-        <p:txBody>
-          <a:bodyPr rtlCol="0" anchor="ctr"/>
-          <a:lstStyle/>
-          <a:p>
-            <a:pPr algn="ctr" eaLnBrk="1" latinLnBrk="0" hangingPunct="1"/>
-            <a:endParaRPr kumimoji="0" lang="en-US"/>
-          </a:p>
-        </p:txBody>
-      </p:sp>
     </p:spTree>
+    <p:extLst>
+      <p:ext uri="{BB962C8B-B14F-4D97-AF65-F5344CB8AC3E}">
+        <p14:creationId xmlns:p14="http://schemas.microsoft.com/office/powerpoint/2010/main" val="3340677940"/>
+      </p:ext>
+    </p:extLst>
   </p:cSld>
   <p:clrMapOvr>
-    <a:overrideClrMapping bg1="dk1" tx1="lt1" bg2="dk2" tx2="lt2" accent1="accent1" accent2="accent2" accent3="accent3" accent4="accent4" accent5="accent5" accent6="accent6" hlink="hlink" folHlink="folHlink"/>
+    <a:masterClrMapping/>
   </p:clrMapOvr>
 </p:sldLayout>
 </file>
 
-<file path=ppt/slideLayouts/slideLayout10.xml><?xml version="1.0" encoding="utf-8"?>
-<p:sldLayout xmlns:a="http://schemas.openxmlformats.org/drawingml/2006/main" xmlns:r="http://schemas.openxmlformats.org/officeDocument/2006/relationships" xmlns:p="http://schemas.openxmlformats.org/presentationml/2006/main" type="vertTx" preserve="1">
-  <p:cSld name="Заголовок и вертикальный текст">
+<file path=ppt/slideLayouts/slideLayout11.xml><?xml version="1.0" encoding="utf-8"?>
+<p:sldLayout xmlns:a="http://schemas.openxmlformats.org/drawingml/2006/main" xmlns:r="http://schemas.openxmlformats.org/officeDocument/2006/relationships" xmlns:p="http://schemas.openxmlformats.org/presentationml/2006/main" type="vertTitleAndTx" preserve="1">
+  <p:cSld name="Vertical Title and Text">
     <p:spTree>
       <p:nvGrpSpPr>
         <p:cNvPr id="1" name=""/>
@@ -993,30 +973,46 @@
       </p:grpSpPr>
       <p:sp>
         <p:nvSpPr>
-          <p:cNvPr id="2" name="Заголовок 1"/>
+          <p:cNvPr id="2" name="Vertical Title 1">
+            <a:extLst>
+              <a:ext uri="{FF2B5EF4-FFF2-40B4-BE49-F238E27FC236}">
+                <a16:creationId xmlns:a16="http://schemas.microsoft.com/office/drawing/2014/main" id="{5CDEC4FA-DF15-2704-69FB-EB6DAEC9F34A}"/>
+              </a:ext>
+            </a:extLst>
+          </p:cNvPr>
           <p:cNvSpPr>
             <a:spLocks noGrp="1"/>
           </p:cNvSpPr>
           <p:nvPr>
-            <p:ph type="title"/>
+            <p:ph type="title" orient="vert"/>
           </p:nvPr>
         </p:nvSpPr>
-        <p:spPr/>
+        <p:spPr>
+          <a:xfrm>
+            <a:off x="8724900" y="365125"/>
+            <a:ext cx="2628900" cy="5811838"/>
+          </a:xfrm>
+        </p:spPr>
         <p:txBody>
-          <a:bodyPr/>
+          <a:bodyPr vert="eaVert"/>
           <a:lstStyle/>
           <a:p>
             <a:r>
-              <a:rPr kumimoji="0" lang="ru-RU"/>
-              <a:t>Образец заголовка</a:t>
-            </a:r>
-            <a:endParaRPr kumimoji="0" lang="en-US"/>
+              <a:rPr lang="en-US"/>
+              <a:t>Click to edit Master title style</a:t>
+            </a:r>
           </a:p>
         </p:txBody>
       </p:sp>
       <p:sp>
         <p:nvSpPr>
-          <p:cNvPr id="3" name="Вертикальный текст 2"/>
+          <p:cNvPr id="3" name="Vertical Text Placeholder 2">
+            <a:extLst>
+              <a:ext uri="{FF2B5EF4-FFF2-40B4-BE49-F238E27FC236}">
+                <a16:creationId xmlns:a16="http://schemas.microsoft.com/office/drawing/2014/main" id="{D6944381-4D47-05C1-1E76-FB40E04501D3}"/>
+              </a:ext>
+            </a:extLst>
+          </p:cNvPr>
           <p:cNvSpPr>
             <a:spLocks noGrp="1"/>
           </p:cNvSpPr>
@@ -1024,51 +1020,61 @@
             <p:ph type="body" orient="vert" idx="1"/>
           </p:nvPr>
         </p:nvSpPr>
-        <p:spPr/>
+        <p:spPr>
+          <a:xfrm>
+            <a:off x="838200" y="365125"/>
+            <a:ext cx="7734300" cy="5811838"/>
+          </a:xfrm>
+        </p:spPr>
         <p:txBody>
           <a:bodyPr vert="eaVert"/>
           <a:lstStyle/>
           <a:p>
-            <a:pPr lvl="0" eaLnBrk="1" latinLnBrk="0" hangingPunct="1"/>
-            <a:r>
-              <a:rPr lang="ru-RU"/>
-              <a:t>Образец текста</a:t>
-            </a:r>
-          </a:p>
-          <a:p>
-            <a:pPr lvl="1" eaLnBrk="1" latinLnBrk="0" hangingPunct="1"/>
-            <a:r>
-              <a:rPr lang="ru-RU"/>
-              <a:t>Второй уровень</a:t>
-            </a:r>
-          </a:p>
-          <a:p>
-            <a:pPr lvl="2" eaLnBrk="1" latinLnBrk="0" hangingPunct="1"/>
-            <a:r>
-              <a:rPr lang="ru-RU"/>
-              <a:t>Третий уровень</a:t>
-            </a:r>
-          </a:p>
-          <a:p>
-            <a:pPr lvl="3" eaLnBrk="1" latinLnBrk="0" hangingPunct="1"/>
-            <a:r>
-              <a:rPr lang="ru-RU"/>
-              <a:t>Четвертый уровень</a:t>
-            </a:r>
-          </a:p>
-          <a:p>
-            <a:pPr lvl="4" eaLnBrk="1" latinLnBrk="0" hangingPunct="1"/>
-            <a:r>
-              <a:rPr lang="ru-RU"/>
-              <a:t>Пятый уровень</a:t>
-            </a:r>
-            <a:endParaRPr kumimoji="0" lang="en-US"/>
+            <a:pPr lvl="0"/>
+            <a:r>
+              <a:rPr lang="en-US"/>
+              <a:t>Click to edit Master text styles</a:t>
+            </a:r>
+          </a:p>
+          <a:p>
+            <a:pPr lvl="1"/>
+            <a:r>
+              <a:rPr lang="en-US"/>
+              <a:t>Second level</a:t>
+            </a:r>
+          </a:p>
+          <a:p>
+            <a:pPr lvl="2"/>
+            <a:r>
+              <a:rPr lang="en-US"/>
+              <a:t>Third level</a:t>
+            </a:r>
+          </a:p>
+          <a:p>
+            <a:pPr lvl="3"/>
+            <a:r>
+              <a:rPr lang="en-US"/>
+              <a:t>Fourth level</a:t>
+            </a:r>
+          </a:p>
+          <a:p>
+            <a:pPr lvl="4"/>
+            <a:r>
+              <a:rPr lang="en-US"/>
+              <a:t>Fifth level</a:t>
+            </a:r>
           </a:p>
         </p:txBody>
       </p:sp>
       <p:sp>
         <p:nvSpPr>
-          <p:cNvPr id="4" name="Дата 3"/>
+          <p:cNvPr id="4" name="Date Placeholder 3">
+            <a:extLst>
+              <a:ext uri="{FF2B5EF4-FFF2-40B4-BE49-F238E27FC236}">
+                <a16:creationId xmlns:a16="http://schemas.microsoft.com/office/drawing/2014/main" id="{BB93381B-2289-BDB1-6A74-F84A8E01D381}"/>
+              </a:ext>
+            </a:extLst>
+          </p:cNvPr>
           <p:cNvSpPr>
             <a:spLocks noGrp="1"/>
           </p:cNvSpPr>
@@ -1083,7 +1089,7 @@
           <a:p>
             <a:fld id="{2590F9C9-AB92-4E86-B698-DEC9BF4350FF}" type="datetimeFigureOut">
               <a:rPr lang="ru-RU" smtClean="0"/>
-              <a:t>12.12.2023</a:t>
+              <a:t>06.12.2024</a:t>
             </a:fld>
             <a:endParaRPr lang="ru-RU"/>
           </a:p>
@@ -1091,7 +1097,13 @@
       </p:sp>
       <p:sp>
         <p:nvSpPr>
-          <p:cNvPr id="5" name="Нижний колонтитул 4"/>
+          <p:cNvPr id="5" name="Footer Placeholder 4">
+            <a:extLst>
+              <a:ext uri="{FF2B5EF4-FFF2-40B4-BE49-F238E27FC236}">
+                <a16:creationId xmlns:a16="http://schemas.microsoft.com/office/drawing/2014/main" id="{317CA887-E52B-85E8-C574-437426265DEC}"/>
+              </a:ext>
+            </a:extLst>
+          </p:cNvPr>
           <p:cNvSpPr>
             <a:spLocks noGrp="1"/>
           </p:cNvSpPr>
@@ -1110,7 +1122,13 @@
       </p:sp>
       <p:sp>
         <p:nvSpPr>
-          <p:cNvPr id="6" name="Номер слайда 5"/>
+          <p:cNvPr id="6" name="Slide Number Placeholder 5">
+            <a:extLst>
+              <a:ext uri="{FF2B5EF4-FFF2-40B4-BE49-F238E27FC236}">
+                <a16:creationId xmlns:a16="http://schemas.microsoft.com/office/drawing/2014/main" id="{68B93157-C8D5-9515-ABE8-B9888AF712A8}"/>
+              </a:ext>
+            </a:extLst>
+          </p:cNvPr>
           <p:cNvSpPr>
             <a:spLocks noGrp="1"/>
           </p:cNvSpPr>
@@ -1132,6 +1150,11 @@
         </p:txBody>
       </p:sp>
     </p:spTree>
+    <p:extLst>
+      <p:ext uri="{BB962C8B-B14F-4D97-AF65-F5344CB8AC3E}">
+        <p14:creationId xmlns:p14="http://schemas.microsoft.com/office/powerpoint/2010/main" val="3413263764"/>
+      </p:ext>
+    </p:extLst>
   </p:cSld>
   <p:clrMapOvr>
     <a:masterClrMapping/>
@@ -1139,9 +1162,9 @@
 </p:sldLayout>
 </file>
 
-<file path=ppt/slideLayouts/slideLayout11.xml><?xml version="1.0" encoding="utf-8"?>
-<p:sldLayout xmlns:a="http://schemas.openxmlformats.org/drawingml/2006/main" xmlns:r="http://schemas.openxmlformats.org/officeDocument/2006/relationships" xmlns:p="http://schemas.openxmlformats.org/presentationml/2006/main" showMasterSp="0" type="vertTitleAndTx" preserve="1">
-  <p:cSld name="Вертикальный заголовок и текст">
+<file path=ppt/slideLayouts/slideLayout2.xml><?xml version="1.0" encoding="utf-8"?>
+<p:sldLayout xmlns:a="http://schemas.openxmlformats.org/drawingml/2006/main" xmlns:r="http://schemas.openxmlformats.org/officeDocument/2006/relationships" xmlns:p="http://schemas.openxmlformats.org/presentationml/2006/main" type="obj" preserve="1">
+  <p:cSld name="Title and Content">
     <p:spTree>
       <p:nvGrpSpPr>
         <p:cNvPr id="1" name=""/>
@@ -1158,189 +1181,98 @@
       </p:grpSpPr>
       <p:sp>
         <p:nvSpPr>
-          <p:cNvPr id="9" name="Прямоугольник 8"/>
-          <p:cNvSpPr/>
-          <p:nvPr/>
+          <p:cNvPr id="2" name="Title 1">
+            <a:extLst>
+              <a:ext uri="{FF2B5EF4-FFF2-40B4-BE49-F238E27FC236}">
+                <a16:creationId xmlns:a16="http://schemas.microsoft.com/office/drawing/2014/main" id="{50E1D6AE-77CC-A526-B208-6BD99470038F}"/>
+              </a:ext>
+            </a:extLst>
+          </p:cNvPr>
+          <p:cNvSpPr>
+            <a:spLocks noGrp="1"/>
+          </p:cNvSpPr>
+          <p:nvPr>
+            <p:ph type="title"/>
+          </p:nvPr>
         </p:nvSpPr>
-        <p:spPr bwMode="invGray">
-          <a:xfrm>
-            <a:off x="6598920" y="0"/>
-            <a:ext cx="45720" cy="6858000"/>
-          </a:xfrm>
-          <a:prstGeom prst="rect">
-            <a:avLst/>
-          </a:prstGeom>
-          <a:solidFill>
-            <a:srgbClr val="FFFFFF"/>
-          </a:solidFill>
-          <a:ln w="48000" cap="flat" cmpd="thickThin" algn="ctr">
-            <a:noFill/>
-            <a:prstDash val="solid"/>
-          </a:ln>
-          <a:effectLst>
-            <a:outerShdw blurRad="31750" dist="10160" dir="10800000" algn="tl" rotWithShape="0">
-              <a:srgbClr val="000000">
-                <a:alpha val="60000"/>
-              </a:srgbClr>
-            </a:outerShdw>
-          </a:effectLst>
-        </p:spPr>
-        <p:style>
-          <a:lnRef idx="2">
-            <a:schemeClr val="accent1"/>
-          </a:lnRef>
-          <a:fillRef idx="1">
-            <a:schemeClr val="accent1"/>
-          </a:fillRef>
-          <a:effectRef idx="0">
-            <a:schemeClr val="accent1"/>
-          </a:effectRef>
-          <a:fontRef idx="minor">
-            <a:schemeClr val="lt1"/>
-          </a:fontRef>
-        </p:style>
+        <p:spPr/>
         <p:txBody>
-          <a:bodyPr rtlCol="0" anchor="ctr"/>
+          <a:bodyPr/>
           <a:lstStyle/>
           <a:p>
-            <a:pPr algn="ctr" eaLnBrk="1" latinLnBrk="0" hangingPunct="1"/>
-            <a:endParaRPr kumimoji="0" lang="en-US"/>
+            <a:r>
+              <a:rPr lang="en-US"/>
+              <a:t>Click to edit Master title style</a:t>
+            </a:r>
           </a:p>
         </p:txBody>
       </p:sp>
       <p:sp>
         <p:nvSpPr>
-          <p:cNvPr id="8" name="Прямоугольник 7"/>
-          <p:cNvSpPr/>
-          <p:nvPr/>
+          <p:cNvPr id="3" name="Content Placeholder 2">
+            <a:extLst>
+              <a:ext uri="{FF2B5EF4-FFF2-40B4-BE49-F238E27FC236}">
+                <a16:creationId xmlns:a16="http://schemas.microsoft.com/office/drawing/2014/main" id="{2DF119E3-C207-3C60-DEE7-4658AC2ABFDE}"/>
+              </a:ext>
+            </a:extLst>
+          </p:cNvPr>
+          <p:cNvSpPr>
+            <a:spLocks noGrp="1"/>
+          </p:cNvSpPr>
+          <p:nvPr>
+            <p:ph idx="1"/>
+          </p:nvPr>
         </p:nvSpPr>
-        <p:spPr bwMode="ltGray">
-          <a:xfrm>
-            <a:off x="6647687" y="0"/>
-            <a:ext cx="2514601" cy="6858000"/>
-          </a:xfrm>
-          <a:prstGeom prst="rect">
-            <a:avLst/>
-          </a:prstGeom>
-          <a:solidFill>
-            <a:srgbClr val="000000"/>
-          </a:solidFill>
-          <a:ln w="48000" cap="flat" cmpd="thickThin" algn="ctr">
-            <a:noFill/>
-            <a:prstDash val="solid"/>
-          </a:ln>
-        </p:spPr>
-        <p:style>
-          <a:lnRef idx="2">
-            <a:schemeClr val="accent1"/>
-          </a:lnRef>
-          <a:fillRef idx="1">
-            <a:schemeClr val="accent1"/>
-          </a:fillRef>
-          <a:effectRef idx="0">
-            <a:schemeClr val="accent1"/>
-          </a:effectRef>
-          <a:fontRef idx="minor">
-            <a:schemeClr val="lt1"/>
-          </a:fontRef>
-        </p:style>
+        <p:spPr/>
         <p:txBody>
-          <a:bodyPr rtlCol="0" anchor="ctr"/>
+          <a:bodyPr/>
           <a:lstStyle/>
           <a:p>
-            <a:pPr algn="ctr" eaLnBrk="1" latinLnBrk="0" hangingPunct="1"/>
-            <a:endParaRPr kumimoji="0" lang="en-US"/>
+            <a:pPr lvl="0"/>
+            <a:r>
+              <a:rPr lang="en-US"/>
+              <a:t>Click to edit Master text styles</a:t>
+            </a:r>
+          </a:p>
+          <a:p>
+            <a:pPr lvl="1"/>
+            <a:r>
+              <a:rPr lang="en-US"/>
+              <a:t>Second level</a:t>
+            </a:r>
+          </a:p>
+          <a:p>
+            <a:pPr lvl="2"/>
+            <a:r>
+              <a:rPr lang="en-US"/>
+              <a:t>Third level</a:t>
+            </a:r>
+          </a:p>
+          <a:p>
+            <a:pPr lvl="3"/>
+            <a:r>
+              <a:rPr lang="en-US"/>
+              <a:t>Fourth level</a:t>
+            </a:r>
+          </a:p>
+          <a:p>
+            <a:pPr lvl="4"/>
+            <a:r>
+              <a:rPr lang="en-US"/>
+              <a:t>Fifth level</a:t>
+            </a:r>
           </a:p>
         </p:txBody>
       </p:sp>
       <p:sp>
         <p:nvSpPr>
-          <p:cNvPr id="2" name="Вертикальный заголовок 1"/>
-          <p:cNvSpPr>
-            <a:spLocks noGrp="1"/>
-          </p:cNvSpPr>
-          <p:nvPr>
-            <p:ph type="title" orient="vert"/>
-          </p:nvPr>
-        </p:nvSpPr>
-        <p:spPr>
-          <a:xfrm>
-            <a:off x="6781800" y="274640"/>
-            <a:ext cx="1905000" cy="5851525"/>
-          </a:xfrm>
-        </p:spPr>
-        <p:txBody>
-          <a:bodyPr vert="eaVert"/>
-          <a:lstStyle/>
-          <a:p>
-            <a:r>
-              <a:rPr kumimoji="0" lang="ru-RU"/>
-              <a:t>Образец заголовка</a:t>
-            </a:r>
-            <a:endParaRPr kumimoji="0" lang="en-US"/>
-          </a:p>
-        </p:txBody>
-      </p:sp>
-      <p:sp>
-        <p:nvSpPr>
-          <p:cNvPr id="3" name="Вертикальный текст 2"/>
-          <p:cNvSpPr>
-            <a:spLocks noGrp="1"/>
-          </p:cNvSpPr>
-          <p:nvPr>
-            <p:ph type="body" orient="vert" idx="1"/>
-          </p:nvPr>
-        </p:nvSpPr>
-        <p:spPr>
-          <a:xfrm>
-            <a:off x="457200" y="304800"/>
-            <a:ext cx="6019800" cy="5851525"/>
-          </a:xfrm>
-        </p:spPr>
-        <p:txBody>
-          <a:bodyPr vert="eaVert"/>
-          <a:lstStyle/>
-          <a:p>
-            <a:pPr lvl="0" eaLnBrk="1" latinLnBrk="0" hangingPunct="1"/>
-            <a:r>
-              <a:rPr lang="ru-RU"/>
-              <a:t>Образец текста</a:t>
-            </a:r>
-          </a:p>
-          <a:p>
-            <a:pPr lvl="1" eaLnBrk="1" latinLnBrk="0" hangingPunct="1"/>
-            <a:r>
-              <a:rPr lang="ru-RU"/>
-              <a:t>Второй уровень</a:t>
-            </a:r>
-          </a:p>
-          <a:p>
-            <a:pPr lvl="2" eaLnBrk="1" latinLnBrk="0" hangingPunct="1"/>
-            <a:r>
-              <a:rPr lang="ru-RU"/>
-              <a:t>Третий уровень</a:t>
-            </a:r>
-          </a:p>
-          <a:p>
-            <a:pPr lvl="3" eaLnBrk="1" latinLnBrk="0" hangingPunct="1"/>
-            <a:r>
-              <a:rPr lang="ru-RU"/>
-              <a:t>Четвертый уровень</a:t>
-            </a:r>
-          </a:p>
-          <a:p>
-            <a:pPr lvl="4" eaLnBrk="1" latinLnBrk="0" hangingPunct="1"/>
-            <a:r>
-              <a:rPr lang="ru-RU"/>
-              <a:t>Пятый уровень</a:t>
-            </a:r>
-            <a:endParaRPr kumimoji="0" lang="en-US"/>
-          </a:p>
-        </p:txBody>
-      </p:sp>
-      <p:sp>
-        <p:nvSpPr>
-          <p:cNvPr id="4" name="Дата 3"/>
+          <p:cNvPr id="4" name="Date Placeholder 3">
+            <a:extLst>
+              <a:ext uri="{FF2B5EF4-FFF2-40B4-BE49-F238E27FC236}">
+                <a16:creationId xmlns:a16="http://schemas.microsoft.com/office/drawing/2014/main" id="{0CF17AC8-DDA5-C797-5FD8-EF46E51F5EF7}"/>
+              </a:ext>
+            </a:extLst>
+          </p:cNvPr>
           <p:cNvSpPr>
             <a:spLocks noGrp="1"/>
           </p:cNvSpPr>
@@ -1355,7 +1287,7 @@
           <a:p>
             <a:fld id="{2590F9C9-AB92-4E86-B698-DEC9BF4350FF}" type="datetimeFigureOut">
               <a:rPr lang="ru-RU" smtClean="0"/>
-              <a:t>12.12.2023</a:t>
+              <a:t>06.12.2024</a:t>
             </a:fld>
             <a:endParaRPr lang="ru-RU"/>
           </a:p>
@@ -1363,7 +1295,13 @@
       </p:sp>
       <p:sp>
         <p:nvSpPr>
-          <p:cNvPr id="5" name="Нижний колонтитул 4"/>
+          <p:cNvPr id="5" name="Footer Placeholder 4">
+            <a:extLst>
+              <a:ext uri="{FF2B5EF4-FFF2-40B4-BE49-F238E27FC236}">
+                <a16:creationId xmlns:a16="http://schemas.microsoft.com/office/drawing/2014/main" id="{28F12449-AF25-7F9A-03A9-57AAFF4FFCAA}"/>
+              </a:ext>
+            </a:extLst>
+          </p:cNvPr>
           <p:cNvSpPr>
             <a:spLocks noGrp="1"/>
           </p:cNvSpPr>
@@ -1371,12 +1309,7 @@
             <p:ph type="ftr" sz="quarter" idx="11"/>
           </p:nvPr>
         </p:nvSpPr>
-        <p:spPr>
-          <a:xfrm>
-            <a:off x="2640597" y="6377459"/>
-            <a:ext cx="3836404" cy="365125"/>
-          </a:xfrm>
-        </p:spPr>
+        <p:spPr/>
         <p:txBody>
           <a:bodyPr/>
           <a:lstStyle/>
@@ -1387,7 +1320,13 @@
       </p:sp>
       <p:sp>
         <p:nvSpPr>
-          <p:cNvPr id="6" name="Номер слайда 5"/>
+          <p:cNvPr id="6" name="Slide Number Placeholder 5">
+            <a:extLst>
+              <a:ext uri="{FF2B5EF4-FFF2-40B4-BE49-F238E27FC236}">
+                <a16:creationId xmlns:a16="http://schemas.microsoft.com/office/drawing/2014/main" id="{D4B0B6E7-FF68-F3E5-F89C-2916D190E511}"/>
+              </a:ext>
+            </a:extLst>
+          </p:cNvPr>
           <p:cNvSpPr>
             <a:spLocks noGrp="1"/>
           </p:cNvSpPr>
@@ -1409,6 +1348,11 @@
         </p:txBody>
       </p:sp>
     </p:spTree>
+    <p:extLst>
+      <p:ext uri="{BB962C8B-B14F-4D97-AF65-F5344CB8AC3E}">
+        <p14:creationId xmlns:p14="http://schemas.microsoft.com/office/powerpoint/2010/main" val="1627563643"/>
+      </p:ext>
+    </p:extLst>
   </p:cSld>
   <p:clrMapOvr>
     <a:masterClrMapping/>
@@ -1416,9 +1360,9 @@
 </p:sldLayout>
 </file>
 
-<file path=ppt/slideLayouts/slideLayout2.xml><?xml version="1.0" encoding="utf-8"?>
-<p:sldLayout xmlns:a="http://schemas.openxmlformats.org/drawingml/2006/main" xmlns:r="http://schemas.openxmlformats.org/officeDocument/2006/relationships" xmlns:p="http://schemas.openxmlformats.org/presentationml/2006/main" type="obj" preserve="1">
-  <p:cSld name="Заголовок и объект">
+<file path=ppt/slideLayouts/slideLayout3.xml><?xml version="1.0" encoding="utf-8"?>
+<p:sldLayout xmlns:a="http://schemas.openxmlformats.org/drawingml/2006/main" xmlns:r="http://schemas.openxmlformats.org/officeDocument/2006/relationships" xmlns:p="http://schemas.openxmlformats.org/presentationml/2006/main" type="secHead" preserve="1">
+  <p:cSld name="Section Header">
     <p:spTree>
       <p:nvGrpSpPr>
         <p:cNvPr id="1" name=""/>
@@ -1435,7 +1379,13 @@
       </p:grpSpPr>
       <p:sp>
         <p:nvSpPr>
-          <p:cNvPr id="2" name="Заголовок 1"/>
+          <p:cNvPr id="2" name="Title 1">
+            <a:extLst>
+              <a:ext uri="{FF2B5EF4-FFF2-40B4-BE49-F238E27FC236}">
+                <a16:creationId xmlns:a16="http://schemas.microsoft.com/office/drawing/2014/main" id="{DCCBEB96-97E2-B176-C586-B7BE7B6BC431}"/>
+              </a:ext>
+            </a:extLst>
+          </p:cNvPr>
           <p:cNvSpPr>
             <a:spLocks noGrp="1"/>
           </p:cNvSpPr>
@@ -1445,77 +1395,159 @@
         </p:nvSpPr>
         <p:spPr>
           <a:xfrm>
-            <a:off x="457200" y="155448"/>
-            <a:ext cx="8229600" cy="1252728"/>
+            <a:off x="831850" y="1709738"/>
+            <a:ext cx="10515600" cy="2852737"/>
+          </a:xfrm>
+        </p:spPr>
+        <p:txBody>
+          <a:bodyPr anchor="b"/>
+          <a:lstStyle>
+            <a:lvl1pPr>
+              <a:defRPr sz="6000"/>
+            </a:lvl1pPr>
+          </a:lstStyle>
+          <a:p>
+            <a:r>
+              <a:rPr lang="en-US"/>
+              <a:t>Click to edit Master title style</a:t>
+            </a:r>
+          </a:p>
+        </p:txBody>
+      </p:sp>
+      <p:sp>
+        <p:nvSpPr>
+          <p:cNvPr id="3" name="Text Placeholder 2">
+            <a:extLst>
+              <a:ext uri="{FF2B5EF4-FFF2-40B4-BE49-F238E27FC236}">
+                <a16:creationId xmlns:a16="http://schemas.microsoft.com/office/drawing/2014/main" id="{E8E1E8EC-E57F-01C6-EFBF-EB0F7C07964C}"/>
+              </a:ext>
+            </a:extLst>
+          </p:cNvPr>
+          <p:cNvSpPr>
+            <a:spLocks noGrp="1"/>
+          </p:cNvSpPr>
+          <p:nvPr>
+            <p:ph type="body" idx="1"/>
+          </p:nvPr>
+        </p:nvSpPr>
+        <p:spPr>
+          <a:xfrm>
+            <a:off x="831850" y="4589463"/>
+            <a:ext cx="10515600" cy="1500187"/>
           </a:xfrm>
         </p:spPr>
         <p:txBody>
           <a:bodyPr/>
-          <a:lstStyle/>
-          <a:p>
-            <a:r>
-              <a:rPr kumimoji="0" lang="ru-RU"/>
-              <a:t>Образец заголовка</a:t>
-            </a:r>
-            <a:endParaRPr kumimoji="0" lang="en-US"/>
+          <a:lstStyle>
+            <a:lvl1pPr marL="0" indent="0">
+              <a:buNone/>
+              <a:defRPr sz="2400">
+                <a:solidFill>
+                  <a:schemeClr val="tx1">
+                    <a:tint val="82000"/>
+                  </a:schemeClr>
+                </a:solidFill>
+              </a:defRPr>
+            </a:lvl1pPr>
+            <a:lvl2pPr marL="457200" indent="0">
+              <a:buNone/>
+              <a:defRPr sz="2000">
+                <a:solidFill>
+                  <a:schemeClr val="tx1">
+                    <a:tint val="82000"/>
+                  </a:schemeClr>
+                </a:solidFill>
+              </a:defRPr>
+            </a:lvl2pPr>
+            <a:lvl3pPr marL="914400" indent="0">
+              <a:buNone/>
+              <a:defRPr sz="1800">
+                <a:solidFill>
+                  <a:schemeClr val="tx1">
+                    <a:tint val="82000"/>
+                  </a:schemeClr>
+                </a:solidFill>
+              </a:defRPr>
+            </a:lvl3pPr>
+            <a:lvl4pPr marL="1371600" indent="0">
+              <a:buNone/>
+              <a:defRPr sz="1600">
+                <a:solidFill>
+                  <a:schemeClr val="tx1">
+                    <a:tint val="82000"/>
+                  </a:schemeClr>
+                </a:solidFill>
+              </a:defRPr>
+            </a:lvl4pPr>
+            <a:lvl5pPr marL="1828800" indent="0">
+              <a:buNone/>
+              <a:defRPr sz="1600">
+                <a:solidFill>
+                  <a:schemeClr val="tx1">
+                    <a:tint val="82000"/>
+                  </a:schemeClr>
+                </a:solidFill>
+              </a:defRPr>
+            </a:lvl5pPr>
+            <a:lvl6pPr marL="2286000" indent="0">
+              <a:buNone/>
+              <a:defRPr sz="1600">
+                <a:solidFill>
+                  <a:schemeClr val="tx1">
+                    <a:tint val="82000"/>
+                  </a:schemeClr>
+                </a:solidFill>
+              </a:defRPr>
+            </a:lvl6pPr>
+            <a:lvl7pPr marL="2743200" indent="0">
+              <a:buNone/>
+              <a:defRPr sz="1600">
+                <a:solidFill>
+                  <a:schemeClr val="tx1">
+                    <a:tint val="82000"/>
+                  </a:schemeClr>
+                </a:solidFill>
+              </a:defRPr>
+            </a:lvl7pPr>
+            <a:lvl8pPr marL="3200400" indent="0">
+              <a:buNone/>
+              <a:defRPr sz="1600">
+                <a:solidFill>
+                  <a:schemeClr val="tx1">
+                    <a:tint val="82000"/>
+                  </a:schemeClr>
+                </a:solidFill>
+              </a:defRPr>
+            </a:lvl8pPr>
+            <a:lvl9pPr marL="3657600" indent="0">
+              <a:buNone/>
+              <a:defRPr sz="1600">
+                <a:solidFill>
+                  <a:schemeClr val="tx1">
+                    <a:tint val="82000"/>
+                  </a:schemeClr>
+                </a:solidFill>
+              </a:defRPr>
+            </a:lvl9pPr>
+          </a:lstStyle>
+          <a:p>
+            <a:pPr lvl="0"/>
+            <a:r>
+              <a:rPr lang="en-US"/>
+              <a:t>Click to edit Master text styles</a:t>
+            </a:r>
           </a:p>
         </p:txBody>
       </p:sp>
       <p:sp>
         <p:nvSpPr>
-          <p:cNvPr id="3" name="Объект 2"/>
-          <p:cNvSpPr>
-            <a:spLocks noGrp="1"/>
-          </p:cNvSpPr>
-          <p:nvPr>
-            <p:ph idx="1"/>
-          </p:nvPr>
-        </p:nvSpPr>
-        <p:spPr/>
-        <p:txBody>
-          <a:bodyPr/>
-          <a:lstStyle/>
-          <a:p>
-            <a:pPr lvl="0" eaLnBrk="1" latinLnBrk="0" hangingPunct="1"/>
-            <a:r>
-              <a:rPr lang="ru-RU"/>
-              <a:t>Образец текста</a:t>
-            </a:r>
-          </a:p>
-          <a:p>
-            <a:pPr lvl="1" eaLnBrk="1" latinLnBrk="0" hangingPunct="1"/>
-            <a:r>
-              <a:rPr lang="ru-RU"/>
-              <a:t>Второй уровень</a:t>
-            </a:r>
-          </a:p>
-          <a:p>
-            <a:pPr lvl="2" eaLnBrk="1" latinLnBrk="0" hangingPunct="1"/>
-            <a:r>
-              <a:rPr lang="ru-RU"/>
-              <a:t>Третий уровень</a:t>
-            </a:r>
-          </a:p>
-          <a:p>
-            <a:pPr lvl="3" eaLnBrk="1" latinLnBrk="0" hangingPunct="1"/>
-            <a:r>
-              <a:rPr lang="ru-RU"/>
-              <a:t>Четвертый уровень</a:t>
-            </a:r>
-          </a:p>
-          <a:p>
-            <a:pPr lvl="4" eaLnBrk="1" latinLnBrk="0" hangingPunct="1"/>
-            <a:r>
-              <a:rPr lang="ru-RU"/>
-              <a:t>Пятый уровень</a:t>
-            </a:r>
-            <a:endParaRPr kumimoji="0" lang="en-US"/>
-          </a:p>
-        </p:txBody>
-      </p:sp>
-      <p:sp>
-        <p:nvSpPr>
-          <p:cNvPr id="4" name="Дата 3"/>
+          <p:cNvPr id="4" name="Date Placeholder 3">
+            <a:extLst>
+              <a:ext uri="{FF2B5EF4-FFF2-40B4-BE49-F238E27FC236}">
+                <a16:creationId xmlns:a16="http://schemas.microsoft.com/office/drawing/2014/main" id="{9D1787CA-CDED-1ED7-007E-E18A246AE17A}"/>
+              </a:ext>
+            </a:extLst>
+          </p:cNvPr>
           <p:cNvSpPr>
             <a:spLocks noGrp="1"/>
           </p:cNvSpPr>
@@ -1530,7 +1562,7 @@
           <a:p>
             <a:fld id="{2590F9C9-AB92-4E86-B698-DEC9BF4350FF}" type="datetimeFigureOut">
               <a:rPr lang="ru-RU" smtClean="0"/>
-              <a:t>12.12.2023</a:t>
+              <a:t>06.12.2024</a:t>
             </a:fld>
             <a:endParaRPr lang="ru-RU"/>
           </a:p>
@@ -1538,7 +1570,13 @@
       </p:sp>
       <p:sp>
         <p:nvSpPr>
-          <p:cNvPr id="5" name="Нижний колонтитул 4"/>
+          <p:cNvPr id="5" name="Footer Placeholder 4">
+            <a:extLst>
+              <a:ext uri="{FF2B5EF4-FFF2-40B4-BE49-F238E27FC236}">
+                <a16:creationId xmlns:a16="http://schemas.microsoft.com/office/drawing/2014/main" id="{D182380E-517A-5D2F-8F84-EDCF483BEFFD}"/>
+              </a:ext>
+            </a:extLst>
+          </p:cNvPr>
           <p:cNvSpPr>
             <a:spLocks noGrp="1"/>
           </p:cNvSpPr>
@@ -1557,7 +1595,13 @@
       </p:sp>
       <p:sp>
         <p:nvSpPr>
-          <p:cNvPr id="6" name="Номер слайда 5"/>
+          <p:cNvPr id="6" name="Slide Number Placeholder 5">
+            <a:extLst>
+              <a:ext uri="{FF2B5EF4-FFF2-40B4-BE49-F238E27FC236}">
+                <a16:creationId xmlns:a16="http://schemas.microsoft.com/office/drawing/2014/main" id="{A7661DC1-4E91-B653-052D-12D455B99E00}"/>
+              </a:ext>
+            </a:extLst>
+          </p:cNvPr>
           <p:cNvSpPr>
             <a:spLocks noGrp="1"/>
           </p:cNvSpPr>
@@ -1579,6 +1623,11 @@
         </p:txBody>
       </p:sp>
     </p:spTree>
+    <p:extLst>
+      <p:ext uri="{BB962C8B-B14F-4D97-AF65-F5344CB8AC3E}">
+        <p14:creationId xmlns:p14="http://schemas.microsoft.com/office/powerpoint/2010/main" val="3162073673"/>
+      </p:ext>
+    </p:extLst>
   </p:cSld>
   <p:clrMapOvr>
     <a:masterClrMapping/>
@@ -1586,14 +1635,9 @@
 </p:sldLayout>
 </file>
 
-<file path=ppt/slideLayouts/slideLayout3.xml><?xml version="1.0" encoding="utf-8"?>
-<p:sldLayout xmlns:a="http://schemas.openxmlformats.org/drawingml/2006/main" xmlns:r="http://schemas.openxmlformats.org/officeDocument/2006/relationships" xmlns:p="http://schemas.openxmlformats.org/presentationml/2006/main" showMasterSp="0" type="secHead" preserve="1">
-  <p:cSld name="Заголовок раздела">
-    <p:bg>
-      <p:bgRef idx="1002">
-        <a:schemeClr val="bg2"/>
-      </p:bgRef>
-    </p:bg>
+<file path=ppt/slideLayouts/slideLayout4.xml><?xml version="1.0" encoding="utf-8"?>
+<p:sldLayout xmlns:a="http://schemas.openxmlformats.org/drawingml/2006/main" xmlns:r="http://schemas.openxmlformats.org/officeDocument/2006/relationships" xmlns:p="http://schemas.openxmlformats.org/presentationml/2006/main" type="twoObj" preserve="1">
+  <p:cSld name="Two Content">
     <p:spTree>
       <p:nvGrpSpPr>
         <p:cNvPr id="1" name=""/>
@@ -1610,104 +1654,13 @@
       </p:grpSpPr>
       <p:sp>
         <p:nvSpPr>
-          <p:cNvPr id="9" name="Прямоугольник 8"/>
-          <p:cNvSpPr/>
-          <p:nvPr/>
-        </p:nvSpPr>
-        <p:spPr bwMode="ltGray">
-          <a:xfrm>
-            <a:off x="0" y="1"/>
-            <a:ext cx="9144000" cy="2602520"/>
-          </a:xfrm>
-          <a:prstGeom prst="rect">
-            <a:avLst/>
-          </a:prstGeom>
-          <a:solidFill>
-            <a:srgbClr val="000000"/>
-          </a:solidFill>
-          <a:ln w="48000" cap="flat" cmpd="thickThin" algn="ctr">
-            <a:noFill/>
-            <a:prstDash val="solid"/>
-          </a:ln>
-        </p:spPr>
-        <p:style>
-          <a:lnRef idx="2">
-            <a:schemeClr val="accent1"/>
-          </a:lnRef>
-          <a:fillRef idx="1">
-            <a:schemeClr val="accent1"/>
-          </a:fillRef>
-          <a:effectRef idx="0">
-            <a:schemeClr val="accent1"/>
-          </a:effectRef>
-          <a:fontRef idx="minor">
-            <a:schemeClr val="lt1"/>
-          </a:fontRef>
-        </p:style>
-        <p:txBody>
-          <a:bodyPr rtlCol="0" anchor="ctr"/>
-          <a:lstStyle/>
-          <a:p>
-            <a:pPr algn="ctr" eaLnBrk="1" latinLnBrk="0" hangingPunct="1"/>
-            <a:endParaRPr kumimoji="0" lang="en-US"/>
-          </a:p>
-        </p:txBody>
-      </p:sp>
-      <p:sp>
-        <p:nvSpPr>
-          <p:cNvPr id="12" name="Прямоугольник 11"/>
-          <p:cNvSpPr/>
-          <p:nvPr/>
-        </p:nvSpPr>
-        <p:spPr bwMode="invGray">
-          <a:xfrm>
-            <a:off x="0" y="2602520"/>
-            <a:ext cx="9144000" cy="45720"/>
-          </a:xfrm>
-          <a:prstGeom prst="rect">
-            <a:avLst/>
-          </a:prstGeom>
-          <a:solidFill>
-            <a:srgbClr val="FFFFFF"/>
-          </a:solidFill>
-          <a:ln w="48000" cap="flat" cmpd="thickThin" algn="ctr">
-            <a:noFill/>
-            <a:prstDash val="solid"/>
-          </a:ln>
-          <a:effectLst>
-            <a:outerShdw blurRad="31750" dist="10160" dir="5400000" algn="tl" rotWithShape="0">
-              <a:srgbClr val="000000">
-                <a:alpha val="60000"/>
-              </a:srgbClr>
-            </a:outerShdw>
-          </a:effectLst>
-        </p:spPr>
-        <p:style>
-          <a:lnRef idx="2">
-            <a:schemeClr val="accent1"/>
-          </a:lnRef>
-          <a:fillRef idx="1">
-            <a:schemeClr val="accent1"/>
-          </a:fillRef>
-          <a:effectRef idx="0">
-            <a:schemeClr val="accent1"/>
-          </a:effectRef>
-          <a:fontRef idx="minor">
-            <a:schemeClr val="lt1"/>
-          </a:fontRef>
-        </p:style>
-        <p:txBody>
-          <a:bodyPr rtlCol="0" anchor="ctr"/>
-          <a:lstStyle/>
-          <a:p>
-            <a:pPr algn="ctr" eaLnBrk="1" latinLnBrk="0" hangingPunct="1"/>
-            <a:endParaRPr kumimoji="0" lang="en-US"/>
-          </a:p>
-        </p:txBody>
-      </p:sp>
-      <p:sp>
-        <p:nvSpPr>
-          <p:cNvPr id="2" name="Заголовок 1"/>
+          <p:cNvPr id="2" name="Title 1">
+            <a:extLst>
+              <a:ext uri="{FF2B5EF4-FFF2-40B4-BE49-F238E27FC236}">
+                <a16:creationId xmlns:a16="http://schemas.microsoft.com/office/drawing/2014/main" id="{C3E51555-83E5-AB1A-5CAE-F9808A6316A9}"/>
+              </a:ext>
+            </a:extLst>
+          </p:cNvPr>
           <p:cNvSpPr>
             <a:spLocks noGrp="1"/>
           </p:cNvSpPr>
@@ -1715,161 +1668,151 @@
             <p:ph type="title"/>
           </p:nvPr>
         </p:nvSpPr>
-        <p:spPr>
-          <a:xfrm>
-            <a:off x="749808" y="118872"/>
-            <a:ext cx="8013192" cy="1636776"/>
-          </a:xfrm>
-        </p:spPr>
+        <p:spPr/>
         <p:txBody>
-          <a:bodyPr vert="horz" lIns="91440" tIns="0" rIns="91440" bIns="0" rtlCol="0" anchor="b">
-            <a:normAutofit/>
-            <a:scene3d>
-              <a:camera prst="orthographicFront"/>
-              <a:lightRig rig="threePt" dir="t">
-                <a:rot lat="0" lon="0" rev="4800000"/>
-              </a:lightRig>
-            </a:scene3d>
-            <a:sp3d prstMaterial="matte">
-              <a:bevelT w="50800" h="10160"/>
-            </a:sp3d>
-          </a:bodyPr>
-          <a:lstStyle>
-            <a:lvl1pPr algn="l">
-              <a:defRPr sz="4700" b="1" cap="none" baseline="0"/>
-            </a:lvl1pPr>
-            <a:extLst/>
-          </a:lstStyle>
-          <a:p>
-            <a:r>
-              <a:rPr kumimoji="0" lang="ru-RU"/>
-              <a:t>Образец заголовка</a:t>
-            </a:r>
-            <a:endParaRPr kumimoji="0" lang="en-US"/>
+          <a:bodyPr/>
+          <a:lstStyle/>
+          <a:p>
+            <a:r>
+              <a:rPr lang="en-US"/>
+              <a:t>Click to edit Master title style</a:t>
+            </a:r>
           </a:p>
         </p:txBody>
       </p:sp>
       <p:sp>
         <p:nvSpPr>
-          <p:cNvPr id="3" name="Текст 2"/>
+          <p:cNvPr id="3" name="Content Placeholder 2">
+            <a:extLst>
+              <a:ext uri="{FF2B5EF4-FFF2-40B4-BE49-F238E27FC236}">
+                <a16:creationId xmlns:a16="http://schemas.microsoft.com/office/drawing/2014/main" id="{73C6E868-3F2E-505F-AA09-6A8F1113DF79}"/>
+              </a:ext>
+            </a:extLst>
+          </p:cNvPr>
           <p:cNvSpPr>
             <a:spLocks noGrp="1"/>
           </p:cNvSpPr>
           <p:nvPr>
-            <p:ph type="body" idx="1"/>
+            <p:ph sz="half" idx="1"/>
           </p:nvPr>
         </p:nvSpPr>
         <p:spPr>
           <a:xfrm>
-            <a:off x="740664" y="1828800"/>
-            <a:ext cx="8022336" cy="685800"/>
+            <a:off x="838200" y="1825625"/>
+            <a:ext cx="5181600" cy="4351338"/>
           </a:xfrm>
         </p:spPr>
         <p:txBody>
-          <a:bodyPr lIns="146304" tIns="0" rIns="45720" bIns="0" anchor="t"/>
-          <a:lstStyle>
-            <a:lvl1pPr marL="0" indent="0">
-              <a:buNone/>
-              <a:defRPr sz="2000">
-                <a:solidFill>
-                  <a:srgbClr val="FFFFFF"/>
-                </a:solidFill>
-              </a:defRPr>
-            </a:lvl1pPr>
-            <a:lvl2pPr marL="457200" indent="0">
-              <a:buNone/>
-              <a:defRPr sz="1800">
-                <a:solidFill>
-                  <a:schemeClr val="tx1">
-                    <a:tint val="75000"/>
-                  </a:schemeClr>
-                </a:solidFill>
-              </a:defRPr>
-            </a:lvl2pPr>
-            <a:lvl3pPr marL="914400" indent="0">
-              <a:buNone/>
-              <a:defRPr sz="1600">
-                <a:solidFill>
-                  <a:schemeClr val="tx1">
-                    <a:tint val="75000"/>
-                  </a:schemeClr>
-                </a:solidFill>
-              </a:defRPr>
-            </a:lvl3pPr>
-            <a:lvl4pPr marL="1371600" indent="0">
-              <a:buNone/>
-              <a:defRPr sz="1400">
-                <a:solidFill>
-                  <a:schemeClr val="tx1">
-                    <a:tint val="75000"/>
-                  </a:schemeClr>
-                </a:solidFill>
-              </a:defRPr>
-            </a:lvl4pPr>
-            <a:lvl5pPr marL="1828800" indent="0">
-              <a:buNone/>
-              <a:defRPr sz="1400">
-                <a:solidFill>
-                  <a:schemeClr val="tx1">
-                    <a:tint val="75000"/>
-                  </a:schemeClr>
-                </a:solidFill>
-              </a:defRPr>
-            </a:lvl5pPr>
-            <a:lvl6pPr marL="2286000" indent="0">
-              <a:buNone/>
-              <a:defRPr sz="1400">
-                <a:solidFill>
-                  <a:schemeClr val="tx1">
-                    <a:tint val="75000"/>
-                  </a:schemeClr>
-                </a:solidFill>
-              </a:defRPr>
-            </a:lvl6pPr>
-            <a:lvl7pPr marL="2743200" indent="0">
-              <a:buNone/>
-              <a:defRPr sz="1400">
-                <a:solidFill>
-                  <a:schemeClr val="tx1">
-                    <a:tint val="75000"/>
-                  </a:schemeClr>
-                </a:solidFill>
-              </a:defRPr>
-            </a:lvl7pPr>
-            <a:lvl8pPr marL="3200400" indent="0">
-              <a:buNone/>
-              <a:defRPr sz="1400">
-                <a:solidFill>
-                  <a:schemeClr val="tx1">
-                    <a:tint val="75000"/>
-                  </a:schemeClr>
-                </a:solidFill>
-              </a:defRPr>
-            </a:lvl8pPr>
-            <a:lvl9pPr marL="3657600" indent="0">
-              <a:buNone/>
-              <a:defRPr sz="1400">
-                <a:solidFill>
-                  <a:schemeClr val="tx1">
-                    <a:tint val="75000"/>
-                  </a:schemeClr>
-                </a:solidFill>
-              </a:defRPr>
-            </a:lvl9pPr>
-            <a:extLst/>
-          </a:lstStyle>
-          <a:p>
-            <a:pPr lvl="0" eaLnBrk="1" latinLnBrk="0" hangingPunct="1"/>
-            <a:r>
-              <a:rPr kumimoji="0" lang="ru-RU"/>
-              <a:t>Образец текста</a:t>
+          <a:bodyPr/>
+          <a:lstStyle/>
+          <a:p>
+            <a:pPr lvl="0"/>
+            <a:r>
+              <a:rPr lang="en-US"/>
+              <a:t>Click to edit Master text styles</a:t>
+            </a:r>
+          </a:p>
+          <a:p>
+            <a:pPr lvl="1"/>
+            <a:r>
+              <a:rPr lang="en-US"/>
+              <a:t>Second level</a:t>
+            </a:r>
+          </a:p>
+          <a:p>
+            <a:pPr lvl="2"/>
+            <a:r>
+              <a:rPr lang="en-US"/>
+              <a:t>Third level</a:t>
+            </a:r>
+          </a:p>
+          <a:p>
+            <a:pPr lvl="3"/>
+            <a:r>
+              <a:rPr lang="en-US"/>
+              <a:t>Fourth level</a:t>
+            </a:r>
+          </a:p>
+          <a:p>
+            <a:pPr lvl="4"/>
+            <a:r>
+              <a:rPr lang="en-US"/>
+              <a:t>Fifth level</a:t>
             </a:r>
           </a:p>
         </p:txBody>
       </p:sp>
       <p:sp>
         <p:nvSpPr>
-          <p:cNvPr id="4" name="Дата 3"/>
+          <p:cNvPr id="4" name="Content Placeholder 3">
+            <a:extLst>
+              <a:ext uri="{FF2B5EF4-FFF2-40B4-BE49-F238E27FC236}">
+                <a16:creationId xmlns:a16="http://schemas.microsoft.com/office/drawing/2014/main" id="{AC8D28EC-76EC-DE0B-C93E-2F1320F8CF68}"/>
+              </a:ext>
+            </a:extLst>
+          </p:cNvPr>
+          <p:cNvSpPr>
+            <a:spLocks noGrp="1"/>
+          </p:cNvSpPr>
+          <p:nvPr>
+            <p:ph sz="half" idx="2"/>
+          </p:nvPr>
+        </p:nvSpPr>
+        <p:spPr>
+          <a:xfrm>
+            <a:off x="6172200" y="1825625"/>
+            <a:ext cx="5181600" cy="4351338"/>
+          </a:xfrm>
+        </p:spPr>
+        <p:txBody>
+          <a:bodyPr/>
+          <a:lstStyle/>
+          <a:p>
+            <a:pPr lvl="0"/>
+            <a:r>
+              <a:rPr lang="en-US"/>
+              <a:t>Click to edit Master text styles</a:t>
+            </a:r>
+          </a:p>
+          <a:p>
+            <a:pPr lvl="1"/>
+            <a:r>
+              <a:rPr lang="en-US"/>
+              <a:t>Second level</a:t>
+            </a:r>
+          </a:p>
+          <a:p>
+            <a:pPr lvl="2"/>
+            <a:r>
+              <a:rPr lang="en-US"/>
+              <a:t>Third level</a:t>
+            </a:r>
+          </a:p>
+          <a:p>
+            <a:pPr lvl="3"/>
+            <a:r>
+              <a:rPr lang="en-US"/>
+              <a:t>Fourth level</a:t>
+            </a:r>
+          </a:p>
+          <a:p>
+            <a:pPr lvl="4"/>
+            <a:r>
+              <a:rPr lang="en-US"/>
+              <a:t>Fifth level</a:t>
+            </a:r>
+          </a:p>
+        </p:txBody>
+      </p:sp>
+      <p:sp>
+        <p:nvSpPr>
+          <p:cNvPr id="5" name="Date Placeholder 4">
+            <a:extLst>
+              <a:ext uri="{FF2B5EF4-FFF2-40B4-BE49-F238E27FC236}">
+                <a16:creationId xmlns:a16="http://schemas.microsoft.com/office/drawing/2014/main" id="{A9DE983B-5B3E-688E-B7A2-3CE3A6B5A667}"/>
+              </a:ext>
+            </a:extLst>
+          </p:cNvPr>
           <p:cNvSpPr>
             <a:spLocks noGrp="1"/>
           </p:cNvSpPr>
@@ -1884,7 +1827,7 @@
           <a:p>
             <a:fld id="{2590F9C9-AB92-4E86-B698-DEC9BF4350FF}" type="datetimeFigureOut">
               <a:rPr lang="ru-RU" smtClean="0"/>
-              <a:t>12.12.2023</a:t>
+              <a:t>06.12.2024</a:t>
             </a:fld>
             <a:endParaRPr lang="ru-RU"/>
           </a:p>
@@ -1892,7 +1835,13 @@
       </p:sp>
       <p:sp>
         <p:nvSpPr>
-          <p:cNvPr id="5" name="Нижний колонтитул 4"/>
+          <p:cNvPr id="6" name="Footer Placeholder 5">
+            <a:extLst>
+              <a:ext uri="{FF2B5EF4-FFF2-40B4-BE49-F238E27FC236}">
+                <a16:creationId xmlns:a16="http://schemas.microsoft.com/office/drawing/2014/main" id="{62B39AF6-1A5A-9C5D-2E64-3EAB6FAF274F}"/>
+              </a:ext>
+            </a:extLst>
+          </p:cNvPr>
           <p:cNvSpPr>
             <a:spLocks noGrp="1"/>
           </p:cNvSpPr>
@@ -1911,7 +1860,13 @@
       </p:sp>
       <p:sp>
         <p:nvSpPr>
-          <p:cNvPr id="6" name="Номер слайда 5"/>
+          <p:cNvPr id="7" name="Slide Number Placeholder 6">
+            <a:extLst>
+              <a:ext uri="{FF2B5EF4-FFF2-40B4-BE49-F238E27FC236}">
+                <a16:creationId xmlns:a16="http://schemas.microsoft.com/office/drawing/2014/main" id="{475B7258-A32F-63B1-54B1-F00104219228}"/>
+              </a:ext>
+            </a:extLst>
+          </p:cNvPr>
           <p:cNvSpPr>
             <a:spLocks noGrp="1"/>
           </p:cNvSpPr>
@@ -1933,16 +1888,21 @@
         </p:txBody>
       </p:sp>
     </p:spTree>
+    <p:extLst>
+      <p:ext uri="{BB962C8B-B14F-4D97-AF65-F5344CB8AC3E}">
+        <p14:creationId xmlns:p14="http://schemas.microsoft.com/office/powerpoint/2010/main" val="2273171294"/>
+      </p:ext>
+    </p:extLst>
   </p:cSld>
   <p:clrMapOvr>
-    <a:overrideClrMapping bg1="dk1" tx1="lt1" bg2="dk2" tx2="lt2" accent1="accent1" accent2="accent2" accent3="accent3" accent4="accent4" accent5="accent5" accent6="accent6" hlink="hlink" folHlink="folHlink"/>
+    <a:masterClrMapping/>
   </p:clrMapOvr>
 </p:sldLayout>
 </file>
 
-<file path=ppt/slideLayouts/slideLayout4.xml><?xml version="1.0" encoding="utf-8"?>
-<p:sldLayout xmlns:a="http://schemas.openxmlformats.org/drawingml/2006/main" xmlns:r="http://schemas.openxmlformats.org/officeDocument/2006/relationships" xmlns:p="http://schemas.openxmlformats.org/presentationml/2006/main" type="twoObj" preserve="1">
-  <p:cSld name="Два объекта">
+<file path=ppt/slideLayouts/slideLayout5.xml><?xml version="1.0" encoding="utf-8"?>
+<p:sldLayout xmlns:a="http://schemas.openxmlformats.org/drawingml/2006/main" xmlns:r="http://schemas.openxmlformats.org/officeDocument/2006/relationships" xmlns:p="http://schemas.openxmlformats.org/presentationml/2006/main" type="twoTxTwoObj" preserve="1">
+  <p:cSld name="Comparison">
     <p:spTree>
       <p:nvGrpSpPr>
         <p:cNvPr id="1" name=""/>
@@ -1959,7 +1919,13 @@
       </p:grpSpPr>
       <p:sp>
         <p:nvSpPr>
-          <p:cNvPr id="2" name="Заголовок 1"/>
+          <p:cNvPr id="2" name="Title 1">
+            <a:extLst>
+              <a:ext uri="{FF2B5EF4-FFF2-40B4-BE49-F238E27FC236}">
+                <a16:creationId xmlns:a16="http://schemas.microsoft.com/office/drawing/2014/main" id="{8CD26BFE-25CA-C221-4913-ABF87841C5FD}"/>
+              </a:ext>
+            </a:extLst>
+          </p:cNvPr>
           <p:cNvSpPr>
             <a:spLocks noGrp="1"/>
           </p:cNvSpPr>
@@ -1967,312 +1933,32 @@
             <p:ph type="title"/>
           </p:nvPr>
         </p:nvSpPr>
-        <p:spPr/>
+        <p:spPr>
+          <a:xfrm>
+            <a:off x="839788" y="365125"/>
+            <a:ext cx="10515600" cy="1325563"/>
+          </a:xfrm>
+        </p:spPr>
         <p:txBody>
           <a:bodyPr/>
           <a:lstStyle/>
           <a:p>
             <a:r>
-              <a:rPr kumimoji="0" lang="ru-RU"/>
-              <a:t>Образец заголовка</a:t>
-            </a:r>
-            <a:endParaRPr kumimoji="0" lang="en-US"/>
+              <a:rPr lang="en-US"/>
+              <a:t>Click to edit Master title style</a:t>
+            </a:r>
           </a:p>
         </p:txBody>
       </p:sp>
       <p:sp>
         <p:nvSpPr>
-          <p:cNvPr id="3" name="Объект 2"/>
-          <p:cNvSpPr>
-            <a:spLocks noGrp="1"/>
-          </p:cNvSpPr>
-          <p:nvPr>
-            <p:ph sz="half" idx="1"/>
-          </p:nvPr>
-        </p:nvSpPr>
-        <p:spPr>
-          <a:xfrm>
-            <a:off x="457200" y="1773936"/>
-            <a:ext cx="4038600" cy="4623816"/>
-          </a:xfrm>
-        </p:spPr>
-        <p:txBody>
-          <a:bodyPr lIns="91440"/>
-          <a:lstStyle>
-            <a:lvl1pPr>
-              <a:defRPr sz="2800"/>
-            </a:lvl1pPr>
-            <a:lvl2pPr>
-              <a:defRPr sz="2400"/>
-            </a:lvl2pPr>
-            <a:lvl3pPr>
-              <a:defRPr sz="2000"/>
-            </a:lvl3pPr>
-            <a:lvl4pPr>
-              <a:defRPr sz="1800"/>
-            </a:lvl4pPr>
-            <a:lvl5pPr>
-              <a:defRPr sz="1800"/>
-            </a:lvl5pPr>
-            <a:lvl6pPr>
-              <a:defRPr sz="1800"/>
-            </a:lvl6pPr>
-            <a:lvl7pPr>
-              <a:defRPr sz="1800"/>
-            </a:lvl7pPr>
-            <a:lvl8pPr>
-              <a:defRPr sz="1800"/>
-            </a:lvl8pPr>
-            <a:lvl9pPr>
-              <a:defRPr sz="1800"/>
-            </a:lvl9pPr>
-            <a:extLst/>
-          </a:lstStyle>
-          <a:p>
-            <a:pPr lvl="0" eaLnBrk="1" latinLnBrk="0" hangingPunct="1"/>
-            <a:r>
-              <a:rPr lang="ru-RU"/>
-              <a:t>Образец текста</a:t>
-            </a:r>
-          </a:p>
-          <a:p>
-            <a:pPr lvl="1" eaLnBrk="1" latinLnBrk="0" hangingPunct="1"/>
-            <a:r>
-              <a:rPr lang="ru-RU"/>
-              <a:t>Второй уровень</a:t>
-            </a:r>
-          </a:p>
-          <a:p>
-            <a:pPr lvl="2" eaLnBrk="1" latinLnBrk="0" hangingPunct="1"/>
-            <a:r>
-              <a:rPr lang="ru-RU"/>
-              <a:t>Третий уровень</a:t>
-            </a:r>
-          </a:p>
-          <a:p>
-            <a:pPr lvl="3" eaLnBrk="1" latinLnBrk="0" hangingPunct="1"/>
-            <a:r>
-              <a:rPr lang="ru-RU"/>
-              <a:t>Четвертый уровень</a:t>
-            </a:r>
-          </a:p>
-          <a:p>
-            <a:pPr lvl="4" eaLnBrk="1" latinLnBrk="0" hangingPunct="1"/>
-            <a:r>
-              <a:rPr lang="ru-RU"/>
-              <a:t>Пятый уровень</a:t>
-            </a:r>
-            <a:endParaRPr kumimoji="0" lang="en-US"/>
-          </a:p>
-        </p:txBody>
-      </p:sp>
-      <p:sp>
-        <p:nvSpPr>
-          <p:cNvPr id="4" name="Объект 3"/>
-          <p:cNvSpPr>
-            <a:spLocks noGrp="1"/>
-          </p:cNvSpPr>
-          <p:nvPr>
-            <p:ph sz="half" idx="2"/>
-          </p:nvPr>
-        </p:nvSpPr>
-        <p:spPr>
-          <a:xfrm>
-            <a:off x="4648200" y="1773936"/>
-            <a:ext cx="4038600" cy="4623816"/>
-          </a:xfrm>
-        </p:spPr>
-        <p:txBody>
-          <a:bodyPr/>
-          <a:lstStyle>
-            <a:lvl1pPr>
-              <a:defRPr sz="2800"/>
-            </a:lvl1pPr>
-            <a:lvl2pPr>
-              <a:defRPr sz="2400"/>
-            </a:lvl2pPr>
-            <a:lvl3pPr>
-              <a:defRPr sz="2000"/>
-            </a:lvl3pPr>
-            <a:lvl4pPr>
-              <a:defRPr sz="1800"/>
-            </a:lvl4pPr>
-            <a:lvl5pPr>
-              <a:defRPr sz="1800"/>
-            </a:lvl5pPr>
-            <a:lvl6pPr>
-              <a:defRPr sz="1800"/>
-            </a:lvl6pPr>
-            <a:lvl7pPr>
-              <a:defRPr sz="1800"/>
-            </a:lvl7pPr>
-            <a:lvl8pPr>
-              <a:defRPr sz="1800"/>
-            </a:lvl8pPr>
-            <a:lvl9pPr>
-              <a:defRPr sz="1800"/>
-            </a:lvl9pPr>
-            <a:extLst/>
-          </a:lstStyle>
-          <a:p>
-            <a:pPr lvl="0" eaLnBrk="1" latinLnBrk="0" hangingPunct="1"/>
-            <a:r>
-              <a:rPr lang="ru-RU"/>
-              <a:t>Образец текста</a:t>
-            </a:r>
-          </a:p>
-          <a:p>
-            <a:pPr lvl="1" eaLnBrk="1" latinLnBrk="0" hangingPunct="1"/>
-            <a:r>
-              <a:rPr lang="ru-RU"/>
-              <a:t>Второй уровень</a:t>
-            </a:r>
-          </a:p>
-          <a:p>
-            <a:pPr lvl="2" eaLnBrk="1" latinLnBrk="0" hangingPunct="1"/>
-            <a:r>
-              <a:rPr lang="ru-RU"/>
-              <a:t>Третий уровень</a:t>
-            </a:r>
-          </a:p>
-          <a:p>
-            <a:pPr lvl="3" eaLnBrk="1" latinLnBrk="0" hangingPunct="1"/>
-            <a:r>
-              <a:rPr lang="ru-RU"/>
-              <a:t>Четвертый уровень</a:t>
-            </a:r>
-          </a:p>
-          <a:p>
-            <a:pPr lvl="4" eaLnBrk="1" latinLnBrk="0" hangingPunct="1"/>
-            <a:r>
-              <a:rPr lang="ru-RU"/>
-              <a:t>Пятый уровень</a:t>
-            </a:r>
-            <a:endParaRPr kumimoji="0" lang="en-US"/>
-          </a:p>
-        </p:txBody>
-      </p:sp>
-      <p:sp>
-        <p:nvSpPr>
-          <p:cNvPr id="5" name="Дата 4"/>
-          <p:cNvSpPr>
-            <a:spLocks noGrp="1"/>
-          </p:cNvSpPr>
-          <p:nvPr>
-            <p:ph type="dt" sz="half" idx="10"/>
-          </p:nvPr>
-        </p:nvSpPr>
-        <p:spPr/>
-        <p:txBody>
-          <a:bodyPr/>
-          <a:lstStyle/>
-          <a:p>
-            <a:fld id="{2590F9C9-AB92-4E86-B698-DEC9BF4350FF}" type="datetimeFigureOut">
-              <a:rPr lang="ru-RU" smtClean="0"/>
-              <a:t>12.12.2023</a:t>
-            </a:fld>
-            <a:endParaRPr lang="ru-RU"/>
-          </a:p>
-        </p:txBody>
-      </p:sp>
-      <p:sp>
-        <p:nvSpPr>
-          <p:cNvPr id="6" name="Нижний колонтитул 5"/>
-          <p:cNvSpPr>
-            <a:spLocks noGrp="1"/>
-          </p:cNvSpPr>
-          <p:nvPr>
-            <p:ph type="ftr" sz="quarter" idx="11"/>
-          </p:nvPr>
-        </p:nvSpPr>
-        <p:spPr/>
-        <p:txBody>
-          <a:bodyPr/>
-          <a:lstStyle/>
-          <a:p>
-            <a:endParaRPr lang="ru-RU"/>
-          </a:p>
-        </p:txBody>
-      </p:sp>
-      <p:sp>
-        <p:nvSpPr>
-          <p:cNvPr id="7" name="Номер слайда 6"/>
-          <p:cNvSpPr>
-            <a:spLocks noGrp="1"/>
-          </p:cNvSpPr>
-          <p:nvPr>
-            <p:ph type="sldNum" sz="quarter" idx="12"/>
-          </p:nvPr>
-        </p:nvSpPr>
-        <p:spPr/>
-        <p:txBody>
-          <a:bodyPr/>
-          <a:lstStyle/>
-          <a:p>
-            <a:fld id="{DFFDEFA0-FF01-4CA2-B8AA-E5F5B71BEE8D}" type="slidenum">
-              <a:rPr lang="ru-RU" smtClean="0"/>
-              <a:t>‹#›</a:t>
-            </a:fld>
-            <a:endParaRPr lang="ru-RU"/>
-          </a:p>
-        </p:txBody>
-      </p:sp>
-    </p:spTree>
-  </p:cSld>
-  <p:clrMapOvr>
-    <a:masterClrMapping/>
-  </p:clrMapOvr>
-</p:sldLayout>
-</file>
-
-<file path=ppt/slideLayouts/slideLayout5.xml><?xml version="1.0" encoding="utf-8"?>
-<p:sldLayout xmlns:a="http://schemas.openxmlformats.org/drawingml/2006/main" xmlns:r="http://schemas.openxmlformats.org/officeDocument/2006/relationships" xmlns:p="http://schemas.openxmlformats.org/presentationml/2006/main" type="twoTxTwoObj" preserve="1">
-  <p:cSld name="Сравнение">
-    <p:spTree>
-      <p:nvGrpSpPr>
-        <p:cNvPr id="1" name=""/>
-        <p:cNvGrpSpPr/>
-        <p:nvPr/>
-      </p:nvGrpSpPr>
-      <p:grpSpPr>
-        <a:xfrm>
-          <a:off x="0" y="0"/>
-          <a:ext cx="0" cy="0"/>
-          <a:chOff x="0" y="0"/>
-          <a:chExt cx="0" cy="0"/>
-        </a:xfrm>
-      </p:grpSpPr>
-      <p:sp>
-        <p:nvSpPr>
-          <p:cNvPr id="2" name="Заголовок 1"/>
-          <p:cNvSpPr>
-            <a:spLocks noGrp="1"/>
-          </p:cNvSpPr>
-          <p:nvPr>
-            <p:ph type="title"/>
-          </p:nvPr>
-        </p:nvSpPr>
-        <p:spPr/>
-        <p:txBody>
-          <a:bodyPr/>
-          <a:lstStyle>
-            <a:lvl1pPr>
-              <a:defRPr/>
-            </a:lvl1pPr>
-            <a:extLst/>
-          </a:lstStyle>
-          <a:p>
-            <a:r>
-              <a:rPr kumimoji="0" lang="ru-RU"/>
-              <a:t>Образец заголовка</a:t>
-            </a:r>
-            <a:endParaRPr kumimoji="0" lang="en-US"/>
-          </a:p>
-        </p:txBody>
-      </p:sp>
-      <p:sp>
-        <p:nvSpPr>
-          <p:cNvPr id="3" name="Текст 2"/>
+          <p:cNvPr id="3" name="Text Placeholder 2">
+            <a:extLst>
+              <a:ext uri="{FF2B5EF4-FFF2-40B4-BE49-F238E27FC236}">
+                <a16:creationId xmlns:a16="http://schemas.microsoft.com/office/drawing/2014/main" id="{6269F13F-65D4-D3DB-7303-3BDE5DAB577D}"/>
+              </a:ext>
+            </a:extLst>
+          </p:cNvPr>
           <p:cNvSpPr>
             <a:spLocks noGrp="1"/>
           </p:cNvSpPr>
@@ -2282,16 +1968,16 @@
         </p:nvSpPr>
         <p:spPr>
           <a:xfrm>
-            <a:off x="457200" y="1698987"/>
-            <a:ext cx="4040188" cy="715355"/>
+            <a:off x="839788" y="1681163"/>
+            <a:ext cx="5157787" cy="823912"/>
           </a:xfrm>
         </p:spPr>
         <p:txBody>
-          <a:bodyPr lIns="146304" anchor="ctr"/>
+          <a:bodyPr anchor="b"/>
           <a:lstStyle>
             <a:lvl1pPr marL="0" indent="0">
               <a:buNone/>
-              <a:defRPr sz="2300" b="1" cap="all" baseline="0"/>
+              <a:defRPr sz="2400" b="1"/>
             </a:lvl1pPr>
             <a:lvl2pPr marL="457200" indent="0">
               <a:buNone/>
@@ -2325,20 +2011,25 @@
               <a:buNone/>
               <a:defRPr sz="1600" b="1"/>
             </a:lvl9pPr>
-            <a:extLst/>
           </a:lstStyle>
           <a:p>
-            <a:pPr lvl="0" eaLnBrk="1" latinLnBrk="0" hangingPunct="1"/>
-            <a:r>
-              <a:rPr kumimoji="0" lang="ru-RU"/>
-              <a:t>Образец текста</a:t>
+            <a:pPr lvl="0"/>
+            <a:r>
+              <a:rPr lang="en-US"/>
+              <a:t>Click to edit Master text styles</a:t>
             </a:r>
           </a:p>
         </p:txBody>
       </p:sp>
       <p:sp>
         <p:nvSpPr>
-          <p:cNvPr id="4" name="Объект 3"/>
+          <p:cNvPr id="4" name="Content Placeholder 3">
+            <a:extLst>
+              <a:ext uri="{FF2B5EF4-FFF2-40B4-BE49-F238E27FC236}">
+                <a16:creationId xmlns:a16="http://schemas.microsoft.com/office/drawing/2014/main" id="{D78379E4-6F2D-5BCB-D872-61044B97A834}"/>
+              </a:ext>
+            </a:extLst>
+          </p:cNvPr>
           <p:cNvSpPr>
             <a:spLocks noGrp="1"/>
           </p:cNvSpPr>
@@ -2348,83 +2039,59 @@
         </p:nvSpPr>
         <p:spPr>
           <a:xfrm>
-            <a:off x="457200" y="2449512"/>
-            <a:ext cx="4040188" cy="3951288"/>
+            <a:off x="839788" y="2505075"/>
+            <a:ext cx="5157787" cy="3684588"/>
           </a:xfrm>
         </p:spPr>
         <p:txBody>
           <a:bodyPr/>
-          <a:lstStyle>
-            <a:lvl1pPr>
-              <a:defRPr sz="2400"/>
-            </a:lvl1pPr>
-            <a:lvl2pPr>
-              <a:defRPr sz="2000"/>
-            </a:lvl2pPr>
-            <a:lvl3pPr>
-              <a:defRPr sz="1800"/>
-            </a:lvl3pPr>
-            <a:lvl4pPr>
-              <a:defRPr sz="1600"/>
-            </a:lvl4pPr>
-            <a:lvl5pPr>
-              <a:defRPr sz="1600"/>
-            </a:lvl5pPr>
-            <a:lvl6pPr>
-              <a:defRPr sz="1600"/>
-            </a:lvl6pPr>
-            <a:lvl7pPr>
-              <a:defRPr sz="1600"/>
-            </a:lvl7pPr>
-            <a:lvl8pPr>
-              <a:defRPr sz="1600"/>
-            </a:lvl8pPr>
-            <a:lvl9pPr>
-              <a:defRPr sz="1600"/>
-            </a:lvl9pPr>
-            <a:extLst/>
-          </a:lstStyle>
-          <a:p>
-            <a:pPr lvl="0" eaLnBrk="1" latinLnBrk="0" hangingPunct="1"/>
-            <a:r>
-              <a:rPr lang="ru-RU"/>
-              <a:t>Образец текста</a:t>
-            </a:r>
-          </a:p>
-          <a:p>
-            <a:pPr lvl="1" eaLnBrk="1" latinLnBrk="0" hangingPunct="1"/>
-            <a:r>
-              <a:rPr lang="ru-RU"/>
-              <a:t>Второй уровень</a:t>
-            </a:r>
-          </a:p>
-          <a:p>
-            <a:pPr lvl="2" eaLnBrk="1" latinLnBrk="0" hangingPunct="1"/>
-            <a:r>
-              <a:rPr lang="ru-RU"/>
-              <a:t>Третий уровень</a:t>
-            </a:r>
-          </a:p>
-          <a:p>
-            <a:pPr lvl="3" eaLnBrk="1" latinLnBrk="0" hangingPunct="1"/>
-            <a:r>
-              <a:rPr lang="ru-RU"/>
-              <a:t>Четвертый уровень</a:t>
-            </a:r>
-          </a:p>
-          <a:p>
-            <a:pPr lvl="4" eaLnBrk="1" latinLnBrk="0" hangingPunct="1"/>
-            <a:r>
-              <a:rPr lang="ru-RU"/>
-              <a:t>Пятый уровень</a:t>
-            </a:r>
-            <a:endParaRPr kumimoji="0" lang="en-US"/>
+          <a:lstStyle/>
+          <a:p>
+            <a:pPr lvl="0"/>
+            <a:r>
+              <a:rPr lang="en-US"/>
+              <a:t>Click to edit Master text styles</a:t>
+            </a:r>
+          </a:p>
+          <a:p>
+            <a:pPr lvl="1"/>
+            <a:r>
+              <a:rPr lang="en-US"/>
+              <a:t>Second level</a:t>
+            </a:r>
+          </a:p>
+          <a:p>
+            <a:pPr lvl="2"/>
+            <a:r>
+              <a:rPr lang="en-US"/>
+              <a:t>Third level</a:t>
+            </a:r>
+          </a:p>
+          <a:p>
+            <a:pPr lvl="3"/>
+            <a:r>
+              <a:rPr lang="en-US"/>
+              <a:t>Fourth level</a:t>
+            </a:r>
+          </a:p>
+          <a:p>
+            <a:pPr lvl="4"/>
+            <a:r>
+              <a:rPr lang="en-US"/>
+              <a:t>Fifth level</a:t>
+            </a:r>
           </a:p>
         </p:txBody>
       </p:sp>
       <p:sp>
         <p:nvSpPr>
-          <p:cNvPr id="5" name="Текст 4"/>
+          <p:cNvPr id="5" name="Text Placeholder 4">
+            <a:extLst>
+              <a:ext uri="{FF2B5EF4-FFF2-40B4-BE49-F238E27FC236}">
+                <a16:creationId xmlns:a16="http://schemas.microsoft.com/office/drawing/2014/main" id="{B63FE560-735B-7CDC-B108-67C7F6A09EF3}"/>
+              </a:ext>
+            </a:extLst>
+          </p:cNvPr>
           <p:cNvSpPr>
             <a:spLocks noGrp="1"/>
           </p:cNvSpPr>
@@ -2434,16 +2101,16 @@
         </p:nvSpPr>
         <p:spPr>
           <a:xfrm>
-            <a:off x="4645025" y="1698987"/>
-            <a:ext cx="4041775" cy="715355"/>
+            <a:off x="6172200" y="1681163"/>
+            <a:ext cx="5183188" cy="823912"/>
           </a:xfrm>
         </p:spPr>
         <p:txBody>
-          <a:bodyPr lIns="146304" anchor="ctr"/>
+          <a:bodyPr anchor="b"/>
           <a:lstStyle>
             <a:lvl1pPr marL="0" indent="0">
               <a:buNone/>
-              <a:defRPr sz="2300" b="1" cap="all" baseline="0"/>
+              <a:defRPr sz="2400" b="1"/>
             </a:lvl1pPr>
             <a:lvl2pPr marL="457200" indent="0">
               <a:buNone/>
@@ -2477,20 +2144,25 @@
               <a:buNone/>
               <a:defRPr sz="1600" b="1"/>
             </a:lvl9pPr>
-            <a:extLst/>
           </a:lstStyle>
           <a:p>
-            <a:pPr lvl="0" eaLnBrk="1" latinLnBrk="0" hangingPunct="1"/>
-            <a:r>
-              <a:rPr kumimoji="0" lang="ru-RU"/>
-              <a:t>Образец текста</a:t>
+            <a:pPr lvl="0"/>
+            <a:r>
+              <a:rPr lang="en-US"/>
+              <a:t>Click to edit Master text styles</a:t>
             </a:r>
           </a:p>
         </p:txBody>
       </p:sp>
       <p:sp>
         <p:nvSpPr>
-          <p:cNvPr id="6" name="Объект 5"/>
+          <p:cNvPr id="6" name="Content Placeholder 5">
+            <a:extLst>
+              <a:ext uri="{FF2B5EF4-FFF2-40B4-BE49-F238E27FC236}">
+                <a16:creationId xmlns:a16="http://schemas.microsoft.com/office/drawing/2014/main" id="{E43964EE-861B-C2E1-052E-37518EB6518A}"/>
+              </a:ext>
+            </a:extLst>
+          </p:cNvPr>
           <p:cNvSpPr>
             <a:spLocks noGrp="1"/>
           </p:cNvSpPr>
@@ -2500,83 +2172,59 @@
         </p:nvSpPr>
         <p:spPr>
           <a:xfrm>
-            <a:off x="4645025" y="2449512"/>
-            <a:ext cx="4041775" cy="3951288"/>
+            <a:off x="6172200" y="2505075"/>
+            <a:ext cx="5183188" cy="3684588"/>
           </a:xfrm>
         </p:spPr>
         <p:txBody>
           <a:bodyPr/>
-          <a:lstStyle>
-            <a:lvl1pPr>
-              <a:defRPr sz="2400"/>
-            </a:lvl1pPr>
-            <a:lvl2pPr>
-              <a:defRPr sz="2000"/>
-            </a:lvl2pPr>
-            <a:lvl3pPr>
-              <a:defRPr sz="1800"/>
-            </a:lvl3pPr>
-            <a:lvl4pPr>
-              <a:defRPr sz="1600"/>
-            </a:lvl4pPr>
-            <a:lvl5pPr>
-              <a:defRPr sz="1600"/>
-            </a:lvl5pPr>
-            <a:lvl6pPr>
-              <a:defRPr sz="1600"/>
-            </a:lvl6pPr>
-            <a:lvl7pPr>
-              <a:defRPr sz="1600"/>
-            </a:lvl7pPr>
-            <a:lvl8pPr>
-              <a:defRPr sz="1600"/>
-            </a:lvl8pPr>
-            <a:lvl9pPr>
-              <a:defRPr sz="1600"/>
-            </a:lvl9pPr>
-            <a:extLst/>
-          </a:lstStyle>
-          <a:p>
-            <a:pPr lvl="0" eaLnBrk="1" latinLnBrk="0" hangingPunct="1"/>
-            <a:r>
-              <a:rPr lang="ru-RU"/>
-              <a:t>Образец текста</a:t>
-            </a:r>
-          </a:p>
-          <a:p>
-            <a:pPr lvl="1" eaLnBrk="1" latinLnBrk="0" hangingPunct="1"/>
-            <a:r>
-              <a:rPr lang="ru-RU"/>
-              <a:t>Второй уровень</a:t>
-            </a:r>
-          </a:p>
-          <a:p>
-            <a:pPr lvl="2" eaLnBrk="1" latinLnBrk="0" hangingPunct="1"/>
-            <a:r>
-              <a:rPr lang="ru-RU"/>
-              <a:t>Третий уровень</a:t>
-            </a:r>
-          </a:p>
-          <a:p>
-            <a:pPr lvl="3" eaLnBrk="1" latinLnBrk="0" hangingPunct="1"/>
-            <a:r>
-              <a:rPr lang="ru-RU"/>
-              <a:t>Четвертый уровень</a:t>
-            </a:r>
-          </a:p>
-          <a:p>
-            <a:pPr lvl="4" eaLnBrk="1" latinLnBrk="0" hangingPunct="1"/>
-            <a:r>
-              <a:rPr lang="ru-RU"/>
-              <a:t>Пятый уровень</a:t>
-            </a:r>
-            <a:endParaRPr kumimoji="0" lang="en-US"/>
+          <a:lstStyle/>
+          <a:p>
+            <a:pPr lvl="0"/>
+            <a:r>
+              <a:rPr lang="en-US"/>
+              <a:t>Click to edit Master text styles</a:t>
+            </a:r>
+          </a:p>
+          <a:p>
+            <a:pPr lvl="1"/>
+            <a:r>
+              <a:rPr lang="en-US"/>
+              <a:t>Second level</a:t>
+            </a:r>
+          </a:p>
+          <a:p>
+            <a:pPr lvl="2"/>
+            <a:r>
+              <a:rPr lang="en-US"/>
+              <a:t>Third level</a:t>
+            </a:r>
+          </a:p>
+          <a:p>
+            <a:pPr lvl="3"/>
+            <a:r>
+              <a:rPr lang="en-US"/>
+              <a:t>Fourth level</a:t>
+            </a:r>
+          </a:p>
+          <a:p>
+            <a:pPr lvl="4"/>
+            <a:r>
+              <a:rPr lang="en-US"/>
+              <a:t>Fifth level</a:t>
+            </a:r>
           </a:p>
         </p:txBody>
       </p:sp>
       <p:sp>
         <p:nvSpPr>
-          <p:cNvPr id="7" name="Дата 6"/>
+          <p:cNvPr id="7" name="Date Placeholder 6">
+            <a:extLst>
+              <a:ext uri="{FF2B5EF4-FFF2-40B4-BE49-F238E27FC236}">
+                <a16:creationId xmlns:a16="http://schemas.microsoft.com/office/drawing/2014/main" id="{F5DADC72-9E09-8E4D-6C07-088E522183F1}"/>
+              </a:ext>
+            </a:extLst>
+          </p:cNvPr>
           <p:cNvSpPr>
             <a:spLocks noGrp="1"/>
           </p:cNvSpPr>
@@ -2591,7 +2239,7 @@
           <a:p>
             <a:fld id="{2590F9C9-AB92-4E86-B698-DEC9BF4350FF}" type="datetimeFigureOut">
               <a:rPr lang="ru-RU" smtClean="0"/>
-              <a:t>12.12.2023</a:t>
+              <a:t>06.12.2024</a:t>
             </a:fld>
             <a:endParaRPr lang="ru-RU"/>
           </a:p>
@@ -2599,7 +2247,13 @@
       </p:sp>
       <p:sp>
         <p:nvSpPr>
-          <p:cNvPr id="8" name="Нижний колонтитул 7"/>
+          <p:cNvPr id="8" name="Footer Placeholder 7">
+            <a:extLst>
+              <a:ext uri="{FF2B5EF4-FFF2-40B4-BE49-F238E27FC236}">
+                <a16:creationId xmlns:a16="http://schemas.microsoft.com/office/drawing/2014/main" id="{90ABAFB0-58AF-8469-FC91-9054A0239B3C}"/>
+              </a:ext>
+            </a:extLst>
+          </p:cNvPr>
           <p:cNvSpPr>
             <a:spLocks noGrp="1"/>
           </p:cNvSpPr>
@@ -2618,7 +2272,13 @@
       </p:sp>
       <p:sp>
         <p:nvSpPr>
-          <p:cNvPr id="9" name="Номер слайда 8"/>
+          <p:cNvPr id="9" name="Slide Number Placeholder 8">
+            <a:extLst>
+              <a:ext uri="{FF2B5EF4-FFF2-40B4-BE49-F238E27FC236}">
+                <a16:creationId xmlns:a16="http://schemas.microsoft.com/office/drawing/2014/main" id="{B914F5FA-58F6-FBA8-E721-31DB4022F82D}"/>
+              </a:ext>
+            </a:extLst>
+          </p:cNvPr>
           <p:cNvSpPr>
             <a:spLocks noGrp="1"/>
           </p:cNvSpPr>
@@ -2640,6 +2300,11 @@
         </p:txBody>
       </p:sp>
     </p:spTree>
+    <p:extLst>
+      <p:ext uri="{BB962C8B-B14F-4D97-AF65-F5344CB8AC3E}">
+        <p14:creationId xmlns:p14="http://schemas.microsoft.com/office/powerpoint/2010/main" val="2842732906"/>
+      </p:ext>
+    </p:extLst>
   </p:cSld>
   <p:clrMapOvr>
     <a:masterClrMapping/>
@@ -2649,7 +2314,7 @@
 
 <file path=ppt/slideLayouts/slideLayout6.xml><?xml version="1.0" encoding="utf-8"?>
 <p:sldLayout xmlns:a="http://schemas.openxmlformats.org/drawingml/2006/main" xmlns:r="http://schemas.openxmlformats.org/officeDocument/2006/relationships" xmlns:p="http://schemas.openxmlformats.org/presentationml/2006/main" type="titleOnly" preserve="1">
-  <p:cSld name="Только заголовок">
+  <p:cSld name="Title Only">
     <p:spTree>
       <p:nvGrpSpPr>
         <p:cNvPr id="1" name=""/>
@@ -2666,7 +2331,13 @@
       </p:grpSpPr>
       <p:sp>
         <p:nvSpPr>
-          <p:cNvPr id="2" name="Заголовок 1"/>
+          <p:cNvPr id="2" name="Title 1">
+            <a:extLst>
+              <a:ext uri="{FF2B5EF4-FFF2-40B4-BE49-F238E27FC236}">
+                <a16:creationId xmlns:a16="http://schemas.microsoft.com/office/drawing/2014/main" id="{4C03ED2A-F79C-1246-962D-045CAC707287}"/>
+              </a:ext>
+            </a:extLst>
+          </p:cNvPr>
           <p:cNvSpPr>
             <a:spLocks noGrp="1"/>
           </p:cNvSpPr>
@@ -2680,16 +2351,21 @@
           <a:lstStyle/>
           <a:p>
             <a:r>
-              <a:rPr kumimoji="0" lang="ru-RU"/>
-              <a:t>Образец заголовка</a:t>
-            </a:r>
-            <a:endParaRPr kumimoji="0" lang="en-US"/>
+              <a:rPr lang="en-US"/>
+              <a:t>Click to edit Master title style</a:t>
+            </a:r>
           </a:p>
         </p:txBody>
       </p:sp>
       <p:sp>
         <p:nvSpPr>
-          <p:cNvPr id="3" name="Дата 2"/>
+          <p:cNvPr id="3" name="Date Placeholder 2">
+            <a:extLst>
+              <a:ext uri="{FF2B5EF4-FFF2-40B4-BE49-F238E27FC236}">
+                <a16:creationId xmlns:a16="http://schemas.microsoft.com/office/drawing/2014/main" id="{F641720E-67B3-F630-51EA-CBD9C86051B8}"/>
+              </a:ext>
+            </a:extLst>
+          </p:cNvPr>
           <p:cNvSpPr>
             <a:spLocks noGrp="1"/>
           </p:cNvSpPr>
@@ -2704,7 +2380,7 @@
           <a:p>
             <a:fld id="{2590F9C9-AB92-4E86-B698-DEC9BF4350FF}" type="datetimeFigureOut">
               <a:rPr lang="ru-RU" smtClean="0"/>
-              <a:t>12.12.2023</a:t>
+              <a:t>06.12.2024</a:t>
             </a:fld>
             <a:endParaRPr lang="ru-RU"/>
           </a:p>
@@ -2712,7 +2388,13 @@
       </p:sp>
       <p:sp>
         <p:nvSpPr>
-          <p:cNvPr id="4" name="Нижний колонтитул 3"/>
+          <p:cNvPr id="4" name="Footer Placeholder 3">
+            <a:extLst>
+              <a:ext uri="{FF2B5EF4-FFF2-40B4-BE49-F238E27FC236}">
+                <a16:creationId xmlns:a16="http://schemas.microsoft.com/office/drawing/2014/main" id="{4D4AF545-00EF-F048-7359-94870CA180AB}"/>
+              </a:ext>
+            </a:extLst>
+          </p:cNvPr>
           <p:cNvSpPr>
             <a:spLocks noGrp="1"/>
           </p:cNvSpPr>
@@ -2731,7 +2413,13 @@
       </p:sp>
       <p:sp>
         <p:nvSpPr>
-          <p:cNvPr id="5" name="Номер слайда 4"/>
+          <p:cNvPr id="5" name="Slide Number Placeholder 4">
+            <a:extLst>
+              <a:ext uri="{FF2B5EF4-FFF2-40B4-BE49-F238E27FC236}">
+                <a16:creationId xmlns:a16="http://schemas.microsoft.com/office/drawing/2014/main" id="{F535F1F2-BDB6-1055-36FB-851D018E5D7E}"/>
+              </a:ext>
+            </a:extLst>
+          </p:cNvPr>
           <p:cNvSpPr>
             <a:spLocks noGrp="1"/>
           </p:cNvSpPr>
@@ -2753,6 +2441,11 @@
         </p:txBody>
       </p:sp>
     </p:spTree>
+    <p:extLst>
+      <p:ext uri="{BB962C8B-B14F-4D97-AF65-F5344CB8AC3E}">
+        <p14:creationId xmlns:p14="http://schemas.microsoft.com/office/powerpoint/2010/main" val="1057690028"/>
+      </p:ext>
+    </p:extLst>
   </p:cSld>
   <p:clrMapOvr>
     <a:masterClrMapping/>
@@ -2761,8 +2454,8 @@
 </file>
 
 <file path=ppt/slideLayouts/slideLayout7.xml><?xml version="1.0" encoding="utf-8"?>
-<p:sldLayout xmlns:a="http://schemas.openxmlformats.org/drawingml/2006/main" xmlns:r="http://schemas.openxmlformats.org/officeDocument/2006/relationships" xmlns:p="http://schemas.openxmlformats.org/presentationml/2006/main" showMasterSp="0" type="blank" preserve="1">
-  <p:cSld name="Пустой слайд">
+<p:sldLayout xmlns:a="http://schemas.openxmlformats.org/drawingml/2006/main" xmlns:r="http://schemas.openxmlformats.org/officeDocument/2006/relationships" xmlns:p="http://schemas.openxmlformats.org/presentationml/2006/main" type="blank" preserve="1">
+  <p:cSld name="Blank">
     <p:spTree>
       <p:nvGrpSpPr>
         <p:cNvPr id="1" name=""/>
@@ -2779,7 +2472,13 @@
       </p:grpSpPr>
       <p:sp>
         <p:nvSpPr>
-          <p:cNvPr id="2" name="Дата 1"/>
+          <p:cNvPr id="2" name="Date Placeholder 1">
+            <a:extLst>
+              <a:ext uri="{FF2B5EF4-FFF2-40B4-BE49-F238E27FC236}">
+                <a16:creationId xmlns:a16="http://schemas.microsoft.com/office/drawing/2014/main" id="{015F7876-F0CF-0BE6-3B26-88D3164FCDC7}"/>
+              </a:ext>
+            </a:extLst>
+          </p:cNvPr>
           <p:cNvSpPr>
             <a:spLocks noGrp="1"/>
           </p:cNvSpPr>
@@ -2794,7 +2493,7 @@
           <a:p>
             <a:fld id="{2590F9C9-AB92-4E86-B698-DEC9BF4350FF}" type="datetimeFigureOut">
               <a:rPr lang="ru-RU" smtClean="0"/>
-              <a:t>12.12.2023</a:t>
+              <a:t>06.12.2024</a:t>
             </a:fld>
             <a:endParaRPr lang="ru-RU"/>
           </a:p>
@@ -2802,7 +2501,13 @@
       </p:sp>
       <p:sp>
         <p:nvSpPr>
-          <p:cNvPr id="3" name="Нижний колонтитул 2"/>
+          <p:cNvPr id="3" name="Footer Placeholder 2">
+            <a:extLst>
+              <a:ext uri="{FF2B5EF4-FFF2-40B4-BE49-F238E27FC236}">
+                <a16:creationId xmlns:a16="http://schemas.microsoft.com/office/drawing/2014/main" id="{70E46534-579A-3A19-1E5A-55007A8A52E7}"/>
+              </a:ext>
+            </a:extLst>
+          </p:cNvPr>
           <p:cNvSpPr>
             <a:spLocks noGrp="1"/>
           </p:cNvSpPr>
@@ -2821,7 +2526,13 @@
       </p:sp>
       <p:sp>
         <p:nvSpPr>
-          <p:cNvPr id="4" name="Номер слайда 3"/>
+          <p:cNvPr id="4" name="Slide Number Placeholder 3">
+            <a:extLst>
+              <a:ext uri="{FF2B5EF4-FFF2-40B4-BE49-F238E27FC236}">
+                <a16:creationId xmlns:a16="http://schemas.microsoft.com/office/drawing/2014/main" id="{02C7BE07-5529-AE46-04CC-9CC4292764C4}"/>
+              </a:ext>
+            </a:extLst>
+          </p:cNvPr>
           <p:cNvSpPr>
             <a:spLocks noGrp="1"/>
           </p:cNvSpPr>
@@ -2843,6 +2554,11 @@
         </p:txBody>
       </p:sp>
     </p:spTree>
+    <p:extLst>
+      <p:ext uri="{BB962C8B-B14F-4D97-AF65-F5344CB8AC3E}">
+        <p14:creationId xmlns:p14="http://schemas.microsoft.com/office/powerpoint/2010/main" val="1208103535"/>
+      </p:ext>
+    </p:extLst>
   </p:cSld>
   <p:clrMapOvr>
     <a:masterClrMapping/>
@@ -2852,7 +2568,7 @@
 
 <file path=ppt/slideLayouts/slideLayout8.xml><?xml version="1.0" encoding="utf-8"?>
 <p:sldLayout xmlns:a="http://schemas.openxmlformats.org/drawingml/2006/main" xmlns:r="http://schemas.openxmlformats.org/officeDocument/2006/relationships" xmlns:p="http://schemas.openxmlformats.org/presentationml/2006/main" type="objTx" preserve="1">
-  <p:cSld name="Объект с подписью">
+  <p:cSld name="Content with Caption">
     <p:spTree>
       <p:nvGrpSpPr>
         <p:cNvPr id="1" name=""/>
@@ -2869,7 +2585,13 @@
       </p:grpSpPr>
       <p:sp>
         <p:nvSpPr>
-          <p:cNvPr id="2" name="Заголовок 1"/>
+          <p:cNvPr id="2" name="Title 1">
+            <a:extLst>
+              <a:ext uri="{FF2B5EF4-FFF2-40B4-BE49-F238E27FC236}">
+                <a16:creationId xmlns:a16="http://schemas.microsoft.com/office/drawing/2014/main" id="{21102235-2A80-0FC4-D194-3110DB6DA704}"/>
+              </a:ext>
+            </a:extLst>
+          </p:cNvPr>
           <p:cNvSpPr>
             <a:spLocks noGrp="1"/>
           </p:cNvSpPr>
@@ -2879,33 +2601,34 @@
         </p:nvSpPr>
         <p:spPr>
           <a:xfrm>
-            <a:off x="167838" y="152400"/>
-            <a:ext cx="2523744" cy="978408"/>
+            <a:off x="839788" y="457200"/>
+            <a:ext cx="3932237" cy="1600200"/>
           </a:xfrm>
         </p:spPr>
         <p:txBody>
-          <a:bodyPr vert="horz" lIns="73152" rIns="45720" bIns="0" rtlCol="0" anchor="b">
-            <a:normAutofit/>
-            <a:sp3d prstMaterial="matte"/>
-          </a:bodyPr>
+          <a:bodyPr anchor="b"/>
           <a:lstStyle>
-            <a:lvl1pPr algn="l">
-              <a:defRPr sz="2000" b="0"/>
+            <a:lvl1pPr>
+              <a:defRPr sz="3200"/>
             </a:lvl1pPr>
-            <a:extLst/>
           </a:lstStyle>
           <a:p>
             <a:r>
-              <a:rPr kumimoji="0" lang="ru-RU"/>
-              <a:t>Образец заголовка</a:t>
-            </a:r>
-            <a:endParaRPr kumimoji="0" lang="en-US"/>
+              <a:rPr lang="en-US"/>
+              <a:t>Click to edit Master title style</a:t>
+            </a:r>
           </a:p>
         </p:txBody>
       </p:sp>
       <p:sp>
         <p:nvSpPr>
-          <p:cNvPr id="3" name="Объект 2"/>
+          <p:cNvPr id="3" name="Content Placeholder 2">
+            <a:extLst>
+              <a:ext uri="{FF2B5EF4-FFF2-40B4-BE49-F238E27FC236}">
+                <a16:creationId xmlns:a16="http://schemas.microsoft.com/office/drawing/2014/main" id="{C80F773A-B035-B0DB-7466-981A8C7584F0}"/>
+              </a:ext>
+            </a:extLst>
+          </p:cNvPr>
           <p:cNvSpPr>
             <a:spLocks noGrp="1"/>
           </p:cNvSpPr>
@@ -2915,8 +2638,8 @@
         </p:nvSpPr>
         <p:spPr>
           <a:xfrm>
-            <a:off x="3019377" y="1743133"/>
-            <a:ext cx="5920641" cy="4558885"/>
+            <a:off x="5183188" y="987425"/>
+            <a:ext cx="6172200" cy="4873625"/>
           </a:xfrm>
         </p:spPr>
         <p:txBody>
@@ -2949,49 +2672,53 @@
             <a:lvl9pPr>
               <a:defRPr sz="2000"/>
             </a:lvl9pPr>
-            <a:extLst/>
           </a:lstStyle>
           <a:p>
-            <a:pPr lvl="0" eaLnBrk="1" latinLnBrk="0" hangingPunct="1"/>
-            <a:r>
-              <a:rPr lang="ru-RU"/>
-              <a:t>Образец текста</a:t>
-            </a:r>
-          </a:p>
-          <a:p>
-            <a:pPr lvl="1" eaLnBrk="1" latinLnBrk="0" hangingPunct="1"/>
-            <a:r>
-              <a:rPr lang="ru-RU"/>
-              <a:t>Второй уровень</a:t>
-            </a:r>
-          </a:p>
-          <a:p>
-            <a:pPr lvl="2" eaLnBrk="1" latinLnBrk="0" hangingPunct="1"/>
-            <a:r>
-              <a:rPr lang="ru-RU"/>
-              <a:t>Третий уровень</a:t>
-            </a:r>
-          </a:p>
-          <a:p>
-            <a:pPr lvl="3" eaLnBrk="1" latinLnBrk="0" hangingPunct="1"/>
-            <a:r>
-              <a:rPr lang="ru-RU"/>
-              <a:t>Четвертый уровень</a:t>
-            </a:r>
-          </a:p>
-          <a:p>
-            <a:pPr lvl="4" eaLnBrk="1" latinLnBrk="0" hangingPunct="1"/>
-            <a:r>
-              <a:rPr lang="ru-RU"/>
-              <a:t>Пятый уровень</a:t>
-            </a:r>
-            <a:endParaRPr kumimoji="0" lang="en-US"/>
+            <a:pPr lvl="0"/>
+            <a:r>
+              <a:rPr lang="en-US"/>
+              <a:t>Click to edit Master text styles</a:t>
+            </a:r>
+          </a:p>
+          <a:p>
+            <a:pPr lvl="1"/>
+            <a:r>
+              <a:rPr lang="en-US"/>
+              <a:t>Second level</a:t>
+            </a:r>
+          </a:p>
+          <a:p>
+            <a:pPr lvl="2"/>
+            <a:r>
+              <a:rPr lang="en-US"/>
+              <a:t>Third level</a:t>
+            </a:r>
+          </a:p>
+          <a:p>
+            <a:pPr lvl="3"/>
+            <a:r>
+              <a:rPr lang="en-US"/>
+              <a:t>Fourth level</a:t>
+            </a:r>
+          </a:p>
+          <a:p>
+            <a:pPr lvl="4"/>
+            <a:r>
+              <a:rPr lang="en-US"/>
+              <a:t>Fifth level</a:t>
+            </a:r>
           </a:p>
         </p:txBody>
       </p:sp>
       <p:sp>
         <p:nvSpPr>
-          <p:cNvPr id="4" name="Текст 3"/>
+          <p:cNvPr id="4" name="Text Placeholder 3">
+            <a:extLst>
+              <a:ext uri="{FF2B5EF4-FFF2-40B4-BE49-F238E27FC236}">
+                <a16:creationId xmlns:a16="http://schemas.microsoft.com/office/drawing/2014/main" id="{B667FD14-5926-3874-F7EA-27EB09C82EE6}"/>
+              </a:ext>
+            </a:extLst>
+          </p:cNvPr>
           <p:cNvSpPr>
             <a:spLocks noGrp="1"/>
           </p:cNvSpPr>
@@ -3001,8 +2728,8 @@
         </p:nvSpPr>
         <p:spPr>
           <a:xfrm>
-            <a:off x="167838" y="1730018"/>
-            <a:ext cx="2468880" cy="4572000"/>
+            <a:off x="839788" y="2057400"/>
+            <a:ext cx="3932237" cy="3811588"/>
           </a:xfrm>
         </p:spPr>
         <p:txBody>
@@ -3010,54 +2737,59 @@
           <a:lstStyle>
             <a:lvl1pPr marL="0" indent="0">
               <a:buNone/>
-              <a:defRPr sz="1400"/>
+              <a:defRPr sz="1600"/>
             </a:lvl1pPr>
             <a:lvl2pPr marL="457200" indent="0">
               <a:buNone/>
-              <a:defRPr sz="1200"/>
+              <a:defRPr sz="1400"/>
             </a:lvl2pPr>
             <a:lvl3pPr marL="914400" indent="0">
               <a:buNone/>
-              <a:defRPr sz="1000"/>
+              <a:defRPr sz="1200"/>
             </a:lvl3pPr>
             <a:lvl4pPr marL="1371600" indent="0">
               <a:buNone/>
-              <a:defRPr sz="900"/>
+              <a:defRPr sz="1000"/>
             </a:lvl4pPr>
             <a:lvl5pPr marL="1828800" indent="0">
               <a:buNone/>
-              <a:defRPr sz="900"/>
+              <a:defRPr sz="1000"/>
             </a:lvl5pPr>
             <a:lvl6pPr marL="2286000" indent="0">
               <a:buNone/>
-              <a:defRPr sz="900"/>
+              <a:defRPr sz="1000"/>
             </a:lvl6pPr>
             <a:lvl7pPr marL="2743200" indent="0">
               <a:buNone/>
-              <a:defRPr sz="900"/>
+              <a:defRPr sz="1000"/>
             </a:lvl7pPr>
             <a:lvl8pPr marL="3200400" indent="0">
               <a:buNone/>
-              <a:defRPr sz="900"/>
+              <a:defRPr sz="1000"/>
             </a:lvl8pPr>
             <a:lvl9pPr marL="3657600" indent="0">
               <a:buNone/>
-              <a:defRPr sz="900"/>
+              <a:defRPr sz="1000"/>
             </a:lvl9pPr>
-            <a:extLst/>
           </a:lstStyle>
           <a:p>
-            <a:pPr lvl="0" eaLnBrk="1" latinLnBrk="0" hangingPunct="1"/>
-            <a:r>
-              <a:rPr kumimoji="0" lang="ru-RU"/>
-              <a:t>Образец текста</a:t>
+            <a:pPr lvl="0"/>
+            <a:r>
+              <a:rPr lang="en-US"/>
+              <a:t>Click to edit Master text styles</a:t>
             </a:r>
           </a:p>
         </p:txBody>
       </p:sp>
       <p:sp>
         <p:nvSpPr>
-          <p:cNvPr id="5" name="Дата 4"/>
+          <p:cNvPr id="5" name="Date Placeholder 4">
+            <a:extLst>
+              <a:ext uri="{FF2B5EF4-FFF2-40B4-BE49-F238E27FC236}">
+                <a16:creationId xmlns:a16="http://schemas.microsoft.com/office/drawing/2014/main" id="{B122F9BB-D5F6-21C4-F2D7-481F81C0CC1E}"/>
+              </a:ext>
+            </a:extLst>
+          </p:cNvPr>
           <p:cNvSpPr>
             <a:spLocks noGrp="1"/>
           </p:cNvSpPr>
@@ -3072,7 +2804,7 @@
           <a:p>
             <a:fld id="{2590F9C9-AB92-4E86-B698-DEC9BF4350FF}" type="datetimeFigureOut">
               <a:rPr lang="ru-RU" smtClean="0"/>
-              <a:t>12.12.2023</a:t>
+              <a:t>06.12.2024</a:t>
             </a:fld>
             <a:endParaRPr lang="ru-RU"/>
           </a:p>
@@ -3080,7 +2812,13 @@
       </p:sp>
       <p:sp>
         <p:nvSpPr>
-          <p:cNvPr id="6" name="Нижний колонтитул 5"/>
+          <p:cNvPr id="6" name="Footer Placeholder 5">
+            <a:extLst>
+              <a:ext uri="{FF2B5EF4-FFF2-40B4-BE49-F238E27FC236}">
+                <a16:creationId xmlns:a16="http://schemas.microsoft.com/office/drawing/2014/main" id="{F180B2E2-1E8D-A0DE-0928-6A222FD1943F}"/>
+              </a:ext>
+            </a:extLst>
+          </p:cNvPr>
           <p:cNvSpPr>
             <a:spLocks noGrp="1"/>
           </p:cNvSpPr>
@@ -3099,7 +2837,13 @@
       </p:sp>
       <p:sp>
         <p:nvSpPr>
-          <p:cNvPr id="7" name="Номер слайда 6"/>
+          <p:cNvPr id="7" name="Slide Number Placeholder 6">
+            <a:extLst>
+              <a:ext uri="{FF2B5EF4-FFF2-40B4-BE49-F238E27FC236}">
+                <a16:creationId xmlns:a16="http://schemas.microsoft.com/office/drawing/2014/main" id="{0A3C17E5-6A62-6B99-31B6-4ECF8C7B7F95}"/>
+              </a:ext>
+            </a:extLst>
+          </p:cNvPr>
           <p:cNvSpPr>
             <a:spLocks noGrp="1"/>
           </p:cNvSpPr>
@@ -3120,97 +2864,12 @@
           </a:p>
         </p:txBody>
       </p:sp>
-      <p:sp>
-        <p:nvSpPr>
-          <p:cNvPr id="12" name="Прямоугольник 11"/>
-          <p:cNvSpPr/>
-          <p:nvPr/>
-        </p:nvSpPr>
-        <p:spPr bwMode="invGray">
-          <a:xfrm>
-            <a:off x="2855737" y="0"/>
-            <a:ext cx="45720" cy="1453896"/>
-          </a:xfrm>
-          <a:prstGeom prst="rect">
-            <a:avLst/>
-          </a:prstGeom>
-          <a:solidFill>
-            <a:srgbClr val="FFFFFF"/>
-          </a:solidFill>
-          <a:ln w="48000" cap="flat" cmpd="thickThin" algn="ctr">
-            <a:noFill/>
-            <a:prstDash val="solid"/>
-          </a:ln>
-        </p:spPr>
-        <p:style>
-          <a:lnRef idx="2">
-            <a:schemeClr val="accent1"/>
-          </a:lnRef>
-          <a:fillRef idx="1">
-            <a:schemeClr val="accent1"/>
-          </a:fillRef>
-          <a:effectRef idx="0">
-            <a:schemeClr val="accent1"/>
-          </a:effectRef>
-          <a:fontRef idx="minor">
-            <a:schemeClr val="lt1"/>
-          </a:fontRef>
-        </p:style>
-        <p:txBody>
-          <a:bodyPr rtlCol="0" anchor="ctr"/>
-          <a:lstStyle/>
-          <a:p>
-            <a:pPr algn="ctr" eaLnBrk="1" latinLnBrk="0" hangingPunct="1"/>
-            <a:endParaRPr kumimoji="0" lang="en-US"/>
-          </a:p>
-        </p:txBody>
-      </p:sp>
-      <p:sp>
-        <p:nvSpPr>
-          <p:cNvPr id="9" name="Прямоугольник 8"/>
-          <p:cNvSpPr/>
-          <p:nvPr/>
-        </p:nvSpPr>
-        <p:spPr bwMode="invGray">
-          <a:xfrm>
-            <a:off x="2855737" y="0"/>
-            <a:ext cx="45720" cy="1453896"/>
-          </a:xfrm>
-          <a:prstGeom prst="rect">
-            <a:avLst/>
-          </a:prstGeom>
-          <a:solidFill>
-            <a:srgbClr val="FFFFFF"/>
-          </a:solidFill>
-          <a:ln w="48000" cap="flat" cmpd="thickThin" algn="ctr">
-            <a:noFill/>
-            <a:prstDash val="solid"/>
-          </a:ln>
-        </p:spPr>
-        <p:style>
-          <a:lnRef idx="2">
-            <a:schemeClr val="accent1"/>
-          </a:lnRef>
-          <a:fillRef idx="1">
-            <a:schemeClr val="accent1"/>
-          </a:fillRef>
-          <a:effectRef idx="0">
-            <a:schemeClr val="accent1"/>
-          </a:effectRef>
-          <a:fontRef idx="minor">
-            <a:schemeClr val="lt1"/>
-          </a:fontRef>
-        </p:style>
-        <p:txBody>
-          <a:bodyPr rtlCol="0" anchor="ctr"/>
-          <a:lstStyle/>
-          <a:p>
-            <a:pPr algn="ctr" eaLnBrk="1" latinLnBrk="0" hangingPunct="1"/>
-            <a:endParaRPr kumimoji="0" lang="en-US"/>
-          </a:p>
-        </p:txBody>
-      </p:sp>
     </p:spTree>
+    <p:extLst>
+      <p:ext uri="{BB962C8B-B14F-4D97-AF65-F5344CB8AC3E}">
+        <p14:creationId xmlns:p14="http://schemas.microsoft.com/office/powerpoint/2010/main" val="2426194188"/>
+      </p:ext>
+    </p:extLst>
   </p:cSld>
   <p:clrMapOvr>
     <a:masterClrMapping/>
@@ -3220,12 +2879,7 @@
 
 <file path=ppt/slideLayouts/slideLayout9.xml><?xml version="1.0" encoding="utf-8"?>
 <p:sldLayout xmlns:a="http://schemas.openxmlformats.org/drawingml/2006/main" xmlns:r="http://schemas.openxmlformats.org/officeDocument/2006/relationships" xmlns:p="http://schemas.openxmlformats.org/presentationml/2006/main" type="picTx" preserve="1">
-  <p:cSld name="Рисунок с подписью">
-    <p:bg>
-      <p:bgRef idx="1001">
-        <a:schemeClr val="bg2"/>
-      </p:bgRef>
-    </p:bg>
+  <p:cSld name="Picture with Caption">
     <p:spTree>
       <p:nvGrpSpPr>
         <p:cNvPr id="1" name=""/>
@@ -3242,7 +2896,13 @@
       </p:grpSpPr>
       <p:sp>
         <p:nvSpPr>
-          <p:cNvPr id="2" name="Заголовок 1"/>
+          <p:cNvPr id="2" name="Title 1">
+            <a:extLst>
+              <a:ext uri="{FF2B5EF4-FFF2-40B4-BE49-F238E27FC236}">
+                <a16:creationId xmlns:a16="http://schemas.microsoft.com/office/drawing/2014/main" id="{232218B2-DF68-B29B-ED94-B53987E74901}"/>
+              </a:ext>
+            </a:extLst>
+          </p:cNvPr>
           <p:cNvSpPr>
             <a:spLocks noGrp="1"/>
           </p:cNvSpPr>
@@ -3252,32 +2912,34 @@
         </p:nvSpPr>
         <p:spPr>
           <a:xfrm>
-            <a:off x="164592" y="155448"/>
-            <a:ext cx="2525150" cy="978408"/>
+            <a:off x="839788" y="457200"/>
+            <a:ext cx="3932237" cy="1600200"/>
           </a:xfrm>
         </p:spPr>
         <p:txBody>
-          <a:bodyPr lIns="73152" bIns="0" anchor="b">
-            <a:sp3d prstMaterial="matte"/>
-          </a:bodyPr>
+          <a:bodyPr anchor="b"/>
           <a:lstStyle>
-            <a:lvl1pPr algn="l">
-              <a:defRPr sz="2000" b="0"/>
+            <a:lvl1pPr>
+              <a:defRPr sz="3200"/>
             </a:lvl1pPr>
-            <a:extLst/>
           </a:lstStyle>
           <a:p>
             <a:r>
-              <a:rPr kumimoji="0" lang="ru-RU"/>
-              <a:t>Образец заголовка</a:t>
-            </a:r>
-            <a:endParaRPr kumimoji="0" lang="en-US"/>
+              <a:rPr lang="en-US"/>
+              <a:t>Click to edit Master title style</a:t>
+            </a:r>
           </a:p>
         </p:txBody>
       </p:sp>
       <p:sp>
         <p:nvSpPr>
-          <p:cNvPr id="3" name="Рисунок 2"/>
+          <p:cNvPr id="3" name="Picture Placeholder 2">
+            <a:extLst>
+              <a:ext uri="{FF2B5EF4-FFF2-40B4-BE49-F238E27FC236}">
+                <a16:creationId xmlns:a16="http://schemas.microsoft.com/office/drawing/2014/main" id="{5E7AA981-5AA6-9491-11B8-76A6839D6FA1}"/>
+              </a:ext>
+            </a:extLst>
+          </p:cNvPr>
           <p:cNvSpPr>
             <a:spLocks noGrp="1"/>
           </p:cNvSpPr>
@@ -3287,14 +2949,9 @@
         </p:nvSpPr>
         <p:spPr>
           <a:xfrm>
-            <a:off x="2903805" y="1484808"/>
-            <a:ext cx="6247397" cy="5373192"/>
+            <a:off x="5183188" y="987425"/>
+            <a:ext cx="6172200" cy="4873625"/>
           </a:xfrm>
-          <a:solidFill>
-            <a:schemeClr val="bg2">
-              <a:shade val="75000"/>
-            </a:schemeClr>
-          </a:solidFill>
         </p:spPr>
         <p:txBody>
           <a:bodyPr/>
@@ -3335,20 +2992,21 @@
               <a:buNone/>
               <a:defRPr sz="2000"/>
             </a:lvl9pPr>
-            <a:extLst/>
           </a:lstStyle>
           <a:p>
-            <a:r>
-              <a:rPr kumimoji="0" lang="ru-RU"/>
-              <a:t>Вставка рисунка</a:t>
-            </a:r>
-            <a:endParaRPr kumimoji="0" lang="en-US" dirty="0"/>
+            <a:endParaRPr lang="en-US"/>
           </a:p>
         </p:txBody>
       </p:sp>
       <p:sp>
         <p:nvSpPr>
-          <p:cNvPr id="4" name="Текст 3"/>
+          <p:cNvPr id="4" name="Text Placeholder 3">
+            <a:extLst>
+              <a:ext uri="{FF2B5EF4-FFF2-40B4-BE49-F238E27FC236}">
+                <a16:creationId xmlns:a16="http://schemas.microsoft.com/office/drawing/2014/main" id="{E19F468D-7322-CBEF-22A9-FDB4CF8AB496}"/>
+              </a:ext>
+            </a:extLst>
+          </p:cNvPr>
           <p:cNvSpPr>
             <a:spLocks noGrp="1"/>
           </p:cNvSpPr>
@@ -3358,8 +3016,8 @@
         </p:nvSpPr>
         <p:spPr>
           <a:xfrm>
-            <a:off x="164592" y="1728216"/>
-            <a:ext cx="2468880" cy="4572000"/>
+            <a:off x="839788" y="2057400"/>
+            <a:ext cx="3932237" cy="3811588"/>
           </a:xfrm>
         </p:spPr>
         <p:txBody>
@@ -3367,54 +3025,59 @@
           <a:lstStyle>
             <a:lvl1pPr marL="0" indent="0">
               <a:buNone/>
-              <a:defRPr sz="1400"/>
+              <a:defRPr sz="1600"/>
             </a:lvl1pPr>
             <a:lvl2pPr marL="457200" indent="0">
               <a:buNone/>
-              <a:defRPr sz="1200"/>
+              <a:defRPr sz="1400"/>
             </a:lvl2pPr>
             <a:lvl3pPr marL="914400" indent="0">
               <a:buNone/>
-              <a:defRPr sz="1000"/>
+              <a:defRPr sz="1200"/>
             </a:lvl3pPr>
             <a:lvl4pPr marL="1371600" indent="0">
               <a:buNone/>
-              <a:defRPr sz="900"/>
+              <a:defRPr sz="1000"/>
             </a:lvl4pPr>
             <a:lvl5pPr marL="1828800" indent="0">
               <a:buNone/>
-              <a:defRPr sz="900"/>
+              <a:defRPr sz="1000"/>
             </a:lvl5pPr>
             <a:lvl6pPr marL="2286000" indent="0">
               <a:buNone/>
-              <a:defRPr sz="900"/>
+              <a:defRPr sz="1000"/>
             </a:lvl6pPr>
             <a:lvl7pPr marL="2743200" indent="0">
               <a:buNone/>
-              <a:defRPr sz="900"/>
+              <a:defRPr sz="1000"/>
             </a:lvl7pPr>
             <a:lvl8pPr marL="3200400" indent="0">
               <a:buNone/>
-              <a:defRPr sz="900"/>
+              <a:defRPr sz="1000"/>
             </a:lvl8pPr>
             <a:lvl9pPr marL="3657600" indent="0">
               <a:buNone/>
-              <a:defRPr sz="900"/>
+              <a:defRPr sz="1000"/>
             </a:lvl9pPr>
-            <a:extLst/>
           </a:lstStyle>
           <a:p>
-            <a:pPr lvl="0" eaLnBrk="1" latinLnBrk="0" hangingPunct="1"/>
-            <a:r>
-              <a:rPr kumimoji="0" lang="ru-RU"/>
-              <a:t>Образец текста</a:t>
+            <a:pPr lvl="0"/>
+            <a:r>
+              <a:rPr lang="en-US"/>
+              <a:t>Click to edit Master text styles</a:t>
             </a:r>
           </a:p>
         </p:txBody>
       </p:sp>
       <p:sp>
         <p:nvSpPr>
-          <p:cNvPr id="5" name="Дата 4"/>
+          <p:cNvPr id="5" name="Date Placeholder 4">
+            <a:extLst>
+              <a:ext uri="{FF2B5EF4-FFF2-40B4-BE49-F238E27FC236}">
+                <a16:creationId xmlns:a16="http://schemas.microsoft.com/office/drawing/2014/main" id="{348CFD85-12E1-CC75-683B-84856B57C356}"/>
+              </a:ext>
+            </a:extLst>
+          </p:cNvPr>
           <p:cNvSpPr>
             <a:spLocks noGrp="1"/>
           </p:cNvSpPr>
@@ -3422,19 +3085,14 @@
             <p:ph type="dt" sz="half" idx="10"/>
           </p:nvPr>
         </p:nvSpPr>
-        <p:spPr>
-          <a:xfrm>
-            <a:off x="164592" y="1170432"/>
-            <a:ext cx="2523744" cy="201168"/>
-          </a:xfrm>
-        </p:spPr>
+        <p:spPr/>
         <p:txBody>
           <a:bodyPr/>
           <a:lstStyle/>
           <a:p>
             <a:fld id="{2590F9C9-AB92-4E86-B698-DEC9BF4350FF}" type="datetimeFigureOut">
               <a:rPr lang="ru-RU" smtClean="0"/>
-              <a:t>12.12.2023</a:t>
+              <a:t>06.12.2024</a:t>
             </a:fld>
             <a:endParaRPr lang="ru-RU"/>
           </a:p>
@@ -3442,97 +3100,13 @@
       </p:sp>
       <p:sp>
         <p:nvSpPr>
-          <p:cNvPr id="11" name="Прямоугольник 10"/>
-          <p:cNvSpPr/>
-          <p:nvPr/>
-        </p:nvSpPr>
-        <p:spPr>
-          <a:xfrm>
-            <a:off x="2855737" y="0"/>
-            <a:ext cx="45720" cy="6858000"/>
-          </a:xfrm>
-          <a:prstGeom prst="rect">
-            <a:avLst/>
-          </a:prstGeom>
-          <a:solidFill>
-            <a:srgbClr val="FFFFFF"/>
-          </a:solidFill>
-          <a:ln w="48000" cap="flat" cmpd="thickThin" algn="ctr">
-            <a:noFill/>
-            <a:prstDash val="solid"/>
-          </a:ln>
-        </p:spPr>
-        <p:style>
-          <a:lnRef idx="2">
-            <a:schemeClr val="accent1"/>
-          </a:lnRef>
-          <a:fillRef idx="1">
-            <a:schemeClr val="accent1"/>
-          </a:fillRef>
-          <a:effectRef idx="0">
-            <a:schemeClr val="accent1"/>
-          </a:effectRef>
-          <a:fontRef idx="minor">
-            <a:schemeClr val="lt1"/>
-          </a:fontRef>
-        </p:style>
-        <p:txBody>
-          <a:bodyPr rtlCol="0" anchor="ctr"/>
-          <a:lstStyle/>
-          <a:p>
-            <a:pPr algn="ctr" eaLnBrk="1" latinLnBrk="0" hangingPunct="1"/>
-            <a:endParaRPr kumimoji="0" lang="en-US"/>
-          </a:p>
-        </p:txBody>
-      </p:sp>
-      <p:sp>
-        <p:nvSpPr>
-          <p:cNvPr id="9" name="Прямоугольник 8"/>
-          <p:cNvSpPr/>
-          <p:nvPr/>
-        </p:nvSpPr>
-        <p:spPr bwMode="invGray">
-          <a:xfrm>
-            <a:off x="2855737" y="0"/>
-            <a:ext cx="45720" cy="6858000"/>
-          </a:xfrm>
-          <a:prstGeom prst="rect">
-            <a:avLst/>
-          </a:prstGeom>
-          <a:solidFill>
-            <a:srgbClr val="FFFFFF"/>
-          </a:solidFill>
-          <a:ln w="48000" cap="flat" cmpd="thickThin" algn="ctr">
-            <a:noFill/>
-            <a:prstDash val="solid"/>
-          </a:ln>
-        </p:spPr>
-        <p:style>
-          <a:lnRef idx="2">
-            <a:schemeClr val="accent1"/>
-          </a:lnRef>
-          <a:fillRef idx="1">
-            <a:schemeClr val="accent1"/>
-          </a:fillRef>
-          <a:effectRef idx="0">
-            <a:schemeClr val="accent1"/>
-          </a:effectRef>
-          <a:fontRef idx="minor">
-            <a:schemeClr val="lt1"/>
-          </a:fontRef>
-        </p:style>
-        <p:txBody>
-          <a:bodyPr rtlCol="0" anchor="ctr"/>
-          <a:lstStyle/>
-          <a:p>
-            <a:pPr algn="ctr" eaLnBrk="1" latinLnBrk="0" hangingPunct="1"/>
-            <a:endParaRPr kumimoji="0" lang="en-US"/>
-          </a:p>
-        </p:txBody>
-      </p:sp>
-      <p:sp>
-        <p:nvSpPr>
-          <p:cNvPr id="6" name="Нижний колонтитул 5"/>
+          <p:cNvPr id="6" name="Footer Placeholder 5">
+            <a:extLst>
+              <a:ext uri="{FF2B5EF4-FFF2-40B4-BE49-F238E27FC236}">
+                <a16:creationId xmlns:a16="http://schemas.microsoft.com/office/drawing/2014/main" id="{59CA7643-5BA6-0559-8804-6AA2D172A14E}"/>
+              </a:ext>
+            </a:extLst>
+          </p:cNvPr>
           <p:cNvSpPr>
             <a:spLocks noGrp="1"/>
           </p:cNvSpPr>
@@ -3540,25 +3114,10 @@
             <p:ph type="ftr" sz="quarter" idx="11"/>
           </p:nvPr>
         </p:nvSpPr>
-        <p:spPr>
-          <a:xfrm>
-            <a:off x="3035808" y="1170432"/>
-            <a:ext cx="5193792" cy="201168"/>
-          </a:xfrm>
-        </p:spPr>
+        <p:spPr/>
         <p:txBody>
           <a:bodyPr/>
-          <a:lstStyle>
-            <a:lvl1pPr>
-              <a:defRPr>
-                <a:solidFill>
-                  <a:schemeClr val="bg1">
-                    <a:shade val="50000"/>
-                  </a:schemeClr>
-                </a:solidFill>
-              </a:defRPr>
-            </a:lvl1pPr>
-          </a:lstStyle>
+          <a:lstStyle/>
           <a:p>
             <a:endParaRPr lang="ru-RU"/>
           </a:p>
@@ -3566,7 +3125,13 @@
       </p:sp>
       <p:sp>
         <p:nvSpPr>
-          <p:cNvPr id="7" name="Номер слайда 6"/>
+          <p:cNvPr id="7" name="Slide Number Placeholder 6">
+            <a:extLst>
+              <a:ext uri="{FF2B5EF4-FFF2-40B4-BE49-F238E27FC236}">
+                <a16:creationId xmlns:a16="http://schemas.microsoft.com/office/drawing/2014/main" id="{55F71FC2-D4F3-E9E8-04B5-519D32162259}"/>
+              </a:ext>
+            </a:extLst>
+          </p:cNvPr>
           <p:cNvSpPr>
             <a:spLocks noGrp="1"/>
           </p:cNvSpPr>
@@ -3574,12 +3139,7 @@
             <p:ph type="sldNum" sz="quarter" idx="12"/>
           </p:nvPr>
         </p:nvSpPr>
-        <p:spPr>
-          <a:xfrm>
-            <a:off x="8339328" y="1170432"/>
-            <a:ext cx="733864" cy="201168"/>
-          </a:xfrm>
-        </p:spPr>
+        <p:spPr/>
         <p:txBody>
           <a:bodyPr/>
           <a:lstStyle/>
@@ -3593,9 +3153,14 @@
         </p:txBody>
       </p:sp>
     </p:spTree>
+    <p:extLst>
+      <p:ext uri="{BB962C8B-B14F-4D97-AF65-F5344CB8AC3E}">
+        <p14:creationId xmlns:p14="http://schemas.microsoft.com/office/powerpoint/2010/main" val="2253983969"/>
+      </p:ext>
+    </p:extLst>
   </p:cSld>
   <p:clrMapOvr>
-    <a:overrideClrMapping bg1="lt1" tx1="dk1" bg2="lt2" tx2="dk2" accent1="accent1" accent2="accent2" accent3="accent3" accent4="accent4" accent5="accent5" accent6="accent6" hlink="hlink" folHlink="folHlink"/>
+    <a:masterClrMapping/>
   </p:clrMapOvr>
 </p:sldLayout>
 </file>
@@ -3624,104 +3189,13 @@
       </p:grpSpPr>
       <p:sp>
         <p:nvSpPr>
-          <p:cNvPr id="10" name="Прямоугольник 9"/>
-          <p:cNvSpPr/>
-          <p:nvPr/>
-        </p:nvSpPr>
-        <p:spPr bwMode="invGray">
-          <a:xfrm>
-            <a:off x="0" y="1435895"/>
-            <a:ext cx="9144000" cy="45720"/>
-          </a:xfrm>
-          <a:prstGeom prst="rect">
-            <a:avLst/>
-          </a:prstGeom>
-          <a:solidFill>
-            <a:srgbClr val="FFFFFF"/>
-          </a:solidFill>
-          <a:ln w="48000" cap="flat" cmpd="thickThin" algn="ctr">
-            <a:noFill/>
-            <a:prstDash val="solid"/>
-          </a:ln>
-          <a:effectLst>
-            <a:outerShdw blurRad="31750" dist="10160" dir="5400000" algn="tl" rotWithShape="0">
-              <a:srgbClr val="000000">
-                <a:alpha val="60000"/>
-              </a:srgbClr>
-            </a:outerShdw>
-          </a:effectLst>
-        </p:spPr>
-        <p:style>
-          <a:lnRef idx="2">
-            <a:schemeClr val="accent1"/>
-          </a:lnRef>
-          <a:fillRef idx="1">
-            <a:schemeClr val="accent1"/>
-          </a:fillRef>
-          <a:effectRef idx="0">
-            <a:schemeClr val="accent1"/>
-          </a:effectRef>
-          <a:fontRef idx="minor">
-            <a:schemeClr val="lt1"/>
-          </a:fontRef>
-        </p:style>
-        <p:txBody>
-          <a:bodyPr rtlCol="0" anchor="ctr"/>
-          <a:lstStyle/>
-          <a:p>
-            <a:pPr algn="ctr" eaLnBrk="1" latinLnBrk="0" hangingPunct="1"/>
-            <a:endParaRPr kumimoji="0" lang="en-US"/>
-          </a:p>
-        </p:txBody>
-      </p:sp>
-      <p:sp>
-        <p:nvSpPr>
-          <p:cNvPr id="7" name="Прямоугольник 6"/>
-          <p:cNvSpPr/>
-          <p:nvPr/>
-        </p:nvSpPr>
-        <p:spPr bwMode="ltGray">
-          <a:xfrm>
-            <a:off x="0" y="0"/>
-            <a:ext cx="9143999" cy="1433733"/>
-          </a:xfrm>
-          <a:prstGeom prst="rect">
-            <a:avLst/>
-          </a:prstGeom>
-          <a:solidFill>
-            <a:srgbClr val="000000"/>
-          </a:solidFill>
-          <a:ln w="48000" cap="flat" cmpd="thickThin" algn="ctr">
-            <a:noFill/>
-            <a:prstDash val="solid"/>
-          </a:ln>
-        </p:spPr>
-        <p:style>
-          <a:lnRef idx="2">
-            <a:schemeClr val="accent1"/>
-          </a:lnRef>
-          <a:fillRef idx="1">
-            <a:schemeClr val="accent1"/>
-          </a:fillRef>
-          <a:effectRef idx="0">
-            <a:schemeClr val="accent1"/>
-          </a:effectRef>
-          <a:fontRef idx="minor">
-            <a:schemeClr val="lt1"/>
-          </a:fontRef>
-        </p:style>
-        <p:txBody>
-          <a:bodyPr rtlCol="0" anchor="ctr"/>
-          <a:lstStyle/>
-          <a:p>
-            <a:pPr algn="ctr" eaLnBrk="1" latinLnBrk="0" hangingPunct="1"/>
-            <a:endParaRPr kumimoji="0" lang="en-US"/>
-          </a:p>
-        </p:txBody>
-      </p:sp>
-      <p:sp>
-        <p:nvSpPr>
-          <p:cNvPr id="2" name="Заголовок 1"/>
+          <p:cNvPr id="2" name="Title Placeholder 1">
+            <a:extLst>
+              <a:ext uri="{FF2B5EF4-FFF2-40B4-BE49-F238E27FC236}">
+                <a16:creationId xmlns:a16="http://schemas.microsoft.com/office/drawing/2014/main" id="{CBDB2B7E-99F6-F176-FF1B-4725AA9B91FA}"/>
+              </a:ext>
+            </a:extLst>
+          </p:cNvPr>
           <p:cNvSpPr>
             <a:spLocks noGrp="1"/>
           </p:cNvSpPr>
@@ -3731,39 +3205,35 @@
         </p:nvSpPr>
         <p:spPr>
           <a:xfrm>
-            <a:off x="457200" y="152400"/>
-            <a:ext cx="8229600" cy="1251062"/>
+            <a:off x="838200" y="365125"/>
+            <a:ext cx="10515600" cy="1325563"/>
           </a:xfrm>
           <a:prstGeom prst="rect">
             <a:avLst/>
           </a:prstGeom>
         </p:spPr>
         <p:txBody>
-          <a:bodyPr vert="horz" lIns="91440" rIns="45720" rtlCol="0" anchor="ctr">
+          <a:bodyPr vert="horz" lIns="91440" tIns="45720" rIns="91440" bIns="45720" rtlCol="0" anchor="ctr">
             <a:normAutofit/>
-            <a:scene3d>
-              <a:camera prst="orthographicFront"/>
-              <a:lightRig rig="threePt" dir="t">
-                <a:rot lat="0" lon="0" rev="4800000"/>
-              </a:lightRig>
-            </a:scene3d>
-            <a:sp3d prstMaterial="matte">
-              <a:bevelT w="50800" h="10160"/>
-            </a:sp3d>
           </a:bodyPr>
           <a:lstStyle/>
           <a:p>
             <a:r>
-              <a:rPr kumimoji="0" lang="ru-RU"/>
-              <a:t>Образец заголовка</a:t>
-            </a:r>
-            <a:endParaRPr kumimoji="0" lang="en-US"/>
+              <a:rPr lang="en-US"/>
+              <a:t>Click to edit Master title style</a:t>
+            </a:r>
           </a:p>
         </p:txBody>
       </p:sp>
       <p:sp>
         <p:nvSpPr>
-          <p:cNvPr id="3" name="Текст 2"/>
+          <p:cNvPr id="3" name="Text Placeholder 2">
+            <a:extLst>
+              <a:ext uri="{FF2B5EF4-FFF2-40B4-BE49-F238E27FC236}">
+                <a16:creationId xmlns:a16="http://schemas.microsoft.com/office/drawing/2014/main" id="{CF633F0E-D63C-D014-CBBD-A77B1630E62B}"/>
+              </a:ext>
+            </a:extLst>
+          </p:cNvPr>
           <p:cNvSpPr>
             <a:spLocks noGrp="1"/>
           </p:cNvSpPr>
@@ -3773,59 +3243,64 @@
         </p:nvSpPr>
         <p:spPr>
           <a:xfrm>
-            <a:off x="457200" y="1775191"/>
-            <a:ext cx="8229600" cy="4625609"/>
+            <a:off x="838200" y="1825625"/>
+            <a:ext cx="10515600" cy="4351338"/>
           </a:xfrm>
           <a:prstGeom prst="rect">
             <a:avLst/>
           </a:prstGeom>
         </p:spPr>
         <p:txBody>
-          <a:bodyPr vert="horz" lIns="54864" tIns="91440" rtlCol="0">
+          <a:bodyPr vert="horz" lIns="91440" tIns="45720" rIns="91440" bIns="45720" rtlCol="0">
             <a:normAutofit/>
           </a:bodyPr>
           <a:lstStyle/>
           <a:p>
-            <a:pPr lvl="0" eaLnBrk="1" latinLnBrk="0" hangingPunct="1"/>
-            <a:r>
-              <a:rPr kumimoji="0" lang="ru-RU"/>
-              <a:t>Образец текста</a:t>
-            </a:r>
-          </a:p>
-          <a:p>
-            <a:pPr lvl="1" eaLnBrk="1" latinLnBrk="0" hangingPunct="1"/>
-            <a:r>
-              <a:rPr kumimoji="0" lang="ru-RU"/>
-              <a:t>Второй уровень</a:t>
-            </a:r>
-          </a:p>
-          <a:p>
-            <a:pPr lvl="2" eaLnBrk="1" latinLnBrk="0" hangingPunct="1"/>
-            <a:r>
-              <a:rPr kumimoji="0" lang="ru-RU"/>
-              <a:t>Третий уровень</a:t>
-            </a:r>
-          </a:p>
-          <a:p>
-            <a:pPr lvl="3" eaLnBrk="1" latinLnBrk="0" hangingPunct="1"/>
-            <a:r>
-              <a:rPr kumimoji="0" lang="ru-RU"/>
-              <a:t>Четвертый уровень</a:t>
-            </a:r>
-          </a:p>
-          <a:p>
-            <a:pPr lvl="4" eaLnBrk="1" latinLnBrk="0" hangingPunct="1"/>
-            <a:r>
-              <a:rPr kumimoji="0" lang="ru-RU"/>
-              <a:t>Пятый уровень</a:t>
-            </a:r>
-            <a:endParaRPr kumimoji="0" lang="en-US"/>
+            <a:pPr lvl="0"/>
+            <a:r>
+              <a:rPr lang="en-US"/>
+              <a:t>Click to edit Master text styles</a:t>
+            </a:r>
+          </a:p>
+          <a:p>
+            <a:pPr lvl="1"/>
+            <a:r>
+              <a:rPr lang="en-US"/>
+              <a:t>Second level</a:t>
+            </a:r>
+          </a:p>
+          <a:p>
+            <a:pPr lvl="2"/>
+            <a:r>
+              <a:rPr lang="en-US"/>
+              <a:t>Third level</a:t>
+            </a:r>
+          </a:p>
+          <a:p>
+            <a:pPr lvl="3"/>
+            <a:r>
+              <a:rPr lang="en-US"/>
+              <a:t>Fourth level</a:t>
+            </a:r>
+          </a:p>
+          <a:p>
+            <a:pPr lvl="4"/>
+            <a:r>
+              <a:rPr lang="en-US"/>
+              <a:t>Fifth level</a:t>
+            </a:r>
           </a:p>
         </p:txBody>
       </p:sp>
       <p:sp>
         <p:nvSpPr>
-          <p:cNvPr id="4" name="Дата 3"/>
+          <p:cNvPr id="4" name="Date Placeholder 3">
+            <a:extLst>
+              <a:ext uri="{FF2B5EF4-FFF2-40B4-BE49-F238E27FC236}">
+                <a16:creationId xmlns:a16="http://schemas.microsoft.com/office/drawing/2014/main" id="{9BE3F849-4B81-F5C4-7221-BA036D03BB95}"/>
+              </a:ext>
+            </a:extLst>
+          </p:cNvPr>
           <p:cNvSpPr>
             <a:spLocks noGrp="1"/>
           </p:cNvSpPr>
@@ -3835,31 +3310,30 @@
         </p:nvSpPr>
         <p:spPr>
           <a:xfrm>
-            <a:off x="457200" y="6476999"/>
-            <a:ext cx="2133600" cy="274320"/>
+            <a:off x="838200" y="6356350"/>
+            <a:ext cx="2743200" cy="365125"/>
           </a:xfrm>
           <a:prstGeom prst="rect">
             <a:avLst/>
           </a:prstGeom>
         </p:spPr>
         <p:txBody>
-          <a:bodyPr vert="horz" lIns="109728" rIns="45720" bIns="0" rtlCol="0" anchor="b"/>
+          <a:bodyPr vert="horz" lIns="91440" tIns="45720" rIns="91440" bIns="45720" rtlCol="0" anchor="ctr"/>
           <a:lstStyle>
-            <a:lvl1pPr algn="l" eaLnBrk="1" latinLnBrk="0" hangingPunct="1">
-              <a:defRPr kumimoji="0" sz="1200">
+            <a:lvl1pPr algn="l">
+              <a:defRPr sz="1200">
                 <a:solidFill>
                   <a:schemeClr val="tx1">
-                    <a:tint val="95000"/>
+                    <a:tint val="82000"/>
                   </a:schemeClr>
                 </a:solidFill>
               </a:defRPr>
             </a:lvl1pPr>
-            <a:extLst/>
           </a:lstStyle>
           <a:p>
             <a:fld id="{2590F9C9-AB92-4E86-B698-DEC9BF4350FF}" type="datetimeFigureOut">
               <a:rPr lang="ru-RU" smtClean="0"/>
-              <a:t>12.12.2023</a:t>
+              <a:t>06.12.2024</a:t>
             </a:fld>
             <a:endParaRPr lang="ru-RU"/>
           </a:p>
@@ -3867,7 +3341,13 @@
       </p:sp>
       <p:sp>
         <p:nvSpPr>
-          <p:cNvPr id="5" name="Нижний колонтитул 4"/>
+          <p:cNvPr id="5" name="Footer Placeholder 4">
+            <a:extLst>
+              <a:ext uri="{FF2B5EF4-FFF2-40B4-BE49-F238E27FC236}">
+                <a16:creationId xmlns:a16="http://schemas.microsoft.com/office/drawing/2014/main" id="{43CA2FA3-A34B-C63E-1E79-63E4F1BB600D}"/>
+              </a:ext>
+            </a:extLst>
+          </p:cNvPr>
           <p:cNvSpPr>
             <a:spLocks noGrp="1"/>
           </p:cNvSpPr>
@@ -3877,26 +3357,25 @@
         </p:nvSpPr>
         <p:spPr>
           <a:xfrm>
-            <a:off x="2640596" y="6476999"/>
-            <a:ext cx="5507719" cy="274320"/>
+            <a:off x="4038600" y="6356350"/>
+            <a:ext cx="4114800" cy="365125"/>
           </a:xfrm>
           <a:prstGeom prst="rect">
             <a:avLst/>
           </a:prstGeom>
         </p:spPr>
         <p:txBody>
-          <a:bodyPr vert="horz" lIns="45720" rIns="45720" bIns="0" rtlCol="0" anchor="b"/>
+          <a:bodyPr vert="horz" lIns="91440" tIns="45720" rIns="91440" bIns="45720" rtlCol="0" anchor="ctr"/>
           <a:lstStyle>
-            <a:lvl1pPr algn="l" eaLnBrk="1" latinLnBrk="0" hangingPunct="1">
-              <a:defRPr kumimoji="0" sz="1200">
+            <a:lvl1pPr algn="ctr">
+              <a:defRPr sz="1200">
                 <a:solidFill>
                   <a:schemeClr val="tx1">
-                    <a:tint val="95000"/>
+                    <a:tint val="82000"/>
                   </a:schemeClr>
                 </a:solidFill>
               </a:defRPr>
             </a:lvl1pPr>
-            <a:extLst/>
           </a:lstStyle>
           <a:p>
             <a:endParaRPr lang="ru-RU"/>
@@ -3905,7 +3384,13 @@
       </p:sp>
       <p:sp>
         <p:nvSpPr>
-          <p:cNvPr id="6" name="Номер слайда 5"/>
+          <p:cNvPr id="6" name="Slide Number Placeholder 5">
+            <a:extLst>
+              <a:ext uri="{FF2B5EF4-FFF2-40B4-BE49-F238E27FC236}">
+                <a16:creationId xmlns:a16="http://schemas.microsoft.com/office/drawing/2014/main" id="{6950882F-B6C7-4532-2499-5D4E339ABAE3}"/>
+              </a:ext>
+            </a:extLst>
+          </p:cNvPr>
           <p:cNvSpPr>
             <a:spLocks noGrp="1"/>
           </p:cNvSpPr>
@@ -3915,26 +3400,25 @@
         </p:nvSpPr>
         <p:spPr>
           <a:xfrm>
-            <a:off x="8204396" y="6476999"/>
-            <a:ext cx="733864" cy="274320"/>
+            <a:off x="8610600" y="6356350"/>
+            <a:ext cx="2743200" cy="365125"/>
           </a:xfrm>
           <a:prstGeom prst="rect">
             <a:avLst/>
           </a:prstGeom>
         </p:spPr>
         <p:txBody>
-          <a:bodyPr vert="horz" bIns="0" rtlCol="0" anchor="b"/>
+          <a:bodyPr vert="horz" lIns="91440" tIns="45720" rIns="91440" bIns="45720" rtlCol="0" anchor="ctr"/>
           <a:lstStyle>
-            <a:lvl1pPr algn="r" eaLnBrk="1" latinLnBrk="0" hangingPunct="1">
-              <a:defRPr kumimoji="0" sz="1200">
+            <a:lvl1pPr algn="r">
+              <a:defRPr sz="1200">
                 <a:solidFill>
                   <a:schemeClr val="tx1">
-                    <a:tint val="95000"/>
+                    <a:tint val="82000"/>
                   </a:schemeClr>
                 </a:solidFill>
               </a:defRPr>
             </a:lvl1pPr>
-            <a:extLst/>
           </a:lstStyle>
           <a:p>
             <a:fld id="{DFFDEFA0-FF01-4CA2-B8AA-E5F5B71BEE8D}" type="slidenum">
@@ -3946,54 +3430,57 @@
         </p:txBody>
       </p:sp>
     </p:spTree>
+    <p:extLst>
+      <p:ext uri="{BB962C8B-B14F-4D97-AF65-F5344CB8AC3E}">
+        <p14:creationId xmlns:p14="http://schemas.microsoft.com/office/powerpoint/2010/main" val="142873346"/>
+      </p:ext>
+    </p:extLst>
   </p:cSld>
   <p:clrMap bg1="lt1" tx1="dk1" bg2="lt2" tx2="dk2" accent1="accent1" accent2="accent2" accent3="accent3" accent4="accent4" accent5="accent5" accent6="accent6" hlink="hlink" folHlink="folHlink"/>
   <p:sldLayoutIdLst>
-    <p:sldLayoutId id="2147483673" r:id="rId1"/>
-    <p:sldLayoutId id="2147483674" r:id="rId2"/>
-    <p:sldLayoutId id="2147483675" r:id="rId3"/>
-    <p:sldLayoutId id="2147483676" r:id="rId4"/>
-    <p:sldLayoutId id="2147483677" r:id="rId5"/>
-    <p:sldLayoutId id="2147483678" r:id="rId6"/>
-    <p:sldLayoutId id="2147483679" r:id="rId7"/>
-    <p:sldLayoutId id="2147483680" r:id="rId8"/>
-    <p:sldLayoutId id="2147483681" r:id="rId9"/>
-    <p:sldLayoutId id="2147483682" r:id="rId10"/>
-    <p:sldLayoutId id="2147483683" r:id="rId11"/>
+    <p:sldLayoutId id="2147483685" r:id="rId1"/>
+    <p:sldLayoutId id="2147483686" r:id="rId2"/>
+    <p:sldLayoutId id="2147483687" r:id="rId3"/>
+    <p:sldLayoutId id="2147483688" r:id="rId4"/>
+    <p:sldLayoutId id="2147483689" r:id="rId5"/>
+    <p:sldLayoutId id="2147483690" r:id="rId6"/>
+    <p:sldLayoutId id="2147483691" r:id="rId7"/>
+    <p:sldLayoutId id="2147483692" r:id="rId8"/>
+    <p:sldLayoutId id="2147483693" r:id="rId9"/>
+    <p:sldLayoutId id="2147483694" r:id="rId10"/>
+    <p:sldLayoutId id="2147483695" r:id="rId11"/>
   </p:sldLayoutIdLst>
   <p:txStyles>
     <p:titleStyle>
-      <a:lvl1pPr algn="l" rtl="0" eaLnBrk="1" latinLnBrk="0" hangingPunct="1">
+      <a:lvl1pPr algn="l" defTabSz="914400" rtl="0" eaLnBrk="1" latinLnBrk="0" hangingPunct="1">
+        <a:lnSpc>
+          <a:spcPct val="90000"/>
+        </a:lnSpc>
         <a:spcBef>
           <a:spcPct val="0"/>
         </a:spcBef>
         <a:buNone/>
-        <a:defRPr kumimoji="0" sz="4500" b="1" kern="1200">
+        <a:defRPr sz="4400" kern="1200">
           <a:solidFill>
-            <a:schemeClr val="accent1">
-              <a:satMod val="150000"/>
-            </a:schemeClr>
+            <a:schemeClr val="tx1"/>
           </a:solidFill>
-          <a:effectLst/>
           <a:latin typeface="+mj-lt"/>
           <a:ea typeface="+mj-ea"/>
           <a:cs typeface="+mj-cs"/>
         </a:defRPr>
       </a:lvl1pPr>
-      <a:extLst/>
     </p:titleStyle>
     <p:bodyStyle>
-      <a:lvl1pPr marL="438912" indent="-320040" algn="l" rtl="0" eaLnBrk="1" latinLnBrk="0" hangingPunct="1">
+      <a:lvl1pPr marL="228600" indent="-228600" algn="l" defTabSz="914400" rtl="0" eaLnBrk="1" latinLnBrk="0" hangingPunct="1">
+        <a:lnSpc>
+          <a:spcPct val="90000"/>
+        </a:lnSpc>
         <a:spcBef>
-          <a:spcPts val="0"/>
+          <a:spcPts val="1000"/>
         </a:spcBef>
-        <a:buClr>
-          <a:schemeClr val="accent1"/>
-        </a:buClr>
-        <a:buSzPct val="80000"/>
-        <a:buFont typeface="Wingdings 2"/>
-        <a:buChar char=""/>
-        <a:defRPr kumimoji="0" sz="3200" kern="1200">
+        <a:buFont typeface="Arial" panose="020B0604020202020204" pitchFamily="34" charset="0"/>
+        <a:buChar char="•"/>
+        <a:defRPr sz="2800" kern="1200">
           <a:solidFill>
             <a:schemeClr val="tx1"/>
           </a:solidFill>
@@ -4002,17 +3489,16 @@
           <a:cs typeface="+mn-cs"/>
         </a:defRPr>
       </a:lvl1pPr>
-      <a:lvl2pPr marL="731520" indent="-274320" algn="l" rtl="0" eaLnBrk="1" latinLnBrk="0" hangingPunct="1">
+      <a:lvl2pPr marL="685800" indent="-228600" algn="l" defTabSz="914400" rtl="0" eaLnBrk="1" latinLnBrk="0" hangingPunct="1">
+        <a:lnSpc>
+          <a:spcPct val="90000"/>
+        </a:lnSpc>
         <a:spcBef>
-          <a:spcPct val="20000"/>
+          <a:spcPts val="500"/>
         </a:spcBef>
-        <a:buClr>
-          <a:schemeClr val="accent2"/>
-        </a:buClr>
-        <a:buSzPct val="90000"/>
-        <a:buFont typeface="Wingdings"/>
-        <a:buChar char=""/>
-        <a:defRPr kumimoji="0" sz="2800" kern="1200">
+        <a:buFont typeface="Arial" panose="020B0604020202020204" pitchFamily="34" charset="0"/>
+        <a:buChar char="•"/>
+        <a:defRPr sz="2400" kern="1200">
           <a:solidFill>
             <a:schemeClr val="tx1"/>
           </a:solidFill>
@@ -4021,16 +3507,16 @@
           <a:cs typeface="+mn-cs"/>
         </a:defRPr>
       </a:lvl2pPr>
-      <a:lvl3pPr marL="996696" indent="-228600" algn="l" rtl="0" eaLnBrk="1" latinLnBrk="0" hangingPunct="1">
+      <a:lvl3pPr marL="1143000" indent="-228600" algn="l" defTabSz="914400" rtl="0" eaLnBrk="1" latinLnBrk="0" hangingPunct="1">
+        <a:lnSpc>
+          <a:spcPct val="90000"/>
+        </a:lnSpc>
         <a:spcBef>
-          <a:spcPct val="20000"/>
+          <a:spcPts val="500"/>
         </a:spcBef>
-        <a:buClr>
-          <a:schemeClr val="accent3"/>
-        </a:buClr>
-        <a:buFont typeface="Arial"/>
-        <a:buChar char="▪"/>
-        <a:defRPr kumimoji="0" sz="2400" kern="1200">
+        <a:buFont typeface="Arial" panose="020B0604020202020204" pitchFamily="34" charset="0"/>
+        <a:buChar char="•"/>
+        <a:defRPr sz="2000" kern="1200">
           <a:solidFill>
             <a:schemeClr val="tx1"/>
           </a:solidFill>
@@ -4039,16 +3525,16 @@
           <a:cs typeface="+mn-cs"/>
         </a:defRPr>
       </a:lvl3pPr>
-      <a:lvl4pPr marL="1216152" indent="-182880" algn="l" rtl="0" eaLnBrk="1" latinLnBrk="0" hangingPunct="1">
+      <a:lvl4pPr marL="1600200" indent="-228600" algn="l" defTabSz="914400" rtl="0" eaLnBrk="1" latinLnBrk="0" hangingPunct="1">
+        <a:lnSpc>
+          <a:spcPct val="90000"/>
+        </a:lnSpc>
         <a:spcBef>
-          <a:spcPct val="20000"/>
+          <a:spcPts val="500"/>
         </a:spcBef>
-        <a:buClr>
-          <a:schemeClr val="accent4"/>
-        </a:buClr>
-        <a:buFont typeface="Arial"/>
-        <a:buChar char="▪"/>
-        <a:defRPr kumimoji="0" sz="2000" kern="1200">
+        <a:buFont typeface="Arial" panose="020B0604020202020204" pitchFamily="34" charset="0"/>
+        <a:buChar char="•"/>
+        <a:defRPr sz="1800" kern="1200">
           <a:solidFill>
             <a:schemeClr val="tx1"/>
           </a:solidFill>
@@ -4057,16 +3543,16 @@
           <a:cs typeface="+mn-cs"/>
         </a:defRPr>
       </a:lvl4pPr>
-      <a:lvl5pPr marL="1426464" indent="-182880" algn="l" rtl="0" eaLnBrk="1" latinLnBrk="0" hangingPunct="1">
+      <a:lvl5pPr marL="2057400" indent="-228600" algn="l" defTabSz="914400" rtl="0" eaLnBrk="1" latinLnBrk="0" hangingPunct="1">
+        <a:lnSpc>
+          <a:spcPct val="90000"/>
+        </a:lnSpc>
         <a:spcBef>
-          <a:spcPct val="20000"/>
+          <a:spcPts val="500"/>
         </a:spcBef>
-        <a:buClr>
-          <a:schemeClr val="accent5"/>
-        </a:buClr>
-        <a:buFont typeface="Wingdings 3"/>
-        <a:buChar char=""/>
-        <a:defRPr kumimoji="0" lang="en-US" sz="2000" kern="1200" smtClean="0">
+        <a:buFont typeface="Arial" panose="020B0604020202020204" pitchFamily="34" charset="0"/>
+        <a:buChar char="•"/>
+        <a:defRPr sz="1800" kern="1200">
           <a:solidFill>
             <a:schemeClr val="tx1"/>
           </a:solidFill>
@@ -4075,17 +3561,16 @@
           <a:cs typeface="+mn-cs"/>
         </a:defRPr>
       </a:lvl5pPr>
-      <a:lvl6pPr marL="1627632" indent="-182880" algn="l" rtl="0" eaLnBrk="1" latinLnBrk="0" hangingPunct="1">
+      <a:lvl6pPr marL="2514600" indent="-228600" algn="l" defTabSz="914400" rtl="0" eaLnBrk="1" latinLnBrk="0" hangingPunct="1">
+        <a:lnSpc>
+          <a:spcPct val="90000"/>
+        </a:lnSpc>
         <a:spcBef>
-          <a:spcPct val="20000"/>
+          <a:spcPts val="500"/>
         </a:spcBef>
-        <a:buClr>
-          <a:schemeClr val="accent6"/>
-        </a:buClr>
-        <a:buSzPct val="100000"/>
-        <a:buFont typeface="Wingdings 2"/>
-        <a:buChar char=""/>
-        <a:defRPr kumimoji="0" sz="2000" kern="1200">
+        <a:buFont typeface="Arial" panose="020B0604020202020204" pitchFamily="34" charset="0"/>
+        <a:buChar char="•"/>
+        <a:defRPr sz="1800" kern="1200">
           <a:solidFill>
             <a:schemeClr val="tx1"/>
           </a:solidFill>
@@ -4094,17 +3579,16 @@
           <a:cs typeface="+mn-cs"/>
         </a:defRPr>
       </a:lvl6pPr>
-      <a:lvl7pPr marL="1828800" indent="-182880" algn="l" rtl="0" eaLnBrk="1" latinLnBrk="0" hangingPunct="1">
+      <a:lvl7pPr marL="2971800" indent="-228600" algn="l" defTabSz="914400" rtl="0" eaLnBrk="1" latinLnBrk="0" hangingPunct="1">
+        <a:lnSpc>
+          <a:spcPct val="90000"/>
+        </a:lnSpc>
         <a:spcBef>
-          <a:spcPct val="20000"/>
+          <a:spcPts val="500"/>
         </a:spcBef>
-        <a:buClr>
-          <a:schemeClr val="accent1"/>
-        </a:buClr>
-        <a:buSzPct val="100000"/>
-        <a:buFont typeface="Wingdings 2"/>
-        <a:buChar char=""/>
-        <a:defRPr kumimoji="0" sz="1800" kern="1200">
+        <a:buFont typeface="Arial" panose="020B0604020202020204" pitchFamily="34" charset="0"/>
+        <a:buChar char="•"/>
+        <a:defRPr sz="1800" kern="1200">
           <a:solidFill>
             <a:schemeClr val="tx1"/>
           </a:solidFill>
@@ -4113,16 +3597,16 @@
           <a:cs typeface="+mn-cs"/>
         </a:defRPr>
       </a:lvl7pPr>
-      <a:lvl8pPr marL="2029968" indent="-182880" algn="l" rtl="0" eaLnBrk="1" latinLnBrk="0" hangingPunct="1">
+      <a:lvl8pPr marL="3429000" indent="-228600" algn="l" defTabSz="914400" rtl="0" eaLnBrk="1" latinLnBrk="0" hangingPunct="1">
+        <a:lnSpc>
+          <a:spcPct val="90000"/>
+        </a:lnSpc>
         <a:spcBef>
-          <a:spcPct val="20000"/>
+          <a:spcPts val="500"/>
         </a:spcBef>
-        <a:buClr>
-          <a:schemeClr val="accent2"/>
-        </a:buClr>
-        <a:buFont typeface="Wingdings 2" pitchFamily="18" charset="2"/>
-        <a:buChar char=""/>
-        <a:defRPr kumimoji="0" sz="1800" kern="1200">
+        <a:buFont typeface="Arial" panose="020B0604020202020204" pitchFamily="34" charset="0"/>
+        <a:buChar char="•"/>
+        <a:defRPr sz="1800" kern="1200">
           <a:solidFill>
             <a:schemeClr val="tx1"/>
           </a:solidFill>
@@ -4131,16 +3615,16 @@
           <a:cs typeface="+mn-cs"/>
         </a:defRPr>
       </a:lvl8pPr>
-      <a:lvl9pPr marL="2231136" indent="-182880" algn="l" rtl="0" eaLnBrk="1" latinLnBrk="0" hangingPunct="1">
+      <a:lvl9pPr marL="3886200" indent="-228600" algn="l" defTabSz="914400" rtl="0" eaLnBrk="1" latinLnBrk="0" hangingPunct="1">
+        <a:lnSpc>
+          <a:spcPct val="90000"/>
+        </a:lnSpc>
         <a:spcBef>
-          <a:spcPct val="20000"/>
+          <a:spcPts val="500"/>
         </a:spcBef>
-        <a:buClr>
-          <a:schemeClr val="accent3"/>
-        </a:buClr>
-        <a:buFont typeface="Wingdings 2" pitchFamily="18" charset="2"/>
-        <a:buChar char=""/>
-        <a:defRPr kumimoji="0" sz="1800" kern="1200" baseline="0">
+        <a:buFont typeface="Arial" panose="020B0604020202020204" pitchFamily="34" charset="0"/>
+        <a:buChar char="•"/>
+        <a:defRPr sz="1800" kern="1200">
           <a:solidFill>
             <a:schemeClr val="tx1"/>
           </a:solidFill>
@@ -4149,11 +3633,13 @@
           <a:cs typeface="+mn-cs"/>
         </a:defRPr>
       </a:lvl9pPr>
-      <a:extLst/>
     </p:bodyStyle>
     <p:otherStyle>
-      <a:lvl1pPr marL="0" algn="l" rtl="0" eaLnBrk="1" latinLnBrk="0" hangingPunct="1">
-        <a:defRPr kumimoji="0" kern="1200">
+      <a:defPPr>
+        <a:defRPr lang="en-US"/>
+      </a:defPPr>
+      <a:lvl1pPr marL="0" algn="l" defTabSz="914400" rtl="0" eaLnBrk="1" latinLnBrk="0" hangingPunct="1">
+        <a:defRPr sz="1800" kern="1200">
           <a:solidFill>
             <a:schemeClr val="tx1"/>
           </a:solidFill>
@@ -4162,8 +3648,8 @@
           <a:cs typeface="+mn-cs"/>
         </a:defRPr>
       </a:lvl1pPr>
-      <a:lvl2pPr marL="457200" algn="l" rtl="0" eaLnBrk="1" latinLnBrk="0" hangingPunct="1">
-        <a:defRPr kumimoji="0" kern="1200">
+      <a:lvl2pPr marL="457200" algn="l" defTabSz="914400" rtl="0" eaLnBrk="1" latinLnBrk="0" hangingPunct="1">
+        <a:defRPr sz="1800" kern="1200">
           <a:solidFill>
             <a:schemeClr val="tx1"/>
           </a:solidFill>
@@ -4172,8 +3658,8 @@
           <a:cs typeface="+mn-cs"/>
         </a:defRPr>
       </a:lvl2pPr>
-      <a:lvl3pPr marL="914400" algn="l" rtl="0" eaLnBrk="1" latinLnBrk="0" hangingPunct="1">
-        <a:defRPr kumimoji="0" kern="1200">
+      <a:lvl3pPr marL="914400" algn="l" defTabSz="914400" rtl="0" eaLnBrk="1" latinLnBrk="0" hangingPunct="1">
+        <a:defRPr sz="1800" kern="1200">
           <a:solidFill>
             <a:schemeClr val="tx1"/>
           </a:solidFill>
@@ -4182,8 +3668,8 @@
           <a:cs typeface="+mn-cs"/>
         </a:defRPr>
       </a:lvl3pPr>
-      <a:lvl4pPr marL="1371600" algn="l" rtl="0" eaLnBrk="1" latinLnBrk="0" hangingPunct="1">
-        <a:defRPr kumimoji="0" kern="1200">
+      <a:lvl4pPr marL="1371600" algn="l" defTabSz="914400" rtl="0" eaLnBrk="1" latinLnBrk="0" hangingPunct="1">
+        <a:defRPr sz="1800" kern="1200">
           <a:solidFill>
             <a:schemeClr val="tx1"/>
           </a:solidFill>
@@ -4192,8 +3678,8 @@
           <a:cs typeface="+mn-cs"/>
         </a:defRPr>
       </a:lvl4pPr>
-      <a:lvl5pPr marL="1828800" algn="l" rtl="0" eaLnBrk="1" latinLnBrk="0" hangingPunct="1">
-        <a:defRPr kumimoji="0" kern="1200">
+      <a:lvl5pPr marL="1828800" algn="l" defTabSz="914400" rtl="0" eaLnBrk="1" latinLnBrk="0" hangingPunct="1">
+        <a:defRPr sz="1800" kern="1200">
           <a:solidFill>
             <a:schemeClr val="tx1"/>
           </a:solidFill>
@@ -4202,8 +3688,8 @@
           <a:cs typeface="+mn-cs"/>
         </a:defRPr>
       </a:lvl5pPr>
-      <a:lvl6pPr marL="2286000" algn="l" rtl="0" eaLnBrk="1" latinLnBrk="0" hangingPunct="1">
-        <a:defRPr kumimoji="0" kern="1200">
+      <a:lvl6pPr marL="2286000" algn="l" defTabSz="914400" rtl="0" eaLnBrk="1" latinLnBrk="0" hangingPunct="1">
+        <a:defRPr sz="1800" kern="1200">
           <a:solidFill>
             <a:schemeClr val="tx1"/>
           </a:solidFill>
@@ -4212,8 +3698,8 @@
           <a:cs typeface="+mn-cs"/>
         </a:defRPr>
       </a:lvl6pPr>
-      <a:lvl7pPr marL="2743200" algn="l" rtl="0" eaLnBrk="1" latinLnBrk="0" hangingPunct="1">
-        <a:defRPr kumimoji="0" kern="1200">
+      <a:lvl7pPr marL="2743200" algn="l" defTabSz="914400" rtl="0" eaLnBrk="1" latinLnBrk="0" hangingPunct="1">
+        <a:defRPr sz="1800" kern="1200">
           <a:solidFill>
             <a:schemeClr val="tx1"/>
           </a:solidFill>
@@ -4222,8 +3708,8 @@
           <a:cs typeface="+mn-cs"/>
         </a:defRPr>
       </a:lvl7pPr>
-      <a:lvl8pPr marL="3200400" algn="l" rtl="0" eaLnBrk="1" latinLnBrk="0" hangingPunct="1">
-        <a:defRPr kumimoji="0" kern="1200">
+      <a:lvl8pPr marL="3200400" algn="l" defTabSz="914400" rtl="0" eaLnBrk="1" latinLnBrk="0" hangingPunct="1">
+        <a:defRPr sz="1800" kern="1200">
           <a:solidFill>
             <a:schemeClr val="tx1"/>
           </a:solidFill>
@@ -4232,8 +3718,8 @@
           <a:cs typeface="+mn-cs"/>
         </a:defRPr>
       </a:lvl8pPr>
-      <a:lvl9pPr marL="3657600" algn="l" rtl="0" eaLnBrk="1" latinLnBrk="0" hangingPunct="1">
-        <a:defRPr kumimoji="0" kern="1200">
+      <a:lvl9pPr marL="3657600" algn="l" defTabSz="914400" rtl="0" eaLnBrk="1" latinLnBrk="0" hangingPunct="1">
+        <a:defRPr sz="1800" kern="1200">
           <a:solidFill>
             <a:schemeClr val="tx1"/>
           </a:solidFill>
@@ -4242,7 +3728,6 @@
           <a:cs typeface="+mn-cs"/>
         </a:defRPr>
       </a:lvl9pPr>
-      <a:extLst/>
     </p:otherStyle>
   </p:txStyles>
 </p:sldMaster>
@@ -4267,10 +3752,10 @@
       </p:grpSpPr>
       <p:pic>
         <p:nvPicPr>
-          <p:cNvPr id="7" name="Рисунок 6">
+          <p:cNvPr id="5" name="Picture 4">
             <a:extLst>
               <a:ext uri="{FF2B5EF4-FFF2-40B4-BE49-F238E27FC236}">
-                <a16:creationId xmlns:a16="http://schemas.microsoft.com/office/drawing/2014/main" id="{522A3BB0-FBB8-4766-8504-5B4D32A3FA41}"/>
+                <a16:creationId xmlns:a16="http://schemas.microsoft.com/office/drawing/2014/main" id="{754E85F0-DCD6-42D1-0560-0E0070092A4A}"/>
               </a:ext>
             </a:extLst>
           </p:cNvPr>
@@ -4280,21 +3765,15 @@
           <p:nvPr/>
         </p:nvPicPr>
         <p:blipFill>
-          <a:blip r:embed="rId3">
-            <a:extLst>
-              <a:ext uri="{28A0092B-C50C-407E-A947-70E740481C1C}">
-                <a14:useLocalDpi xmlns:a14="http://schemas.microsoft.com/office/drawing/2010/main" val="0"/>
-              </a:ext>
-            </a:extLst>
-          </a:blip>
+          <a:blip r:embed="rId2"/>
           <a:stretch>
             <a:fillRect/>
           </a:stretch>
         </p:blipFill>
         <p:spPr>
           <a:xfrm>
-            <a:off x="0" y="-171400"/>
-            <a:ext cx="9144000" cy="5225143"/>
+            <a:off x="0" y="0"/>
+            <a:ext cx="12191999" cy="6858000"/>
           </a:xfrm>
           <a:prstGeom prst="rect">
             <a:avLst/>
@@ -4313,65 +3792,84 @@
         </p:nvSpPr>
         <p:spPr>
           <a:xfrm>
-            <a:off x="685800" y="4221088"/>
-            <a:ext cx="8077200" cy="808112"/>
+            <a:off x="335360" y="1122362"/>
+            <a:ext cx="11521280" cy="3962822"/>
           </a:xfrm>
-          <a:effectLst>
-            <a:outerShdw blurRad="63500" sx="102000" sy="102000" algn="ctr" rotWithShape="0">
-              <a:prstClr val="black">
-                <a:alpha val="40000"/>
-              </a:prstClr>
-            </a:outerShdw>
-          </a:effectLst>
         </p:spPr>
         <p:txBody>
-          <a:bodyPr/>
+          <a:bodyPr>
+            <a:noAutofit/>
+          </a:bodyPr>
           <a:lstStyle/>
           <a:p>
             <a:r>
-              <a:rPr lang="ru-RU" dirty="0"/>
+              <a:rPr lang="ru-RU" sz="11500" dirty="0">
+                <a:solidFill>
+                  <a:schemeClr val="bg1"/>
+                </a:solidFill>
+                <a:effectLst>
+                  <a:outerShdw blurRad="38100" dist="38100" dir="2700000" algn="tl">
+                    <a:srgbClr val="000000">
+                      <a:alpha val="43137"/>
+                    </a:srgbClr>
+                  </a:outerShdw>
+                </a:effectLst>
+                <a:latin typeface="Impact" panose="020B0806030902050204" pitchFamily="34" charset="0"/>
+              </a:rPr>
               <a:t>Архитектура </a:t>
             </a:r>
             <a:r>
-              <a:rPr lang="en-US" dirty="0"/>
-              <a:t>GUI</a:t>
-            </a:r>
-            <a:r>
-              <a:rPr lang="ru-RU" dirty="0"/>
-              <a:t> приложений</a:t>
-            </a:r>
-          </a:p>
-        </p:txBody>
-      </p:sp>
-      <p:sp>
-        <p:nvSpPr>
-          <p:cNvPr id="11" name="Подзаголовок 10">
-            <a:extLst>
-              <a:ext uri="{FF2B5EF4-FFF2-40B4-BE49-F238E27FC236}">
-                <a16:creationId xmlns:a16="http://schemas.microsoft.com/office/drawing/2014/main" id="{FCA1BC4F-219B-4C21-B846-76C068D1C8E2}"/>
-              </a:ext>
-            </a:extLst>
-          </p:cNvPr>
-          <p:cNvSpPr>
-            <a:spLocks noGrp="1"/>
-          </p:cNvSpPr>
-          <p:nvPr>
-            <p:ph type="subTitle" idx="1"/>
-          </p:nvPr>
-        </p:nvSpPr>
-        <p:spPr/>
-        <p:txBody>
-          <a:bodyPr/>
-          <a:lstStyle/>
-          <a:p>
-            <a:endParaRPr lang="ru-RU"/>
+              <a:rPr lang="en-US" sz="11500" dirty="0">
+                <a:solidFill>
+                  <a:schemeClr val="bg1"/>
+                </a:solidFill>
+                <a:effectLst>
+                  <a:outerShdw blurRad="38100" dist="38100" dir="2700000" algn="tl">
+                    <a:srgbClr val="000000">
+                      <a:alpha val="43137"/>
+                    </a:srgbClr>
+                  </a:outerShdw>
+                </a:effectLst>
+                <a:latin typeface="Impact" panose="020B0806030902050204" pitchFamily="34" charset="0"/>
+              </a:rPr>
+              <a:t>GUI </a:t>
+            </a:r>
+            <a:r>
+              <a:rPr lang="ru-RU" sz="11500" dirty="0">
+                <a:solidFill>
+                  <a:schemeClr val="bg1"/>
+                </a:solidFill>
+                <a:effectLst>
+                  <a:outerShdw blurRad="38100" dist="38100" dir="2700000" algn="tl">
+                    <a:srgbClr val="000000">
+                      <a:alpha val="43137"/>
+                    </a:srgbClr>
+                  </a:outerShdw>
+                </a:effectLst>
+                <a:latin typeface="Impact" panose="020B0806030902050204" pitchFamily="34" charset="0"/>
+              </a:rPr>
+              <a:t>приложений</a:t>
+            </a:r>
+            <a:endParaRPr lang="ru-RU" sz="13800" dirty="0">
+              <a:solidFill>
+                <a:schemeClr val="bg1"/>
+              </a:solidFill>
+              <a:effectLst>
+                <a:outerShdw blurRad="38100" dist="38100" dir="2700000" algn="tl">
+                  <a:srgbClr val="000000">
+                    <a:alpha val="43137"/>
+                  </a:srgbClr>
+                </a:outerShdw>
+              </a:effectLst>
+              <a:latin typeface="Impact" panose="020B0806030902050204" pitchFamily="34" charset="0"/>
+            </a:endParaRPr>
           </a:p>
         </p:txBody>
       </p:sp>
     </p:spTree>
     <p:extLst>
       <p:ext uri="{BB962C8B-B14F-4D97-AF65-F5344CB8AC3E}">
-        <p14:creationId xmlns:p14="http://schemas.microsoft.com/office/powerpoint/2010/main" val="4239331289"/>
+        <p14:creationId xmlns:p14="http://schemas.microsoft.com/office/powerpoint/2010/main" val="1393050759"/>
       </p:ext>
     </p:extLst>
   </p:cSld>
@@ -4427,7 +3925,7 @@
         </p:blipFill>
         <p:spPr bwMode="auto">
           <a:xfrm>
-            <a:off x="683568" y="1988840"/>
+            <a:off x="2207568" y="1988840"/>
             <a:ext cx="7939202" cy="4716760"/>
           </a:xfrm>
           <a:prstGeom prst="rect">
@@ -4511,7 +4009,7 @@
         </p:nvSpPr>
         <p:spPr>
           <a:xfrm>
-            <a:off x="251520" y="-18008"/>
+            <a:off x="1775520" y="-18008"/>
             <a:ext cx="6966520" cy="6740307"/>
           </a:xfrm>
           <a:prstGeom prst="rect">
@@ -6343,7 +5841,7 @@
         </p:nvSpPr>
         <p:spPr>
           <a:xfrm>
-            <a:off x="107504" y="1411421"/>
+            <a:off x="1631504" y="1411421"/>
             <a:ext cx="8712968" cy="5509200"/>
           </a:xfrm>
           <a:prstGeom prst="rect">
@@ -8206,7 +7704,7 @@
         </p:nvSpPr>
         <p:spPr>
           <a:xfrm>
-            <a:off x="457200" y="2060848"/>
+            <a:off x="1981200" y="2060848"/>
             <a:ext cx="7931224" cy="2862322"/>
           </a:xfrm>
           <a:prstGeom prst="rect">
@@ -8460,7 +7958,7 @@
         <p:spPr/>
         <p:txBody>
           <a:bodyPr>
-            <a:normAutofit fontScale="90000"/>
+            <a:normAutofit/>
           </a:bodyPr>
           <a:lstStyle/>
           <a:p>
@@ -8635,7 +8133,7 @@
         <p:spPr/>
         <p:txBody>
           <a:bodyPr>
-            <a:normAutofit fontScale="90000"/>
+            <a:normAutofit/>
           </a:bodyPr>
           <a:lstStyle/>
           <a:p>
@@ -9159,7 +8657,7 @@
         </p:blipFill>
         <p:spPr>
           <a:xfrm>
-            <a:off x="1804410" y="1628800"/>
+            <a:off x="3328411" y="1628800"/>
             <a:ext cx="5535179" cy="5026162"/>
           </a:xfrm>
           <a:prstGeom prst="rect">
@@ -9228,7 +8726,7 @@
         </p:nvSpPr>
         <p:spPr>
           <a:xfrm>
-            <a:off x="395536" y="2060848"/>
+            <a:off x="1919536" y="2060849"/>
             <a:ext cx="7992888" cy="3693319"/>
           </a:xfrm>
           <a:prstGeom prst="rect">
@@ -10400,7 +9898,7 @@
         </p:nvSpPr>
         <p:spPr bwMode="auto">
           <a:xfrm>
-            <a:off x="539552" y="1953126"/>
+            <a:off x="2063552" y="1953127"/>
             <a:ext cx="6769802" cy="1985159"/>
           </a:xfrm>
           <a:prstGeom prst="rect">
@@ -10738,108 +10236,21 @@
             </a:lvl9pPr>
           </a:lstStyle>
           <a:p>
-            <a:pPr marL="0" marR="0" lvl="0" indent="0" algn="l" defTabSz="914400" rtl="0" eaLnBrk="0" fontAlgn="base" latinLnBrk="0" hangingPunct="0">
-              <a:lnSpc>
-                <a:spcPct val="100000"/>
-              </a:lnSpc>
-              <a:spcBef>
-                <a:spcPct val="0"/>
-              </a:spcBef>
-              <a:spcAft>
-                <a:spcPct val="0"/>
-              </a:spcAft>
-              <a:buClrTx/>
-              <a:buSzTx/>
-              <a:buFontTx/>
-              <a:buNone/>
-              <a:tabLst>
-                <a:tab pos="581025" algn="l"/>
-                <a:tab pos="1163638" algn="l"/>
-                <a:tab pos="1744663" algn="l"/>
-                <a:tab pos="2327275" algn="l"/>
-                <a:tab pos="2908300" algn="l"/>
-                <a:tab pos="3489325" algn="l"/>
-                <a:tab pos="4071938" algn="l"/>
-                <a:tab pos="4652963" algn="l"/>
-                <a:tab pos="5235575" algn="l"/>
-                <a:tab pos="5816600" algn="l"/>
-                <a:tab pos="6397625" algn="l"/>
-                <a:tab pos="6980238" algn="l"/>
-                <a:tab pos="7561263" algn="l"/>
-                <a:tab pos="8143875" algn="l"/>
-                <a:tab pos="8724900" algn="l"/>
-                <a:tab pos="9305925" algn="l"/>
-              </a:tabLst>
-            </a:pPr>
-            <a:r>
-              <a:rPr kumimoji="0" lang="en-US" altLang="ru-RU" b="0" i="0" u="none" strike="noStrike" cap="none" normalizeH="0" baseline="0" dirty="0">
-                <a:ln>
-                  <a:noFill/>
-                </a:ln>
-                <a:solidFill>
-                  <a:schemeClr val="tx1"/>
-                </a:solidFill>
-                <a:effectLst/>
+            <a:r>
+              <a:rPr lang="en-US" altLang="ru-RU" dirty="0">
                 <a:latin typeface="Consolas" panose="020B0609020204030204" pitchFamily="49" charset="0"/>
                 <a:ea typeface="Times New Roman" panose="02020603050405020304" pitchFamily="18" charset="0"/>
                 <a:cs typeface="Courier New" panose="02070309020205020404" pitchFamily="49" charset="0"/>
               </a:rPr>
               <a:t>class Controller(object):</a:t>
             </a:r>
-            <a:endParaRPr kumimoji="0" lang="ru-RU" altLang="ru-RU" b="0" i="0" u="none" strike="noStrike" cap="none" normalizeH="0" baseline="0" dirty="0">
-              <a:ln>
-                <a:noFill/>
-              </a:ln>
-              <a:solidFill>
-                <a:schemeClr val="tx1"/>
-              </a:solidFill>
-              <a:effectLst/>
+            <a:endParaRPr lang="ru-RU" altLang="ru-RU" dirty="0">
               <a:latin typeface="Consolas" panose="020B0609020204030204" pitchFamily="49" charset="0"/>
             </a:endParaRPr>
           </a:p>
           <a:p>
-            <a:pPr marL="0" marR="0" lvl="0" indent="0" algn="l" defTabSz="914400" rtl="0" eaLnBrk="0" fontAlgn="base" latinLnBrk="0" hangingPunct="0">
-              <a:lnSpc>
-                <a:spcPct val="100000"/>
-              </a:lnSpc>
-              <a:spcBef>
-                <a:spcPct val="0"/>
-              </a:spcBef>
-              <a:spcAft>
-                <a:spcPct val="0"/>
-              </a:spcAft>
-              <a:buClrTx/>
-              <a:buSzTx/>
-              <a:buFontTx/>
-              <a:buNone/>
-              <a:tabLst>
-                <a:tab pos="581025" algn="l"/>
-                <a:tab pos="1163638" algn="l"/>
-                <a:tab pos="1744663" algn="l"/>
-                <a:tab pos="2327275" algn="l"/>
-                <a:tab pos="2908300" algn="l"/>
-                <a:tab pos="3489325" algn="l"/>
-                <a:tab pos="4071938" algn="l"/>
-                <a:tab pos="4652963" algn="l"/>
-                <a:tab pos="5235575" algn="l"/>
-                <a:tab pos="5816600" algn="l"/>
-                <a:tab pos="6397625" algn="l"/>
-                <a:tab pos="6980238" algn="l"/>
-                <a:tab pos="7561263" algn="l"/>
-                <a:tab pos="8143875" algn="l"/>
-                <a:tab pos="8724900" algn="l"/>
-                <a:tab pos="9305925" algn="l"/>
-              </a:tabLst>
-            </a:pPr>
-            <a:r>
-              <a:rPr kumimoji="0" lang="en-US" altLang="ru-RU" b="0" i="0" u="none" strike="noStrike" cap="none" normalizeH="0" baseline="0" dirty="0">
-                <a:ln>
-                  <a:noFill/>
-                </a:ln>
-                <a:solidFill>
-                  <a:schemeClr val="tx1"/>
-                </a:solidFill>
-                <a:effectLst/>
+            <a:r>
+              <a:rPr lang="en-US" altLang="ru-RU" dirty="0">
                 <a:latin typeface="Consolas" panose="020B0609020204030204" pitchFamily="49" charset="0"/>
                 <a:ea typeface="Times New Roman" panose="02020603050405020304" pitchFamily="18" charset="0"/>
                 <a:cs typeface="Courier New" panose="02070309020205020404" pitchFamily="49" charset="0"/>
@@ -10847,14 +10258,7 @@
               <a:t>    </a:t>
             </a:r>
             <a:r>
-              <a:rPr kumimoji="0" lang="en-US" altLang="ru-RU" b="0" i="0" u="none" strike="noStrike" cap="none" normalizeH="0" baseline="0" dirty="0" err="1">
-                <a:ln>
-                  <a:noFill/>
-                </a:ln>
-                <a:solidFill>
-                  <a:schemeClr val="tx1"/>
-                </a:solidFill>
-                <a:effectLst/>
+              <a:rPr lang="en-US" altLang="ru-RU" dirty="0" err="1">
                 <a:latin typeface="Consolas" panose="020B0609020204030204" pitchFamily="49" charset="0"/>
                 <a:ea typeface="Times New Roman" panose="02020603050405020304" pitchFamily="18" charset="0"/>
                 <a:cs typeface="Courier New" panose="02070309020205020404" pitchFamily="49" charset="0"/>
@@ -10862,14 +10266,7 @@
               <a:t>def</a:t>
             </a:r>
             <a:r>
-              <a:rPr kumimoji="0" lang="en-US" altLang="ru-RU" b="0" i="0" u="none" strike="noStrike" cap="none" normalizeH="0" baseline="0" dirty="0">
-                <a:ln>
-                  <a:noFill/>
-                </a:ln>
-                <a:solidFill>
-                  <a:schemeClr val="tx1"/>
-                </a:solidFill>
-                <a:effectLst/>
+              <a:rPr lang="en-US" altLang="ru-RU" dirty="0">
                 <a:latin typeface="Consolas" panose="020B0609020204030204" pitchFamily="49" charset="0"/>
                 <a:ea typeface="Times New Roman" panose="02020603050405020304" pitchFamily="18" charset="0"/>
                 <a:cs typeface="Courier New" panose="02070309020205020404" pitchFamily="49" charset="0"/>
@@ -10877,14 +10274,7 @@
               <a:t> __</a:t>
             </a:r>
             <a:r>
-              <a:rPr kumimoji="0" lang="en-US" altLang="ru-RU" b="0" i="0" u="none" strike="noStrike" cap="none" normalizeH="0" baseline="0" dirty="0" err="1">
-                <a:ln>
-                  <a:noFill/>
-                </a:ln>
-                <a:solidFill>
-                  <a:schemeClr val="tx1"/>
-                </a:solidFill>
-                <a:effectLst/>
+              <a:rPr lang="en-US" altLang="ru-RU" dirty="0" err="1">
                 <a:latin typeface="Consolas" panose="020B0609020204030204" pitchFamily="49" charset="0"/>
                 <a:ea typeface="Times New Roman" panose="02020603050405020304" pitchFamily="18" charset="0"/>
                 <a:cs typeface="Courier New" panose="02070309020205020404" pitchFamily="49" charset="0"/>
@@ -10892,74 +10282,20 @@
               <a:t>init</a:t>
             </a:r>
             <a:r>
-              <a:rPr kumimoji="0" lang="en-US" altLang="ru-RU" b="0" i="0" u="none" strike="noStrike" cap="none" normalizeH="0" baseline="0" dirty="0">
-                <a:ln>
-                  <a:noFill/>
-                </a:ln>
-                <a:solidFill>
-                  <a:schemeClr val="tx1"/>
-                </a:solidFill>
-                <a:effectLst/>
+              <a:rPr lang="en-US" altLang="ru-RU" dirty="0">
                 <a:latin typeface="Consolas" panose="020B0609020204030204" pitchFamily="49" charset="0"/>
                 <a:ea typeface="Times New Roman" panose="02020603050405020304" pitchFamily="18" charset="0"/>
                 <a:cs typeface="Courier New" panose="02070309020205020404" pitchFamily="49" charset="0"/>
               </a:rPr>
               <a:t>__(self, model, view):</a:t>
             </a:r>
-            <a:endParaRPr kumimoji="0" lang="ru-RU" altLang="ru-RU" b="0" i="0" u="none" strike="noStrike" cap="none" normalizeH="0" baseline="0" dirty="0">
-              <a:ln>
-                <a:noFill/>
-              </a:ln>
-              <a:solidFill>
-                <a:schemeClr val="tx1"/>
-              </a:solidFill>
-              <a:effectLst/>
+            <a:endParaRPr lang="ru-RU" altLang="ru-RU" dirty="0">
               <a:latin typeface="Consolas" panose="020B0609020204030204" pitchFamily="49" charset="0"/>
             </a:endParaRPr>
           </a:p>
           <a:p>
-            <a:pPr marL="0" marR="0" lvl="0" indent="0" algn="l" defTabSz="914400" rtl="0" eaLnBrk="0" fontAlgn="base" latinLnBrk="0" hangingPunct="0">
-              <a:lnSpc>
-                <a:spcPct val="100000"/>
-              </a:lnSpc>
-              <a:spcBef>
-                <a:spcPct val="0"/>
-              </a:spcBef>
-              <a:spcAft>
-                <a:spcPct val="0"/>
-              </a:spcAft>
-              <a:buClrTx/>
-              <a:buSzTx/>
-              <a:buFontTx/>
-              <a:buNone/>
-              <a:tabLst>
-                <a:tab pos="581025" algn="l"/>
-                <a:tab pos="1163638" algn="l"/>
-                <a:tab pos="1744663" algn="l"/>
-                <a:tab pos="2327275" algn="l"/>
-                <a:tab pos="2908300" algn="l"/>
-                <a:tab pos="3489325" algn="l"/>
-                <a:tab pos="4071938" algn="l"/>
-                <a:tab pos="4652963" algn="l"/>
-                <a:tab pos="5235575" algn="l"/>
-                <a:tab pos="5816600" algn="l"/>
-                <a:tab pos="6397625" algn="l"/>
-                <a:tab pos="6980238" algn="l"/>
-                <a:tab pos="7561263" algn="l"/>
-                <a:tab pos="8143875" algn="l"/>
-                <a:tab pos="8724900" algn="l"/>
-                <a:tab pos="9305925" algn="l"/>
-              </a:tabLst>
-            </a:pPr>
-            <a:r>
-              <a:rPr kumimoji="0" lang="en-US" altLang="ru-RU" b="0" i="0" u="none" strike="noStrike" cap="none" normalizeH="0" baseline="0" dirty="0">
-                <a:ln>
-                  <a:noFill/>
-                </a:ln>
-                <a:solidFill>
-                  <a:schemeClr val="tx1"/>
-                </a:solidFill>
-                <a:effectLst/>
+            <a:r>
+              <a:rPr lang="en-US" altLang="ru-RU" dirty="0">
                 <a:latin typeface="Consolas" panose="020B0609020204030204" pitchFamily="49" charset="0"/>
                 <a:ea typeface="Times New Roman" panose="02020603050405020304" pitchFamily="18" charset="0"/>
                 <a:cs typeface="Courier New" panose="02070309020205020404" pitchFamily="49" charset="0"/>
@@ -10967,14 +10303,7 @@
               <a:t>        </a:t>
             </a:r>
             <a:r>
-              <a:rPr kumimoji="0" lang="en-US" altLang="ru-RU" b="0" i="0" u="none" strike="noStrike" cap="none" normalizeH="0" baseline="0" dirty="0" err="1">
-                <a:ln>
-                  <a:noFill/>
-                </a:ln>
-                <a:solidFill>
-                  <a:schemeClr val="tx1"/>
-                </a:solidFill>
-                <a:effectLst/>
+              <a:rPr lang="en-US" altLang="ru-RU" dirty="0" err="1">
                 <a:latin typeface="Consolas" panose="020B0609020204030204" pitchFamily="49" charset="0"/>
                 <a:ea typeface="Times New Roman" panose="02020603050405020304" pitchFamily="18" charset="0"/>
                 <a:cs typeface="Courier New" panose="02070309020205020404" pitchFamily="49" charset="0"/>
@@ -10982,74 +10311,20 @@
               <a:t>self._model</a:t>
             </a:r>
             <a:r>
-              <a:rPr kumimoji="0" lang="en-US" altLang="ru-RU" b="0" i="0" u="none" strike="noStrike" cap="none" normalizeH="0" baseline="0" dirty="0">
-                <a:ln>
-                  <a:noFill/>
-                </a:ln>
-                <a:solidFill>
-                  <a:schemeClr val="tx1"/>
-                </a:solidFill>
-                <a:effectLst/>
+              <a:rPr lang="en-US" altLang="ru-RU" dirty="0">
                 <a:latin typeface="Consolas" panose="020B0609020204030204" pitchFamily="49" charset="0"/>
                 <a:ea typeface="Times New Roman" panose="02020603050405020304" pitchFamily="18" charset="0"/>
                 <a:cs typeface="Courier New" panose="02070309020205020404" pitchFamily="49" charset="0"/>
               </a:rPr>
               <a:t> = model</a:t>
             </a:r>
-            <a:endParaRPr kumimoji="0" lang="ru-RU" altLang="ru-RU" b="0" i="0" u="none" strike="noStrike" cap="none" normalizeH="0" baseline="0" dirty="0">
-              <a:ln>
-                <a:noFill/>
-              </a:ln>
-              <a:solidFill>
-                <a:schemeClr val="tx1"/>
-              </a:solidFill>
-              <a:effectLst/>
+            <a:endParaRPr lang="ru-RU" altLang="ru-RU" dirty="0">
               <a:latin typeface="Consolas" panose="020B0609020204030204" pitchFamily="49" charset="0"/>
             </a:endParaRPr>
           </a:p>
           <a:p>
-            <a:pPr marL="0" marR="0" lvl="0" indent="0" algn="l" defTabSz="914400" rtl="0" eaLnBrk="0" fontAlgn="base" latinLnBrk="0" hangingPunct="0">
-              <a:lnSpc>
-                <a:spcPct val="100000"/>
-              </a:lnSpc>
-              <a:spcBef>
-                <a:spcPct val="0"/>
-              </a:spcBef>
-              <a:spcAft>
-                <a:spcPct val="0"/>
-              </a:spcAft>
-              <a:buClrTx/>
-              <a:buSzTx/>
-              <a:buFontTx/>
-              <a:buNone/>
-              <a:tabLst>
-                <a:tab pos="581025" algn="l"/>
-                <a:tab pos="1163638" algn="l"/>
-                <a:tab pos="1744663" algn="l"/>
-                <a:tab pos="2327275" algn="l"/>
-                <a:tab pos="2908300" algn="l"/>
-                <a:tab pos="3489325" algn="l"/>
-                <a:tab pos="4071938" algn="l"/>
-                <a:tab pos="4652963" algn="l"/>
-                <a:tab pos="5235575" algn="l"/>
-                <a:tab pos="5816600" algn="l"/>
-                <a:tab pos="6397625" algn="l"/>
-                <a:tab pos="6980238" algn="l"/>
-                <a:tab pos="7561263" algn="l"/>
-                <a:tab pos="8143875" algn="l"/>
-                <a:tab pos="8724900" algn="l"/>
-                <a:tab pos="9305925" algn="l"/>
-              </a:tabLst>
-            </a:pPr>
-            <a:r>
-              <a:rPr kumimoji="0" lang="en-US" altLang="ru-RU" b="0" i="0" u="none" strike="noStrike" cap="none" normalizeH="0" baseline="0" dirty="0">
-                <a:ln>
-                  <a:noFill/>
-                </a:ln>
-                <a:solidFill>
-                  <a:schemeClr val="tx1"/>
-                </a:solidFill>
-                <a:effectLst/>
+            <a:r>
+              <a:rPr lang="en-US" altLang="ru-RU" dirty="0">
                 <a:latin typeface="Consolas" panose="020B0609020204030204" pitchFamily="49" charset="0"/>
                 <a:ea typeface="Times New Roman" panose="02020603050405020304" pitchFamily="18" charset="0"/>
                 <a:cs typeface="Courier New" panose="02070309020205020404" pitchFamily="49" charset="0"/>
@@ -11057,14 +10332,7 @@
               <a:t>        </a:t>
             </a:r>
             <a:r>
-              <a:rPr kumimoji="0" lang="en-US" altLang="ru-RU" b="0" i="0" u="none" strike="noStrike" cap="none" normalizeH="0" baseline="0" dirty="0" err="1">
-                <a:ln>
-                  <a:noFill/>
-                </a:ln>
-                <a:solidFill>
-                  <a:schemeClr val="tx1"/>
-                </a:solidFill>
-                <a:effectLst/>
+              <a:rPr lang="en-US" altLang="ru-RU" dirty="0" err="1">
                 <a:latin typeface="Consolas" panose="020B0609020204030204" pitchFamily="49" charset="0"/>
                 <a:ea typeface="Times New Roman" panose="02020603050405020304" pitchFamily="18" charset="0"/>
                 <a:cs typeface="Courier New" panose="02070309020205020404" pitchFamily="49" charset="0"/>
@@ -11072,14 +10340,7 @@
               <a:t>self._view</a:t>
             </a:r>
             <a:r>
-              <a:rPr kumimoji="0" lang="en-US" altLang="ru-RU" b="0" i="0" u="none" strike="noStrike" cap="none" normalizeH="0" baseline="0" dirty="0">
-                <a:ln>
-                  <a:noFill/>
-                </a:ln>
-                <a:solidFill>
-                  <a:schemeClr val="tx1"/>
-                </a:solidFill>
-                <a:effectLst/>
+              <a:rPr lang="en-US" altLang="ru-RU" dirty="0">
                 <a:latin typeface="Consolas" panose="020B0609020204030204" pitchFamily="49" charset="0"/>
                 <a:ea typeface="Times New Roman" panose="02020603050405020304" pitchFamily="18" charset="0"/>
                 <a:cs typeface="Courier New" panose="02070309020205020404" pitchFamily="49" charset="0"/>
@@ -11088,95 +10349,15 @@
             </a:r>
           </a:p>
           <a:p>
-            <a:pPr marL="0" marR="0" lvl="0" indent="0" algn="l" defTabSz="914400" rtl="0" eaLnBrk="0" fontAlgn="base" latinLnBrk="0" hangingPunct="0">
-              <a:lnSpc>
-                <a:spcPct val="100000"/>
-              </a:lnSpc>
-              <a:spcBef>
-                <a:spcPct val="0"/>
-              </a:spcBef>
-              <a:spcAft>
-                <a:spcPct val="0"/>
-              </a:spcAft>
-              <a:buClrTx/>
-              <a:buSzTx/>
-              <a:buFontTx/>
-              <a:buNone/>
-              <a:tabLst>
-                <a:tab pos="581025" algn="l"/>
-                <a:tab pos="1163638" algn="l"/>
-                <a:tab pos="1744663" algn="l"/>
-                <a:tab pos="2327275" algn="l"/>
-                <a:tab pos="2908300" algn="l"/>
-                <a:tab pos="3489325" algn="l"/>
-                <a:tab pos="4071938" algn="l"/>
-                <a:tab pos="4652963" algn="l"/>
-                <a:tab pos="5235575" algn="l"/>
-                <a:tab pos="5816600" algn="l"/>
-                <a:tab pos="6397625" algn="l"/>
-                <a:tab pos="6980238" algn="l"/>
-                <a:tab pos="7561263" algn="l"/>
-                <a:tab pos="8143875" algn="l"/>
-                <a:tab pos="8724900" algn="l"/>
-                <a:tab pos="9305925" algn="l"/>
-              </a:tabLst>
-            </a:pPr>
-            <a:endParaRPr kumimoji="0" lang="en-US" altLang="ru-RU" b="0" i="0" u="none" strike="noStrike" cap="none" normalizeH="0" baseline="0" dirty="0">
-              <a:ln>
-                <a:noFill/>
-              </a:ln>
-              <a:solidFill>
-                <a:schemeClr val="tx1"/>
-              </a:solidFill>
-              <a:effectLst/>
+            <a:endParaRPr lang="en-US" altLang="ru-RU" dirty="0">
               <a:latin typeface="Consolas" panose="020B0609020204030204" pitchFamily="49" charset="0"/>
               <a:ea typeface="Times New Roman" panose="02020603050405020304" pitchFamily="18" charset="0"/>
               <a:cs typeface="Courier New" panose="02070309020205020404" pitchFamily="49" charset="0"/>
             </a:endParaRPr>
           </a:p>
           <a:p>
-            <a:pPr marL="0" marR="0" lvl="0" indent="0" algn="l" defTabSz="914400" rtl="0" eaLnBrk="0" fontAlgn="base" latinLnBrk="0" hangingPunct="0">
-              <a:lnSpc>
-                <a:spcPct val="100000"/>
-              </a:lnSpc>
-              <a:spcBef>
-                <a:spcPct val="0"/>
-              </a:spcBef>
-              <a:spcAft>
-                <a:spcPct val="0"/>
-              </a:spcAft>
-              <a:buClrTx/>
-              <a:buSzTx/>
-              <a:buFontTx/>
-              <a:buNone/>
-              <a:tabLst>
-                <a:tab pos="581025" algn="l"/>
-                <a:tab pos="1163638" algn="l"/>
-                <a:tab pos="1744663" algn="l"/>
-                <a:tab pos="2327275" algn="l"/>
-                <a:tab pos="2908300" algn="l"/>
-                <a:tab pos="3489325" algn="l"/>
-                <a:tab pos="4071938" algn="l"/>
-                <a:tab pos="4652963" algn="l"/>
-                <a:tab pos="5235575" algn="l"/>
-                <a:tab pos="5816600" algn="l"/>
-                <a:tab pos="6397625" algn="l"/>
-                <a:tab pos="6980238" algn="l"/>
-                <a:tab pos="7561263" algn="l"/>
-                <a:tab pos="8143875" algn="l"/>
-                <a:tab pos="8724900" algn="l"/>
-                <a:tab pos="9305925" algn="l"/>
-              </a:tabLst>
-            </a:pPr>
-            <a:r>
-              <a:rPr kumimoji="0" lang="en-US" altLang="ru-RU" b="0" i="0" u="none" strike="noStrike" cap="none" normalizeH="0" baseline="0" dirty="0">
-                <a:ln>
-                  <a:noFill/>
-                </a:ln>
-                <a:solidFill>
-                  <a:schemeClr val="tx1"/>
-                </a:solidFill>
-                <a:effectLst/>
+            <a:r>
+              <a:rPr lang="en-US" altLang="ru-RU" dirty="0">
                 <a:latin typeface="Consolas" panose="020B0609020204030204" pitchFamily="49" charset="0"/>
                 <a:ea typeface="Times New Roman" panose="02020603050405020304" pitchFamily="18" charset="0"/>
                 <a:cs typeface="Courier New" panose="02070309020205020404" pitchFamily="49" charset="0"/>
@@ -11184,14 +10365,7 @@
               <a:t>    </a:t>
             </a:r>
             <a:r>
-              <a:rPr kumimoji="0" lang="en-US" altLang="ru-RU" b="0" i="0" u="none" strike="noStrike" cap="none" normalizeH="0" baseline="0" dirty="0" err="1">
-                <a:ln>
-                  <a:noFill/>
-                </a:ln>
-                <a:solidFill>
-                  <a:schemeClr val="tx1"/>
-                </a:solidFill>
-                <a:effectLst/>
+              <a:rPr lang="en-US" altLang="ru-RU" dirty="0" err="1">
                 <a:latin typeface="Consolas" panose="020B0609020204030204" pitchFamily="49" charset="0"/>
                 <a:ea typeface="Times New Roman" panose="02020603050405020304" pitchFamily="18" charset="0"/>
                 <a:cs typeface="Courier New" panose="02070309020205020404" pitchFamily="49" charset="0"/>
@@ -11199,14 +10373,7 @@
               <a:t>def</a:t>
             </a:r>
             <a:r>
-              <a:rPr kumimoji="0" lang="en-US" altLang="ru-RU" b="0" i="0" u="none" strike="noStrike" cap="none" normalizeH="0" baseline="0" dirty="0">
-                <a:ln>
-                  <a:noFill/>
-                </a:ln>
-                <a:solidFill>
-                  <a:schemeClr val="tx1"/>
-                </a:solidFill>
-                <a:effectLst/>
+              <a:rPr lang="en-US" altLang="ru-RU" dirty="0">
                 <a:latin typeface="Consolas" panose="020B0609020204030204" pitchFamily="49" charset="0"/>
                 <a:ea typeface="Times New Roman" panose="02020603050405020304" pitchFamily="18" charset="0"/>
                 <a:cs typeface="Courier New" panose="02070309020205020404" pitchFamily="49" charset="0"/>
@@ -11214,14 +10381,7 @@
               <a:t> </a:t>
             </a:r>
             <a:r>
-              <a:rPr kumimoji="0" lang="en-US" altLang="ru-RU" b="0" i="0" u="none" strike="noStrike" cap="none" normalizeH="0" baseline="0" dirty="0" err="1">
-                <a:ln>
-                  <a:noFill/>
-                </a:ln>
-                <a:solidFill>
-                  <a:schemeClr val="tx1"/>
-                </a:solidFill>
-                <a:effectLst/>
+              <a:rPr lang="en-US" altLang="ru-RU" dirty="0" err="1">
                 <a:latin typeface="Consolas" panose="020B0609020204030204" pitchFamily="49" charset="0"/>
                 <a:ea typeface="Times New Roman" panose="02020603050405020304" pitchFamily="18" charset="0"/>
                 <a:cs typeface="Courier New" panose="02070309020205020404" pitchFamily="49" charset="0"/>
@@ -11229,14 +10389,7 @@
               <a:t>addOne</a:t>
             </a:r>
             <a:r>
-              <a:rPr kumimoji="0" lang="en-US" altLang="ru-RU" b="0" i="0" u="none" strike="noStrike" cap="none" normalizeH="0" baseline="0" dirty="0">
-                <a:ln>
-                  <a:noFill/>
-                </a:ln>
-                <a:solidFill>
-                  <a:schemeClr val="tx1"/>
-                </a:solidFill>
-                <a:effectLst/>
+              <a:rPr lang="en-US" altLang="ru-RU" dirty="0">
                 <a:latin typeface="Consolas" panose="020B0609020204030204" pitchFamily="49" charset="0"/>
                 <a:ea typeface="Times New Roman" panose="02020603050405020304" pitchFamily="18" charset="0"/>
                 <a:cs typeface="Courier New" panose="02070309020205020404" pitchFamily="49" charset="0"/>
@@ -11245,48 +10398,8 @@
             </a:r>
           </a:p>
           <a:p>
-            <a:pPr marL="0" marR="0" lvl="0" indent="0" algn="l" defTabSz="914400" rtl="0" eaLnBrk="0" fontAlgn="base" latinLnBrk="0" hangingPunct="0">
-              <a:lnSpc>
-                <a:spcPct val="100000"/>
-              </a:lnSpc>
-              <a:spcBef>
-                <a:spcPct val="0"/>
-              </a:spcBef>
-              <a:spcAft>
-                <a:spcPct val="0"/>
-              </a:spcAft>
-              <a:buClrTx/>
-              <a:buSzTx/>
-              <a:buFontTx/>
-              <a:buNone/>
-              <a:tabLst>
-                <a:tab pos="581025" algn="l"/>
-                <a:tab pos="1163638" algn="l"/>
-                <a:tab pos="1744663" algn="l"/>
-                <a:tab pos="2327275" algn="l"/>
-                <a:tab pos="2908300" algn="l"/>
-                <a:tab pos="3489325" algn="l"/>
-                <a:tab pos="4071938" algn="l"/>
-                <a:tab pos="4652963" algn="l"/>
-                <a:tab pos="5235575" algn="l"/>
-                <a:tab pos="5816600" algn="l"/>
-                <a:tab pos="6397625" algn="l"/>
-                <a:tab pos="6980238" algn="l"/>
-                <a:tab pos="7561263" algn="l"/>
-                <a:tab pos="8143875" algn="l"/>
-                <a:tab pos="8724900" algn="l"/>
-                <a:tab pos="9305925" algn="l"/>
-              </a:tabLst>
-            </a:pPr>
-            <a:r>
-              <a:rPr kumimoji="0" lang="en-US" altLang="ru-RU" b="0" i="0" u="none" strike="noStrike" cap="none" normalizeH="0" baseline="0" dirty="0">
-                <a:ln>
-                  <a:noFill/>
-                </a:ln>
-                <a:solidFill>
-                  <a:schemeClr val="tx1"/>
-                </a:solidFill>
-                <a:effectLst/>
+            <a:r>
+              <a:rPr lang="en-US" altLang="ru-RU" dirty="0">
                 <a:latin typeface="Consolas" panose="020B0609020204030204" pitchFamily="49" charset="0"/>
                 <a:ea typeface="Times New Roman" panose="02020603050405020304" pitchFamily="18" charset="0"/>
                 <a:cs typeface="Courier New" panose="02070309020205020404" pitchFamily="49" charset="0"/>
@@ -11294,14 +10407,7 @@
               <a:t>        self._</a:t>
             </a:r>
             <a:r>
-              <a:rPr kumimoji="0" lang="en-US" altLang="ru-RU" b="0" i="0" u="none" strike="noStrike" cap="none" normalizeH="0" baseline="0" dirty="0" err="1">
-                <a:ln>
-                  <a:noFill/>
-                </a:ln>
-                <a:solidFill>
-                  <a:schemeClr val="tx1"/>
-                </a:solidFill>
-                <a:effectLst/>
+              <a:rPr lang="en-US" altLang="ru-RU" dirty="0" err="1">
                 <a:latin typeface="Consolas" panose="020B0609020204030204" pitchFamily="49" charset="0"/>
                 <a:ea typeface="Times New Roman" panose="02020603050405020304" pitchFamily="18" charset="0"/>
                 <a:cs typeface="Courier New" panose="02070309020205020404" pitchFamily="49" charset="0"/>
@@ -11309,14 +10415,7 @@
               <a:t>model.setValue</a:t>
             </a:r>
             <a:r>
-              <a:rPr kumimoji="0" lang="en-US" altLang="ru-RU" b="0" i="0" u="none" strike="noStrike" cap="none" normalizeH="0" baseline="0" dirty="0">
-                <a:ln>
-                  <a:noFill/>
-                </a:ln>
-                <a:solidFill>
-                  <a:schemeClr val="tx1"/>
-                </a:solidFill>
-                <a:effectLst/>
+              <a:rPr lang="en-US" altLang="ru-RU" dirty="0">
                 <a:latin typeface="Consolas" panose="020B0609020204030204" pitchFamily="49" charset="0"/>
                 <a:ea typeface="Times New Roman" panose="02020603050405020304" pitchFamily="18" charset="0"/>
                 <a:cs typeface="Courier New" panose="02070309020205020404" pitchFamily="49" charset="0"/>
@@ -11324,14 +10423,7 @@
               <a:t>(self._</a:t>
             </a:r>
             <a:r>
-              <a:rPr kumimoji="0" lang="en-US" altLang="ru-RU" b="0" i="0" u="none" strike="noStrike" cap="none" normalizeH="0" baseline="0" dirty="0" err="1">
-                <a:ln>
-                  <a:noFill/>
-                </a:ln>
-                <a:solidFill>
-                  <a:schemeClr val="tx1"/>
-                </a:solidFill>
-                <a:effectLst/>
+              <a:rPr lang="en-US" altLang="ru-RU" dirty="0" err="1">
                 <a:latin typeface="Consolas" panose="020B0609020204030204" pitchFamily="49" charset="0"/>
                 <a:ea typeface="Times New Roman" panose="02020603050405020304" pitchFamily="18" charset="0"/>
                 <a:cs typeface="Courier New" panose="02070309020205020404" pitchFamily="49" charset="0"/>
@@ -11339,14 +10431,7 @@
               <a:t>model.value</a:t>
             </a:r>
             <a:r>
-              <a:rPr kumimoji="0" lang="en-US" altLang="ru-RU" b="0" i="0" u="none" strike="noStrike" cap="none" normalizeH="0" baseline="0" dirty="0">
-                <a:ln>
-                  <a:noFill/>
-                </a:ln>
-                <a:solidFill>
-                  <a:schemeClr val="tx1"/>
-                </a:solidFill>
-                <a:effectLst/>
+              <a:rPr lang="en-US" altLang="ru-RU" dirty="0">
                 <a:latin typeface="Consolas" panose="020B0609020204030204" pitchFamily="49" charset="0"/>
                 <a:ea typeface="Times New Roman" panose="02020603050405020304" pitchFamily="18" charset="0"/>
                 <a:cs typeface="Courier New" panose="02070309020205020404" pitchFamily="49" charset="0"/>
@@ -11354,14 +10439,7 @@
               <a:t>()+1)</a:t>
             </a:r>
             <a:r>
-              <a:rPr kumimoji="0" lang="ru-RU" altLang="ru-RU" b="0" i="0" u="none" strike="noStrike" cap="none" normalizeH="0" baseline="0" dirty="0">
-                <a:ln>
-                  <a:noFill/>
-                </a:ln>
-                <a:solidFill>
-                  <a:schemeClr val="tx1"/>
-                </a:solidFill>
-                <a:effectLst/>
+              <a:rPr lang="ru-RU" altLang="ru-RU" dirty="0">
                 <a:latin typeface="Consolas" panose="020B0609020204030204" pitchFamily="49" charset="0"/>
               </a:rPr>
               <a:t> </a:t>
@@ -11765,7 +10843,7 @@
         <p:spPr/>
         <p:txBody>
           <a:bodyPr>
-            <a:normAutofit fontScale="90000"/>
+            <a:normAutofit/>
           </a:bodyPr>
           <a:lstStyle/>
           <a:p>
@@ -11798,7 +10876,7 @@
         </p:blipFill>
         <p:spPr>
           <a:xfrm>
-            <a:off x="1259632" y="1628800"/>
+            <a:off x="2783632" y="1628801"/>
             <a:ext cx="6192688" cy="5037399"/>
           </a:xfrm>
           <a:prstGeom prst="rect">
@@ -11867,7 +10945,7 @@
         </p:nvSpPr>
         <p:spPr>
           <a:xfrm>
-            <a:off x="899592" y="2413338"/>
+            <a:off x="2423592" y="2413339"/>
             <a:ext cx="7056784" cy="2031325"/>
           </a:xfrm>
           <a:prstGeom prst="rect">
@@ -12095,7 +11173,7 @@
         </p:blipFill>
         <p:spPr>
           <a:xfrm>
-            <a:off x="1900904" y="1700807"/>
+            <a:off x="3424905" y="1700808"/>
             <a:ext cx="5760685" cy="5150443"/>
           </a:xfrm>
           <a:prstGeom prst="rect">
@@ -12279,7 +11357,7 @@
         <p:spPr/>
         <p:txBody>
           <a:bodyPr>
-            <a:normAutofit fontScale="92500" lnSpcReduction="20000"/>
+            <a:normAutofit/>
           </a:bodyPr>
           <a:lstStyle/>
           <a:p>
@@ -12887,7 +11965,7 @@
         <p:spPr/>
         <p:txBody>
           <a:bodyPr>
-            <a:normAutofit fontScale="90000"/>
+            <a:normAutofit/>
           </a:bodyPr>
           <a:lstStyle/>
           <a:p>
@@ -12911,7 +11989,7 @@
         <p:spPr/>
         <p:txBody>
           <a:bodyPr>
-            <a:normAutofit fontScale="92500" lnSpcReduction="10000"/>
+            <a:normAutofit/>
           </a:bodyPr>
           <a:lstStyle/>
           <a:p>
@@ -13691,7 +12769,7 @@
         <p:spPr/>
         <p:txBody>
           <a:bodyPr>
-            <a:normAutofit fontScale="90000"/>
+            <a:normAutofit/>
           </a:bodyPr>
           <a:lstStyle/>
           <a:p>
@@ -14168,7 +13246,7 @@
         <p:spPr/>
         <p:txBody>
           <a:bodyPr>
-            <a:normAutofit fontScale="90000"/>
+            <a:normAutofit/>
           </a:bodyPr>
           <a:lstStyle/>
           <a:p>
@@ -14294,7 +13372,7 @@
         <p:spPr/>
         <p:txBody>
           <a:bodyPr>
-            <a:normAutofit fontScale="90000"/>
+            <a:normAutofit/>
           </a:bodyPr>
           <a:lstStyle/>
           <a:p>
@@ -14318,7 +13396,7 @@
         <p:spPr/>
         <p:txBody>
           <a:bodyPr>
-            <a:normAutofit fontScale="77500" lnSpcReduction="20000"/>
+            <a:normAutofit lnSpcReduction="10000"/>
           </a:bodyPr>
           <a:lstStyle/>
           <a:p>
@@ -14984,8 +14062,8 @@
         </p:blipFill>
         <p:spPr>
           <a:xfrm>
-            <a:off x="1915175" y="1774825"/>
-            <a:ext cx="5313650" cy="4625975"/>
+            <a:off x="3598082" y="1825625"/>
+            <a:ext cx="4995835" cy="4351338"/>
           </a:xfrm>
         </p:spPr>
       </p:pic>
@@ -15032,7 +14110,7 @@
         <p:spPr/>
         <p:txBody>
           <a:bodyPr>
-            <a:normAutofit fontScale="90000"/>
+            <a:normAutofit/>
           </a:bodyPr>
           <a:lstStyle/>
           <a:p>
@@ -15181,8 +14259,8 @@
         </p:blipFill>
         <p:spPr>
           <a:xfrm>
-            <a:off x="1728798" y="1774825"/>
-            <a:ext cx="5686404" cy="4625975"/>
+            <a:off x="3421594" y="1825625"/>
+            <a:ext cx="5348811" cy="4351338"/>
           </a:xfrm>
           <a:prstGeom prst="rect">
             <a:avLst/>
@@ -15265,8 +14343,8 @@
         </p:blipFill>
         <p:spPr>
           <a:xfrm>
-            <a:off x="1619672" y="1517567"/>
-            <a:ext cx="5917635" cy="5151794"/>
+            <a:off x="3595473" y="1825625"/>
+            <a:ext cx="5001053" cy="4351338"/>
           </a:xfrm>
         </p:spPr>
       </p:pic>
@@ -15314,7 +14392,7 @@
         </p:nvSpPr>
         <p:spPr>
           <a:xfrm>
-            <a:off x="0" y="1"/>
+            <a:off x="1524000" y="1"/>
             <a:ext cx="9144000" cy="7201972"/>
           </a:xfrm>
           <a:prstGeom prst="rect">
@@ -16955,13 +16033,6 @@
               </a:rPr>
               <a:t>};</a:t>
             </a:r>
-            <a:endParaRPr lang="de-DE" sz="1400" b="0" dirty="0">
-              <a:solidFill>
-                <a:srgbClr val="3B3B3B"/>
-              </a:solidFill>
-              <a:effectLst/>
-              <a:latin typeface="Consolas" panose="020B0609020204030204" pitchFamily="49" charset="0"/>
-            </a:endParaRPr>
           </a:p>
         </p:txBody>
       </p:sp>
@@ -17660,7 +16731,7 @@
         </p:blipFill>
         <p:spPr>
           <a:xfrm>
-            <a:off x="7215505" y="3212976"/>
+            <a:off x="8739506" y="3212976"/>
             <a:ext cx="1612979" cy="1440160"/>
           </a:xfrm>
           <a:prstGeom prst="rect">
@@ -17676,7 +16747,7 @@
         </p:nvSpPr>
         <p:spPr>
           <a:xfrm>
-            <a:off x="95186" y="1484784"/>
+            <a:off x="1619186" y="1484785"/>
             <a:ext cx="6781070" cy="5262979"/>
           </a:xfrm>
           <a:prstGeom prst="rect">
@@ -17691,9 +16762,6 @@
           <a:lstStyle/>
           <a:p>
             <a:pPr>
-              <a:spcAft>
-                <a:spcPts val="0"/>
-              </a:spcAft>
               <a:tabLst>
                 <a:tab pos="581660" algn="l"/>
                 <a:tab pos="1163320" algn="l"/>
@@ -17729,9 +16797,6 @@
           </a:p>
           <a:p>
             <a:pPr>
-              <a:spcAft>
-                <a:spcPts val="0"/>
-              </a:spcAft>
               <a:tabLst>
                 <a:tab pos="581660" algn="l"/>
                 <a:tab pos="1163320" algn="l"/>
@@ -17791,9 +16856,6 @@
           </a:p>
           <a:p>
             <a:pPr>
-              <a:spcAft>
-                <a:spcPts val="0"/>
-              </a:spcAft>
               <a:tabLst>
                 <a:tab pos="581660" algn="l"/>
                 <a:tab pos="1163320" algn="l"/>
@@ -17829,9 +16891,6 @@
           </a:p>
           <a:p>
             <a:pPr>
-              <a:spcAft>
-                <a:spcPts val="0"/>
-              </a:spcAft>
               <a:tabLst>
                 <a:tab pos="581660" algn="l"/>
                 <a:tab pos="1163320" algn="l"/>
@@ -17883,9 +16942,6 @@
           </a:p>
           <a:p>
             <a:pPr>
-              <a:spcAft>
-                <a:spcPts val="0"/>
-              </a:spcAft>
               <a:tabLst>
                 <a:tab pos="581660" algn="l"/>
                 <a:tab pos="1163320" algn="l"/>
@@ -17985,9 +17041,6 @@
           </a:p>
           <a:p>
             <a:pPr>
-              <a:spcAft>
-                <a:spcPts val="0"/>
-              </a:spcAft>
               <a:tabLst>
                 <a:tab pos="581660" algn="l"/>
                 <a:tab pos="1163320" algn="l"/>
@@ -18071,9 +17124,6 @@
           </a:p>
           <a:p>
             <a:pPr>
-              <a:spcAft>
-                <a:spcPts val="0"/>
-              </a:spcAft>
               <a:tabLst>
                 <a:tab pos="581660" algn="l"/>
                 <a:tab pos="1163320" algn="l"/>
@@ -18125,9 +17175,6 @@
           </a:p>
           <a:p>
             <a:pPr>
-              <a:spcAft>
-                <a:spcPts val="0"/>
-              </a:spcAft>
               <a:tabLst>
                 <a:tab pos="581660" algn="l"/>
                 <a:tab pos="1163320" algn="l"/>
@@ -18179,9 +17226,6 @@
           </a:p>
           <a:p>
             <a:pPr>
-              <a:spcAft>
-                <a:spcPts val="0"/>
-              </a:spcAft>
               <a:tabLst>
                 <a:tab pos="581660" algn="l"/>
                 <a:tab pos="1163320" algn="l"/>
@@ -18217,9 +17261,6 @@
           </a:p>
           <a:p>
             <a:pPr>
-              <a:spcAft>
-                <a:spcPts val="0"/>
-              </a:spcAft>
               <a:tabLst>
                 <a:tab pos="581660" algn="l"/>
                 <a:tab pos="1163320" algn="l"/>
@@ -18287,9 +17328,6 @@
           </a:p>
           <a:p>
             <a:pPr>
-              <a:spcAft>
-                <a:spcPts val="0"/>
-              </a:spcAft>
               <a:tabLst>
                 <a:tab pos="581660" algn="l"/>
                 <a:tab pos="1163320" algn="l"/>
@@ -18341,9 +17379,6 @@
           </a:p>
           <a:p>
             <a:pPr>
-              <a:spcAft>
-                <a:spcPts val="0"/>
-              </a:spcAft>
               <a:tabLst>
                 <a:tab pos="581660" algn="l"/>
                 <a:tab pos="1163320" algn="l"/>
@@ -18395,9 +17430,6 @@
           </a:p>
           <a:p>
             <a:pPr>
-              <a:spcAft>
-                <a:spcPts val="0"/>
-              </a:spcAft>
               <a:tabLst>
                 <a:tab pos="581660" algn="l"/>
                 <a:tab pos="1163320" algn="l"/>
@@ -18449,9 +17481,6 @@
           </a:p>
           <a:p>
             <a:pPr>
-              <a:spcAft>
-                <a:spcPts val="0"/>
-              </a:spcAft>
               <a:tabLst>
                 <a:tab pos="581660" algn="l"/>
                 <a:tab pos="1163320" algn="l"/>
@@ -18487,9 +17516,6 @@
           </a:p>
           <a:p>
             <a:pPr>
-              <a:spcAft>
-                <a:spcPts val="0"/>
-              </a:spcAft>
               <a:tabLst>
                 <a:tab pos="581660" algn="l"/>
                 <a:tab pos="1163320" algn="l"/>
@@ -18541,9 +17567,6 @@
           </a:p>
           <a:p>
             <a:pPr>
-              <a:spcAft>
-                <a:spcPts val="0"/>
-              </a:spcAft>
               <a:tabLst>
                 <a:tab pos="581660" algn="l"/>
                 <a:tab pos="1163320" algn="l"/>
@@ -18627,9 +17650,6 @@
           </a:p>
           <a:p>
             <a:pPr>
-              <a:spcAft>
-                <a:spcPts val="0"/>
-              </a:spcAft>
               <a:tabLst>
                 <a:tab pos="581660" algn="l"/>
                 <a:tab pos="1163320" algn="l"/>
@@ -18665,9 +17685,6 @@
           </a:p>
           <a:p>
             <a:pPr>
-              <a:spcAft>
-                <a:spcPts val="0"/>
-              </a:spcAft>
               <a:tabLst>
                 <a:tab pos="581660" algn="l"/>
                 <a:tab pos="1163320" algn="l"/>
@@ -18735,9 +17752,6 @@
           </a:p>
           <a:p>
             <a:pPr>
-              <a:spcAft>
-                <a:spcPts val="0"/>
-              </a:spcAft>
               <a:tabLst>
                 <a:tab pos="581660" algn="l"/>
                 <a:tab pos="1163320" algn="l"/>
@@ -18773,9 +17787,6 @@
           </a:p>
           <a:p>
             <a:pPr>
-              <a:spcAft>
-                <a:spcPts val="0"/>
-              </a:spcAft>
               <a:tabLst>
                 <a:tab pos="581660" algn="l"/>
                 <a:tab pos="1163320" algn="l"/>
@@ -18819,9 +17830,6 @@
           </a:p>
           <a:p>
             <a:pPr>
-              <a:spcAft>
-                <a:spcPts val="0"/>
-              </a:spcAft>
               <a:tabLst>
                 <a:tab pos="581660" algn="l"/>
                 <a:tab pos="1163320" algn="l"/>
@@ -18871,7 +17879,7 @@
         </p:nvSpPr>
         <p:spPr>
           <a:xfrm>
-            <a:off x="2627784" y="6584740"/>
+            <a:off x="4151784" y="6584740"/>
             <a:ext cx="6588224" cy="261610"/>
           </a:xfrm>
           <a:prstGeom prst="rect">
@@ -18926,7 +17934,7 @@
         </p:blipFill>
         <p:spPr bwMode="auto">
           <a:xfrm>
-            <a:off x="6737930" y="4815835"/>
+            <a:off x="8261931" y="4815835"/>
             <a:ext cx="2300089" cy="1728244"/>
           </a:xfrm>
           <a:prstGeom prst="rect">
@@ -19722,7 +18730,7 @@
         <p:spPr/>
         <p:txBody>
           <a:bodyPr>
-            <a:normAutofit lnSpcReduction="10000"/>
+            <a:normAutofit/>
           </a:bodyPr>
           <a:lstStyle/>
           <a:p>
@@ -20288,7 +19296,7 @@
         <p:spPr/>
         <p:txBody>
           <a:bodyPr>
-            <a:normAutofit fontScale="90000"/>
+            <a:normAutofit/>
           </a:bodyPr>
           <a:lstStyle/>
           <a:p>
@@ -20614,7 +19622,7 @@
         </p:blipFill>
         <p:spPr>
           <a:xfrm>
-            <a:off x="4932040" y="2996952"/>
+            <a:off x="6456041" y="2996952"/>
             <a:ext cx="3914705" cy="2117136"/>
           </a:xfrm>
           <a:prstGeom prst="rect">
@@ -20680,7 +19688,7 @@
         </p:blipFill>
         <p:spPr>
           <a:xfrm>
-            <a:off x="2195736" y="309498"/>
+            <a:off x="3719736" y="309498"/>
             <a:ext cx="6120680" cy="6401888"/>
           </a:xfrm>
           <a:prstGeom prst="rect">
@@ -20932,7 +19940,7 @@
         </p:blipFill>
         <p:spPr bwMode="auto">
           <a:xfrm>
-            <a:off x="1109033" y="1988840"/>
+            <a:off x="2633034" y="1988841"/>
             <a:ext cx="6925933" cy="3887283"/>
           </a:xfrm>
           <a:prstGeom prst="rect">
@@ -21293,7 +20301,7 @@
         <p:spPr/>
         <p:txBody>
           <a:bodyPr>
-            <a:normAutofit fontScale="77500" lnSpcReduction="20000"/>
+            <a:normAutofit fontScale="92500" lnSpcReduction="20000"/>
           </a:bodyPr>
           <a:lstStyle/>
           <a:p>
@@ -21556,7 +20564,7 @@
         </p:blipFill>
         <p:spPr>
           <a:xfrm>
-            <a:off x="179512" y="1844824"/>
+            <a:off x="1703512" y="1844825"/>
             <a:ext cx="8280920" cy="3622903"/>
           </a:xfrm>
         </p:spPr>
@@ -21745,7 +20753,7 @@
         <p:spPr/>
         <p:txBody>
           <a:bodyPr>
-            <a:normAutofit fontScale="92500" lnSpcReduction="20000"/>
+            <a:normAutofit/>
           </a:bodyPr>
           <a:lstStyle/>
           <a:p>
@@ -22395,7 +21403,7 @@
         <p:spPr/>
         <p:txBody>
           <a:bodyPr>
-            <a:normAutofit fontScale="92500" lnSpcReduction="20000"/>
+            <a:normAutofit/>
           </a:bodyPr>
           <a:lstStyle/>
           <a:p>
@@ -22987,8 +21995,8 @@
         </p:blipFill>
         <p:spPr>
           <a:xfrm>
-            <a:off x="457200" y="2564904"/>
-            <a:ext cx="8240432" cy="3168351"/>
+            <a:off x="3209522" y="2891476"/>
+            <a:ext cx="5772956" cy="2219635"/>
           </a:xfrm>
         </p:spPr>
       </p:pic>
@@ -23173,7 +22181,7 @@
         <p:spPr/>
         <p:txBody>
           <a:bodyPr>
-            <a:normAutofit fontScale="92500" lnSpcReduction="10000"/>
+            <a:normAutofit/>
           </a:bodyPr>
           <a:lstStyle/>
           <a:p>
@@ -23737,7 +22745,7 @@
         <p:spPr/>
         <p:txBody>
           <a:bodyPr>
-            <a:normAutofit fontScale="85000" lnSpcReduction="20000"/>
+            <a:normAutofit lnSpcReduction="10000"/>
           </a:bodyPr>
           <a:lstStyle/>
           <a:p>
@@ -24714,9 +23722,9 @@
 </file>
 
 <file path=ppt/theme/theme1.xml><?xml version="1.0" encoding="utf-8"?>
-<a:theme xmlns:a="http://schemas.openxmlformats.org/drawingml/2006/main" name="Модульная">
+<a:theme xmlns:a="http://schemas.openxmlformats.org/drawingml/2006/main" name="Office Theme">
   <a:themeElements>
-    <a:clrScheme name="Модульная">
+    <a:clrScheme name="Office">
       <a:dk1>
         <a:sysClr val="windowText" lastClr="000000"/>
       </a:dk1>
@@ -24724,44 +23732,44 @@
         <a:sysClr val="window" lastClr="FFFFFF"/>
       </a:lt1>
       <a:dk2>
-        <a:srgbClr val="5A6378"/>
+        <a:srgbClr val="0E2841"/>
       </a:dk2>
       <a:lt2>
-        <a:srgbClr val="D4D4D6"/>
+        <a:srgbClr val="E8E8E8"/>
       </a:lt2>
       <a:accent1>
-        <a:srgbClr val="F0AD00"/>
+        <a:srgbClr val="156082"/>
       </a:accent1>
       <a:accent2>
-        <a:srgbClr val="60B5CC"/>
+        <a:srgbClr val="E97132"/>
       </a:accent2>
       <a:accent3>
-        <a:srgbClr val="E66C7D"/>
+        <a:srgbClr val="196B24"/>
       </a:accent3>
       <a:accent4>
-        <a:srgbClr val="6BB76D"/>
+        <a:srgbClr val="0F9ED5"/>
       </a:accent4>
       <a:accent5>
-        <a:srgbClr val="E88651"/>
+        <a:srgbClr val="A02B93"/>
       </a:accent5>
       <a:accent6>
-        <a:srgbClr val="C64847"/>
+        <a:srgbClr val="4EA72E"/>
       </a:accent6>
       <a:hlink>
-        <a:srgbClr val="168BBA"/>
+        <a:srgbClr val="467886"/>
       </a:hlink>
       <a:folHlink>
-        <a:srgbClr val="680000"/>
+        <a:srgbClr val="96607D"/>
       </a:folHlink>
     </a:clrScheme>
-    <a:fontScheme name="Стандартная">
+    <a:fontScheme name="Office">
       <a:majorFont>
-        <a:latin typeface="Calibri"/>
+        <a:latin typeface="Aptos Display" panose="02110004020202020204"/>
         <a:ea typeface=""/>
         <a:cs typeface=""/>
-        <a:font script="Jpan" typeface="ＭＳ Ｐゴシック"/>
+        <a:font script="Jpan" typeface="游ゴシック Light"/>
         <a:font script="Hang" typeface="맑은 고딕"/>
-        <a:font script="Hans" typeface="宋体"/>
+        <a:font script="Hans" typeface="等线 Light"/>
         <a:font script="Hant" typeface="新細明體"/>
         <a:font script="Arab" typeface="Times New Roman"/>
         <a:font script="Hebr" typeface="Times New Roman"/>
@@ -24789,14 +23797,31 @@
         <a:font script="Viet" typeface="Times New Roman"/>
         <a:font script="Uigh" typeface="Microsoft Uighur"/>
         <a:font script="Geor" typeface="Sylfaen"/>
+        <a:font script="Armn" typeface="Arial"/>
+        <a:font script="Bugi" typeface="Leelawadee UI"/>
+        <a:font script="Bopo" typeface="Microsoft JhengHei"/>
+        <a:font script="Java" typeface="Javanese Text"/>
+        <a:font script="Lisu" typeface="Segoe UI"/>
+        <a:font script="Mymr" typeface="Myanmar Text"/>
+        <a:font script="Nkoo" typeface="Ebrima"/>
+        <a:font script="Olck" typeface="Nirmala UI"/>
+        <a:font script="Osma" typeface="Ebrima"/>
+        <a:font script="Phag" typeface="Phagspa"/>
+        <a:font script="Syrn" typeface="Estrangelo Edessa"/>
+        <a:font script="Syrj" typeface="Estrangelo Edessa"/>
+        <a:font script="Syre" typeface="Estrangelo Edessa"/>
+        <a:font script="Sora" typeface="Nirmala UI"/>
+        <a:font script="Tale" typeface="Microsoft Tai Le"/>
+        <a:font script="Talu" typeface="Microsoft New Tai Lue"/>
+        <a:font script="Tfng" typeface="Ebrima"/>
       </a:majorFont>
       <a:minorFont>
-        <a:latin typeface="Calibri"/>
+        <a:latin typeface="Aptos" panose="02110004020202020204"/>
         <a:ea typeface=""/>
         <a:cs typeface=""/>
-        <a:font script="Jpan" typeface="ＭＳ Ｐゴシック"/>
+        <a:font script="Jpan" typeface="游ゴシック"/>
         <a:font script="Hang" typeface="맑은 고딕"/>
-        <a:font script="Hans" typeface="宋体"/>
+        <a:font script="Hans" typeface="等线"/>
         <a:font script="Hant" typeface="新細明體"/>
         <a:font script="Arab" typeface="Arial"/>
         <a:font script="Hebr" typeface="Arial"/>
@@ -24824,9 +23849,26 @@
         <a:font script="Viet" typeface="Arial"/>
         <a:font script="Uigh" typeface="Microsoft Uighur"/>
         <a:font script="Geor" typeface="Sylfaen"/>
+        <a:font script="Armn" typeface="Arial"/>
+        <a:font script="Bugi" typeface="Leelawadee UI"/>
+        <a:font script="Bopo" typeface="Microsoft JhengHei"/>
+        <a:font script="Java" typeface="Javanese Text"/>
+        <a:font script="Lisu" typeface="Segoe UI"/>
+        <a:font script="Mymr" typeface="Myanmar Text"/>
+        <a:font script="Nkoo" typeface="Ebrima"/>
+        <a:font script="Olck" typeface="Nirmala UI"/>
+        <a:font script="Osma" typeface="Ebrima"/>
+        <a:font script="Phag" typeface="Phagspa"/>
+        <a:font script="Syrn" typeface="Estrangelo Edessa"/>
+        <a:font script="Syrj" typeface="Estrangelo Edessa"/>
+        <a:font script="Syre" typeface="Estrangelo Edessa"/>
+        <a:font script="Sora" typeface="Nirmala UI"/>
+        <a:font script="Tale" typeface="Microsoft Tai Le"/>
+        <a:font script="Talu" typeface="Microsoft New Tai Lue"/>
+        <a:font script="Tfng" typeface="Ebrima"/>
       </a:minorFont>
     </a:fontScheme>
-    <a:fmtScheme name="Модульная">
+    <a:fmtScheme name="Office">
       <a:fillStyleLst>
         <a:solidFill>
           <a:schemeClr val="phClr"/>
@@ -24835,166 +23877,162 @@
           <a:gsLst>
             <a:gs pos="0">
               <a:schemeClr val="phClr">
-                <a:tint val="50000"/>
-                <a:satMod val="300000"/>
+                <a:lumMod val="110000"/>
+                <a:satMod val="105000"/>
+                <a:tint val="67000"/>
               </a:schemeClr>
             </a:gs>
-            <a:gs pos="35000">
+            <a:gs pos="50000">
               <a:schemeClr val="phClr">
-                <a:tint val="37000"/>
-                <a:satMod val="300000"/>
+                <a:lumMod val="105000"/>
+                <a:satMod val="103000"/>
+                <a:tint val="73000"/>
               </a:schemeClr>
             </a:gs>
             <a:gs pos="100000">
               <a:schemeClr val="phClr">
-                <a:tint val="15000"/>
-                <a:satMod val="350000"/>
+                <a:lumMod val="105000"/>
+                <a:satMod val="109000"/>
+                <a:tint val="81000"/>
               </a:schemeClr>
             </a:gs>
           </a:gsLst>
-          <a:lin ang="16200000" scaled="1"/>
+          <a:lin ang="5400000" scaled="0"/>
         </a:gradFill>
         <a:gradFill rotWithShape="1">
           <a:gsLst>
             <a:gs pos="0">
               <a:schemeClr val="phClr">
-                <a:shade val="47500"/>
-                <a:satMod val="137000"/>
+                <a:satMod val="103000"/>
+                <a:lumMod val="102000"/>
+                <a:tint val="94000"/>
               </a:schemeClr>
             </a:gs>
-            <a:gs pos="55000">
+            <a:gs pos="50000">
               <a:schemeClr val="phClr">
-                <a:shade val="69000"/>
-                <a:satMod val="137000"/>
+                <a:satMod val="110000"/>
+                <a:lumMod val="100000"/>
+                <a:shade val="100000"/>
               </a:schemeClr>
             </a:gs>
             <a:gs pos="100000">
               <a:schemeClr val="phClr">
-                <a:shade val="98000"/>
-                <a:satMod val="137000"/>
+                <a:lumMod val="99000"/>
+                <a:satMod val="120000"/>
+                <a:shade val="78000"/>
               </a:schemeClr>
             </a:gs>
           </a:gsLst>
-          <a:lin ang="16200000" scaled="0"/>
+          <a:lin ang="5400000" scaled="0"/>
         </a:gradFill>
       </a:fillStyleLst>
       <a:lnStyleLst>
-        <a:ln w="6350" cap="rnd" cmpd="sng" algn="ctr">
-          <a:solidFill>
-            <a:schemeClr val="phClr">
-              <a:shade val="95000"/>
-              <a:satMod val="105000"/>
-            </a:schemeClr>
-          </a:solidFill>
-          <a:prstDash val="solid"/>
-        </a:ln>
-        <a:ln w="48000" cap="flat" cmpd="thickThin" algn="ctr">
+        <a:ln w="12700" cap="flat" cmpd="sng" algn="ctr">
           <a:solidFill>
             <a:schemeClr val="phClr"/>
           </a:solidFill>
           <a:prstDash val="solid"/>
+          <a:miter lim="800000"/>
         </a:ln>
-        <a:ln w="48500" cap="flat" cmpd="thickThin" algn="ctr">
+        <a:ln w="19050" cap="flat" cmpd="sng" algn="ctr">
           <a:solidFill>
             <a:schemeClr val="phClr"/>
           </a:solidFill>
           <a:prstDash val="solid"/>
+          <a:miter lim="800000"/>
+        </a:ln>
+        <a:ln w="25400" cap="flat" cmpd="sng" algn="ctr">
+          <a:solidFill>
+            <a:schemeClr val="phClr"/>
+          </a:solidFill>
+          <a:prstDash val="solid"/>
+          <a:miter lim="800000"/>
         </a:ln>
       </a:lnStyleLst>
       <a:effectStyleLst>
         <a:effectStyle>
+          <a:effectLst/>
+        </a:effectStyle>
+        <a:effectStyle>
+          <a:effectLst/>
+        </a:effectStyle>
+        <a:effectStyle>
           <a:effectLst>
-            <a:outerShdw blurRad="45000" dist="25000" dir="5400000" rotWithShape="0">
+            <a:outerShdw blurRad="57150" dist="19050" dir="5400000" algn="ctr" rotWithShape="0">
               <a:srgbClr val="000000">
-                <a:alpha val="38000"/>
+                <a:alpha val="63000"/>
               </a:srgbClr>
             </a:outerShdw>
           </a:effectLst>
-        </a:effectStyle>
-        <a:effectStyle>
-          <a:effectLst>
-            <a:outerShdw blurRad="39000" dist="25400" dir="5400000" rotWithShape="0">
-              <a:srgbClr val="000000">
-                <a:alpha val="38000"/>
-              </a:srgbClr>
-            </a:outerShdw>
-          </a:effectLst>
-        </a:effectStyle>
-        <a:effectStyle>
-          <a:effectLst>
-            <a:outerShdw blurRad="39000" dist="25400" dir="5400000" rotWithShape="0">
-              <a:srgbClr val="000000">
-                <a:alpha val="38000"/>
-              </a:srgbClr>
-            </a:outerShdw>
-          </a:effectLst>
-          <a:scene3d>
-            <a:camera prst="orthographicFront" fov="0">
-              <a:rot lat="0" lon="0" rev="0"/>
-            </a:camera>
-            <a:lightRig rig="threePt" dir="t">
-              <a:rot lat="0" lon="0" rev="1800000"/>
-            </a:lightRig>
-          </a:scene3d>
-          <a:sp3d prstMaterial="matte">
-            <a:bevelT h="20000"/>
-          </a:sp3d>
         </a:effectStyle>
       </a:effectStyleLst>
       <a:bgFillStyleLst>
         <a:solidFill>
           <a:schemeClr val="phClr"/>
         </a:solidFill>
+        <a:solidFill>
+          <a:schemeClr val="phClr">
+            <a:tint val="95000"/>
+            <a:satMod val="170000"/>
+          </a:schemeClr>
+        </a:solidFill>
         <a:gradFill rotWithShape="1">
           <a:gsLst>
             <a:gs pos="0">
               <a:schemeClr val="phClr">
-                <a:tint val="48000"/>
-                <a:satMod val="300000"/>
+                <a:tint val="93000"/>
+                <a:satMod val="150000"/>
+                <a:shade val="98000"/>
+                <a:lumMod val="102000"/>
               </a:schemeClr>
             </a:gs>
-            <a:gs pos="12000">
+            <a:gs pos="50000">
               <a:schemeClr val="phClr">
-                <a:tint val="48000"/>
-                <a:satMod val="300000"/>
-              </a:schemeClr>
-            </a:gs>
-            <a:gs pos="20000">
-              <a:schemeClr val="phClr">
-                <a:tint val="49000"/>
-                <a:satMod val="300000"/>
+                <a:tint val="98000"/>
+                <a:satMod val="130000"/>
+                <a:shade val="90000"/>
+                <a:lumMod val="103000"/>
               </a:schemeClr>
             </a:gs>
             <a:gs pos="100000">
               <a:schemeClr val="phClr">
-                <a:shade val="30000"/>
+                <a:shade val="63000"/>
+                <a:satMod val="120000"/>
               </a:schemeClr>
             </a:gs>
           </a:gsLst>
-          <a:path path="circle">
-            <a:fillToRect l="10000" t="-25000" r="10000" b="125000"/>
-          </a:path>
+          <a:lin ang="5400000" scaled="0"/>
         </a:gradFill>
-        <a:blipFill>
-          <a:blip xmlns:r="http://schemas.openxmlformats.org/officeDocument/2006/relationships" r:embed="rId1">
-            <a:duotone>
-              <a:schemeClr val="phClr">
-                <a:shade val="75000"/>
-                <a:satMod val="105000"/>
-              </a:schemeClr>
-              <a:schemeClr val="phClr">
-                <a:tint val="95000"/>
-                <a:satMod val="105000"/>
-              </a:schemeClr>
-            </a:duotone>
-          </a:blip>
-          <a:tile tx="0" ty="0" sx="38000" sy="38000" flip="none" algn="tl"/>
-        </a:blipFill>
       </a:bgFillStyleLst>
     </a:fmtScheme>
   </a:themeElements>
-  <a:objectDefaults/>
+  <a:objectDefaults>
+    <a:lnDef>
+      <a:spPr/>
+      <a:bodyPr/>
+      <a:lstStyle/>
+      <a:style>
+        <a:lnRef idx="2">
+          <a:schemeClr val="accent1"/>
+        </a:lnRef>
+        <a:fillRef idx="0">
+          <a:schemeClr val="accent1"/>
+        </a:fillRef>
+        <a:effectRef idx="1">
+          <a:schemeClr val="accent1"/>
+        </a:effectRef>
+        <a:fontRef idx="minor">
+          <a:schemeClr val="tx1"/>
+        </a:fontRef>
+      </a:style>
+    </a:lnDef>
+  </a:objectDefaults>
   <a:extraClrSchemeLst/>
+  <a:extLst>
+    <a:ext uri="{05A4C25C-085E-4340-85A3-A5531E510DB2}">
+      <thm15:themeFamily xmlns:thm15="http://schemas.microsoft.com/office/thememl/2012/main" name="Office Theme" id="{2E142A2C-CD16-42D6-873A-C26D2A0506FA}" vid="{1BDDFF52-6CD6-40A5-AB3C-68EB2F1E4D0A}"/>
+    </a:ext>
+  </a:extLst>
 </a:theme>
 </file>
 
@@ -25285,7 +24323,7 @@
 
 <file path=customXml/item1.xml><?xml version="1.0" encoding="utf-8"?>
 <Control xmlns="http://schemas.microsoft.com/VisualStudio/2011/storyboarding/control">
-  <Id Name="System.Storyboarding.Common.Text" Revision="1" Stencil="System.Storyboarding.Common" StencilVersion="0.1"/>
+  <Id Name="System.Storyboarding.Common.TextInput" Revision="1" Stencil="System.Storyboarding.Common" StencilVersion="0.1"/>
 </Control>
 </file>
 
@@ -25315,19 +24353,19 @@
 
 <file path=customXml/item6.xml><?xml version="1.0" encoding="utf-8"?>
 <Control xmlns="http://schemas.microsoft.com/VisualStudio/2011/storyboarding/control">
-  <Id Name="System.Storyboarding.Common.TextInput" Revision="1" Stencil="System.Storyboarding.Common" StencilVersion="0.1"/>
+  <Id Name="System.Storyboarding.Common.Text" Revision="1" Stencil="System.Storyboarding.Common" StencilVersion="0.1"/>
 </Control>
 </file>
 
 <file path=customXml/item7.xml><?xml version="1.0" encoding="utf-8"?>
 <Control xmlns="http://schemas.microsoft.com/VisualStudio/2011/storyboarding/control">
-  <Id Name="System.Storyboarding.Common.TextInput" Revision="1" Stencil="System.Storyboarding.Common" StencilVersion="0.1"/>
+  <Id Name="System.Storyboarding.Common.Text" Revision="1" Stencil="System.Storyboarding.Common" StencilVersion="0.1"/>
 </Control>
 </file>
 
 <file path=customXml/item8.xml><?xml version="1.0" encoding="utf-8"?>
 <Control xmlns="http://schemas.microsoft.com/VisualStudio/2011/storyboarding/control">
-  <Id Name="System.Storyboarding.Common.Text" Revision="1" Stencil="System.Storyboarding.Common" StencilVersion="0.1"/>
+  <Id Name="System.Storyboarding.Common.TextInput" Revision="1" Stencil="System.Storyboarding.Common" StencilVersion="0.1"/>
 </Control>
 </file>
 
@@ -25338,7 +24376,7 @@
 </file>
 
 <file path=customXml/itemProps1.xml><?xml version="1.0" encoding="utf-8"?>
-<ds:datastoreItem xmlns:ds="http://schemas.openxmlformats.org/officeDocument/2006/customXml" ds:itemID="{F0C7AE7B-513B-452E-8E39-1FB70E99A509}">
+<ds:datastoreItem xmlns:ds="http://schemas.openxmlformats.org/officeDocument/2006/customXml" ds:itemID="{1B9DC17B-761D-47FA-A3C0-E53584C6A4A6}">
   <ds:schemaRefs>
     <ds:schemaRef ds:uri="http://schemas.microsoft.com/VisualStudio/2011/storyboarding/control"/>
   </ds:schemaRefs>
@@ -25346,7 +24384,7 @@
 </file>
 
 <file path=customXml/itemProps2.xml><?xml version="1.0" encoding="utf-8"?>
-<ds:datastoreItem xmlns:ds="http://schemas.openxmlformats.org/officeDocument/2006/customXml" ds:itemID="{E1DD6387-A549-483B-9966-FFE705E0180B}">
+<ds:datastoreItem xmlns:ds="http://schemas.openxmlformats.org/officeDocument/2006/customXml" ds:itemID="{8F525B19-BA52-4B0B-AC85-084E0FF3E37E}">
   <ds:schemaRefs>
     <ds:schemaRef ds:uri="http://schemas.microsoft.com/VisualStudio/2011/storyboarding/control"/>
   </ds:schemaRefs>
@@ -25362,6 +24400,22 @@
 </file>
 
 <file path=customXml/itemProps4.xml><?xml version="1.0" encoding="utf-8"?>
+<ds:datastoreItem xmlns:ds="http://schemas.openxmlformats.org/officeDocument/2006/customXml" ds:itemID="{F0C7AE7B-513B-452E-8E39-1FB70E99A509}">
+  <ds:schemaRefs>
+    <ds:schemaRef ds:uri="http://schemas.microsoft.com/VisualStudio/2011/storyboarding/control"/>
+  </ds:schemaRefs>
+</ds:datastoreItem>
+</file>
+
+<file path=customXml/itemProps5.xml><?xml version="1.0" encoding="utf-8"?>
+<ds:datastoreItem xmlns:ds="http://schemas.openxmlformats.org/officeDocument/2006/customXml" ds:itemID="{425F175B-3530-4A4B-926B-CB7170700CBF}">
+  <ds:schemaRefs>
+    <ds:schemaRef ds:uri="http://schemas.microsoft.com/VisualStudio/2011/storyboarding/control"/>
+  </ds:schemaRefs>
+</ds:datastoreItem>
+</file>
+
+<file path=customXml/itemProps6.xml><?xml version="1.0" encoding="utf-8"?>
 <ds:datastoreItem xmlns:ds="http://schemas.openxmlformats.org/officeDocument/2006/customXml" ds:itemID="{FAE8ECFE-A746-4CED-8EC6-FB25DA17D2C8}">
   <ds:schemaRefs>
     <ds:schemaRef ds:uri="http://schemas.microsoft.com/VisualStudio/2011/storyboarding/control"/>
@@ -25369,23 +24423,15 @@
 </ds:datastoreItem>
 </file>
 
-<file path=customXml/itemProps5.xml><?xml version="1.0" encoding="utf-8"?>
-<ds:datastoreItem xmlns:ds="http://schemas.openxmlformats.org/officeDocument/2006/customXml" ds:itemID="{1B9DC17B-761D-47FA-A3C0-E53584C6A4A6}">
+<file path=customXml/itemProps7.xml><?xml version="1.0" encoding="utf-8"?>
+<ds:datastoreItem xmlns:ds="http://schemas.openxmlformats.org/officeDocument/2006/customXml" ds:itemID="{09A7D8BD-D412-472A-9605-CA2D10183910}">
   <ds:schemaRefs>
     <ds:schemaRef ds:uri="http://schemas.microsoft.com/VisualStudio/2011/storyboarding/control"/>
   </ds:schemaRefs>
 </ds:datastoreItem>
 </file>
 
-<file path=customXml/itemProps6.xml><?xml version="1.0" encoding="utf-8"?>
-<ds:datastoreItem xmlns:ds="http://schemas.openxmlformats.org/officeDocument/2006/customXml" ds:itemID="{425F175B-3530-4A4B-926B-CB7170700CBF}">
-  <ds:schemaRefs>
-    <ds:schemaRef ds:uri="http://schemas.microsoft.com/VisualStudio/2011/storyboarding/control"/>
-  </ds:schemaRefs>
-</ds:datastoreItem>
-</file>
-
-<file path=customXml/itemProps7.xml><?xml version="1.0" encoding="utf-8"?>
+<file path=customXml/itemProps8.xml><?xml version="1.0" encoding="utf-8"?>
 <ds:datastoreItem xmlns:ds="http://schemas.openxmlformats.org/officeDocument/2006/customXml" ds:itemID="{A8016BC2-1C33-498E-A9F9-5B817A65B8AA}">
   <ds:schemaRefs>
     <ds:schemaRef ds:uri="http://schemas.microsoft.com/VisualStudio/2011/storyboarding/control"/>
@@ -25393,16 +24439,8 @@
 </ds:datastoreItem>
 </file>
 
-<file path=customXml/itemProps8.xml><?xml version="1.0" encoding="utf-8"?>
-<ds:datastoreItem xmlns:ds="http://schemas.openxmlformats.org/officeDocument/2006/customXml" ds:itemID="{8F525B19-BA52-4B0B-AC85-084E0FF3E37E}">
-  <ds:schemaRefs>
-    <ds:schemaRef ds:uri="http://schemas.microsoft.com/VisualStudio/2011/storyboarding/control"/>
-  </ds:schemaRefs>
-</ds:datastoreItem>
-</file>
-
 <file path=customXml/itemProps9.xml><?xml version="1.0" encoding="utf-8"?>
-<ds:datastoreItem xmlns:ds="http://schemas.openxmlformats.org/officeDocument/2006/customXml" ds:itemID="{09A7D8BD-D412-472A-9605-CA2D10183910}">
+<ds:datastoreItem xmlns:ds="http://schemas.openxmlformats.org/officeDocument/2006/customXml" ds:itemID="{E1DD6387-A549-483B-9966-FFE705E0180B}">
   <ds:schemaRefs>
     <ds:schemaRef ds:uri="http://schemas.microsoft.com/VisualStudio/2011/storyboarding/control"/>
   </ds:schemaRefs>
